--- a/设计图.pptx
+++ b/设计图.pptx
@@ -278,7 +278,7 @@
           <a:p>
             <a:fld id="{DCF5B490-EC53-4970-A7CC-6E0AB35949B8}" type="datetimeFigureOut">
               <a:rPr lang="zh-CN" altLang="en-US" smtClean="0"/>
-              <a:t>2019/10/16</a:t>
+              <a:t>2019/10/17</a:t>
             </a:fld>
             <a:endParaRPr lang="zh-CN" altLang="en-US"/>
           </a:p>
@@ -476,7 +476,7 @@
           <a:p>
             <a:fld id="{DCF5B490-EC53-4970-A7CC-6E0AB35949B8}" type="datetimeFigureOut">
               <a:rPr lang="zh-CN" altLang="en-US" smtClean="0"/>
-              <a:t>2019/10/16</a:t>
+              <a:t>2019/10/17</a:t>
             </a:fld>
             <a:endParaRPr lang="zh-CN" altLang="en-US"/>
           </a:p>
@@ -684,7 +684,7 @@
           <a:p>
             <a:fld id="{DCF5B490-EC53-4970-A7CC-6E0AB35949B8}" type="datetimeFigureOut">
               <a:rPr lang="zh-CN" altLang="en-US" smtClean="0"/>
-              <a:t>2019/10/16</a:t>
+              <a:t>2019/10/17</a:t>
             </a:fld>
             <a:endParaRPr lang="zh-CN" altLang="en-US"/>
           </a:p>
@@ -882,7 +882,7 @@
           <a:p>
             <a:fld id="{DCF5B490-EC53-4970-A7CC-6E0AB35949B8}" type="datetimeFigureOut">
               <a:rPr lang="zh-CN" altLang="en-US" smtClean="0"/>
-              <a:t>2019/10/16</a:t>
+              <a:t>2019/10/17</a:t>
             </a:fld>
             <a:endParaRPr lang="zh-CN" altLang="en-US"/>
           </a:p>
@@ -1157,7 +1157,7 @@
           <a:p>
             <a:fld id="{DCF5B490-EC53-4970-A7CC-6E0AB35949B8}" type="datetimeFigureOut">
               <a:rPr lang="zh-CN" altLang="en-US" smtClean="0"/>
-              <a:t>2019/10/16</a:t>
+              <a:t>2019/10/17</a:t>
             </a:fld>
             <a:endParaRPr lang="zh-CN" altLang="en-US"/>
           </a:p>
@@ -1422,7 +1422,7 @@
           <a:p>
             <a:fld id="{DCF5B490-EC53-4970-A7CC-6E0AB35949B8}" type="datetimeFigureOut">
               <a:rPr lang="zh-CN" altLang="en-US" smtClean="0"/>
-              <a:t>2019/10/16</a:t>
+              <a:t>2019/10/17</a:t>
             </a:fld>
             <a:endParaRPr lang="zh-CN" altLang="en-US"/>
           </a:p>
@@ -1834,7 +1834,7 @@
           <a:p>
             <a:fld id="{DCF5B490-EC53-4970-A7CC-6E0AB35949B8}" type="datetimeFigureOut">
               <a:rPr lang="zh-CN" altLang="en-US" smtClean="0"/>
-              <a:t>2019/10/16</a:t>
+              <a:t>2019/10/17</a:t>
             </a:fld>
             <a:endParaRPr lang="zh-CN" altLang="en-US"/>
           </a:p>
@@ -1975,7 +1975,7 @@
           <a:p>
             <a:fld id="{DCF5B490-EC53-4970-A7CC-6E0AB35949B8}" type="datetimeFigureOut">
               <a:rPr lang="zh-CN" altLang="en-US" smtClean="0"/>
-              <a:t>2019/10/16</a:t>
+              <a:t>2019/10/17</a:t>
             </a:fld>
             <a:endParaRPr lang="zh-CN" altLang="en-US"/>
           </a:p>
@@ -2088,7 +2088,7 @@
           <a:p>
             <a:fld id="{DCF5B490-EC53-4970-A7CC-6E0AB35949B8}" type="datetimeFigureOut">
               <a:rPr lang="zh-CN" altLang="en-US" smtClean="0"/>
-              <a:t>2019/10/16</a:t>
+              <a:t>2019/10/17</a:t>
             </a:fld>
             <a:endParaRPr lang="zh-CN" altLang="en-US"/>
           </a:p>
@@ -2399,7 +2399,7 @@
           <a:p>
             <a:fld id="{DCF5B490-EC53-4970-A7CC-6E0AB35949B8}" type="datetimeFigureOut">
               <a:rPr lang="zh-CN" altLang="en-US" smtClean="0"/>
-              <a:t>2019/10/16</a:t>
+              <a:t>2019/10/17</a:t>
             </a:fld>
             <a:endParaRPr lang="zh-CN" altLang="en-US"/>
           </a:p>
@@ -2687,7 +2687,7 @@
           <a:p>
             <a:fld id="{DCF5B490-EC53-4970-A7CC-6E0AB35949B8}" type="datetimeFigureOut">
               <a:rPr lang="zh-CN" altLang="en-US" smtClean="0"/>
-              <a:t>2019/10/16</a:t>
+              <a:t>2019/10/17</a:t>
             </a:fld>
             <a:endParaRPr lang="zh-CN" altLang="en-US"/>
           </a:p>
@@ -2928,7 +2928,7 @@
           <a:p>
             <a:fld id="{DCF5B490-EC53-4970-A7CC-6E0AB35949B8}" type="datetimeFigureOut">
               <a:rPr lang="zh-CN" altLang="en-US" smtClean="0"/>
-              <a:t>2019/10/16</a:t>
+              <a:t>2019/10/17</a:t>
             </a:fld>
             <a:endParaRPr lang="zh-CN" altLang="en-US"/>
           </a:p>
@@ -6510,6 +6510,350 @@
           <a:chExt cx="0" cy="0"/>
         </a:xfrm>
       </p:grpSpPr>
+      <p:grpSp>
+        <p:nvGrpSpPr>
+          <p:cNvPr id="9" name="组合 8">
+            <a:extLst>
+              <a:ext uri="{FF2B5EF4-FFF2-40B4-BE49-F238E27FC236}">
+                <a16:creationId xmlns:a16="http://schemas.microsoft.com/office/drawing/2014/main" id="{72F2FB19-49FC-4BE4-B202-95A1487F899E}"/>
+              </a:ext>
+            </a:extLst>
+          </p:cNvPr>
+          <p:cNvGrpSpPr/>
+          <p:nvPr/>
+        </p:nvGrpSpPr>
+        <p:grpSpPr>
+          <a:xfrm>
+            <a:off x="5842001" y="2040467"/>
+            <a:ext cx="5048250" cy="3733800"/>
+            <a:chOff x="5842001" y="2040467"/>
+            <a:chExt cx="5048250" cy="3733800"/>
+          </a:xfrm>
+        </p:grpSpPr>
+        <p:sp>
+          <p:nvSpPr>
+            <p:cNvPr id="17" name="矩形 16">
+              <a:extLst>
+                <a:ext uri="{FF2B5EF4-FFF2-40B4-BE49-F238E27FC236}">
+                  <a16:creationId xmlns:a16="http://schemas.microsoft.com/office/drawing/2014/main" id="{111AD166-7F7C-4D1B-ACD3-2FB7EAB1581F}"/>
+                </a:ext>
+              </a:extLst>
+            </p:cNvPr>
+            <p:cNvSpPr/>
+            <p:nvPr/>
+          </p:nvSpPr>
+          <p:spPr>
+            <a:xfrm>
+              <a:off x="5842001" y="2040467"/>
+              <a:ext cx="5048250" cy="3733800"/>
+            </a:xfrm>
+            <a:prstGeom prst="rect">
+              <a:avLst/>
+            </a:prstGeom>
+          </p:spPr>
+          <p:style>
+            <a:lnRef idx="2">
+              <a:schemeClr val="dk1"/>
+            </a:lnRef>
+            <a:fillRef idx="1">
+              <a:schemeClr val="lt1"/>
+            </a:fillRef>
+            <a:effectRef idx="0">
+              <a:schemeClr val="dk1"/>
+            </a:effectRef>
+            <a:fontRef idx="minor">
+              <a:schemeClr val="dk1"/>
+            </a:fontRef>
+          </p:style>
+          <p:txBody>
+            <a:bodyPr rtlCol="0" anchor="ctr"/>
+            <a:lstStyle/>
+            <a:p>
+              <a:pPr algn="r"/>
+              <a:r>
+                <a:rPr lang="zh-CN" altLang="en-US" dirty="0"/>
+                <a:t>操</a:t>
+              </a:r>
+              <a:endParaRPr lang="en-US" altLang="zh-CN" dirty="0"/>
+            </a:p>
+            <a:p>
+              <a:pPr algn="r"/>
+              <a:r>
+                <a:rPr lang="zh-CN" altLang="en-US" dirty="0"/>
+                <a:t>作</a:t>
+              </a:r>
+              <a:endParaRPr lang="en-US" altLang="zh-CN" dirty="0"/>
+            </a:p>
+            <a:p>
+              <a:pPr algn="r"/>
+              <a:r>
+                <a:rPr lang="zh-CN" altLang="en-US" dirty="0"/>
+                <a:t>系</a:t>
+              </a:r>
+              <a:endParaRPr lang="en-US" altLang="zh-CN" dirty="0"/>
+            </a:p>
+            <a:p>
+              <a:pPr algn="r"/>
+              <a:r>
+                <a:rPr lang="zh-CN" altLang="en-US" dirty="0"/>
+                <a:t>统</a:t>
+              </a:r>
+              <a:endParaRPr lang="en-US" altLang="zh-CN" dirty="0"/>
+            </a:p>
+            <a:p>
+              <a:pPr algn="r"/>
+              <a:r>
+                <a:rPr lang="zh-CN" altLang="en-US" dirty="0"/>
+                <a:t>资</a:t>
+              </a:r>
+              <a:endParaRPr lang="en-US" altLang="zh-CN" dirty="0"/>
+            </a:p>
+            <a:p>
+              <a:pPr algn="r"/>
+              <a:r>
+                <a:rPr lang="zh-CN" altLang="en-US" dirty="0"/>
+                <a:t>源</a:t>
+              </a:r>
+              <a:endParaRPr lang="en-US" altLang="zh-CN" dirty="0"/>
+            </a:p>
+          </p:txBody>
+        </p:sp>
+        <p:sp>
+          <p:nvSpPr>
+            <p:cNvPr id="5" name="矩形 4">
+              <a:extLst>
+                <a:ext uri="{FF2B5EF4-FFF2-40B4-BE49-F238E27FC236}">
+                  <a16:creationId xmlns:a16="http://schemas.microsoft.com/office/drawing/2014/main" id="{8CE36941-8D9C-4A05-9960-0BF8C8F15771}"/>
+                </a:ext>
+              </a:extLst>
+            </p:cNvPr>
+            <p:cNvSpPr/>
+            <p:nvPr/>
+          </p:nvSpPr>
+          <p:spPr>
+            <a:xfrm>
+              <a:off x="5913834" y="3019308"/>
+              <a:ext cx="1837266" cy="897466"/>
+            </a:xfrm>
+            <a:prstGeom prst="rect">
+              <a:avLst/>
+            </a:prstGeom>
+          </p:spPr>
+          <p:style>
+            <a:lnRef idx="2">
+              <a:schemeClr val="dk1"/>
+            </a:lnRef>
+            <a:fillRef idx="1">
+              <a:schemeClr val="lt1"/>
+            </a:fillRef>
+            <a:effectRef idx="0">
+              <a:schemeClr val="dk1"/>
+            </a:effectRef>
+            <a:fontRef idx="minor">
+              <a:schemeClr val="dk1"/>
+            </a:fontRef>
+          </p:style>
+          <p:txBody>
+            <a:bodyPr rtlCol="0" anchor="ctr"/>
+            <a:lstStyle/>
+            <a:p>
+              <a:pPr algn="ctr"/>
+              <a:r>
+                <a:rPr lang="zh-CN" altLang="en-US" dirty="0"/>
+                <a:t>日志文件</a:t>
+              </a:r>
+            </a:p>
+          </p:txBody>
+        </p:sp>
+        <p:sp>
+          <p:nvSpPr>
+            <p:cNvPr id="6" name="矩形 5">
+              <a:extLst>
+                <a:ext uri="{FF2B5EF4-FFF2-40B4-BE49-F238E27FC236}">
+                  <a16:creationId xmlns:a16="http://schemas.microsoft.com/office/drawing/2014/main" id="{1DC55A5E-2377-4487-9B9E-8AAACE3DB975}"/>
+                </a:ext>
+              </a:extLst>
+            </p:cNvPr>
+            <p:cNvSpPr/>
+            <p:nvPr/>
+          </p:nvSpPr>
+          <p:spPr>
+            <a:xfrm>
+              <a:off x="5913834" y="4811546"/>
+              <a:ext cx="1837266" cy="897466"/>
+            </a:xfrm>
+            <a:prstGeom prst="rect">
+              <a:avLst/>
+            </a:prstGeom>
+          </p:spPr>
+          <p:style>
+            <a:lnRef idx="2">
+              <a:schemeClr val="dk1"/>
+            </a:lnRef>
+            <a:fillRef idx="1">
+              <a:schemeClr val="lt1"/>
+            </a:fillRef>
+            <a:effectRef idx="0">
+              <a:schemeClr val="dk1"/>
+            </a:effectRef>
+            <a:fontRef idx="minor">
+              <a:schemeClr val="dk1"/>
+            </a:fontRef>
+          </p:style>
+          <p:txBody>
+            <a:bodyPr rtlCol="0" anchor="ctr"/>
+            <a:lstStyle/>
+            <a:p>
+              <a:pPr algn="ctr"/>
+              <a:r>
+                <a:rPr lang="zh-CN" altLang="en-US" dirty="0"/>
+                <a:t>结果文件</a:t>
+              </a:r>
+            </a:p>
+          </p:txBody>
+        </p:sp>
+        <p:sp>
+          <p:nvSpPr>
+            <p:cNvPr id="7" name="矩形 6">
+              <a:extLst>
+                <a:ext uri="{FF2B5EF4-FFF2-40B4-BE49-F238E27FC236}">
+                  <a16:creationId xmlns:a16="http://schemas.microsoft.com/office/drawing/2014/main" id="{25687278-AEEF-44F0-B712-84D434C78126}"/>
+                </a:ext>
+              </a:extLst>
+            </p:cNvPr>
+            <p:cNvSpPr/>
+            <p:nvPr/>
+          </p:nvSpPr>
+          <p:spPr>
+            <a:xfrm>
+              <a:off x="5913834" y="3914080"/>
+              <a:ext cx="1837266" cy="897466"/>
+            </a:xfrm>
+            <a:prstGeom prst="rect">
+              <a:avLst/>
+            </a:prstGeom>
+          </p:spPr>
+          <p:style>
+            <a:lnRef idx="2">
+              <a:schemeClr val="dk1"/>
+            </a:lnRef>
+            <a:fillRef idx="1">
+              <a:schemeClr val="lt1"/>
+            </a:fillRef>
+            <a:effectRef idx="0">
+              <a:schemeClr val="dk1"/>
+            </a:effectRef>
+            <a:fontRef idx="minor">
+              <a:schemeClr val="dk1"/>
+            </a:fontRef>
+          </p:style>
+          <p:txBody>
+            <a:bodyPr rtlCol="0" anchor="ctr"/>
+            <a:lstStyle/>
+            <a:p>
+              <a:pPr algn="ctr"/>
+              <a:r>
+                <a:rPr lang="zh-CN" altLang="en-US" dirty="0"/>
+                <a:t>配置文件</a:t>
+              </a:r>
+            </a:p>
+          </p:txBody>
+        </p:sp>
+        <p:sp>
+          <p:nvSpPr>
+            <p:cNvPr id="8" name="矩形 7">
+              <a:extLst>
+                <a:ext uri="{FF2B5EF4-FFF2-40B4-BE49-F238E27FC236}">
+                  <a16:creationId xmlns:a16="http://schemas.microsoft.com/office/drawing/2014/main" id="{F5DB4851-CACA-47AB-A38B-C0257E755236}"/>
+                </a:ext>
+              </a:extLst>
+            </p:cNvPr>
+            <p:cNvSpPr/>
+            <p:nvPr/>
+          </p:nvSpPr>
+          <p:spPr>
+            <a:xfrm>
+              <a:off x="8496300" y="2116670"/>
+              <a:ext cx="1837266" cy="3589864"/>
+            </a:xfrm>
+            <a:prstGeom prst="rect">
+              <a:avLst/>
+            </a:prstGeom>
+          </p:spPr>
+          <p:style>
+            <a:lnRef idx="2">
+              <a:schemeClr val="dk1"/>
+            </a:lnRef>
+            <a:fillRef idx="1">
+              <a:schemeClr val="lt1"/>
+            </a:fillRef>
+            <a:effectRef idx="0">
+              <a:schemeClr val="dk1"/>
+            </a:effectRef>
+            <a:fontRef idx="minor">
+              <a:schemeClr val="dk1"/>
+            </a:fontRef>
+          </p:style>
+          <p:txBody>
+            <a:bodyPr rtlCol="0" anchor="ctr"/>
+            <a:lstStyle/>
+            <a:p>
+              <a:pPr algn="ctr"/>
+              <a:r>
+                <a:rPr lang="zh-CN" altLang="en-US" dirty="0"/>
+                <a:t>子进程</a:t>
+              </a:r>
+            </a:p>
+          </p:txBody>
+        </p:sp>
+        <p:sp>
+          <p:nvSpPr>
+            <p:cNvPr id="46" name="矩形 45">
+              <a:extLst>
+                <a:ext uri="{FF2B5EF4-FFF2-40B4-BE49-F238E27FC236}">
+                  <a16:creationId xmlns:a16="http://schemas.microsoft.com/office/drawing/2014/main" id="{E76CBA08-E96E-4D10-92F5-0F1C2F67255F}"/>
+                </a:ext>
+              </a:extLst>
+            </p:cNvPr>
+            <p:cNvSpPr/>
+            <p:nvPr/>
+          </p:nvSpPr>
+          <p:spPr>
+            <a:xfrm>
+              <a:off x="8514192" y="2651138"/>
+              <a:ext cx="655006" cy="605362"/>
+            </a:xfrm>
+            <a:prstGeom prst="rect">
+              <a:avLst/>
+            </a:prstGeom>
+          </p:spPr>
+          <p:style>
+            <a:lnRef idx="2">
+              <a:schemeClr val="dk1"/>
+            </a:lnRef>
+            <a:fillRef idx="1">
+              <a:schemeClr val="lt1"/>
+            </a:fillRef>
+            <a:effectRef idx="0">
+              <a:schemeClr val="dk1"/>
+            </a:effectRef>
+            <a:fontRef idx="minor">
+              <a:schemeClr val="dk1"/>
+            </a:fontRef>
+          </p:style>
+          <p:txBody>
+            <a:bodyPr rtlCol="0" anchor="ctr"/>
+            <a:lstStyle/>
+            <a:p>
+              <a:pPr algn="ctr"/>
+              <a:r>
+                <a:rPr lang="zh-CN" altLang="en-US" sz="1200" dirty="0"/>
+                <a:t>端口监听控制信号</a:t>
+              </a:r>
+            </a:p>
+          </p:txBody>
+        </p:sp>
+      </p:grpSp>
       <p:sp>
         <p:nvSpPr>
           <p:cNvPr id="2" name="标题 1">
@@ -7153,10 +7497,10 @@
       </p:cxnSp>
       <p:grpSp>
         <p:nvGrpSpPr>
-          <p:cNvPr id="98" name="组合 97">
-            <a:extLst>
-              <a:ext uri="{FF2B5EF4-FFF2-40B4-BE49-F238E27FC236}">
-                <a16:creationId xmlns:a16="http://schemas.microsoft.com/office/drawing/2014/main" id="{357DCB14-F2B7-434D-93FF-7A98C475102F}"/>
+          <p:cNvPr id="67" name="组合 66">
+            <a:extLst>
+              <a:ext uri="{FF2B5EF4-FFF2-40B4-BE49-F238E27FC236}">
+                <a16:creationId xmlns:a16="http://schemas.microsoft.com/office/drawing/2014/main" id="{2933B690-A181-4A81-83F0-F4BDF2C9C927}"/>
               </a:ext>
             </a:extLst>
           </p:cNvPr>
@@ -7165,1279 +7509,961 @@
         </p:nvGrpSpPr>
         <p:grpSpPr>
           <a:xfrm>
-            <a:off x="3331636" y="1091187"/>
-            <a:ext cx="7558615" cy="5635645"/>
-            <a:chOff x="3331636" y="1091187"/>
-            <a:chExt cx="7558615" cy="5635645"/>
+            <a:off x="4011344" y="1091187"/>
+            <a:ext cx="4484822" cy="5635645"/>
+            <a:chOff x="4011344" y="1091187"/>
+            <a:chExt cx="4484822" cy="5635645"/>
           </a:xfrm>
         </p:grpSpPr>
-        <p:grpSp>
-          <p:nvGrpSpPr>
-            <p:cNvPr id="69" name="组合 68">
+        <p:sp>
+          <p:nvSpPr>
+            <p:cNvPr id="10" name="箭头: 右 9">
               <a:extLst>
                 <a:ext uri="{FF2B5EF4-FFF2-40B4-BE49-F238E27FC236}">
-                  <a16:creationId xmlns:a16="http://schemas.microsoft.com/office/drawing/2014/main" id="{3F16122B-CDE5-4ED4-B7B1-259309612F01}"/>
+                  <a16:creationId xmlns:a16="http://schemas.microsoft.com/office/drawing/2014/main" id="{3B9B1795-1C31-4DB7-9591-C86ACF4978A9}"/>
                 </a:ext>
               </a:extLst>
             </p:cNvPr>
-            <p:cNvGrpSpPr/>
+            <p:cNvSpPr/>
             <p:nvPr/>
-          </p:nvGrpSpPr>
-          <p:grpSpPr>
+          </p:nvSpPr>
+          <p:spPr>
             <a:xfrm>
-              <a:off x="5842001" y="2040467"/>
-              <a:ext cx="5048250" cy="3733800"/>
-              <a:chOff x="5842001" y="2040467"/>
-              <a:chExt cx="5048250" cy="3733800"/>
+              <a:off x="7751100" y="4041081"/>
+              <a:ext cx="745066" cy="643464"/>
             </a:xfrm>
-          </p:grpSpPr>
-          <p:sp>
-            <p:nvSpPr>
-              <p:cNvPr id="17" name="矩形 16">
-                <a:extLst>
-                  <a:ext uri="{FF2B5EF4-FFF2-40B4-BE49-F238E27FC236}">
-                    <a16:creationId xmlns:a16="http://schemas.microsoft.com/office/drawing/2014/main" id="{111AD166-7F7C-4D1B-ACD3-2FB7EAB1581F}"/>
-                  </a:ext>
-                </a:extLst>
-              </p:cNvPr>
-              <p:cNvSpPr/>
-              <p:nvPr/>
-            </p:nvSpPr>
-            <p:spPr>
-              <a:xfrm>
-                <a:off x="5842001" y="2040467"/>
-                <a:ext cx="5048250" cy="3733800"/>
-              </a:xfrm>
-              <a:prstGeom prst="rect">
-                <a:avLst/>
-              </a:prstGeom>
-            </p:spPr>
-            <p:style>
-              <a:lnRef idx="2">
-                <a:schemeClr val="dk1"/>
-              </a:lnRef>
-              <a:fillRef idx="1">
-                <a:schemeClr val="lt1"/>
-              </a:fillRef>
-              <a:effectRef idx="0">
-                <a:schemeClr val="dk1"/>
-              </a:effectRef>
-              <a:fontRef idx="minor">
-                <a:schemeClr val="dk1"/>
-              </a:fontRef>
-            </p:style>
-            <p:txBody>
-              <a:bodyPr rtlCol="0" anchor="ctr"/>
-              <a:lstStyle/>
-              <a:p>
-                <a:pPr algn="r"/>
-                <a:r>
-                  <a:rPr lang="zh-CN" altLang="en-US" dirty="0"/>
-                  <a:t>操</a:t>
-                </a:r>
-                <a:endParaRPr lang="en-US" altLang="zh-CN" dirty="0"/>
-              </a:p>
-              <a:p>
-                <a:pPr algn="r"/>
-                <a:r>
-                  <a:rPr lang="zh-CN" altLang="en-US" dirty="0"/>
-                  <a:t>作</a:t>
-                </a:r>
-                <a:endParaRPr lang="en-US" altLang="zh-CN" dirty="0"/>
-              </a:p>
-              <a:p>
-                <a:pPr algn="r"/>
-                <a:r>
-                  <a:rPr lang="zh-CN" altLang="en-US" dirty="0"/>
-                  <a:t>系</a:t>
-                </a:r>
-                <a:endParaRPr lang="en-US" altLang="zh-CN" dirty="0"/>
-              </a:p>
-              <a:p>
-                <a:pPr algn="r"/>
-                <a:r>
-                  <a:rPr lang="zh-CN" altLang="en-US" dirty="0"/>
-                  <a:t>统</a:t>
-                </a:r>
-                <a:endParaRPr lang="en-US" altLang="zh-CN" dirty="0"/>
-              </a:p>
-              <a:p>
-                <a:pPr algn="r"/>
-                <a:r>
-                  <a:rPr lang="zh-CN" altLang="en-US" dirty="0"/>
-                  <a:t>资</a:t>
-                </a:r>
-                <a:endParaRPr lang="en-US" altLang="zh-CN" dirty="0"/>
-              </a:p>
-              <a:p>
-                <a:pPr algn="r"/>
-                <a:r>
-                  <a:rPr lang="zh-CN" altLang="en-US" dirty="0"/>
-                  <a:t>源</a:t>
-                </a:r>
-                <a:endParaRPr lang="en-US" altLang="zh-CN" dirty="0"/>
-              </a:p>
-            </p:txBody>
-          </p:sp>
-          <p:sp>
-            <p:nvSpPr>
-              <p:cNvPr id="5" name="矩形 4">
-                <a:extLst>
-                  <a:ext uri="{FF2B5EF4-FFF2-40B4-BE49-F238E27FC236}">
-                    <a16:creationId xmlns:a16="http://schemas.microsoft.com/office/drawing/2014/main" id="{8CE36941-8D9C-4A05-9960-0BF8C8F15771}"/>
-                  </a:ext>
-                </a:extLst>
-              </p:cNvPr>
-              <p:cNvSpPr/>
-              <p:nvPr/>
-            </p:nvSpPr>
-            <p:spPr>
-              <a:xfrm>
-                <a:off x="5913834" y="3019308"/>
-                <a:ext cx="1837266" cy="897466"/>
-              </a:xfrm>
-              <a:prstGeom prst="rect">
-                <a:avLst/>
-              </a:prstGeom>
-            </p:spPr>
-            <p:style>
-              <a:lnRef idx="2">
-                <a:schemeClr val="dk1"/>
-              </a:lnRef>
-              <a:fillRef idx="1">
-                <a:schemeClr val="lt1"/>
-              </a:fillRef>
-              <a:effectRef idx="0">
-                <a:schemeClr val="dk1"/>
-              </a:effectRef>
-              <a:fontRef idx="minor">
-                <a:schemeClr val="dk1"/>
-              </a:fontRef>
-            </p:style>
-            <p:txBody>
-              <a:bodyPr rtlCol="0" anchor="ctr"/>
-              <a:lstStyle/>
-              <a:p>
-                <a:pPr algn="ctr"/>
-                <a:r>
-                  <a:rPr lang="zh-CN" altLang="en-US" dirty="0"/>
-                  <a:t>日志文件</a:t>
-                </a:r>
-              </a:p>
-            </p:txBody>
-          </p:sp>
-          <p:sp>
-            <p:nvSpPr>
-              <p:cNvPr id="6" name="矩形 5">
-                <a:extLst>
-                  <a:ext uri="{FF2B5EF4-FFF2-40B4-BE49-F238E27FC236}">
-                    <a16:creationId xmlns:a16="http://schemas.microsoft.com/office/drawing/2014/main" id="{1DC55A5E-2377-4487-9B9E-8AAACE3DB975}"/>
-                  </a:ext>
-                </a:extLst>
-              </p:cNvPr>
-              <p:cNvSpPr/>
-              <p:nvPr/>
-            </p:nvSpPr>
-            <p:spPr>
-              <a:xfrm>
-                <a:off x="5913834" y="4811546"/>
-                <a:ext cx="1837266" cy="897466"/>
-              </a:xfrm>
-              <a:prstGeom prst="rect">
-                <a:avLst/>
-              </a:prstGeom>
-            </p:spPr>
-            <p:style>
-              <a:lnRef idx="2">
-                <a:schemeClr val="dk1"/>
-              </a:lnRef>
-              <a:fillRef idx="1">
-                <a:schemeClr val="lt1"/>
-              </a:fillRef>
-              <a:effectRef idx="0">
-                <a:schemeClr val="dk1"/>
-              </a:effectRef>
-              <a:fontRef idx="minor">
-                <a:schemeClr val="dk1"/>
-              </a:fontRef>
-            </p:style>
-            <p:txBody>
-              <a:bodyPr rtlCol="0" anchor="ctr"/>
-              <a:lstStyle/>
-              <a:p>
-                <a:pPr algn="ctr"/>
-                <a:r>
-                  <a:rPr lang="zh-CN" altLang="en-US" dirty="0"/>
-                  <a:t>结果文件</a:t>
-                </a:r>
-              </a:p>
-            </p:txBody>
-          </p:sp>
-          <p:sp>
-            <p:nvSpPr>
-              <p:cNvPr id="7" name="矩形 6">
-                <a:extLst>
-                  <a:ext uri="{FF2B5EF4-FFF2-40B4-BE49-F238E27FC236}">
-                    <a16:creationId xmlns:a16="http://schemas.microsoft.com/office/drawing/2014/main" id="{25687278-AEEF-44F0-B712-84D434C78126}"/>
-                  </a:ext>
-                </a:extLst>
-              </p:cNvPr>
-              <p:cNvSpPr/>
-              <p:nvPr/>
-            </p:nvSpPr>
-            <p:spPr>
-              <a:xfrm>
-                <a:off x="5913834" y="3914080"/>
-                <a:ext cx="1837266" cy="897466"/>
-              </a:xfrm>
-              <a:prstGeom prst="rect">
-                <a:avLst/>
-              </a:prstGeom>
-            </p:spPr>
-            <p:style>
-              <a:lnRef idx="2">
-                <a:schemeClr val="dk1"/>
-              </a:lnRef>
-              <a:fillRef idx="1">
-                <a:schemeClr val="lt1"/>
-              </a:fillRef>
-              <a:effectRef idx="0">
-                <a:schemeClr val="dk1"/>
-              </a:effectRef>
-              <a:fontRef idx="minor">
-                <a:schemeClr val="dk1"/>
-              </a:fontRef>
-            </p:style>
-            <p:txBody>
-              <a:bodyPr rtlCol="0" anchor="ctr"/>
-              <a:lstStyle/>
-              <a:p>
-                <a:pPr algn="ctr"/>
-                <a:r>
-                  <a:rPr lang="zh-CN" altLang="en-US" dirty="0"/>
-                  <a:t>配置文件</a:t>
-                </a:r>
-              </a:p>
-            </p:txBody>
-          </p:sp>
-          <p:sp>
-            <p:nvSpPr>
-              <p:cNvPr id="8" name="矩形 7">
-                <a:extLst>
-                  <a:ext uri="{FF2B5EF4-FFF2-40B4-BE49-F238E27FC236}">
-                    <a16:creationId xmlns:a16="http://schemas.microsoft.com/office/drawing/2014/main" id="{F5DB4851-CACA-47AB-A38B-C0257E755236}"/>
-                  </a:ext>
-                </a:extLst>
-              </p:cNvPr>
-              <p:cNvSpPr/>
-              <p:nvPr/>
-            </p:nvSpPr>
-            <p:spPr>
-              <a:xfrm>
-                <a:off x="8496300" y="2116670"/>
-                <a:ext cx="1837266" cy="3589864"/>
-              </a:xfrm>
-              <a:prstGeom prst="rect">
-                <a:avLst/>
-              </a:prstGeom>
-            </p:spPr>
-            <p:style>
-              <a:lnRef idx="2">
-                <a:schemeClr val="dk1"/>
-              </a:lnRef>
-              <a:fillRef idx="1">
-                <a:schemeClr val="lt1"/>
-              </a:fillRef>
-              <a:effectRef idx="0">
-                <a:schemeClr val="dk1"/>
-              </a:effectRef>
-              <a:fontRef idx="minor">
-                <a:schemeClr val="dk1"/>
-              </a:fontRef>
-            </p:style>
-            <p:txBody>
-              <a:bodyPr rtlCol="0" anchor="ctr"/>
-              <a:lstStyle/>
-              <a:p>
-                <a:pPr algn="ctr"/>
-                <a:r>
-                  <a:rPr lang="zh-CN" altLang="en-US" dirty="0"/>
-                  <a:t>子进程</a:t>
-                </a:r>
-              </a:p>
-            </p:txBody>
-          </p:sp>
-        </p:grpSp>
-        <p:grpSp>
-          <p:nvGrpSpPr>
-            <p:cNvPr id="67" name="组合 66">
+            <a:prstGeom prst="rightArrow">
+              <a:avLst/>
+            </a:prstGeom>
+          </p:spPr>
+          <p:style>
+            <a:lnRef idx="2">
+              <a:schemeClr val="dk1"/>
+            </a:lnRef>
+            <a:fillRef idx="1">
+              <a:schemeClr val="lt1"/>
+            </a:fillRef>
+            <a:effectRef idx="0">
+              <a:schemeClr val="dk1"/>
+            </a:effectRef>
+            <a:fontRef idx="minor">
+              <a:schemeClr val="dk1"/>
+            </a:fontRef>
+          </p:style>
+          <p:txBody>
+            <a:bodyPr rtlCol="0" anchor="ctr"/>
+            <a:lstStyle/>
+            <a:p>
+              <a:pPr algn="ctr"/>
+              <a:r>
+                <a:rPr lang="zh-CN" altLang="en-US" sz="1400" dirty="0"/>
+                <a:t>读入</a:t>
+              </a:r>
+            </a:p>
+          </p:txBody>
+        </p:sp>
+        <p:sp>
+          <p:nvSpPr>
+            <p:cNvPr id="12" name="箭头: 左 11">
               <a:extLst>
                 <a:ext uri="{FF2B5EF4-FFF2-40B4-BE49-F238E27FC236}">
-                  <a16:creationId xmlns:a16="http://schemas.microsoft.com/office/drawing/2014/main" id="{2933B690-A181-4A81-83F0-F4BDF2C9C927}"/>
+                  <a16:creationId xmlns:a16="http://schemas.microsoft.com/office/drawing/2014/main" id="{2E4B3C24-3012-461C-A272-1F422E636A16}"/>
                 </a:ext>
               </a:extLst>
             </p:cNvPr>
-            <p:cNvGrpSpPr/>
+            <p:cNvSpPr/>
             <p:nvPr/>
-          </p:nvGrpSpPr>
-          <p:grpSpPr>
+          </p:nvSpPr>
+          <p:spPr>
             <a:xfrm>
-              <a:off x="4011344" y="1091187"/>
-              <a:ext cx="4484822" cy="5635645"/>
-              <a:chOff x="4011344" y="1091187"/>
-              <a:chExt cx="4484822" cy="5635645"/>
+              <a:off x="7750966" y="4938079"/>
+              <a:ext cx="745066" cy="644400"/>
             </a:xfrm>
-          </p:grpSpPr>
-          <p:sp>
-            <p:nvSpPr>
-              <p:cNvPr id="10" name="箭头: 右 9">
-                <a:extLst>
-                  <a:ext uri="{FF2B5EF4-FFF2-40B4-BE49-F238E27FC236}">
-                    <a16:creationId xmlns:a16="http://schemas.microsoft.com/office/drawing/2014/main" id="{3B9B1795-1C31-4DB7-9591-C86ACF4978A9}"/>
-                  </a:ext>
-                </a:extLst>
-              </p:cNvPr>
-              <p:cNvSpPr/>
-              <p:nvPr/>
-            </p:nvSpPr>
-            <p:spPr>
-              <a:xfrm>
-                <a:off x="7751100" y="4041081"/>
-                <a:ext cx="745066" cy="643464"/>
-              </a:xfrm>
-              <a:prstGeom prst="rightArrow">
+            <a:prstGeom prst="leftArrow">
+              <a:avLst/>
+            </a:prstGeom>
+          </p:spPr>
+          <p:style>
+            <a:lnRef idx="2">
+              <a:schemeClr val="dk1"/>
+            </a:lnRef>
+            <a:fillRef idx="1">
+              <a:schemeClr val="lt1"/>
+            </a:fillRef>
+            <a:effectRef idx="0">
+              <a:schemeClr val="dk1"/>
+            </a:effectRef>
+            <a:fontRef idx="minor">
+              <a:schemeClr val="dk1"/>
+            </a:fontRef>
+          </p:style>
+          <p:txBody>
+            <a:bodyPr rot="0" spcFirstLastPara="0" vertOverflow="overflow" horzOverflow="overflow" vert="horz" wrap="square" lIns="91440" tIns="45720" rIns="91440" bIns="45720" numCol="1" spcCol="0" rtlCol="0" fromWordArt="0" anchor="ctr" anchorCtr="0" forceAA="0" compatLnSpc="1">
+              <a:prstTxWarp prst="textNoShape">
                 <a:avLst/>
-              </a:prstGeom>
-            </p:spPr>
-            <p:style>
-              <a:lnRef idx="2">
-                <a:schemeClr val="dk1"/>
-              </a:lnRef>
-              <a:fillRef idx="1">
-                <a:schemeClr val="lt1"/>
-              </a:fillRef>
-              <a:effectRef idx="0">
-                <a:schemeClr val="dk1"/>
-              </a:effectRef>
-              <a:fontRef idx="minor">
-                <a:schemeClr val="dk1"/>
-              </a:fontRef>
-            </p:style>
-            <p:txBody>
-              <a:bodyPr rtlCol="0" anchor="ctr"/>
-              <a:lstStyle/>
-              <a:p>
-                <a:pPr algn="ctr"/>
-                <a:r>
-                  <a:rPr lang="zh-CN" altLang="en-US" sz="1400" dirty="0"/>
-                  <a:t>读入</a:t>
-                </a:r>
-              </a:p>
-            </p:txBody>
-          </p:sp>
-          <p:sp>
-            <p:nvSpPr>
-              <p:cNvPr id="12" name="箭头: 左 11">
-                <a:extLst>
-                  <a:ext uri="{FF2B5EF4-FFF2-40B4-BE49-F238E27FC236}">
-                    <a16:creationId xmlns:a16="http://schemas.microsoft.com/office/drawing/2014/main" id="{2E4B3C24-3012-461C-A272-1F422E636A16}"/>
-                  </a:ext>
-                </a:extLst>
-              </p:cNvPr>
-              <p:cNvSpPr/>
-              <p:nvPr/>
-            </p:nvSpPr>
-            <p:spPr>
-              <a:xfrm>
-                <a:off x="7750966" y="4938079"/>
-                <a:ext cx="745066" cy="644400"/>
-              </a:xfrm>
-              <a:prstGeom prst="leftArrow">
+              </a:prstTxWarp>
+              <a:noAutofit/>
+            </a:bodyPr>
+            <a:lstStyle/>
+            <a:p>
+              <a:pPr algn="ctr"/>
+              <a:r>
+                <a:rPr lang="zh-CN" altLang="en-US" sz="1400" dirty="0">
+                  <a:solidFill>
+                    <a:schemeClr val="dk1"/>
+                  </a:solidFill>
+                </a:rPr>
+                <a:t>写入</a:t>
+              </a:r>
+            </a:p>
+          </p:txBody>
+        </p:sp>
+        <p:sp>
+          <p:nvSpPr>
+            <p:cNvPr id="14" name="箭头: 右 13">
+              <a:extLst>
+                <a:ext uri="{FF2B5EF4-FFF2-40B4-BE49-F238E27FC236}">
+                  <a16:creationId xmlns:a16="http://schemas.microsoft.com/office/drawing/2014/main" id="{49AFF863-60CF-4B9D-8A90-1824EA707C61}"/>
+                </a:ext>
+              </a:extLst>
+            </p:cNvPr>
+            <p:cNvSpPr/>
+            <p:nvPr/>
+          </p:nvSpPr>
+          <p:spPr>
+            <a:xfrm>
+              <a:off x="5168969" y="3141497"/>
+              <a:ext cx="745066" cy="643464"/>
+            </a:xfrm>
+            <a:prstGeom prst="rightArrow">
+              <a:avLst/>
+            </a:prstGeom>
+          </p:spPr>
+          <p:style>
+            <a:lnRef idx="2">
+              <a:schemeClr val="dk1"/>
+            </a:lnRef>
+            <a:fillRef idx="1">
+              <a:schemeClr val="lt1"/>
+            </a:fillRef>
+            <a:effectRef idx="0">
+              <a:schemeClr val="dk1"/>
+            </a:effectRef>
+            <a:fontRef idx="minor">
+              <a:schemeClr val="dk1"/>
+            </a:fontRef>
+          </p:style>
+          <p:txBody>
+            <a:bodyPr rtlCol="0" anchor="ctr"/>
+            <a:lstStyle/>
+            <a:p>
+              <a:pPr algn="ctr"/>
+              <a:r>
+                <a:rPr lang="zh-CN" altLang="en-US" sz="1400" dirty="0"/>
+                <a:t>写入</a:t>
+              </a:r>
+            </a:p>
+          </p:txBody>
+        </p:sp>
+        <p:sp>
+          <p:nvSpPr>
+            <p:cNvPr id="18" name="箭头: 左 17">
+              <a:extLst>
+                <a:ext uri="{FF2B5EF4-FFF2-40B4-BE49-F238E27FC236}">
+                  <a16:creationId xmlns:a16="http://schemas.microsoft.com/office/drawing/2014/main" id="{481BE3E9-7083-4195-865F-5443FE622876}"/>
+                </a:ext>
+              </a:extLst>
+            </p:cNvPr>
+            <p:cNvSpPr/>
+            <p:nvPr/>
+          </p:nvSpPr>
+          <p:spPr>
+            <a:xfrm>
+              <a:off x="5168902" y="2116670"/>
+              <a:ext cx="3327264" cy="644400"/>
+            </a:xfrm>
+            <a:prstGeom prst="leftArrow">
+              <a:avLst/>
+            </a:prstGeom>
+          </p:spPr>
+          <p:style>
+            <a:lnRef idx="2">
+              <a:schemeClr val="dk1"/>
+            </a:lnRef>
+            <a:fillRef idx="1">
+              <a:schemeClr val="lt1"/>
+            </a:fillRef>
+            <a:effectRef idx="0">
+              <a:schemeClr val="dk1"/>
+            </a:effectRef>
+            <a:fontRef idx="minor">
+              <a:schemeClr val="dk1"/>
+            </a:fontRef>
+          </p:style>
+          <p:txBody>
+            <a:bodyPr rot="0" spcFirstLastPara="0" vertOverflow="overflow" horzOverflow="overflow" vert="horz" wrap="square" lIns="91440" tIns="45720" rIns="91440" bIns="45720" numCol="1" spcCol="0" rtlCol="0" fromWordArt="0" anchor="ctr" anchorCtr="0" forceAA="0" compatLnSpc="1">
+              <a:prstTxWarp prst="textNoShape">
                 <a:avLst/>
-              </a:prstGeom>
-            </p:spPr>
-            <p:style>
-              <a:lnRef idx="2">
-                <a:schemeClr val="dk1"/>
-              </a:lnRef>
-              <a:fillRef idx="1">
-                <a:schemeClr val="lt1"/>
-              </a:fillRef>
-              <a:effectRef idx="0">
-                <a:schemeClr val="dk1"/>
-              </a:effectRef>
-              <a:fontRef idx="minor">
-                <a:schemeClr val="dk1"/>
-              </a:fontRef>
-            </p:style>
-            <p:txBody>
-              <a:bodyPr rot="0" spcFirstLastPara="0" vertOverflow="overflow" horzOverflow="overflow" vert="horz" wrap="square" lIns="91440" tIns="45720" rIns="91440" bIns="45720" numCol="1" spcCol="0" rtlCol="0" fromWordArt="0" anchor="ctr" anchorCtr="0" forceAA="0" compatLnSpc="1">
-                <a:prstTxWarp prst="textNoShape">
-                  <a:avLst/>
-                </a:prstTxWarp>
-                <a:noAutofit/>
-              </a:bodyPr>
-              <a:lstStyle/>
-              <a:p>
-                <a:pPr algn="ctr"/>
-                <a:r>
-                  <a:rPr lang="zh-CN" altLang="en-US" sz="1400" dirty="0">
-                    <a:solidFill>
-                      <a:schemeClr val="dk1"/>
-                    </a:solidFill>
-                  </a:rPr>
-                  <a:t>写入</a:t>
-                </a:r>
-              </a:p>
-            </p:txBody>
-          </p:sp>
-          <p:sp>
-            <p:nvSpPr>
-              <p:cNvPr id="14" name="箭头: 右 13">
-                <a:extLst>
-                  <a:ext uri="{FF2B5EF4-FFF2-40B4-BE49-F238E27FC236}">
-                    <a16:creationId xmlns:a16="http://schemas.microsoft.com/office/drawing/2014/main" id="{49AFF863-60CF-4B9D-8A90-1824EA707C61}"/>
-                  </a:ext>
-                </a:extLst>
-              </p:cNvPr>
-              <p:cNvSpPr/>
-              <p:nvPr/>
-            </p:nvSpPr>
-            <p:spPr>
-              <a:xfrm>
-                <a:off x="5168969" y="3141497"/>
-                <a:ext cx="745066" cy="643464"/>
-              </a:xfrm>
-              <a:prstGeom prst="rightArrow">
-                <a:avLst/>
-              </a:prstGeom>
-            </p:spPr>
-            <p:style>
-              <a:lnRef idx="2">
-                <a:schemeClr val="dk1"/>
-              </a:lnRef>
-              <a:fillRef idx="1">
-                <a:schemeClr val="lt1"/>
-              </a:fillRef>
-              <a:effectRef idx="0">
-                <a:schemeClr val="dk1"/>
-              </a:effectRef>
-              <a:fontRef idx="minor">
-                <a:schemeClr val="dk1"/>
-              </a:fontRef>
-            </p:style>
-            <p:txBody>
-              <a:bodyPr rtlCol="0" anchor="ctr"/>
-              <a:lstStyle/>
-              <a:p>
-                <a:pPr algn="ctr"/>
-                <a:r>
-                  <a:rPr lang="zh-CN" altLang="en-US" sz="1400" dirty="0"/>
-                  <a:t>写入</a:t>
-                </a:r>
-              </a:p>
-            </p:txBody>
-          </p:sp>
-          <p:sp>
-            <p:nvSpPr>
-              <p:cNvPr id="18" name="箭头: 左 17">
-                <a:extLst>
-                  <a:ext uri="{FF2B5EF4-FFF2-40B4-BE49-F238E27FC236}">
-                    <a16:creationId xmlns:a16="http://schemas.microsoft.com/office/drawing/2014/main" id="{481BE3E9-7083-4195-865F-5443FE622876}"/>
-                  </a:ext>
-                </a:extLst>
-              </p:cNvPr>
-              <p:cNvSpPr/>
-              <p:nvPr/>
-            </p:nvSpPr>
-            <p:spPr>
-              <a:xfrm>
-                <a:off x="5168902" y="2116670"/>
-                <a:ext cx="3327264" cy="644400"/>
-              </a:xfrm>
-              <a:prstGeom prst="leftArrow">
-                <a:avLst/>
-              </a:prstGeom>
-            </p:spPr>
-            <p:style>
-              <a:lnRef idx="2">
-                <a:schemeClr val="dk1"/>
-              </a:lnRef>
-              <a:fillRef idx="1">
-                <a:schemeClr val="lt1"/>
-              </a:fillRef>
-              <a:effectRef idx="0">
-                <a:schemeClr val="dk1"/>
-              </a:effectRef>
-              <a:fontRef idx="minor">
-                <a:schemeClr val="dk1"/>
-              </a:fontRef>
-            </p:style>
-            <p:txBody>
-              <a:bodyPr rot="0" spcFirstLastPara="0" vertOverflow="overflow" horzOverflow="overflow" vert="horz" wrap="square" lIns="91440" tIns="45720" rIns="91440" bIns="45720" numCol="1" spcCol="0" rtlCol="0" fromWordArt="0" anchor="ctr" anchorCtr="0" forceAA="0" compatLnSpc="1">
-                <a:prstTxWarp prst="textNoShape">
-                  <a:avLst/>
-                </a:prstTxWarp>
-                <a:noAutofit/>
-              </a:bodyPr>
-              <a:lstStyle/>
-              <a:p>
-                <a:pPr algn="ctr"/>
-                <a:r>
-                  <a:rPr lang="en-US" altLang="zh-CN" sz="1400" dirty="0" err="1">
-                    <a:solidFill>
-                      <a:schemeClr val="dk1"/>
-                    </a:solidFill>
-                  </a:rPr>
-                  <a:t>Stdout</a:t>
-                </a:r>
-                <a:r>
-                  <a:rPr lang="zh-CN" altLang="en-US" sz="1400" dirty="0">
-                    <a:solidFill>
-                      <a:schemeClr val="dk1"/>
-                    </a:solidFill>
-                  </a:rPr>
-                  <a:t>输出</a:t>
-                </a:r>
-              </a:p>
-            </p:txBody>
-          </p:sp>
-          <p:sp>
-            <p:nvSpPr>
-              <p:cNvPr id="20" name="箭头: 下弧形 19">
-                <a:extLst>
-                  <a:ext uri="{FF2B5EF4-FFF2-40B4-BE49-F238E27FC236}">
-                    <a16:creationId xmlns:a16="http://schemas.microsoft.com/office/drawing/2014/main" id="{9A645FA0-B5F1-4E7C-8E48-F361E70C6051}"/>
-                  </a:ext>
-                </a:extLst>
-              </p:cNvPr>
-              <p:cNvSpPr/>
-              <p:nvPr/>
-            </p:nvSpPr>
-            <p:spPr>
-              <a:xfrm>
-                <a:off x="4250269" y="5779223"/>
-                <a:ext cx="4013198" cy="947609"/>
-              </a:xfrm>
-              <a:prstGeom prst="curvedUpArrow">
-                <a:avLst/>
-              </a:prstGeom>
-            </p:spPr>
-            <p:style>
-              <a:lnRef idx="2">
-                <a:schemeClr val="dk1"/>
-              </a:lnRef>
-              <a:fillRef idx="1">
-                <a:schemeClr val="lt1"/>
-              </a:fillRef>
-              <a:effectRef idx="0">
-                <a:schemeClr val="dk1"/>
-              </a:effectRef>
-              <a:fontRef idx="minor">
-                <a:schemeClr val="dk1"/>
-              </a:fontRef>
-            </p:style>
-            <p:txBody>
-              <a:bodyPr rtlCol="0" anchor="ctr"/>
-              <a:lstStyle/>
-              <a:p>
-                <a:pPr algn="ctr"/>
-                <a:r>
-                  <a:rPr lang="zh-CN" altLang="en-US" dirty="0">
-                    <a:solidFill>
-                      <a:schemeClr val="tx1"/>
-                    </a:solidFill>
-                  </a:rPr>
-                  <a:t>资源管理</a:t>
-                </a:r>
-              </a:p>
-            </p:txBody>
-          </p:sp>
-          <p:sp>
-            <p:nvSpPr>
-              <p:cNvPr id="22" name="箭头: 上弧形 21">
-                <a:extLst>
-                  <a:ext uri="{FF2B5EF4-FFF2-40B4-BE49-F238E27FC236}">
-                    <a16:creationId xmlns:a16="http://schemas.microsoft.com/office/drawing/2014/main" id="{17D9BAA6-8407-43D5-B729-230BD1D29A1F}"/>
-                  </a:ext>
-                </a:extLst>
-              </p:cNvPr>
-              <p:cNvSpPr/>
-              <p:nvPr/>
-            </p:nvSpPr>
-            <p:spPr>
-              <a:xfrm flipH="1">
-                <a:off x="4089000" y="1091187"/>
-                <a:ext cx="4014000" cy="946800"/>
-              </a:xfrm>
-              <a:prstGeom prst="curvedDownArrow">
-                <a:avLst/>
-              </a:prstGeom>
-            </p:spPr>
-            <p:style>
-              <a:lnRef idx="2">
-                <a:schemeClr val="dk1"/>
-              </a:lnRef>
-              <a:fillRef idx="1">
-                <a:schemeClr val="lt1"/>
-              </a:fillRef>
-              <a:effectRef idx="0">
-                <a:schemeClr val="dk1"/>
-              </a:effectRef>
-              <a:fontRef idx="minor">
-                <a:schemeClr val="dk1"/>
-              </a:fontRef>
-            </p:style>
-            <p:txBody>
-              <a:bodyPr rot="0" spcFirstLastPara="0" vertOverflow="overflow" horzOverflow="overflow" vert="horz" wrap="square" lIns="91440" tIns="45720" rIns="91440" bIns="45720" numCol="1" spcCol="0" rtlCol="0" fromWordArt="0" anchor="ctr" anchorCtr="0" forceAA="0" compatLnSpc="1">
-                <a:prstTxWarp prst="textNoShape">
-                  <a:avLst/>
-                </a:prstTxWarp>
-                <a:noAutofit/>
-              </a:bodyPr>
-              <a:lstStyle/>
-              <a:p>
-                <a:pPr algn="ctr"/>
-                <a:r>
-                  <a:rPr lang="zh-CN" altLang="en-US" dirty="0">
-                    <a:solidFill>
-                      <a:schemeClr val="tx1"/>
-                    </a:solidFill>
-                  </a:rPr>
-                  <a:t>信息获取</a:t>
-                </a:r>
-              </a:p>
-            </p:txBody>
-          </p:sp>
-          <p:sp>
-            <p:nvSpPr>
-              <p:cNvPr id="61" name="箭头: 左弧形 60">
-                <a:extLst>
-                  <a:ext uri="{FF2B5EF4-FFF2-40B4-BE49-F238E27FC236}">
-                    <a16:creationId xmlns:a16="http://schemas.microsoft.com/office/drawing/2014/main" id="{2616420F-92A3-49F1-9888-8A5C5039F5B4}"/>
-                  </a:ext>
-                </a:extLst>
-              </p:cNvPr>
-              <p:cNvSpPr/>
-              <p:nvPr/>
-            </p:nvSpPr>
-            <p:spPr>
-              <a:xfrm>
-                <a:off x="4626260" y="2382766"/>
-                <a:ext cx="541020" cy="1208254"/>
-              </a:xfrm>
-              <a:prstGeom prst="curvedRightArrow">
-                <a:avLst/>
-              </a:prstGeom>
-            </p:spPr>
-            <p:style>
-              <a:lnRef idx="2">
-                <a:schemeClr val="dk1"/>
-              </a:lnRef>
-              <a:fillRef idx="1">
-                <a:schemeClr val="lt1"/>
-              </a:fillRef>
-              <a:effectRef idx="0">
-                <a:schemeClr val="dk1"/>
-              </a:effectRef>
-              <a:fontRef idx="minor">
-                <a:schemeClr val="dk1"/>
-              </a:fontRef>
-            </p:style>
-            <p:txBody>
-              <a:bodyPr rtlCol="0" anchor="ctr"/>
-              <a:lstStyle/>
-              <a:p>
-                <a:pPr algn="ctr"/>
-                <a:endParaRPr lang="zh-CN" altLang="en-US" dirty="0">
+              </a:prstTxWarp>
+              <a:noAutofit/>
+            </a:bodyPr>
+            <a:lstStyle/>
+            <a:p>
+              <a:pPr algn="ctr"/>
+              <a:r>
+                <a:rPr lang="en-US" altLang="zh-CN" sz="1400" dirty="0" err="1">
+                  <a:solidFill>
+                    <a:schemeClr val="dk1"/>
+                  </a:solidFill>
+                </a:rPr>
+                <a:t>Stdout</a:t>
+              </a:r>
+              <a:r>
+                <a:rPr lang="zh-CN" altLang="en-US" sz="1400" dirty="0">
+                  <a:solidFill>
+                    <a:schemeClr val="dk1"/>
+                  </a:solidFill>
+                </a:rPr>
+                <a:t>输出</a:t>
+              </a:r>
+            </a:p>
+          </p:txBody>
+        </p:sp>
+        <p:sp>
+          <p:nvSpPr>
+            <p:cNvPr id="20" name="箭头: 下弧形 19">
+              <a:extLst>
+                <a:ext uri="{FF2B5EF4-FFF2-40B4-BE49-F238E27FC236}">
+                  <a16:creationId xmlns:a16="http://schemas.microsoft.com/office/drawing/2014/main" id="{9A645FA0-B5F1-4E7C-8E48-F361E70C6051}"/>
+                </a:ext>
+              </a:extLst>
+            </p:cNvPr>
+            <p:cNvSpPr/>
+            <p:nvPr/>
+          </p:nvSpPr>
+          <p:spPr>
+            <a:xfrm>
+              <a:off x="4250269" y="5779223"/>
+              <a:ext cx="4013198" cy="947609"/>
+            </a:xfrm>
+            <a:prstGeom prst="curvedUpArrow">
+              <a:avLst/>
+            </a:prstGeom>
+          </p:spPr>
+          <p:style>
+            <a:lnRef idx="2">
+              <a:schemeClr val="dk1"/>
+            </a:lnRef>
+            <a:fillRef idx="1">
+              <a:schemeClr val="lt1"/>
+            </a:fillRef>
+            <a:effectRef idx="0">
+              <a:schemeClr val="dk1"/>
+            </a:effectRef>
+            <a:fontRef idx="minor">
+              <a:schemeClr val="dk1"/>
+            </a:fontRef>
+          </p:style>
+          <p:txBody>
+            <a:bodyPr rtlCol="0" anchor="ctr"/>
+            <a:lstStyle/>
+            <a:p>
+              <a:pPr algn="ctr"/>
+              <a:r>
+                <a:rPr lang="zh-CN" altLang="en-US" dirty="0">
                   <a:solidFill>
                     <a:schemeClr val="tx1"/>
                   </a:solidFill>
-                </a:endParaRPr>
-              </a:p>
-            </p:txBody>
-          </p:sp>
-          <p:sp>
-            <p:nvSpPr>
-              <p:cNvPr id="62" name="箭头: 上下 61">
-                <a:extLst>
-                  <a:ext uri="{FF2B5EF4-FFF2-40B4-BE49-F238E27FC236}">
-                    <a16:creationId xmlns:a16="http://schemas.microsoft.com/office/drawing/2014/main" id="{E5EA246D-3092-42B7-8BB5-4165E88293A0}"/>
-                  </a:ext>
-                </a:extLst>
-              </p:cNvPr>
-              <p:cNvSpPr/>
-              <p:nvPr/>
-            </p:nvSpPr>
-            <p:spPr>
-              <a:xfrm>
-                <a:off x="4011344" y="3176885"/>
-                <a:ext cx="484632" cy="484067"/>
-              </a:xfrm>
-              <a:prstGeom prst="upDownArrow">
-                <a:avLst>
-                  <a:gd name="adj1" fmla="val 47379"/>
-                  <a:gd name="adj2" fmla="val 30323"/>
-                </a:avLst>
-              </a:prstGeom>
-            </p:spPr>
-            <p:style>
-              <a:lnRef idx="2">
-                <a:schemeClr val="dk1"/>
-              </a:lnRef>
-              <a:fillRef idx="1">
-                <a:schemeClr val="lt1"/>
-              </a:fillRef>
-              <a:effectRef idx="0">
-                <a:schemeClr val="dk1"/>
-              </a:effectRef>
-              <a:fontRef idx="minor">
-                <a:schemeClr val="dk1"/>
-              </a:fontRef>
-            </p:style>
-            <p:txBody>
-              <a:bodyPr rtlCol="0" anchor="ctr"/>
-              <a:lstStyle/>
-              <a:p>
-                <a:pPr algn="ctr"/>
-                <a:endParaRPr lang="zh-CN" altLang="en-US"/>
-              </a:p>
-            </p:txBody>
-          </p:sp>
-        </p:grpSp>
-        <p:grpSp>
-          <p:nvGrpSpPr>
-            <p:cNvPr id="95" name="组合 94">
+                </a:rPr>
+                <a:t>资源管理</a:t>
+              </a:r>
+            </a:p>
+          </p:txBody>
+        </p:sp>
+        <p:sp>
+          <p:nvSpPr>
+            <p:cNvPr id="22" name="箭头: 上弧形 21">
               <a:extLst>
                 <a:ext uri="{FF2B5EF4-FFF2-40B4-BE49-F238E27FC236}">
-                  <a16:creationId xmlns:a16="http://schemas.microsoft.com/office/drawing/2014/main" id="{F3D2DD09-A515-4243-94AC-8DF4E07A7363}"/>
+                  <a16:creationId xmlns:a16="http://schemas.microsoft.com/office/drawing/2014/main" id="{17D9BAA6-8407-43D5-B729-230BD1D29A1F}"/>
                 </a:ext>
               </a:extLst>
             </p:cNvPr>
-            <p:cNvGrpSpPr/>
+            <p:cNvSpPr/>
             <p:nvPr/>
-          </p:nvGrpSpPr>
-          <p:grpSpPr>
+          </p:nvSpPr>
+          <p:spPr>
+            <a:xfrm flipH="1">
+              <a:off x="4089000" y="1091187"/>
+              <a:ext cx="4014000" cy="946800"/>
+            </a:xfrm>
+            <a:prstGeom prst="curvedDownArrow">
+              <a:avLst/>
+            </a:prstGeom>
+          </p:spPr>
+          <p:style>
+            <a:lnRef idx="2">
+              <a:schemeClr val="dk1"/>
+            </a:lnRef>
+            <a:fillRef idx="1">
+              <a:schemeClr val="lt1"/>
+            </a:fillRef>
+            <a:effectRef idx="0">
+              <a:schemeClr val="dk1"/>
+            </a:effectRef>
+            <a:fontRef idx="minor">
+              <a:schemeClr val="dk1"/>
+            </a:fontRef>
+          </p:style>
+          <p:txBody>
+            <a:bodyPr rot="0" spcFirstLastPara="0" vertOverflow="overflow" horzOverflow="overflow" vert="horz" wrap="square" lIns="91440" tIns="45720" rIns="91440" bIns="45720" numCol="1" spcCol="0" rtlCol="0" fromWordArt="0" anchor="ctr" anchorCtr="0" forceAA="0" compatLnSpc="1">
+              <a:prstTxWarp prst="textNoShape">
+                <a:avLst/>
+              </a:prstTxWarp>
+              <a:noAutofit/>
+            </a:bodyPr>
+            <a:lstStyle/>
+            <a:p>
+              <a:pPr algn="ctr"/>
+              <a:r>
+                <a:rPr lang="zh-CN" altLang="en-US" dirty="0">
+                  <a:solidFill>
+                    <a:schemeClr val="tx1"/>
+                  </a:solidFill>
+                </a:rPr>
+                <a:t>信息获取</a:t>
+              </a:r>
+            </a:p>
+          </p:txBody>
+        </p:sp>
+        <p:sp>
+          <p:nvSpPr>
+            <p:cNvPr id="61" name="箭头: 左弧形 60">
+              <a:extLst>
+                <a:ext uri="{FF2B5EF4-FFF2-40B4-BE49-F238E27FC236}">
+                  <a16:creationId xmlns:a16="http://schemas.microsoft.com/office/drawing/2014/main" id="{2616420F-92A3-49F1-9888-8A5C5039F5B4}"/>
+                </a:ext>
+              </a:extLst>
+            </p:cNvPr>
+            <p:cNvSpPr/>
+            <p:nvPr/>
+          </p:nvSpPr>
+          <p:spPr>
+            <a:xfrm>
+              <a:off x="4626260" y="2382766"/>
+              <a:ext cx="541020" cy="1208254"/>
+            </a:xfrm>
+            <a:prstGeom prst="curvedRightArrow">
+              <a:avLst/>
+            </a:prstGeom>
+          </p:spPr>
+          <p:style>
+            <a:lnRef idx="2">
+              <a:schemeClr val="dk1"/>
+            </a:lnRef>
+            <a:fillRef idx="1">
+              <a:schemeClr val="lt1"/>
+            </a:fillRef>
+            <a:effectRef idx="0">
+              <a:schemeClr val="dk1"/>
+            </a:effectRef>
+            <a:fontRef idx="minor">
+              <a:schemeClr val="dk1"/>
+            </a:fontRef>
+          </p:style>
+          <p:txBody>
+            <a:bodyPr rtlCol="0" anchor="ctr"/>
+            <a:lstStyle/>
+            <a:p>
+              <a:pPr algn="ctr"/>
+              <a:endParaRPr lang="zh-CN" altLang="en-US" dirty="0">
+                <a:solidFill>
+                  <a:schemeClr val="tx1"/>
+                </a:solidFill>
+              </a:endParaRPr>
+            </a:p>
+          </p:txBody>
+        </p:sp>
+        <p:sp>
+          <p:nvSpPr>
+            <p:cNvPr id="62" name="箭头: 上下 61">
+              <a:extLst>
+                <a:ext uri="{FF2B5EF4-FFF2-40B4-BE49-F238E27FC236}">
+                  <a16:creationId xmlns:a16="http://schemas.microsoft.com/office/drawing/2014/main" id="{E5EA246D-3092-42B7-8BB5-4165E88293A0}"/>
+                </a:ext>
+              </a:extLst>
+            </p:cNvPr>
+            <p:cNvSpPr/>
+            <p:nvPr/>
+          </p:nvSpPr>
+          <p:spPr>
+            <a:xfrm>
+              <a:off x="4011344" y="3176885"/>
+              <a:ext cx="484632" cy="484067"/>
+            </a:xfrm>
+            <a:prstGeom prst="upDownArrow">
+              <a:avLst>
+                <a:gd name="adj1" fmla="val 47379"/>
+                <a:gd name="adj2" fmla="val 30323"/>
+              </a:avLst>
+            </a:prstGeom>
+          </p:spPr>
+          <p:style>
+            <a:lnRef idx="2">
+              <a:schemeClr val="dk1"/>
+            </a:lnRef>
+            <a:fillRef idx="1">
+              <a:schemeClr val="lt1"/>
+            </a:fillRef>
+            <a:effectRef idx="0">
+              <a:schemeClr val="dk1"/>
+            </a:effectRef>
+            <a:fontRef idx="minor">
+              <a:schemeClr val="dk1"/>
+            </a:fontRef>
+          </p:style>
+          <p:txBody>
+            <a:bodyPr rtlCol="0" anchor="ctr"/>
+            <a:lstStyle/>
+            <a:p>
+              <a:pPr algn="ctr"/>
+              <a:endParaRPr lang="zh-CN" altLang="en-US"/>
+            </a:p>
+          </p:txBody>
+        </p:sp>
+      </p:grpSp>
+      <p:grpSp>
+        <p:nvGrpSpPr>
+          <p:cNvPr id="95" name="组合 94">
+            <a:extLst>
+              <a:ext uri="{FF2B5EF4-FFF2-40B4-BE49-F238E27FC236}">
+                <a16:creationId xmlns:a16="http://schemas.microsoft.com/office/drawing/2014/main" id="{F3D2DD09-A515-4243-94AC-8DF4E07A7363}"/>
+              </a:ext>
+            </a:extLst>
+          </p:cNvPr>
+          <p:cNvGrpSpPr/>
+          <p:nvPr/>
+        </p:nvGrpSpPr>
+        <p:grpSpPr>
+          <a:xfrm>
+            <a:off x="3331636" y="2040465"/>
+            <a:ext cx="1837266" cy="3733801"/>
+            <a:chOff x="3331636" y="2040465"/>
+            <a:chExt cx="1837266" cy="3733801"/>
+          </a:xfrm>
+        </p:grpSpPr>
+        <p:sp>
+          <p:nvSpPr>
+            <p:cNvPr id="4" name="矩形 3">
+              <a:extLst>
+                <a:ext uri="{FF2B5EF4-FFF2-40B4-BE49-F238E27FC236}">
+                  <a16:creationId xmlns:a16="http://schemas.microsoft.com/office/drawing/2014/main" id="{6A742B60-F2F9-4E4C-ADD5-C77446808F77}"/>
+                </a:ext>
+              </a:extLst>
+            </p:cNvPr>
+            <p:cNvSpPr/>
+            <p:nvPr/>
+          </p:nvSpPr>
+          <p:spPr>
             <a:xfrm>
               <a:off x="3331636" y="2040465"/>
               <a:ext cx="1837266" cy="3733801"/>
-              <a:chOff x="3331636" y="2040465"/>
-              <a:chExt cx="1837266" cy="3733801"/>
             </a:xfrm>
-          </p:grpSpPr>
-          <p:sp>
-            <p:nvSpPr>
-              <p:cNvPr id="4" name="矩形 3">
-                <a:extLst>
-                  <a:ext uri="{FF2B5EF4-FFF2-40B4-BE49-F238E27FC236}">
-                    <a16:creationId xmlns:a16="http://schemas.microsoft.com/office/drawing/2014/main" id="{6A742B60-F2F9-4E4C-ADD5-C77446808F77}"/>
-                  </a:ext>
-                </a:extLst>
-              </p:cNvPr>
-              <p:cNvSpPr/>
-              <p:nvPr/>
-            </p:nvSpPr>
-            <p:spPr>
-              <a:xfrm>
-                <a:off x="3331636" y="2040465"/>
-                <a:ext cx="1837266" cy="3733801"/>
-              </a:xfrm>
-              <a:prstGeom prst="rect">
-                <a:avLst/>
-              </a:prstGeom>
-              <a:noFill/>
-            </p:spPr>
-            <p:style>
-              <a:lnRef idx="2">
-                <a:schemeClr val="dk1"/>
-              </a:lnRef>
-              <a:fillRef idx="1">
-                <a:schemeClr val="lt1"/>
-              </a:fillRef>
-              <a:effectRef idx="0">
-                <a:schemeClr val="dk1"/>
-              </a:effectRef>
-              <a:fontRef idx="minor">
-                <a:schemeClr val="dk1"/>
-              </a:fontRef>
-            </p:style>
-            <p:txBody>
-              <a:bodyPr rtlCol="0" anchor="t"/>
-              <a:lstStyle/>
-              <a:p>
-                <a:pPr algn="ctr"/>
-                <a:r>
-                  <a:rPr lang="en-US" altLang="zh-CN" dirty="0"/>
-                  <a:t>Task</a:t>
-                </a:r>
-                <a:r>
-                  <a:rPr lang="zh-CN" altLang="en-US" dirty="0"/>
-                  <a:t>组件</a:t>
-                </a:r>
-                <a:endParaRPr lang="en-US" altLang="zh-CN" dirty="0"/>
-              </a:p>
-            </p:txBody>
-          </p:sp>
-          <p:sp>
-            <p:nvSpPr>
-              <p:cNvPr id="35" name="矩形 34">
-                <a:extLst>
-                  <a:ext uri="{FF2B5EF4-FFF2-40B4-BE49-F238E27FC236}">
-                    <a16:creationId xmlns:a16="http://schemas.microsoft.com/office/drawing/2014/main" id="{5E0912B2-9259-4953-9389-4815782B0B29}"/>
-                  </a:ext>
-                </a:extLst>
-              </p:cNvPr>
-              <p:cNvSpPr/>
-              <p:nvPr/>
-            </p:nvSpPr>
-            <p:spPr>
-              <a:xfrm>
-                <a:off x="3400226" y="4437702"/>
-                <a:ext cx="1699818" cy="422944"/>
-              </a:xfrm>
-              <a:prstGeom prst="rect">
-                <a:avLst/>
-              </a:prstGeom>
-            </p:spPr>
-            <p:style>
-              <a:lnRef idx="2">
-                <a:schemeClr val="dk1"/>
-              </a:lnRef>
-              <a:fillRef idx="1">
-                <a:schemeClr val="lt1"/>
-              </a:fillRef>
-              <a:effectRef idx="0">
-                <a:schemeClr val="dk1"/>
-              </a:effectRef>
-              <a:fontRef idx="minor">
-                <a:schemeClr val="dk1"/>
-              </a:fontRef>
-            </p:style>
-            <p:txBody>
-              <a:bodyPr rtlCol="0" anchor="ctr"/>
-              <a:lstStyle/>
-              <a:p>
-                <a:pPr algn="ctr"/>
-                <a:r>
-                  <a:rPr lang="zh-CN" altLang="en-US" dirty="0"/>
-                  <a:t>日志文件路径</a:t>
-                </a:r>
-              </a:p>
-            </p:txBody>
-          </p:sp>
-          <p:sp>
-            <p:nvSpPr>
-              <p:cNvPr id="36" name="矩形 35">
-                <a:extLst>
-                  <a:ext uri="{FF2B5EF4-FFF2-40B4-BE49-F238E27FC236}">
-                    <a16:creationId xmlns:a16="http://schemas.microsoft.com/office/drawing/2014/main" id="{CC020141-63FC-46BA-990D-DFD23720A5F9}"/>
-                  </a:ext>
-                </a:extLst>
-              </p:cNvPr>
-              <p:cNvSpPr/>
-              <p:nvPr/>
-            </p:nvSpPr>
-            <p:spPr>
-              <a:xfrm>
-                <a:off x="3400226" y="4860646"/>
-                <a:ext cx="1699550" cy="422944"/>
-              </a:xfrm>
-              <a:prstGeom prst="rect">
-                <a:avLst/>
-              </a:prstGeom>
-            </p:spPr>
-            <p:style>
-              <a:lnRef idx="2">
-                <a:schemeClr val="dk1"/>
-              </a:lnRef>
-              <a:fillRef idx="1">
-                <a:schemeClr val="lt1"/>
-              </a:fillRef>
-              <a:effectRef idx="0">
-                <a:schemeClr val="dk1"/>
-              </a:effectRef>
-              <a:fontRef idx="minor">
-                <a:schemeClr val="dk1"/>
-              </a:fontRef>
-            </p:style>
-            <p:txBody>
-              <a:bodyPr rtlCol="0" anchor="ctr"/>
-              <a:lstStyle/>
-              <a:p>
-                <a:pPr algn="ctr"/>
-                <a:r>
-                  <a:rPr lang="zh-CN" altLang="en-US" dirty="0"/>
-                  <a:t>配置文件路径</a:t>
-                </a:r>
-              </a:p>
-            </p:txBody>
-          </p:sp>
-          <p:sp>
-            <p:nvSpPr>
-              <p:cNvPr id="37" name="矩形 36">
-                <a:extLst>
-                  <a:ext uri="{FF2B5EF4-FFF2-40B4-BE49-F238E27FC236}">
-                    <a16:creationId xmlns:a16="http://schemas.microsoft.com/office/drawing/2014/main" id="{3C77C331-C3D1-4A8D-A397-53B4EF07FDBE}"/>
-                  </a:ext>
-                </a:extLst>
-              </p:cNvPr>
-              <p:cNvSpPr/>
-              <p:nvPr/>
-            </p:nvSpPr>
-            <p:spPr>
-              <a:xfrm>
-                <a:off x="3400226" y="5283590"/>
-                <a:ext cx="1699550" cy="422944"/>
-              </a:xfrm>
-              <a:prstGeom prst="rect">
-                <a:avLst/>
-              </a:prstGeom>
-            </p:spPr>
-            <p:style>
-              <a:lnRef idx="2">
-                <a:schemeClr val="dk1"/>
-              </a:lnRef>
-              <a:fillRef idx="1">
-                <a:schemeClr val="lt1"/>
-              </a:fillRef>
-              <a:effectRef idx="0">
-                <a:schemeClr val="dk1"/>
-              </a:effectRef>
-              <a:fontRef idx="minor">
-                <a:schemeClr val="dk1"/>
-              </a:fontRef>
-            </p:style>
-            <p:txBody>
-              <a:bodyPr rtlCol="0" anchor="ctr"/>
-              <a:lstStyle/>
-              <a:p>
-                <a:pPr algn="ctr"/>
-                <a:r>
-                  <a:rPr lang="zh-CN" altLang="en-US" dirty="0"/>
-                  <a:t>结果文件路径</a:t>
-                </a:r>
-              </a:p>
-            </p:txBody>
-          </p:sp>
-          <p:sp>
-            <p:nvSpPr>
-              <p:cNvPr id="38" name="矩形 37">
-                <a:extLst>
-                  <a:ext uri="{FF2B5EF4-FFF2-40B4-BE49-F238E27FC236}">
-                    <a16:creationId xmlns:a16="http://schemas.microsoft.com/office/drawing/2014/main" id="{767625FC-8820-4511-926E-592210F88E17}"/>
-                  </a:ext>
-                </a:extLst>
-              </p:cNvPr>
-              <p:cNvSpPr/>
-              <p:nvPr/>
-            </p:nvSpPr>
-            <p:spPr>
-              <a:xfrm>
-                <a:off x="3400226" y="2742347"/>
-                <a:ext cx="1696201" cy="422944"/>
-              </a:xfrm>
-              <a:prstGeom prst="rect">
-                <a:avLst/>
-              </a:prstGeom>
-            </p:spPr>
-            <p:style>
-              <a:lnRef idx="2">
-                <a:schemeClr val="dk1"/>
-              </a:lnRef>
-              <a:fillRef idx="1">
-                <a:schemeClr val="lt1"/>
-              </a:fillRef>
-              <a:effectRef idx="0">
-                <a:schemeClr val="dk1"/>
-              </a:effectRef>
-              <a:fontRef idx="minor">
-                <a:schemeClr val="dk1"/>
-              </a:fontRef>
-            </p:style>
-            <p:txBody>
-              <a:bodyPr rtlCol="0" anchor="ctr"/>
-              <a:lstStyle/>
-              <a:p>
-                <a:pPr algn="ctr"/>
-                <a:r>
-                  <a:rPr lang="zh-CN" altLang="en-US" dirty="0"/>
-                  <a:t>进程控制</a:t>
-                </a:r>
-              </a:p>
-            </p:txBody>
-          </p:sp>
-          <p:sp>
-            <p:nvSpPr>
-              <p:cNvPr id="40" name="矩形 39">
-                <a:extLst>
-                  <a:ext uri="{FF2B5EF4-FFF2-40B4-BE49-F238E27FC236}">
-                    <a16:creationId xmlns:a16="http://schemas.microsoft.com/office/drawing/2014/main" id="{7B5302EC-688E-4501-96F8-0913BFAEE76D}"/>
-                  </a:ext>
-                </a:extLst>
-              </p:cNvPr>
-              <p:cNvSpPr/>
-              <p:nvPr/>
-            </p:nvSpPr>
-            <p:spPr>
-              <a:xfrm>
-                <a:off x="3400462" y="3665909"/>
-                <a:ext cx="1696338" cy="422944"/>
-              </a:xfrm>
-              <a:prstGeom prst="rect">
-                <a:avLst/>
-              </a:prstGeom>
-            </p:spPr>
-            <p:style>
-              <a:lnRef idx="2">
-                <a:schemeClr val="dk1"/>
-              </a:lnRef>
-              <a:fillRef idx="1">
-                <a:schemeClr val="lt1"/>
-              </a:fillRef>
-              <a:effectRef idx="0">
-                <a:schemeClr val="dk1"/>
-              </a:effectRef>
-              <a:fontRef idx="minor">
-                <a:schemeClr val="dk1"/>
-              </a:fontRef>
-            </p:style>
-            <p:txBody>
-              <a:bodyPr rtlCol="0" anchor="ctr"/>
-              <a:lstStyle/>
-              <a:p>
-                <a:pPr algn="ctr"/>
-                <a:r>
-                  <a:rPr lang="zh-CN" altLang="en-US" dirty="0"/>
-                  <a:t>运行状态</a:t>
-                </a:r>
-              </a:p>
-            </p:txBody>
-          </p:sp>
-          <p:sp>
-            <p:nvSpPr>
-              <p:cNvPr id="92" name="矩形 91">
-                <a:extLst>
-                  <a:ext uri="{FF2B5EF4-FFF2-40B4-BE49-F238E27FC236}">
-                    <a16:creationId xmlns:a16="http://schemas.microsoft.com/office/drawing/2014/main" id="{D6E178EC-F500-44FF-BB65-6675D05DF6AD}"/>
-                  </a:ext>
-                </a:extLst>
-              </p:cNvPr>
-              <p:cNvSpPr/>
-              <p:nvPr/>
-            </p:nvSpPr>
-            <p:spPr>
-              <a:xfrm>
-                <a:off x="3400226" y="2405183"/>
-                <a:ext cx="850043" cy="285588"/>
-              </a:xfrm>
-              <a:prstGeom prst="rect">
-                <a:avLst/>
-              </a:prstGeom>
-            </p:spPr>
-            <p:style>
-              <a:lnRef idx="2">
-                <a:schemeClr val="dk1"/>
-              </a:lnRef>
-              <a:fillRef idx="1">
-                <a:schemeClr val="lt1"/>
-              </a:fillRef>
-              <a:effectRef idx="0">
-                <a:schemeClr val="dk1"/>
-              </a:effectRef>
-              <a:fontRef idx="minor">
-                <a:schemeClr val="dk1"/>
-              </a:fontRef>
-            </p:style>
-            <p:txBody>
-              <a:bodyPr rtlCol="0" anchor="ctr"/>
-              <a:lstStyle/>
-              <a:p>
-                <a:pPr algn="ctr"/>
-                <a:r>
-                  <a:rPr lang="en-US" altLang="zh-CN" dirty="0"/>
-                  <a:t>ID</a:t>
-                </a:r>
-                <a:endParaRPr lang="zh-CN" altLang="en-US" dirty="0"/>
-              </a:p>
-            </p:txBody>
-          </p:sp>
-        </p:grpSp>
-        <p:cxnSp>
-          <p:nvCxnSpPr>
-            <p:cNvPr id="42" name="直接箭头连接符 41">
+            <a:prstGeom prst="rect">
+              <a:avLst/>
+            </a:prstGeom>
+            <a:noFill/>
+          </p:spPr>
+          <p:style>
+            <a:lnRef idx="2">
+              <a:schemeClr val="dk1"/>
+            </a:lnRef>
+            <a:fillRef idx="1">
+              <a:schemeClr val="lt1"/>
+            </a:fillRef>
+            <a:effectRef idx="0">
+              <a:schemeClr val="dk1"/>
+            </a:effectRef>
+            <a:fontRef idx="minor">
+              <a:schemeClr val="dk1"/>
+            </a:fontRef>
+          </p:style>
+          <p:txBody>
+            <a:bodyPr rtlCol="0" anchor="t"/>
+            <a:lstStyle/>
+            <a:p>
+              <a:pPr algn="ctr"/>
+              <a:r>
+                <a:rPr lang="en-US" altLang="zh-CN" dirty="0"/>
+                <a:t>Task</a:t>
+              </a:r>
+              <a:r>
+                <a:rPr lang="zh-CN" altLang="en-US" dirty="0"/>
+                <a:t>组件</a:t>
+              </a:r>
+              <a:endParaRPr lang="en-US" altLang="zh-CN" dirty="0"/>
+            </a:p>
+          </p:txBody>
+        </p:sp>
+        <p:sp>
+          <p:nvSpPr>
+            <p:cNvPr id="35" name="矩形 34">
               <a:extLst>
                 <a:ext uri="{FF2B5EF4-FFF2-40B4-BE49-F238E27FC236}">
-                  <a16:creationId xmlns:a16="http://schemas.microsoft.com/office/drawing/2014/main" id="{DE163C3E-0AEB-4642-ACBB-F58B724ACE64}"/>
+                  <a16:creationId xmlns:a16="http://schemas.microsoft.com/office/drawing/2014/main" id="{5E0912B2-9259-4953-9389-4815782B0B29}"/>
                 </a:ext>
               </a:extLst>
             </p:cNvPr>
-            <p:cNvCxnSpPr>
-              <a:cxnSpLocks/>
-              <a:stCxn id="38" idx="3"/>
-            </p:cNvCxnSpPr>
+            <p:cNvSpPr/>
             <p:nvPr/>
-          </p:nvCxnSpPr>
+          </p:nvSpPr>
           <p:spPr>
             <a:xfrm>
-              <a:off x="5096427" y="2953819"/>
-              <a:ext cx="3402850" cy="0"/>
+              <a:off x="3400226" y="4437702"/>
+              <a:ext cx="1699818" cy="422944"/>
             </a:xfrm>
-            <a:prstGeom prst="straightConnector1">
+            <a:prstGeom prst="rect">
               <a:avLst/>
             </a:prstGeom>
-            <a:ln w="28575">
-              <a:headEnd type="none" w="med" len="med"/>
-              <a:tailEnd type="triangle" w="med" len="med"/>
-            </a:ln>
           </p:spPr>
           <p:style>
-            <a:lnRef idx="1">
+            <a:lnRef idx="2">
               <a:schemeClr val="dk1"/>
             </a:lnRef>
-            <a:fillRef idx="0">
-              <a:schemeClr val="dk1"/>
+            <a:fillRef idx="1">
+              <a:schemeClr val="lt1"/>
             </a:fillRef>
             <a:effectRef idx="0">
               <a:schemeClr val="dk1"/>
             </a:effectRef>
             <a:fontRef idx="minor">
-              <a:schemeClr val="tx1"/>
+              <a:schemeClr val="dk1"/>
             </a:fontRef>
           </p:style>
-        </p:cxnSp>
-        <p:cxnSp>
-          <p:nvCxnSpPr>
-            <p:cNvPr id="45" name="直接箭头连接符 44">
+          <p:txBody>
+            <a:bodyPr rtlCol="0" anchor="ctr"/>
+            <a:lstStyle/>
+            <a:p>
+              <a:pPr algn="ctr"/>
+              <a:r>
+                <a:rPr lang="zh-CN" altLang="en-US" dirty="0"/>
+                <a:t>日志文件路径</a:t>
+              </a:r>
+            </a:p>
+          </p:txBody>
+        </p:sp>
+        <p:sp>
+          <p:nvSpPr>
+            <p:cNvPr id="36" name="矩形 35">
               <a:extLst>
                 <a:ext uri="{FF2B5EF4-FFF2-40B4-BE49-F238E27FC236}">
-                  <a16:creationId xmlns:a16="http://schemas.microsoft.com/office/drawing/2014/main" id="{04769075-C536-4D90-985E-2F36187DBC80}"/>
+                  <a16:creationId xmlns:a16="http://schemas.microsoft.com/office/drawing/2014/main" id="{CC020141-63FC-46BA-990D-DFD23720A5F9}"/>
                 </a:ext>
               </a:extLst>
             </p:cNvPr>
-            <p:cNvCxnSpPr>
-              <a:cxnSpLocks/>
-              <a:stCxn id="37" idx="3"/>
-              <a:endCxn id="6" idx="1"/>
-            </p:cNvCxnSpPr>
+            <p:cNvSpPr/>
             <p:nvPr/>
-          </p:nvCxnSpPr>
+          </p:nvSpPr>
           <p:spPr>
-            <a:xfrm flipV="1">
-              <a:off x="5099776" y="5260279"/>
-              <a:ext cx="814058" cy="234783"/>
+            <a:xfrm>
+              <a:off x="3400226" y="4860646"/>
+              <a:ext cx="1699550" cy="422944"/>
             </a:xfrm>
-            <a:prstGeom prst="straightConnector1">
+            <a:prstGeom prst="rect">
               <a:avLst/>
             </a:prstGeom>
-            <a:ln w="28575">
-              <a:headEnd type="none" w="med" len="med"/>
-              <a:tailEnd type="triangle" w="med" len="med"/>
-            </a:ln>
           </p:spPr>
           <p:style>
-            <a:lnRef idx="1">
+            <a:lnRef idx="2">
               <a:schemeClr val="dk1"/>
             </a:lnRef>
-            <a:fillRef idx="0">
-              <a:schemeClr val="dk1"/>
+            <a:fillRef idx="1">
+              <a:schemeClr val="lt1"/>
             </a:fillRef>
             <a:effectRef idx="0">
               <a:schemeClr val="dk1"/>
             </a:effectRef>
             <a:fontRef idx="minor">
-              <a:schemeClr val="tx1"/>
+              <a:schemeClr val="dk1"/>
             </a:fontRef>
           </p:style>
-        </p:cxnSp>
-        <p:cxnSp>
-          <p:nvCxnSpPr>
-            <p:cNvPr id="48" name="直接箭头连接符 47">
+          <p:txBody>
+            <a:bodyPr rtlCol="0" anchor="ctr"/>
+            <a:lstStyle/>
+            <a:p>
+              <a:pPr algn="ctr"/>
+              <a:r>
+                <a:rPr lang="zh-CN" altLang="en-US" dirty="0"/>
+                <a:t>配置文件路径</a:t>
+              </a:r>
+            </a:p>
+          </p:txBody>
+        </p:sp>
+        <p:sp>
+          <p:nvSpPr>
+            <p:cNvPr id="37" name="矩形 36">
               <a:extLst>
                 <a:ext uri="{FF2B5EF4-FFF2-40B4-BE49-F238E27FC236}">
-                  <a16:creationId xmlns:a16="http://schemas.microsoft.com/office/drawing/2014/main" id="{18A5B2D0-F7F2-4346-AC14-DA7CC8BDD616}"/>
+                  <a16:creationId xmlns:a16="http://schemas.microsoft.com/office/drawing/2014/main" id="{3C77C331-C3D1-4A8D-A397-53B4EF07FDBE}"/>
                 </a:ext>
               </a:extLst>
             </p:cNvPr>
-            <p:cNvCxnSpPr>
-              <a:cxnSpLocks/>
-              <a:stCxn id="36" idx="3"/>
-              <a:endCxn id="7" idx="1"/>
-            </p:cNvCxnSpPr>
+            <p:cNvSpPr/>
             <p:nvPr/>
-          </p:nvCxnSpPr>
+          </p:nvSpPr>
           <p:spPr>
-            <a:xfrm flipV="1">
-              <a:off x="5099776" y="4362813"/>
-              <a:ext cx="814058" cy="709305"/>
+            <a:xfrm>
+              <a:off x="3400226" y="5283590"/>
+              <a:ext cx="1699550" cy="422944"/>
             </a:xfrm>
-            <a:prstGeom prst="straightConnector1">
+            <a:prstGeom prst="rect">
               <a:avLst/>
             </a:prstGeom>
-            <a:ln w="28575">
-              <a:headEnd type="none" w="med" len="med"/>
-              <a:tailEnd type="triangle" w="med" len="med"/>
-            </a:ln>
           </p:spPr>
           <p:style>
-            <a:lnRef idx="1">
+            <a:lnRef idx="2">
               <a:schemeClr val="dk1"/>
             </a:lnRef>
-            <a:fillRef idx="0">
-              <a:schemeClr val="dk1"/>
+            <a:fillRef idx="1">
+              <a:schemeClr val="lt1"/>
             </a:fillRef>
             <a:effectRef idx="0">
               <a:schemeClr val="dk1"/>
             </a:effectRef>
             <a:fontRef idx="minor">
-              <a:schemeClr val="tx1"/>
+              <a:schemeClr val="dk1"/>
             </a:fontRef>
           </p:style>
-        </p:cxnSp>
-        <p:cxnSp>
-          <p:nvCxnSpPr>
-            <p:cNvPr id="51" name="直接箭头连接符 50">
+          <p:txBody>
+            <a:bodyPr rtlCol="0" anchor="ctr"/>
+            <a:lstStyle/>
+            <a:p>
+              <a:pPr algn="ctr"/>
+              <a:r>
+                <a:rPr lang="zh-CN" altLang="en-US" dirty="0"/>
+                <a:t>结果文件路径</a:t>
+              </a:r>
+            </a:p>
+          </p:txBody>
+        </p:sp>
+        <p:sp>
+          <p:nvSpPr>
+            <p:cNvPr id="38" name="矩形 37">
               <a:extLst>
                 <a:ext uri="{FF2B5EF4-FFF2-40B4-BE49-F238E27FC236}">
-                  <a16:creationId xmlns:a16="http://schemas.microsoft.com/office/drawing/2014/main" id="{DC4FE8C2-95AC-400F-9335-27F5C0F2F072}"/>
+                  <a16:creationId xmlns:a16="http://schemas.microsoft.com/office/drawing/2014/main" id="{767625FC-8820-4511-926E-592210F88E17}"/>
                 </a:ext>
               </a:extLst>
             </p:cNvPr>
-            <p:cNvCxnSpPr>
-              <a:cxnSpLocks/>
-              <a:stCxn id="35" idx="3"/>
-              <a:endCxn id="5" idx="1"/>
-            </p:cNvCxnSpPr>
+            <p:cNvSpPr/>
             <p:nvPr/>
-          </p:nvCxnSpPr>
+          </p:nvSpPr>
           <p:spPr>
-            <a:xfrm flipV="1">
-              <a:off x="5100044" y="3468041"/>
-              <a:ext cx="813790" cy="1181133"/>
+            <a:xfrm>
+              <a:off x="3400226" y="2742347"/>
+              <a:ext cx="1696201" cy="422944"/>
             </a:xfrm>
-            <a:prstGeom prst="straightConnector1">
+            <a:prstGeom prst="rect">
               <a:avLst/>
             </a:prstGeom>
-            <a:ln w="28575">
-              <a:headEnd type="none" w="med" len="med"/>
-              <a:tailEnd type="triangle" w="med" len="med"/>
-            </a:ln>
           </p:spPr>
           <p:style>
-            <a:lnRef idx="1">
+            <a:lnRef idx="2">
               <a:schemeClr val="dk1"/>
             </a:lnRef>
-            <a:fillRef idx="0">
-              <a:schemeClr val="dk1"/>
+            <a:fillRef idx="1">
+              <a:schemeClr val="lt1"/>
             </a:fillRef>
             <a:effectRef idx="0">
               <a:schemeClr val="dk1"/>
             </a:effectRef>
             <a:fontRef idx="minor">
-              <a:schemeClr val="tx1"/>
+              <a:schemeClr val="dk1"/>
             </a:fontRef>
           </p:style>
-        </p:cxnSp>
+          <p:txBody>
+            <a:bodyPr rtlCol="0" anchor="ctr"/>
+            <a:lstStyle/>
+            <a:p>
+              <a:pPr algn="ctr"/>
+              <a:r>
+                <a:rPr lang="zh-CN" altLang="en-US" dirty="0"/>
+                <a:t>进程控制</a:t>
+              </a:r>
+            </a:p>
+          </p:txBody>
+        </p:sp>
+        <p:sp>
+          <p:nvSpPr>
+            <p:cNvPr id="40" name="矩形 39">
+              <a:extLst>
+                <a:ext uri="{FF2B5EF4-FFF2-40B4-BE49-F238E27FC236}">
+                  <a16:creationId xmlns:a16="http://schemas.microsoft.com/office/drawing/2014/main" id="{7B5302EC-688E-4501-96F8-0913BFAEE76D}"/>
+                </a:ext>
+              </a:extLst>
+            </p:cNvPr>
+            <p:cNvSpPr/>
+            <p:nvPr/>
+          </p:nvSpPr>
+          <p:spPr>
+            <a:xfrm>
+              <a:off x="3400462" y="3665909"/>
+              <a:ext cx="1696338" cy="422944"/>
+            </a:xfrm>
+            <a:prstGeom prst="rect">
+              <a:avLst/>
+            </a:prstGeom>
+          </p:spPr>
+          <p:style>
+            <a:lnRef idx="2">
+              <a:schemeClr val="dk1"/>
+            </a:lnRef>
+            <a:fillRef idx="1">
+              <a:schemeClr val="lt1"/>
+            </a:fillRef>
+            <a:effectRef idx="0">
+              <a:schemeClr val="dk1"/>
+            </a:effectRef>
+            <a:fontRef idx="minor">
+              <a:schemeClr val="dk1"/>
+            </a:fontRef>
+          </p:style>
+          <p:txBody>
+            <a:bodyPr rtlCol="0" anchor="ctr"/>
+            <a:lstStyle/>
+            <a:p>
+              <a:pPr algn="ctr"/>
+              <a:r>
+                <a:rPr lang="zh-CN" altLang="en-US" dirty="0"/>
+                <a:t>运行状态</a:t>
+              </a:r>
+            </a:p>
+          </p:txBody>
+        </p:sp>
+        <p:sp>
+          <p:nvSpPr>
+            <p:cNvPr id="92" name="矩形 91">
+              <a:extLst>
+                <a:ext uri="{FF2B5EF4-FFF2-40B4-BE49-F238E27FC236}">
+                  <a16:creationId xmlns:a16="http://schemas.microsoft.com/office/drawing/2014/main" id="{D6E178EC-F500-44FF-BB65-6675D05DF6AD}"/>
+                </a:ext>
+              </a:extLst>
+            </p:cNvPr>
+            <p:cNvSpPr/>
+            <p:nvPr/>
+          </p:nvSpPr>
+          <p:spPr>
+            <a:xfrm>
+              <a:off x="3400226" y="2405183"/>
+              <a:ext cx="850043" cy="285588"/>
+            </a:xfrm>
+            <a:prstGeom prst="rect">
+              <a:avLst/>
+            </a:prstGeom>
+          </p:spPr>
+          <p:style>
+            <a:lnRef idx="2">
+              <a:schemeClr val="dk1"/>
+            </a:lnRef>
+            <a:fillRef idx="1">
+              <a:schemeClr val="lt1"/>
+            </a:fillRef>
+            <a:effectRef idx="0">
+              <a:schemeClr val="dk1"/>
+            </a:effectRef>
+            <a:fontRef idx="minor">
+              <a:schemeClr val="dk1"/>
+            </a:fontRef>
+          </p:style>
+          <p:txBody>
+            <a:bodyPr rtlCol="0" anchor="ctr"/>
+            <a:lstStyle/>
+            <a:p>
+              <a:pPr algn="ctr"/>
+              <a:r>
+                <a:rPr lang="en-US" altLang="zh-CN" dirty="0"/>
+                <a:t>ID</a:t>
+              </a:r>
+              <a:endParaRPr lang="zh-CN" altLang="en-US" dirty="0"/>
+            </a:p>
+          </p:txBody>
+        </p:sp>
       </p:grpSp>
+      <p:cxnSp>
+        <p:nvCxnSpPr>
+          <p:cNvPr id="42" name="直接箭头连接符 41">
+            <a:extLst>
+              <a:ext uri="{FF2B5EF4-FFF2-40B4-BE49-F238E27FC236}">
+                <a16:creationId xmlns:a16="http://schemas.microsoft.com/office/drawing/2014/main" id="{DE163C3E-0AEB-4642-ACBB-F58B724ACE64}"/>
+              </a:ext>
+            </a:extLst>
+          </p:cNvPr>
+          <p:cNvCxnSpPr>
+            <a:cxnSpLocks/>
+            <a:stCxn id="38" idx="3"/>
+          </p:cNvCxnSpPr>
+          <p:nvPr/>
+        </p:nvCxnSpPr>
+        <p:spPr>
+          <a:xfrm>
+            <a:off x="5096427" y="2953819"/>
+            <a:ext cx="3402850" cy="0"/>
+          </a:xfrm>
+          <a:prstGeom prst="straightConnector1">
+            <a:avLst/>
+          </a:prstGeom>
+          <a:ln w="28575">
+            <a:headEnd type="none" w="med" len="med"/>
+            <a:tailEnd type="triangle" w="med" len="med"/>
+          </a:ln>
+        </p:spPr>
+        <p:style>
+          <a:lnRef idx="1">
+            <a:schemeClr val="dk1"/>
+          </a:lnRef>
+          <a:fillRef idx="0">
+            <a:schemeClr val="dk1"/>
+          </a:fillRef>
+          <a:effectRef idx="0">
+            <a:schemeClr val="dk1"/>
+          </a:effectRef>
+          <a:fontRef idx="minor">
+            <a:schemeClr val="tx1"/>
+          </a:fontRef>
+        </p:style>
+      </p:cxnSp>
+      <p:cxnSp>
+        <p:nvCxnSpPr>
+          <p:cNvPr id="45" name="直接箭头连接符 44">
+            <a:extLst>
+              <a:ext uri="{FF2B5EF4-FFF2-40B4-BE49-F238E27FC236}">
+                <a16:creationId xmlns:a16="http://schemas.microsoft.com/office/drawing/2014/main" id="{04769075-C536-4D90-985E-2F36187DBC80}"/>
+              </a:ext>
+            </a:extLst>
+          </p:cNvPr>
+          <p:cNvCxnSpPr>
+            <a:cxnSpLocks/>
+            <a:stCxn id="37" idx="3"/>
+            <a:endCxn id="6" idx="1"/>
+          </p:cNvCxnSpPr>
+          <p:nvPr/>
+        </p:nvCxnSpPr>
+        <p:spPr>
+          <a:xfrm flipV="1">
+            <a:off x="5099776" y="5260279"/>
+            <a:ext cx="814058" cy="234783"/>
+          </a:xfrm>
+          <a:prstGeom prst="straightConnector1">
+            <a:avLst/>
+          </a:prstGeom>
+          <a:ln w="28575">
+            <a:headEnd type="none" w="med" len="med"/>
+            <a:tailEnd type="triangle" w="med" len="med"/>
+          </a:ln>
+        </p:spPr>
+        <p:style>
+          <a:lnRef idx="1">
+            <a:schemeClr val="dk1"/>
+          </a:lnRef>
+          <a:fillRef idx="0">
+            <a:schemeClr val="dk1"/>
+          </a:fillRef>
+          <a:effectRef idx="0">
+            <a:schemeClr val="dk1"/>
+          </a:effectRef>
+          <a:fontRef idx="minor">
+            <a:schemeClr val="tx1"/>
+          </a:fontRef>
+        </p:style>
+      </p:cxnSp>
+      <p:cxnSp>
+        <p:nvCxnSpPr>
+          <p:cNvPr id="48" name="直接箭头连接符 47">
+            <a:extLst>
+              <a:ext uri="{FF2B5EF4-FFF2-40B4-BE49-F238E27FC236}">
+                <a16:creationId xmlns:a16="http://schemas.microsoft.com/office/drawing/2014/main" id="{18A5B2D0-F7F2-4346-AC14-DA7CC8BDD616}"/>
+              </a:ext>
+            </a:extLst>
+          </p:cNvPr>
+          <p:cNvCxnSpPr>
+            <a:cxnSpLocks/>
+            <a:stCxn id="36" idx="3"/>
+            <a:endCxn id="7" idx="1"/>
+          </p:cNvCxnSpPr>
+          <p:nvPr/>
+        </p:nvCxnSpPr>
+        <p:spPr>
+          <a:xfrm flipV="1">
+            <a:off x="5099776" y="4362813"/>
+            <a:ext cx="814058" cy="709305"/>
+          </a:xfrm>
+          <a:prstGeom prst="straightConnector1">
+            <a:avLst/>
+          </a:prstGeom>
+          <a:ln w="28575">
+            <a:headEnd type="none" w="med" len="med"/>
+            <a:tailEnd type="triangle" w="med" len="med"/>
+          </a:ln>
+        </p:spPr>
+        <p:style>
+          <a:lnRef idx="1">
+            <a:schemeClr val="dk1"/>
+          </a:lnRef>
+          <a:fillRef idx="0">
+            <a:schemeClr val="dk1"/>
+          </a:fillRef>
+          <a:effectRef idx="0">
+            <a:schemeClr val="dk1"/>
+          </a:effectRef>
+          <a:fontRef idx="minor">
+            <a:schemeClr val="tx1"/>
+          </a:fontRef>
+        </p:style>
+      </p:cxnSp>
+      <p:cxnSp>
+        <p:nvCxnSpPr>
+          <p:cNvPr id="51" name="直接箭头连接符 50">
+            <a:extLst>
+              <a:ext uri="{FF2B5EF4-FFF2-40B4-BE49-F238E27FC236}">
+                <a16:creationId xmlns:a16="http://schemas.microsoft.com/office/drawing/2014/main" id="{DC4FE8C2-95AC-400F-9335-27F5C0F2F072}"/>
+              </a:ext>
+            </a:extLst>
+          </p:cNvPr>
+          <p:cNvCxnSpPr>
+            <a:cxnSpLocks/>
+            <a:stCxn id="35" idx="3"/>
+            <a:endCxn id="5" idx="1"/>
+          </p:cNvCxnSpPr>
+          <p:nvPr/>
+        </p:nvCxnSpPr>
+        <p:spPr>
+          <a:xfrm flipV="1">
+            <a:off x="5100044" y="3468041"/>
+            <a:ext cx="813790" cy="1181133"/>
+          </a:xfrm>
+          <a:prstGeom prst="straightConnector1">
+            <a:avLst/>
+          </a:prstGeom>
+          <a:ln w="28575">
+            <a:headEnd type="none" w="med" len="med"/>
+            <a:tailEnd type="triangle" w="med" len="med"/>
+          </a:ln>
+        </p:spPr>
+        <p:style>
+          <a:lnRef idx="1">
+            <a:schemeClr val="dk1"/>
+          </a:lnRef>
+          <a:fillRef idx="0">
+            <a:schemeClr val="dk1"/>
+          </a:fillRef>
+          <a:effectRef idx="0">
+            <a:schemeClr val="dk1"/>
+          </a:effectRef>
+          <a:fontRef idx="minor">
+            <a:schemeClr val="tx1"/>
+          </a:fontRef>
+        </p:style>
+      </p:cxnSp>
       <p:sp>
         <p:nvSpPr>
           <p:cNvPr id="103" name="矩形 102">
@@ -12595,44 +12621,12 @@
           <a:chExt cx="0" cy="0"/>
         </a:xfrm>
       </p:grpSpPr>
-      <p:sp>
-        <p:nvSpPr>
-          <p:cNvPr id="2" name="标题 1">
-            <a:extLst>
-              <a:ext uri="{FF2B5EF4-FFF2-40B4-BE49-F238E27FC236}">
-                <a16:creationId xmlns:a16="http://schemas.microsoft.com/office/drawing/2014/main" id="{A3E9E3D6-F36F-411B-BF8C-7A09DEB6B3BB}"/>
-              </a:ext>
-            </a:extLst>
-          </p:cNvPr>
-          <p:cNvSpPr>
-            <a:spLocks noGrp="1"/>
-          </p:cNvSpPr>
-          <p:nvPr>
-            <p:ph type="title"/>
-          </p:nvPr>
-        </p:nvSpPr>
-        <p:spPr/>
-        <p:txBody>
-          <a:bodyPr/>
-          <a:lstStyle/>
-          <a:p>
-            <a:r>
-              <a:rPr lang="en-US" altLang="zh-CN" dirty="0"/>
-              <a:t>Task</a:t>
-            </a:r>
-            <a:r>
-              <a:rPr lang="zh-CN" altLang="en-US" dirty="0"/>
-              <a:t>接口详解</a:t>
-            </a:r>
-          </a:p>
-        </p:txBody>
-      </p:sp>
       <p:grpSp>
         <p:nvGrpSpPr>
-          <p:cNvPr id="25" name="组合 24">
-            <a:extLst>
-              <a:ext uri="{FF2B5EF4-FFF2-40B4-BE49-F238E27FC236}">
-                <a16:creationId xmlns:a16="http://schemas.microsoft.com/office/drawing/2014/main" id="{C53EB295-56D6-4805-88E3-4CF210D83EEF}"/>
+          <p:cNvPr id="13" name="组合 12">
+            <a:extLst>
+              <a:ext uri="{FF2B5EF4-FFF2-40B4-BE49-F238E27FC236}">
+                <a16:creationId xmlns:a16="http://schemas.microsoft.com/office/drawing/2014/main" id="{573C729E-3E0E-4D6A-ABE5-FDE13B9D0DE9}"/>
               </a:ext>
             </a:extLst>
           </p:cNvPr>
@@ -12649,10 +12643,10 @@
         </p:grpSpPr>
         <p:sp>
           <p:nvSpPr>
-            <p:cNvPr id="26" name="矩形 25">
+            <p:cNvPr id="15" name="矩形 14">
               <a:extLst>
                 <a:ext uri="{FF2B5EF4-FFF2-40B4-BE49-F238E27FC236}">
-                  <a16:creationId xmlns:a16="http://schemas.microsoft.com/office/drawing/2014/main" id="{E3A3127C-24FA-43F5-B4E2-A45FFC3A0A7A}"/>
+                  <a16:creationId xmlns:a16="http://schemas.microsoft.com/office/drawing/2014/main" id="{74791005-34BC-4715-AC48-052446B99417}"/>
                 </a:ext>
               </a:extLst>
             </p:cNvPr>
@@ -12737,10 +12731,10 @@
         </p:sp>
         <p:sp>
           <p:nvSpPr>
-            <p:cNvPr id="30" name="矩形 29">
+            <p:cNvPr id="21" name="矩形 20">
               <a:extLst>
                 <a:ext uri="{FF2B5EF4-FFF2-40B4-BE49-F238E27FC236}">
-                  <a16:creationId xmlns:a16="http://schemas.microsoft.com/office/drawing/2014/main" id="{F0F5E2D4-3AB3-4B56-A55E-2B1123784EE3}"/>
+                  <a16:creationId xmlns:a16="http://schemas.microsoft.com/office/drawing/2014/main" id="{F6728463-6253-429A-A723-EC1D66AE38EE}"/>
                 </a:ext>
               </a:extLst>
             </p:cNvPr>
@@ -12782,7 +12776,86 @@
             </a:p>
           </p:txBody>
         </p:sp>
+        <p:sp>
+          <p:nvSpPr>
+            <p:cNvPr id="22" name="矩形 21">
+              <a:extLst>
+                <a:ext uri="{FF2B5EF4-FFF2-40B4-BE49-F238E27FC236}">
+                  <a16:creationId xmlns:a16="http://schemas.microsoft.com/office/drawing/2014/main" id="{AC306B0C-D35D-4EC9-87AF-9499C70ED5EA}"/>
+                </a:ext>
+              </a:extLst>
+            </p:cNvPr>
+            <p:cNvSpPr/>
+            <p:nvPr/>
+          </p:nvSpPr>
+          <p:spPr>
+            <a:xfrm>
+              <a:off x="8514192" y="2651138"/>
+              <a:ext cx="655006" cy="605362"/>
+            </a:xfrm>
+            <a:prstGeom prst="rect">
+              <a:avLst/>
+            </a:prstGeom>
+          </p:spPr>
+          <p:style>
+            <a:lnRef idx="2">
+              <a:schemeClr val="dk1"/>
+            </a:lnRef>
+            <a:fillRef idx="1">
+              <a:schemeClr val="lt1"/>
+            </a:fillRef>
+            <a:effectRef idx="0">
+              <a:schemeClr val="dk1"/>
+            </a:effectRef>
+            <a:fontRef idx="minor">
+              <a:schemeClr val="dk1"/>
+            </a:fontRef>
+          </p:style>
+          <p:txBody>
+            <a:bodyPr rtlCol="0" anchor="ctr"/>
+            <a:lstStyle/>
+            <a:p>
+              <a:pPr algn="ctr"/>
+              <a:r>
+                <a:rPr lang="zh-CN" altLang="en-US" sz="1200" dirty="0"/>
+                <a:t>端口监听控制信号</a:t>
+              </a:r>
+            </a:p>
+          </p:txBody>
+        </p:sp>
       </p:grpSp>
+      <p:sp>
+        <p:nvSpPr>
+          <p:cNvPr id="2" name="标题 1">
+            <a:extLst>
+              <a:ext uri="{FF2B5EF4-FFF2-40B4-BE49-F238E27FC236}">
+                <a16:creationId xmlns:a16="http://schemas.microsoft.com/office/drawing/2014/main" id="{A3E9E3D6-F36F-411B-BF8C-7A09DEB6B3BB}"/>
+              </a:ext>
+            </a:extLst>
+          </p:cNvPr>
+          <p:cNvSpPr>
+            <a:spLocks noGrp="1"/>
+          </p:cNvSpPr>
+          <p:nvPr>
+            <p:ph type="title"/>
+          </p:nvPr>
+        </p:nvSpPr>
+        <p:spPr/>
+        <p:txBody>
+          <a:bodyPr/>
+          <a:lstStyle/>
+          <a:p>
+            <a:r>
+              <a:rPr lang="en-US" altLang="zh-CN" dirty="0"/>
+              <a:t>Task</a:t>
+            </a:r>
+            <a:r>
+              <a:rPr lang="zh-CN" altLang="en-US" dirty="0"/>
+              <a:t>接口详解</a:t>
+            </a:r>
+          </a:p>
+        </p:txBody>
+      </p:sp>
       <p:cxnSp>
         <p:nvCxnSpPr>
           <p:cNvPr id="32" name="直接箭头连接符 31">

--- a/设计图.pptx
+++ b/设计图.pptx
@@ -278,7 +278,7 @@
           <a:p>
             <a:fld id="{DCF5B490-EC53-4970-A7CC-6E0AB35949B8}" type="datetimeFigureOut">
               <a:rPr lang="zh-CN" altLang="en-US" smtClean="0"/>
-              <a:t>2019/10/17</a:t>
+              <a:t>2019/10/21</a:t>
             </a:fld>
             <a:endParaRPr lang="zh-CN" altLang="en-US"/>
           </a:p>
@@ -476,7 +476,7 @@
           <a:p>
             <a:fld id="{DCF5B490-EC53-4970-A7CC-6E0AB35949B8}" type="datetimeFigureOut">
               <a:rPr lang="zh-CN" altLang="en-US" smtClean="0"/>
-              <a:t>2019/10/17</a:t>
+              <a:t>2019/10/21</a:t>
             </a:fld>
             <a:endParaRPr lang="zh-CN" altLang="en-US"/>
           </a:p>
@@ -684,7 +684,7 @@
           <a:p>
             <a:fld id="{DCF5B490-EC53-4970-A7CC-6E0AB35949B8}" type="datetimeFigureOut">
               <a:rPr lang="zh-CN" altLang="en-US" smtClean="0"/>
-              <a:t>2019/10/17</a:t>
+              <a:t>2019/10/21</a:t>
             </a:fld>
             <a:endParaRPr lang="zh-CN" altLang="en-US"/>
           </a:p>
@@ -882,7 +882,7 @@
           <a:p>
             <a:fld id="{DCF5B490-EC53-4970-A7CC-6E0AB35949B8}" type="datetimeFigureOut">
               <a:rPr lang="zh-CN" altLang="en-US" smtClean="0"/>
-              <a:t>2019/10/17</a:t>
+              <a:t>2019/10/21</a:t>
             </a:fld>
             <a:endParaRPr lang="zh-CN" altLang="en-US"/>
           </a:p>
@@ -1157,7 +1157,7 @@
           <a:p>
             <a:fld id="{DCF5B490-EC53-4970-A7CC-6E0AB35949B8}" type="datetimeFigureOut">
               <a:rPr lang="zh-CN" altLang="en-US" smtClean="0"/>
-              <a:t>2019/10/17</a:t>
+              <a:t>2019/10/21</a:t>
             </a:fld>
             <a:endParaRPr lang="zh-CN" altLang="en-US"/>
           </a:p>
@@ -1422,7 +1422,7 @@
           <a:p>
             <a:fld id="{DCF5B490-EC53-4970-A7CC-6E0AB35949B8}" type="datetimeFigureOut">
               <a:rPr lang="zh-CN" altLang="en-US" smtClean="0"/>
-              <a:t>2019/10/17</a:t>
+              <a:t>2019/10/21</a:t>
             </a:fld>
             <a:endParaRPr lang="zh-CN" altLang="en-US"/>
           </a:p>
@@ -1834,7 +1834,7 @@
           <a:p>
             <a:fld id="{DCF5B490-EC53-4970-A7CC-6E0AB35949B8}" type="datetimeFigureOut">
               <a:rPr lang="zh-CN" altLang="en-US" smtClean="0"/>
-              <a:t>2019/10/17</a:t>
+              <a:t>2019/10/21</a:t>
             </a:fld>
             <a:endParaRPr lang="zh-CN" altLang="en-US"/>
           </a:p>
@@ -1975,7 +1975,7 @@
           <a:p>
             <a:fld id="{DCF5B490-EC53-4970-A7CC-6E0AB35949B8}" type="datetimeFigureOut">
               <a:rPr lang="zh-CN" altLang="en-US" smtClean="0"/>
-              <a:t>2019/10/17</a:t>
+              <a:t>2019/10/21</a:t>
             </a:fld>
             <a:endParaRPr lang="zh-CN" altLang="en-US"/>
           </a:p>
@@ -2088,7 +2088,7 @@
           <a:p>
             <a:fld id="{DCF5B490-EC53-4970-A7CC-6E0AB35949B8}" type="datetimeFigureOut">
               <a:rPr lang="zh-CN" altLang="en-US" smtClean="0"/>
-              <a:t>2019/10/17</a:t>
+              <a:t>2019/10/21</a:t>
             </a:fld>
             <a:endParaRPr lang="zh-CN" altLang="en-US"/>
           </a:p>
@@ -2399,7 +2399,7 @@
           <a:p>
             <a:fld id="{DCF5B490-EC53-4970-A7CC-6E0AB35949B8}" type="datetimeFigureOut">
               <a:rPr lang="zh-CN" altLang="en-US" smtClean="0"/>
-              <a:t>2019/10/17</a:t>
+              <a:t>2019/10/21</a:t>
             </a:fld>
             <a:endParaRPr lang="zh-CN" altLang="en-US"/>
           </a:p>
@@ -2687,7 +2687,7 @@
           <a:p>
             <a:fld id="{DCF5B490-EC53-4970-A7CC-6E0AB35949B8}" type="datetimeFigureOut">
               <a:rPr lang="zh-CN" altLang="en-US" smtClean="0"/>
-              <a:t>2019/10/17</a:t>
+              <a:t>2019/10/21</a:t>
             </a:fld>
             <a:endParaRPr lang="zh-CN" altLang="en-US"/>
           </a:p>
@@ -2928,7 +2928,7 @@
           <a:p>
             <a:fld id="{DCF5B490-EC53-4970-A7CC-6E0AB35949B8}" type="datetimeFigureOut">
               <a:rPr lang="zh-CN" altLang="en-US" smtClean="0"/>
-              <a:t>2019/10/17</a:t>
+              <a:t>2019/10/21</a:t>
             </a:fld>
             <a:endParaRPr lang="zh-CN" altLang="en-US"/>
           </a:p>
@@ -13707,242 +13707,263 @@
           </a:p>
         </p:txBody>
       </p:sp>
-      <p:sp>
-        <p:nvSpPr>
-          <p:cNvPr id="4" name="流程图: 顺序访问存储器 3">
+      <p:grpSp>
+        <p:nvGrpSpPr>
+          <p:cNvPr id="3" name="组合 2">
             <a:extLst>
               <a:ext uri="{FF2B5EF4-FFF2-40B4-BE49-F238E27FC236}">
-                <a16:creationId xmlns:a16="http://schemas.microsoft.com/office/drawing/2014/main" id="{EE55E101-4B2B-4D6D-B1C0-ACE6DB9D6EBA}"/>
+                <a16:creationId xmlns:a16="http://schemas.microsoft.com/office/drawing/2014/main" id="{6DC79A5F-F023-4D00-9F0C-B41BA6EAFB9B}"/>
               </a:ext>
             </a:extLst>
           </p:cNvPr>
-          <p:cNvSpPr/>
+          <p:cNvGrpSpPr/>
           <p:nvPr/>
-        </p:nvSpPr>
-        <p:spPr>
+        </p:nvGrpSpPr>
+        <p:grpSpPr>
           <a:xfrm>
-            <a:off x="4476000" y="2131496"/>
-            <a:ext cx="3240000" cy="3240000"/>
+            <a:off x="838200" y="2131496"/>
+            <a:ext cx="10515600" cy="3240000"/>
+            <a:chOff x="838200" y="2131496"/>
+            <a:chExt cx="10515600" cy="3240000"/>
           </a:xfrm>
-          <a:prstGeom prst="flowChartMagneticTape">
-            <a:avLst/>
-          </a:prstGeom>
-        </p:spPr>
-        <p:style>
-          <a:lnRef idx="2">
-            <a:schemeClr val="dk1"/>
-          </a:lnRef>
-          <a:fillRef idx="1">
-            <a:schemeClr val="lt1"/>
-          </a:fillRef>
-          <a:effectRef idx="0">
-            <a:schemeClr val="dk1"/>
-          </a:effectRef>
-          <a:fontRef idx="minor">
-            <a:schemeClr val="dk1"/>
-          </a:fontRef>
-        </p:style>
-        <p:txBody>
-          <a:bodyPr rtlCol="0" anchor="ctr"/>
-          <a:lstStyle/>
-          <a:p>
-            <a:pPr algn="ctr"/>
-            <a:r>
-              <a:rPr lang="zh-CN" altLang="en-US" sz="2800" dirty="0"/>
-              <a:t>测试服务</a:t>
-            </a:r>
-          </a:p>
-        </p:txBody>
-      </p:sp>
-      <p:sp>
-        <p:nvSpPr>
-          <p:cNvPr id="5" name="文本框 4">
-            <a:extLst>
-              <a:ext uri="{FF2B5EF4-FFF2-40B4-BE49-F238E27FC236}">
-                <a16:creationId xmlns:a16="http://schemas.microsoft.com/office/drawing/2014/main" id="{941F9A8D-5966-41D2-BEFF-02811A4F0C97}"/>
-              </a:ext>
-            </a:extLst>
-          </p:cNvPr>
-          <p:cNvSpPr txBox="1"/>
-          <p:nvPr/>
-        </p:nvSpPr>
-        <p:spPr>
-          <a:xfrm>
-            <a:off x="838200" y="3397549"/>
-            <a:ext cx="1874177" cy="707886"/>
-          </a:xfrm>
-          <a:prstGeom prst="rect">
-            <a:avLst/>
-          </a:prstGeom>
-          <a:noFill/>
-        </p:spPr>
-        <p:txBody>
-          <a:bodyPr wrap="square" rtlCol="0">
-            <a:spAutoFit/>
-          </a:bodyPr>
-          <a:lstStyle/>
-          <a:p>
-            <a:pPr algn="r"/>
-            <a:r>
-              <a:rPr lang="zh-CN" altLang="en-US" sz="2000" dirty="0"/>
-              <a:t>测试任务</a:t>
-            </a:r>
-            <a:r>
-              <a:rPr lang="en-US" altLang="zh-CN" sz="2000" dirty="0"/>
-              <a:t>ID</a:t>
-            </a:r>
-          </a:p>
-          <a:p>
-            <a:pPr algn="r"/>
-            <a:r>
-              <a:rPr lang="zh-CN" altLang="en-US" sz="2000" dirty="0"/>
-              <a:t>任务配置文件</a:t>
-            </a:r>
-          </a:p>
-        </p:txBody>
-      </p:sp>
-      <p:sp>
-        <p:nvSpPr>
-          <p:cNvPr id="6" name="文本框 5">
-            <a:extLst>
-              <a:ext uri="{FF2B5EF4-FFF2-40B4-BE49-F238E27FC236}">
-                <a16:creationId xmlns:a16="http://schemas.microsoft.com/office/drawing/2014/main" id="{52501D2C-E552-4F9A-93CA-C6618DF06A1B}"/>
-              </a:ext>
-            </a:extLst>
-          </p:cNvPr>
-          <p:cNvSpPr txBox="1"/>
-          <p:nvPr/>
-        </p:nvSpPr>
-        <p:spPr>
-          <a:xfrm>
-            <a:off x="9479623" y="3243661"/>
-            <a:ext cx="1874177" cy="1015663"/>
-          </a:xfrm>
-          <a:prstGeom prst="rect">
-            <a:avLst/>
-          </a:prstGeom>
-          <a:noFill/>
-        </p:spPr>
-        <p:txBody>
-          <a:bodyPr wrap="square" rtlCol="0">
-            <a:spAutoFit/>
-          </a:bodyPr>
-          <a:lstStyle/>
-          <a:p>
-            <a:r>
-              <a:rPr lang="zh-CN" altLang="en-US" sz="2000" dirty="0"/>
-              <a:t>任务状态</a:t>
-            </a:r>
-          </a:p>
-          <a:p>
-            <a:r>
-              <a:rPr lang="zh-CN" altLang="en-US" sz="2000" dirty="0"/>
-              <a:t>测试结果</a:t>
-            </a:r>
-            <a:endParaRPr lang="en-US" altLang="zh-CN" sz="2000" dirty="0"/>
-          </a:p>
-          <a:p>
-            <a:r>
-              <a:rPr lang="zh-CN" altLang="en-US" sz="2000" dirty="0"/>
-              <a:t>任务日志</a:t>
-            </a:r>
-          </a:p>
-        </p:txBody>
-      </p:sp>
-      <p:sp>
-        <p:nvSpPr>
-          <p:cNvPr id="7" name="箭头: 右 6">
-            <a:extLst>
-              <a:ext uri="{FF2B5EF4-FFF2-40B4-BE49-F238E27FC236}">
-                <a16:creationId xmlns:a16="http://schemas.microsoft.com/office/drawing/2014/main" id="{4CEA7705-218F-4F26-882E-F8F257B38E65}"/>
-              </a:ext>
-            </a:extLst>
-          </p:cNvPr>
-          <p:cNvSpPr/>
-          <p:nvPr/>
-        </p:nvSpPr>
-        <p:spPr>
-          <a:xfrm>
-            <a:off x="2712377" y="2983269"/>
-            <a:ext cx="1763623" cy="1536451"/>
-          </a:xfrm>
-          <a:prstGeom prst="rightArrow">
-            <a:avLst/>
-          </a:prstGeom>
-        </p:spPr>
-        <p:style>
-          <a:lnRef idx="2">
-            <a:schemeClr val="dk1"/>
-          </a:lnRef>
-          <a:fillRef idx="1">
-            <a:schemeClr val="lt1"/>
-          </a:fillRef>
-          <a:effectRef idx="0">
-            <a:schemeClr val="dk1"/>
-          </a:effectRef>
-          <a:fontRef idx="minor">
-            <a:schemeClr val="dk1"/>
-          </a:fontRef>
-        </p:style>
-        <p:txBody>
-          <a:bodyPr rtlCol="0" anchor="ctr"/>
-          <a:lstStyle/>
-          <a:p>
-            <a:pPr algn="ctr"/>
-            <a:r>
-              <a:rPr lang="zh-CN" altLang="en-US" dirty="0"/>
-              <a:t>输入</a:t>
-            </a:r>
-          </a:p>
-        </p:txBody>
-      </p:sp>
-      <p:sp>
-        <p:nvSpPr>
-          <p:cNvPr id="8" name="箭头: 右 7">
-            <a:extLst>
-              <a:ext uri="{FF2B5EF4-FFF2-40B4-BE49-F238E27FC236}">
-                <a16:creationId xmlns:a16="http://schemas.microsoft.com/office/drawing/2014/main" id="{583542BC-17E7-471D-AAED-DA8DA35B193A}"/>
-              </a:ext>
-            </a:extLst>
-          </p:cNvPr>
-          <p:cNvSpPr/>
-          <p:nvPr/>
-        </p:nvSpPr>
-        <p:spPr>
-          <a:xfrm>
-            <a:off x="7716000" y="2983268"/>
-            <a:ext cx="1763623" cy="1536451"/>
-          </a:xfrm>
-          <a:prstGeom prst="rightArrow">
-            <a:avLst/>
-          </a:prstGeom>
-        </p:spPr>
-        <p:style>
-          <a:lnRef idx="2">
-            <a:schemeClr val="dk1"/>
-          </a:lnRef>
-          <a:fillRef idx="1">
-            <a:schemeClr val="lt1"/>
-          </a:fillRef>
-          <a:effectRef idx="0">
-            <a:schemeClr val="dk1"/>
-          </a:effectRef>
-          <a:fontRef idx="minor">
-            <a:schemeClr val="dk1"/>
-          </a:fontRef>
-        </p:style>
-        <p:txBody>
-          <a:bodyPr rtlCol="0" anchor="ctr"/>
-          <a:lstStyle/>
-          <a:p>
-            <a:pPr algn="ctr"/>
-            <a:r>
-              <a:rPr lang="zh-CN" altLang="en-US" dirty="0"/>
-              <a:t>输出</a:t>
-            </a:r>
-          </a:p>
-        </p:txBody>
-      </p:sp>
+        </p:grpSpPr>
+        <p:sp>
+          <p:nvSpPr>
+            <p:cNvPr id="4" name="流程图: 顺序访问存储器 3">
+              <a:extLst>
+                <a:ext uri="{FF2B5EF4-FFF2-40B4-BE49-F238E27FC236}">
+                  <a16:creationId xmlns:a16="http://schemas.microsoft.com/office/drawing/2014/main" id="{EE55E101-4B2B-4D6D-B1C0-ACE6DB9D6EBA}"/>
+                </a:ext>
+              </a:extLst>
+            </p:cNvPr>
+            <p:cNvSpPr/>
+            <p:nvPr/>
+          </p:nvSpPr>
+          <p:spPr>
+            <a:xfrm>
+              <a:off x="4476000" y="2131496"/>
+              <a:ext cx="3240000" cy="3240000"/>
+            </a:xfrm>
+            <a:prstGeom prst="flowChartMagneticTape">
+              <a:avLst/>
+            </a:prstGeom>
+          </p:spPr>
+          <p:style>
+            <a:lnRef idx="2">
+              <a:schemeClr val="dk1"/>
+            </a:lnRef>
+            <a:fillRef idx="1">
+              <a:schemeClr val="lt1"/>
+            </a:fillRef>
+            <a:effectRef idx="0">
+              <a:schemeClr val="dk1"/>
+            </a:effectRef>
+            <a:fontRef idx="minor">
+              <a:schemeClr val="dk1"/>
+            </a:fontRef>
+          </p:style>
+          <p:txBody>
+            <a:bodyPr rtlCol="0" anchor="ctr"/>
+            <a:lstStyle/>
+            <a:p>
+              <a:pPr algn="ctr"/>
+              <a:r>
+                <a:rPr lang="zh-CN" altLang="en-US" sz="2800" dirty="0"/>
+                <a:t>测试服务</a:t>
+              </a:r>
+            </a:p>
+          </p:txBody>
+        </p:sp>
+        <p:sp>
+          <p:nvSpPr>
+            <p:cNvPr id="5" name="文本框 4">
+              <a:extLst>
+                <a:ext uri="{FF2B5EF4-FFF2-40B4-BE49-F238E27FC236}">
+                  <a16:creationId xmlns:a16="http://schemas.microsoft.com/office/drawing/2014/main" id="{941F9A8D-5966-41D2-BEFF-02811A4F0C97}"/>
+                </a:ext>
+              </a:extLst>
+            </p:cNvPr>
+            <p:cNvSpPr txBox="1"/>
+            <p:nvPr/>
+          </p:nvSpPr>
+          <p:spPr>
+            <a:xfrm>
+              <a:off x="838200" y="3397549"/>
+              <a:ext cx="1874177" cy="707886"/>
+            </a:xfrm>
+            <a:prstGeom prst="rect">
+              <a:avLst/>
+            </a:prstGeom>
+            <a:noFill/>
+          </p:spPr>
+          <p:txBody>
+            <a:bodyPr wrap="square" rtlCol="0">
+              <a:spAutoFit/>
+            </a:bodyPr>
+            <a:lstStyle/>
+            <a:p>
+              <a:pPr algn="r"/>
+              <a:r>
+                <a:rPr lang="zh-CN" altLang="en-US" sz="2000" dirty="0"/>
+                <a:t>测试任务</a:t>
+              </a:r>
+              <a:r>
+                <a:rPr lang="en-US" altLang="zh-CN" sz="2000" dirty="0"/>
+                <a:t>ID</a:t>
+              </a:r>
+            </a:p>
+            <a:p>
+              <a:pPr algn="r"/>
+              <a:r>
+                <a:rPr lang="zh-CN" altLang="en-US" sz="2000" dirty="0"/>
+                <a:t>任务配置文件</a:t>
+              </a:r>
+            </a:p>
+          </p:txBody>
+        </p:sp>
+        <p:sp>
+          <p:nvSpPr>
+            <p:cNvPr id="6" name="文本框 5">
+              <a:extLst>
+                <a:ext uri="{FF2B5EF4-FFF2-40B4-BE49-F238E27FC236}">
+                  <a16:creationId xmlns:a16="http://schemas.microsoft.com/office/drawing/2014/main" id="{52501D2C-E552-4F9A-93CA-C6618DF06A1B}"/>
+                </a:ext>
+              </a:extLst>
+            </p:cNvPr>
+            <p:cNvSpPr txBox="1"/>
+            <p:nvPr/>
+          </p:nvSpPr>
+          <p:spPr>
+            <a:xfrm>
+              <a:off x="9479623" y="3243661"/>
+              <a:ext cx="1874177" cy="1015663"/>
+            </a:xfrm>
+            <a:prstGeom prst="rect">
+              <a:avLst/>
+            </a:prstGeom>
+            <a:noFill/>
+          </p:spPr>
+          <p:txBody>
+            <a:bodyPr wrap="square" rtlCol="0">
+              <a:spAutoFit/>
+            </a:bodyPr>
+            <a:lstStyle/>
+            <a:p>
+              <a:r>
+                <a:rPr lang="zh-CN" altLang="en-US" sz="2000" dirty="0"/>
+                <a:t>任务状态</a:t>
+              </a:r>
+            </a:p>
+            <a:p>
+              <a:r>
+                <a:rPr lang="zh-CN" altLang="en-US" sz="2000" dirty="0"/>
+                <a:t>测试结果</a:t>
+              </a:r>
+              <a:endParaRPr lang="en-US" altLang="zh-CN" sz="2000" dirty="0"/>
+            </a:p>
+            <a:p>
+              <a:r>
+                <a:rPr lang="zh-CN" altLang="en-US" sz="2000" dirty="0"/>
+                <a:t>任务日志</a:t>
+              </a:r>
+            </a:p>
+          </p:txBody>
+        </p:sp>
+        <p:sp>
+          <p:nvSpPr>
+            <p:cNvPr id="7" name="箭头: 右 6">
+              <a:extLst>
+                <a:ext uri="{FF2B5EF4-FFF2-40B4-BE49-F238E27FC236}">
+                  <a16:creationId xmlns:a16="http://schemas.microsoft.com/office/drawing/2014/main" id="{4CEA7705-218F-4F26-882E-F8F257B38E65}"/>
+                </a:ext>
+              </a:extLst>
+            </p:cNvPr>
+            <p:cNvSpPr/>
+            <p:nvPr/>
+          </p:nvSpPr>
+          <p:spPr>
+            <a:xfrm>
+              <a:off x="2712377" y="2983269"/>
+              <a:ext cx="1763623" cy="1536451"/>
+            </a:xfrm>
+            <a:prstGeom prst="rightArrow">
+              <a:avLst/>
+            </a:prstGeom>
+          </p:spPr>
+          <p:style>
+            <a:lnRef idx="2">
+              <a:schemeClr val="dk1"/>
+            </a:lnRef>
+            <a:fillRef idx="1">
+              <a:schemeClr val="lt1"/>
+            </a:fillRef>
+            <a:effectRef idx="0">
+              <a:schemeClr val="dk1"/>
+            </a:effectRef>
+            <a:fontRef idx="minor">
+              <a:schemeClr val="dk1"/>
+            </a:fontRef>
+          </p:style>
+          <p:txBody>
+            <a:bodyPr rtlCol="0" anchor="ctr"/>
+            <a:lstStyle/>
+            <a:p>
+              <a:pPr algn="ctr"/>
+              <a:r>
+                <a:rPr lang="zh-CN" altLang="en-US" dirty="0"/>
+                <a:t>输入</a:t>
+              </a:r>
+            </a:p>
+          </p:txBody>
+        </p:sp>
+        <p:sp>
+          <p:nvSpPr>
+            <p:cNvPr id="8" name="箭头: 右 7">
+              <a:extLst>
+                <a:ext uri="{FF2B5EF4-FFF2-40B4-BE49-F238E27FC236}">
+                  <a16:creationId xmlns:a16="http://schemas.microsoft.com/office/drawing/2014/main" id="{583542BC-17E7-471D-AAED-DA8DA35B193A}"/>
+                </a:ext>
+              </a:extLst>
+            </p:cNvPr>
+            <p:cNvSpPr/>
+            <p:nvPr/>
+          </p:nvSpPr>
+          <p:spPr>
+            <a:xfrm>
+              <a:off x="7716000" y="2983268"/>
+              <a:ext cx="1763623" cy="1536451"/>
+            </a:xfrm>
+            <a:prstGeom prst="rightArrow">
+              <a:avLst/>
+            </a:prstGeom>
+          </p:spPr>
+          <p:style>
+            <a:lnRef idx="2">
+              <a:schemeClr val="dk1"/>
+            </a:lnRef>
+            <a:fillRef idx="1">
+              <a:schemeClr val="lt1"/>
+            </a:fillRef>
+            <a:effectRef idx="0">
+              <a:schemeClr val="dk1"/>
+            </a:effectRef>
+            <a:fontRef idx="minor">
+              <a:schemeClr val="dk1"/>
+            </a:fontRef>
+          </p:style>
+          <p:txBody>
+            <a:bodyPr rtlCol="0" anchor="ctr"/>
+            <a:lstStyle/>
+            <a:p>
+              <a:pPr algn="ctr"/>
+              <a:r>
+                <a:rPr lang="zh-CN" altLang="en-US" dirty="0"/>
+                <a:t>输出</a:t>
+              </a:r>
+            </a:p>
+          </p:txBody>
+        </p:sp>
+      </p:grpSp>
     </p:spTree>
     <p:extLst>
       <p:ext uri="{BB962C8B-B14F-4D97-AF65-F5344CB8AC3E}">

--- a/设计图.pptx
+++ b/设计图.pptx
@@ -278,7 +278,7 @@
           <a:p>
             <a:fld id="{DCF5B490-EC53-4970-A7CC-6E0AB35949B8}" type="datetimeFigureOut">
               <a:rPr lang="zh-CN" altLang="en-US" smtClean="0"/>
-              <a:t>2019/10/21</a:t>
+              <a:t>2020/3/2</a:t>
             </a:fld>
             <a:endParaRPr lang="zh-CN" altLang="en-US"/>
           </a:p>
@@ -476,7 +476,7 @@
           <a:p>
             <a:fld id="{DCF5B490-EC53-4970-A7CC-6E0AB35949B8}" type="datetimeFigureOut">
               <a:rPr lang="zh-CN" altLang="en-US" smtClean="0"/>
-              <a:t>2019/10/21</a:t>
+              <a:t>2020/3/2</a:t>
             </a:fld>
             <a:endParaRPr lang="zh-CN" altLang="en-US"/>
           </a:p>
@@ -684,7 +684,7 @@
           <a:p>
             <a:fld id="{DCF5B490-EC53-4970-A7CC-6E0AB35949B8}" type="datetimeFigureOut">
               <a:rPr lang="zh-CN" altLang="en-US" smtClean="0"/>
-              <a:t>2019/10/21</a:t>
+              <a:t>2020/3/2</a:t>
             </a:fld>
             <a:endParaRPr lang="zh-CN" altLang="en-US"/>
           </a:p>
@@ -882,7 +882,7 @@
           <a:p>
             <a:fld id="{DCF5B490-EC53-4970-A7CC-6E0AB35949B8}" type="datetimeFigureOut">
               <a:rPr lang="zh-CN" altLang="en-US" smtClean="0"/>
-              <a:t>2019/10/21</a:t>
+              <a:t>2020/3/2</a:t>
             </a:fld>
             <a:endParaRPr lang="zh-CN" altLang="en-US"/>
           </a:p>
@@ -1157,7 +1157,7 @@
           <a:p>
             <a:fld id="{DCF5B490-EC53-4970-A7CC-6E0AB35949B8}" type="datetimeFigureOut">
               <a:rPr lang="zh-CN" altLang="en-US" smtClean="0"/>
-              <a:t>2019/10/21</a:t>
+              <a:t>2020/3/2</a:t>
             </a:fld>
             <a:endParaRPr lang="zh-CN" altLang="en-US"/>
           </a:p>
@@ -1422,7 +1422,7 @@
           <a:p>
             <a:fld id="{DCF5B490-EC53-4970-A7CC-6E0AB35949B8}" type="datetimeFigureOut">
               <a:rPr lang="zh-CN" altLang="en-US" smtClean="0"/>
-              <a:t>2019/10/21</a:t>
+              <a:t>2020/3/2</a:t>
             </a:fld>
             <a:endParaRPr lang="zh-CN" altLang="en-US"/>
           </a:p>
@@ -1834,7 +1834,7 @@
           <a:p>
             <a:fld id="{DCF5B490-EC53-4970-A7CC-6E0AB35949B8}" type="datetimeFigureOut">
               <a:rPr lang="zh-CN" altLang="en-US" smtClean="0"/>
-              <a:t>2019/10/21</a:t>
+              <a:t>2020/3/2</a:t>
             </a:fld>
             <a:endParaRPr lang="zh-CN" altLang="en-US"/>
           </a:p>
@@ -1975,7 +1975,7 @@
           <a:p>
             <a:fld id="{DCF5B490-EC53-4970-A7CC-6E0AB35949B8}" type="datetimeFigureOut">
               <a:rPr lang="zh-CN" altLang="en-US" smtClean="0"/>
-              <a:t>2019/10/21</a:t>
+              <a:t>2020/3/2</a:t>
             </a:fld>
             <a:endParaRPr lang="zh-CN" altLang="en-US"/>
           </a:p>
@@ -2088,7 +2088,7 @@
           <a:p>
             <a:fld id="{DCF5B490-EC53-4970-A7CC-6E0AB35949B8}" type="datetimeFigureOut">
               <a:rPr lang="zh-CN" altLang="en-US" smtClean="0"/>
-              <a:t>2019/10/21</a:t>
+              <a:t>2020/3/2</a:t>
             </a:fld>
             <a:endParaRPr lang="zh-CN" altLang="en-US"/>
           </a:p>
@@ -2399,7 +2399,7 @@
           <a:p>
             <a:fld id="{DCF5B490-EC53-4970-A7CC-6E0AB35949B8}" type="datetimeFigureOut">
               <a:rPr lang="zh-CN" altLang="en-US" smtClean="0"/>
-              <a:t>2019/10/21</a:t>
+              <a:t>2020/3/2</a:t>
             </a:fld>
             <a:endParaRPr lang="zh-CN" altLang="en-US"/>
           </a:p>
@@ -2687,7 +2687,7 @@
           <a:p>
             <a:fld id="{DCF5B490-EC53-4970-A7CC-6E0AB35949B8}" type="datetimeFigureOut">
               <a:rPr lang="zh-CN" altLang="en-US" smtClean="0"/>
-              <a:t>2019/10/21</a:t>
+              <a:t>2020/3/2</a:t>
             </a:fld>
             <a:endParaRPr lang="zh-CN" altLang="en-US"/>
           </a:p>
@@ -2928,7 +2928,7 @@
           <a:p>
             <a:fld id="{DCF5B490-EC53-4970-A7CC-6E0AB35949B8}" type="datetimeFigureOut">
               <a:rPr lang="zh-CN" altLang="en-US" smtClean="0"/>
-              <a:t>2019/10/21</a:t>
+              <a:t>2020/3/2</a:t>
             </a:fld>
             <a:endParaRPr lang="zh-CN" altLang="en-US"/>
           </a:p>
@@ -3368,7 +3368,7 @@
           <a:p>
             <a:r>
               <a:rPr lang="zh-CN" altLang="en-US" dirty="0"/>
-              <a:t>压力测试服务单元</a:t>
+              <a:t>测试服务单元</a:t>
             </a:r>
           </a:p>
         </p:txBody>

--- a/设计图.pptx
+++ b/设计图.pptx
@@ -278,7 +278,7 @@
           <a:p>
             <a:fld id="{DCF5B490-EC53-4970-A7CC-6E0AB35949B8}" type="datetimeFigureOut">
               <a:rPr lang="zh-CN" altLang="en-US" smtClean="0"/>
-              <a:t>2020/3/2</a:t>
+              <a:t>2020/3/23</a:t>
             </a:fld>
             <a:endParaRPr lang="zh-CN" altLang="en-US"/>
           </a:p>
@@ -476,7 +476,7 @@
           <a:p>
             <a:fld id="{DCF5B490-EC53-4970-A7CC-6E0AB35949B8}" type="datetimeFigureOut">
               <a:rPr lang="zh-CN" altLang="en-US" smtClean="0"/>
-              <a:t>2020/3/2</a:t>
+              <a:t>2020/3/23</a:t>
             </a:fld>
             <a:endParaRPr lang="zh-CN" altLang="en-US"/>
           </a:p>
@@ -684,7 +684,7 @@
           <a:p>
             <a:fld id="{DCF5B490-EC53-4970-A7CC-6E0AB35949B8}" type="datetimeFigureOut">
               <a:rPr lang="zh-CN" altLang="en-US" smtClean="0"/>
-              <a:t>2020/3/2</a:t>
+              <a:t>2020/3/23</a:t>
             </a:fld>
             <a:endParaRPr lang="zh-CN" altLang="en-US"/>
           </a:p>
@@ -882,7 +882,7 @@
           <a:p>
             <a:fld id="{DCF5B490-EC53-4970-A7CC-6E0AB35949B8}" type="datetimeFigureOut">
               <a:rPr lang="zh-CN" altLang="en-US" smtClean="0"/>
-              <a:t>2020/3/2</a:t>
+              <a:t>2020/3/23</a:t>
             </a:fld>
             <a:endParaRPr lang="zh-CN" altLang="en-US"/>
           </a:p>
@@ -1157,7 +1157,7 @@
           <a:p>
             <a:fld id="{DCF5B490-EC53-4970-A7CC-6E0AB35949B8}" type="datetimeFigureOut">
               <a:rPr lang="zh-CN" altLang="en-US" smtClean="0"/>
-              <a:t>2020/3/2</a:t>
+              <a:t>2020/3/23</a:t>
             </a:fld>
             <a:endParaRPr lang="zh-CN" altLang="en-US"/>
           </a:p>
@@ -1422,7 +1422,7 @@
           <a:p>
             <a:fld id="{DCF5B490-EC53-4970-A7CC-6E0AB35949B8}" type="datetimeFigureOut">
               <a:rPr lang="zh-CN" altLang="en-US" smtClean="0"/>
-              <a:t>2020/3/2</a:t>
+              <a:t>2020/3/23</a:t>
             </a:fld>
             <a:endParaRPr lang="zh-CN" altLang="en-US"/>
           </a:p>
@@ -1834,7 +1834,7 @@
           <a:p>
             <a:fld id="{DCF5B490-EC53-4970-A7CC-6E0AB35949B8}" type="datetimeFigureOut">
               <a:rPr lang="zh-CN" altLang="en-US" smtClean="0"/>
-              <a:t>2020/3/2</a:t>
+              <a:t>2020/3/23</a:t>
             </a:fld>
             <a:endParaRPr lang="zh-CN" altLang="en-US"/>
           </a:p>
@@ -1975,7 +1975,7 @@
           <a:p>
             <a:fld id="{DCF5B490-EC53-4970-A7CC-6E0AB35949B8}" type="datetimeFigureOut">
               <a:rPr lang="zh-CN" altLang="en-US" smtClean="0"/>
-              <a:t>2020/3/2</a:t>
+              <a:t>2020/3/23</a:t>
             </a:fld>
             <a:endParaRPr lang="zh-CN" altLang="en-US"/>
           </a:p>
@@ -2088,7 +2088,7 @@
           <a:p>
             <a:fld id="{DCF5B490-EC53-4970-A7CC-6E0AB35949B8}" type="datetimeFigureOut">
               <a:rPr lang="zh-CN" altLang="en-US" smtClean="0"/>
-              <a:t>2020/3/2</a:t>
+              <a:t>2020/3/23</a:t>
             </a:fld>
             <a:endParaRPr lang="zh-CN" altLang="en-US"/>
           </a:p>
@@ -2399,7 +2399,7 @@
           <a:p>
             <a:fld id="{DCF5B490-EC53-4970-A7CC-6E0AB35949B8}" type="datetimeFigureOut">
               <a:rPr lang="zh-CN" altLang="en-US" smtClean="0"/>
-              <a:t>2020/3/2</a:t>
+              <a:t>2020/3/23</a:t>
             </a:fld>
             <a:endParaRPr lang="zh-CN" altLang="en-US"/>
           </a:p>
@@ -2687,7 +2687,7 @@
           <a:p>
             <a:fld id="{DCF5B490-EC53-4970-A7CC-6E0AB35949B8}" type="datetimeFigureOut">
               <a:rPr lang="zh-CN" altLang="en-US" smtClean="0"/>
-              <a:t>2020/3/2</a:t>
+              <a:t>2020/3/23</a:t>
             </a:fld>
             <a:endParaRPr lang="zh-CN" altLang="en-US"/>
           </a:p>
@@ -2928,7 +2928,7 @@
           <a:p>
             <a:fld id="{DCF5B490-EC53-4970-A7CC-6E0AB35949B8}" type="datetimeFigureOut">
               <a:rPr lang="zh-CN" altLang="en-US" smtClean="0"/>
-              <a:t>2020/3/2</a:t>
+              <a:t>2020/3/23</a:t>
             </a:fld>
             <a:endParaRPr lang="zh-CN" altLang="en-US"/>
           </a:p>
@@ -13709,10 +13709,10 @@
       </p:sp>
       <p:grpSp>
         <p:nvGrpSpPr>
-          <p:cNvPr id="3" name="组合 2">
+          <p:cNvPr id="15" name="组合 14">
             <a:extLst>
               <a:ext uri="{FF2B5EF4-FFF2-40B4-BE49-F238E27FC236}">
-                <a16:creationId xmlns:a16="http://schemas.microsoft.com/office/drawing/2014/main" id="{6DC79A5F-F023-4D00-9F0C-B41BA6EAFB9B}"/>
+                <a16:creationId xmlns:a16="http://schemas.microsoft.com/office/drawing/2014/main" id="{A4162390-6840-4A92-9DCB-5D5A4F30F8F0}"/>
               </a:ext>
             </a:extLst>
           </p:cNvPr>
@@ -13763,13 +13763,13 @@
             </a:fontRef>
           </p:style>
           <p:txBody>
-            <a:bodyPr rtlCol="0" anchor="ctr"/>
+            <a:bodyPr rtlCol="0" anchor="t"/>
             <a:lstStyle/>
             <a:p>
               <a:pPr algn="ctr"/>
               <a:r>
-                <a:rPr lang="zh-CN" altLang="en-US" sz="2800" dirty="0"/>
-                <a:t>测试服务</a:t>
+                <a:rPr lang="zh-CN" altLang="en-US" sz="2400" dirty="0"/>
+                <a:t>测试服务单元</a:t>
               </a:r>
             </a:p>
           </p:txBody>
@@ -13963,6 +13963,142 @@
             </a:p>
           </p:txBody>
         </p:sp>
+        <p:sp>
+          <p:nvSpPr>
+            <p:cNvPr id="9" name="矩形 8">
+              <a:extLst>
+                <a:ext uri="{FF2B5EF4-FFF2-40B4-BE49-F238E27FC236}">
+                  <a16:creationId xmlns:a16="http://schemas.microsoft.com/office/drawing/2014/main" id="{2EE9D98E-0353-4659-BDE1-089B5DEBC1E0}"/>
+                </a:ext>
+              </a:extLst>
+            </p:cNvPr>
+            <p:cNvSpPr/>
+            <p:nvPr/>
+          </p:nvSpPr>
+          <p:spPr>
+            <a:xfrm>
+              <a:off x="5349240" y="3294292"/>
+              <a:ext cx="1493520" cy="914400"/>
+            </a:xfrm>
+            <a:prstGeom prst="rect">
+              <a:avLst/>
+            </a:prstGeom>
+          </p:spPr>
+          <p:style>
+            <a:lnRef idx="2">
+              <a:schemeClr val="dk1"/>
+            </a:lnRef>
+            <a:fillRef idx="1">
+              <a:schemeClr val="lt1"/>
+            </a:fillRef>
+            <a:effectRef idx="0">
+              <a:schemeClr val="dk1"/>
+            </a:effectRef>
+            <a:fontRef idx="minor">
+              <a:schemeClr val="dk1"/>
+            </a:fontRef>
+          </p:style>
+          <p:txBody>
+            <a:bodyPr rtlCol="0" anchor="ctr"/>
+            <a:lstStyle/>
+            <a:p>
+              <a:pPr algn="ctr"/>
+              <a:r>
+                <a:rPr lang="en-US" altLang="zh-CN" dirty="0" err="1"/>
+                <a:t>Jmeter</a:t>
+              </a:r>
+              <a:r>
+                <a:rPr lang="zh-CN" altLang="en-US" dirty="0"/>
+                <a:t>进程</a:t>
+              </a:r>
+            </a:p>
+          </p:txBody>
+        </p:sp>
+        <p:cxnSp>
+          <p:nvCxnSpPr>
+            <p:cNvPr id="11" name="直接箭头连接符 10">
+              <a:extLst>
+                <a:ext uri="{FF2B5EF4-FFF2-40B4-BE49-F238E27FC236}">
+                  <a16:creationId xmlns:a16="http://schemas.microsoft.com/office/drawing/2014/main" id="{09FFB9B2-7353-4CA1-AB93-7A7ECC47D24D}"/>
+                </a:ext>
+              </a:extLst>
+            </p:cNvPr>
+            <p:cNvCxnSpPr>
+              <a:stCxn id="7" idx="3"/>
+              <a:endCxn id="9" idx="1"/>
+            </p:cNvCxnSpPr>
+            <p:nvPr/>
+          </p:nvCxnSpPr>
+          <p:spPr>
+            <a:xfrm flipV="1">
+              <a:off x="4476000" y="3751492"/>
+              <a:ext cx="873240" cy="3"/>
+            </a:xfrm>
+            <a:prstGeom prst="straightConnector1">
+              <a:avLst/>
+            </a:prstGeom>
+            <a:ln>
+              <a:tailEnd type="triangle"/>
+            </a:ln>
+          </p:spPr>
+          <p:style>
+            <a:lnRef idx="3">
+              <a:schemeClr val="dk1"/>
+            </a:lnRef>
+            <a:fillRef idx="0">
+              <a:schemeClr val="dk1"/>
+            </a:fillRef>
+            <a:effectRef idx="2">
+              <a:schemeClr val="dk1"/>
+            </a:effectRef>
+            <a:fontRef idx="minor">
+              <a:schemeClr val="tx1"/>
+            </a:fontRef>
+          </p:style>
+        </p:cxnSp>
+        <p:cxnSp>
+          <p:nvCxnSpPr>
+            <p:cNvPr id="12" name="直接箭头连接符 11">
+              <a:extLst>
+                <a:ext uri="{FF2B5EF4-FFF2-40B4-BE49-F238E27FC236}">
+                  <a16:creationId xmlns:a16="http://schemas.microsoft.com/office/drawing/2014/main" id="{A60C9E7C-96AB-422C-ACCA-08755680CC96}"/>
+                </a:ext>
+              </a:extLst>
+            </p:cNvPr>
+            <p:cNvCxnSpPr>
+              <a:cxnSpLocks/>
+              <a:stCxn id="9" idx="3"/>
+              <a:endCxn id="8" idx="1"/>
+            </p:cNvCxnSpPr>
+            <p:nvPr/>
+          </p:nvCxnSpPr>
+          <p:spPr>
+            <a:xfrm>
+              <a:off x="6842760" y="3751492"/>
+              <a:ext cx="873240" cy="2"/>
+            </a:xfrm>
+            <a:prstGeom prst="straightConnector1">
+              <a:avLst/>
+            </a:prstGeom>
+            <a:ln>
+              <a:tailEnd type="triangle"/>
+            </a:ln>
+          </p:spPr>
+          <p:style>
+            <a:lnRef idx="3">
+              <a:schemeClr val="dk1"/>
+            </a:lnRef>
+            <a:fillRef idx="0">
+              <a:schemeClr val="dk1"/>
+            </a:fillRef>
+            <a:effectRef idx="2">
+              <a:schemeClr val="dk1"/>
+            </a:effectRef>
+            <a:fontRef idx="minor">
+              <a:schemeClr val="tx1"/>
+            </a:fontRef>
+          </p:style>
+        </p:cxnSp>
       </p:grpSp>
     </p:spTree>
     <p:extLst>

--- a/设计图.pptx
+++ b/设计图.pptx
@@ -22,9 +22,11 @@
     <p:sldId id="271" r:id="rId16"/>
     <p:sldId id="272" r:id="rId17"/>
     <p:sldId id="273" r:id="rId18"/>
-    <p:sldId id="261" r:id="rId19"/>
-    <p:sldId id="274" r:id="rId20"/>
-    <p:sldId id="266" r:id="rId21"/>
+    <p:sldId id="276" r:id="rId19"/>
+    <p:sldId id="277" r:id="rId20"/>
+    <p:sldId id="261" r:id="rId21"/>
+    <p:sldId id="274" r:id="rId22"/>
+    <p:sldId id="266" r:id="rId23"/>
   </p:sldIdLst>
   <p:sldSz cx="12192000" cy="6858000"/>
   <p:notesSz cx="6858000" cy="9144000"/>
@@ -3367,9 +3369,10 @@
           <a:lstStyle/>
           <a:p>
             <a:r>
-              <a:rPr lang="zh-CN" altLang="en-US" dirty="0"/>
-              <a:t>测试服务单元</a:t>
-            </a:r>
+              <a:rPr lang="en-US" altLang="zh-CN" dirty="0" err="1"/>
+              <a:t>PressureMeter</a:t>
+            </a:r>
+            <a:endParaRPr lang="zh-CN" altLang="en-US" dirty="0"/>
           </a:p>
         </p:txBody>
       </p:sp>
@@ -3394,7 +3397,10 @@
           <a:bodyPr/>
           <a:lstStyle/>
           <a:p>
-            <a:endParaRPr lang="zh-CN" altLang="en-US" dirty="0"/>
+            <a:r>
+              <a:rPr lang="zh-CN" altLang="en-US" dirty="0"/>
+              <a:t>测试服务单元</a:t>
+            </a:r>
           </a:p>
         </p:txBody>
       </p:sp>
@@ -8512,6 +8518,115 @@
           </a:p>
         </p:txBody>
       </p:sp>
+      <p:sp>
+        <p:nvSpPr>
+          <p:cNvPr id="47" name="矩形 46">
+            <a:extLst>
+              <a:ext uri="{FF2B5EF4-FFF2-40B4-BE49-F238E27FC236}">
+                <a16:creationId xmlns:a16="http://schemas.microsoft.com/office/drawing/2014/main" id="{3ADB4631-E7F0-46DD-A7EB-ADBB7C835511}"/>
+              </a:ext>
+            </a:extLst>
+          </p:cNvPr>
+          <p:cNvSpPr/>
+          <p:nvPr/>
+        </p:nvSpPr>
+        <p:spPr>
+          <a:xfrm>
+            <a:off x="2236820" y="1461414"/>
+            <a:ext cx="1640177" cy="540868"/>
+          </a:xfrm>
+          <a:prstGeom prst="rect">
+            <a:avLst/>
+          </a:prstGeom>
+        </p:spPr>
+        <p:style>
+          <a:lnRef idx="2">
+            <a:schemeClr val="dk1"/>
+          </a:lnRef>
+          <a:fillRef idx="1">
+            <a:schemeClr val="lt1"/>
+          </a:fillRef>
+          <a:effectRef idx="0">
+            <a:schemeClr val="dk1"/>
+          </a:effectRef>
+          <a:fontRef idx="minor">
+            <a:schemeClr val="dk1"/>
+          </a:fontRef>
+        </p:style>
+        <p:txBody>
+          <a:bodyPr rtlCol="0" anchor="ctr"/>
+          <a:lstStyle/>
+          <a:p>
+            <a:pPr algn="ctr"/>
+            <a:r>
+              <a:rPr lang="en-US" altLang="zh-CN" sz="1400" dirty="0" err="1"/>
+              <a:t>Jmeter</a:t>
+            </a:r>
+            <a:r>
+              <a:rPr lang="zh-CN" altLang="en-US" sz="1400" dirty="0"/>
+              <a:t>服务</a:t>
+            </a:r>
+            <a:r>
+              <a:rPr lang="en-US" altLang="zh-CN" sz="1400" dirty="0"/>
+              <a:t>IP</a:t>
+            </a:r>
+            <a:r>
+              <a:rPr lang="zh-CN" altLang="en-US" sz="1400" dirty="0"/>
+              <a:t>列表</a:t>
+            </a:r>
+            <a:endParaRPr lang="en-US" altLang="zh-CN" sz="1400" dirty="0"/>
+          </a:p>
+          <a:p>
+            <a:pPr algn="ctr"/>
+            <a:r>
+              <a:rPr lang="zh-CN" altLang="en-US" sz="1400" dirty="0"/>
+              <a:t>（全局变量）</a:t>
+            </a:r>
+          </a:p>
+        </p:txBody>
+      </p:sp>
+      <p:cxnSp>
+        <p:nvCxnSpPr>
+          <p:cNvPr id="11" name="连接符: 肘形 10">
+            <a:extLst>
+              <a:ext uri="{FF2B5EF4-FFF2-40B4-BE49-F238E27FC236}">
+                <a16:creationId xmlns:a16="http://schemas.microsoft.com/office/drawing/2014/main" id="{84A602B6-0C44-4BF6-A1F5-37433819A024}"/>
+              </a:ext>
+            </a:extLst>
+          </p:cNvPr>
+          <p:cNvCxnSpPr>
+            <a:stCxn id="47" idx="2"/>
+            <a:endCxn id="38" idx="1"/>
+          </p:cNvCxnSpPr>
+          <p:nvPr/>
+        </p:nvCxnSpPr>
+        <p:spPr>
+          <a:xfrm rot="16200000" flipH="1">
+            <a:off x="2752799" y="2306391"/>
+            <a:ext cx="951537" cy="343317"/>
+          </a:xfrm>
+          <a:prstGeom prst="bentConnector2">
+            <a:avLst/>
+          </a:prstGeom>
+          <a:ln>
+            <a:tailEnd type="triangle"/>
+          </a:ln>
+        </p:spPr>
+        <p:style>
+          <a:lnRef idx="3">
+            <a:schemeClr val="dk1"/>
+          </a:lnRef>
+          <a:fillRef idx="0">
+            <a:schemeClr val="dk1"/>
+          </a:fillRef>
+          <a:effectRef idx="2">
+            <a:schemeClr val="dk1"/>
+          </a:effectRef>
+          <a:fontRef idx="minor">
+            <a:schemeClr val="tx1"/>
+          </a:fontRef>
+        </p:style>
+      </p:cxnSp>
     </p:spTree>
     <p:extLst>
       <p:ext uri="{BB962C8B-B14F-4D97-AF65-F5344CB8AC3E}">
@@ -11510,8 +11625,8 @@
         </p:nvSpPr>
         <p:spPr>
           <a:xfrm>
-            <a:off x="5742438" y="2692324"/>
-            <a:ext cx="2877711" cy="307777"/>
+            <a:off x="5096427" y="2670469"/>
+            <a:ext cx="4076757" cy="307777"/>
           </a:xfrm>
           <a:prstGeom prst="rect">
             <a:avLst/>
@@ -11526,7 +11641,23 @@
           <a:p>
             <a:r>
               <a:rPr lang="zh-CN" altLang="en-US" sz="1400" dirty="0"/>
-              <a:t>指定配置和结果文件，创建子进程</a:t>
+              <a:t>指定</a:t>
+            </a:r>
+            <a:r>
+              <a:rPr lang="en-US" altLang="zh-CN" sz="1400" dirty="0" err="1"/>
+              <a:t>Jmeter</a:t>
+            </a:r>
+            <a:r>
+              <a:rPr lang="zh-CN" altLang="en-US" sz="1400" dirty="0"/>
+              <a:t>服务</a:t>
+            </a:r>
+            <a:r>
+              <a:rPr lang="en-US" altLang="zh-CN" sz="1400" dirty="0"/>
+              <a:t>IP</a:t>
+            </a:r>
+            <a:r>
+              <a:rPr lang="zh-CN" altLang="en-US" sz="1400" dirty="0"/>
+              <a:t>、配置和结果文件，创建子进程</a:t>
             </a:r>
           </a:p>
         </p:txBody>
@@ -11692,7 +11823,7 @@
           </a:xfrm>
           <a:prstGeom prst="bentConnector3">
             <a:avLst>
-              <a:gd name="adj1" fmla="val 1800000"/>
+              <a:gd name="adj1" fmla="val 2840000"/>
             </a:avLst>
           </a:prstGeom>
           <a:ln>
@@ -11737,7 +11868,7 @@
           </a:xfrm>
           <a:prstGeom prst="bentConnector3">
             <a:avLst>
-              <a:gd name="adj1" fmla="val 1800000"/>
+              <a:gd name="adj1" fmla="val 2840000"/>
             </a:avLst>
           </a:prstGeom>
           <a:ln>
@@ -11752,6 +11883,114 @@
             <a:schemeClr val="dk1"/>
           </a:fillRef>
           <a:effectRef idx="0">
+            <a:schemeClr val="dk1"/>
+          </a:effectRef>
+          <a:fontRef idx="minor">
+            <a:schemeClr val="tx1"/>
+          </a:fontRef>
+        </p:style>
+      </p:cxnSp>
+      <p:sp>
+        <p:nvSpPr>
+          <p:cNvPr id="34" name="矩形 33">
+            <a:extLst>
+              <a:ext uri="{FF2B5EF4-FFF2-40B4-BE49-F238E27FC236}">
+                <a16:creationId xmlns:a16="http://schemas.microsoft.com/office/drawing/2014/main" id="{0F70B65E-8770-4D22-BEB3-65C7133BE0F6}"/>
+              </a:ext>
+            </a:extLst>
+          </p:cNvPr>
+          <p:cNvSpPr/>
+          <p:nvPr/>
+        </p:nvSpPr>
+        <p:spPr>
+          <a:xfrm>
+            <a:off x="2236820" y="1461414"/>
+            <a:ext cx="1640177" cy="540868"/>
+          </a:xfrm>
+          <a:prstGeom prst="rect">
+            <a:avLst/>
+          </a:prstGeom>
+        </p:spPr>
+        <p:style>
+          <a:lnRef idx="2">
+            <a:schemeClr val="dk1"/>
+          </a:lnRef>
+          <a:fillRef idx="1">
+            <a:schemeClr val="lt1"/>
+          </a:fillRef>
+          <a:effectRef idx="0">
+            <a:schemeClr val="dk1"/>
+          </a:effectRef>
+          <a:fontRef idx="minor">
+            <a:schemeClr val="dk1"/>
+          </a:fontRef>
+        </p:style>
+        <p:txBody>
+          <a:bodyPr rtlCol="0" anchor="ctr"/>
+          <a:lstStyle/>
+          <a:p>
+            <a:pPr algn="ctr"/>
+            <a:r>
+              <a:rPr lang="en-US" altLang="zh-CN" sz="1400" dirty="0" err="1"/>
+              <a:t>Jmeter</a:t>
+            </a:r>
+            <a:r>
+              <a:rPr lang="zh-CN" altLang="en-US" sz="1400" dirty="0"/>
+              <a:t>服务</a:t>
+            </a:r>
+            <a:r>
+              <a:rPr lang="en-US" altLang="zh-CN" sz="1400" dirty="0"/>
+              <a:t>IP</a:t>
+            </a:r>
+            <a:r>
+              <a:rPr lang="zh-CN" altLang="en-US" sz="1400" dirty="0"/>
+              <a:t>列表</a:t>
+            </a:r>
+            <a:endParaRPr lang="en-US" altLang="zh-CN" sz="1400" dirty="0"/>
+          </a:p>
+          <a:p>
+            <a:pPr algn="ctr"/>
+            <a:r>
+              <a:rPr lang="zh-CN" altLang="en-US" sz="1400" dirty="0"/>
+              <a:t>（全局变量）</a:t>
+            </a:r>
+          </a:p>
+        </p:txBody>
+      </p:sp>
+      <p:cxnSp>
+        <p:nvCxnSpPr>
+          <p:cNvPr id="44" name="连接符: 肘形 43">
+            <a:extLst>
+              <a:ext uri="{FF2B5EF4-FFF2-40B4-BE49-F238E27FC236}">
+                <a16:creationId xmlns:a16="http://schemas.microsoft.com/office/drawing/2014/main" id="{3ED0AF03-CA70-4FA1-9B83-34D3BA5B9B0D}"/>
+              </a:ext>
+            </a:extLst>
+          </p:cNvPr>
+          <p:cNvCxnSpPr>
+            <a:stCxn id="34" idx="2"/>
+          </p:cNvCxnSpPr>
+          <p:nvPr/>
+        </p:nvCxnSpPr>
+        <p:spPr>
+          <a:xfrm rot="16200000" flipH="1">
+            <a:off x="2752799" y="2306391"/>
+            <a:ext cx="951537" cy="343317"/>
+          </a:xfrm>
+          <a:prstGeom prst="bentConnector2">
+            <a:avLst/>
+          </a:prstGeom>
+          <a:ln>
+            <a:tailEnd type="triangle"/>
+          </a:ln>
+        </p:spPr>
+        <p:style>
+          <a:lnRef idx="3">
+            <a:schemeClr val="dk1"/>
+          </a:lnRef>
+          <a:fillRef idx="0">
+            <a:schemeClr val="dk1"/>
+          </a:fillRef>
+          <a:effectRef idx="2">
             <a:schemeClr val="dk1"/>
           </a:effectRef>
           <a:fontRef idx="minor">
@@ -13197,7 +13436,7 @@
           <a:p>
             <a:r>
               <a:rPr lang="zh-CN" altLang="en-US" dirty="0"/>
-              <a:t>启停流程</a:t>
+              <a:t>组件设置</a:t>
             </a:r>
           </a:p>
         </p:txBody>
@@ -13230,7 +13469,7 @@
     </p:spTree>
     <p:extLst>
       <p:ext uri="{BB962C8B-B14F-4D97-AF65-F5344CB8AC3E}">
-        <p14:creationId xmlns:p14="http://schemas.microsoft.com/office/powerpoint/2010/main" val="989520299"/>
+        <p14:creationId xmlns:p14="http://schemas.microsoft.com/office/powerpoint/2010/main" val="1758697077"/>
       </p:ext>
     </p:extLst>
   </p:cSld>
@@ -13280,7 +13519,7 @@
           <a:p>
             <a:r>
               <a:rPr lang="zh-CN" altLang="en-US" dirty="0"/>
-              <a:t>服务器启动过程</a:t>
+              <a:t>组件设置</a:t>
             </a:r>
           </a:p>
         </p:txBody>
@@ -13308,7 +13547,7 @@
           <a:p>
             <a:r>
               <a:rPr lang="zh-CN" altLang="en-US" dirty="0"/>
-              <a:t>载入配置文件</a:t>
+              <a:t>载入配置</a:t>
             </a:r>
             <a:endParaRPr lang="en-US" altLang="zh-CN" dirty="0"/>
           </a:p>
@@ -13372,7 +13611,7 @@
     </p:spTree>
     <p:extLst>
       <p:ext uri="{BB962C8B-B14F-4D97-AF65-F5344CB8AC3E}">
-        <p14:creationId xmlns:p14="http://schemas.microsoft.com/office/powerpoint/2010/main" val="2902477205"/>
+        <p14:creationId xmlns:p14="http://schemas.microsoft.com/office/powerpoint/2010/main" val="520775075"/>
       </p:ext>
     </p:extLst>
   </p:cSld>
@@ -13487,7 +13726,7 @@
           <p:cNvPr id="2" name="标题 1">
             <a:extLst>
               <a:ext uri="{FF2B5EF4-FFF2-40B4-BE49-F238E27FC236}">
-                <a16:creationId xmlns:a16="http://schemas.microsoft.com/office/drawing/2014/main" id="{D514FD70-1165-401D-9FBE-D84C22D13F28}"/>
+                <a16:creationId xmlns:a16="http://schemas.microsoft.com/office/drawing/2014/main" id="{9694344C-A7FD-4578-B46E-DF8BFFAF2DBF}"/>
               </a:ext>
             </a:extLst>
           </p:cNvPr>
@@ -13505,7 +13744,232 @@
           <a:p>
             <a:r>
               <a:rPr lang="zh-CN" altLang="en-US" dirty="0"/>
-              <a:t>服务器停机过程</a:t>
+              <a:t>启停流程</a:t>
+            </a:r>
+          </a:p>
+        </p:txBody>
+      </p:sp>
+      <p:sp>
+        <p:nvSpPr>
+          <p:cNvPr id="3" name="文本占位符 2">
+            <a:extLst>
+              <a:ext uri="{FF2B5EF4-FFF2-40B4-BE49-F238E27FC236}">
+                <a16:creationId xmlns:a16="http://schemas.microsoft.com/office/drawing/2014/main" id="{14E1B14D-7B00-4CC4-A5D7-9CC3A052F1C8}"/>
+              </a:ext>
+            </a:extLst>
+          </p:cNvPr>
+          <p:cNvSpPr>
+            <a:spLocks noGrp="1"/>
+          </p:cNvSpPr>
+          <p:nvPr>
+            <p:ph type="body" idx="1"/>
+          </p:nvPr>
+        </p:nvSpPr>
+        <p:spPr/>
+        <p:txBody>
+          <a:bodyPr/>
+          <a:lstStyle/>
+          <a:p>
+            <a:endParaRPr lang="zh-CN" altLang="en-US"/>
+          </a:p>
+        </p:txBody>
+      </p:sp>
+    </p:spTree>
+    <p:extLst>
+      <p:ext uri="{BB962C8B-B14F-4D97-AF65-F5344CB8AC3E}">
+        <p14:creationId xmlns:p14="http://schemas.microsoft.com/office/powerpoint/2010/main" val="989520299"/>
+      </p:ext>
+    </p:extLst>
+  </p:cSld>
+  <p:clrMapOvr>
+    <a:masterClrMapping/>
+  </p:clrMapOvr>
+</p:sld>
+</file>
+
+<file path=ppt/slides/slide21.xml><?xml version="1.0" encoding="utf-8"?>
+<p:sld xmlns:a="http://schemas.openxmlformats.org/drawingml/2006/main" xmlns:r="http://schemas.openxmlformats.org/officeDocument/2006/relationships" xmlns:p="http://schemas.openxmlformats.org/presentationml/2006/main">
+  <p:cSld>
+    <p:spTree>
+      <p:nvGrpSpPr>
+        <p:cNvPr id="1" name=""/>
+        <p:cNvGrpSpPr/>
+        <p:nvPr/>
+      </p:nvGrpSpPr>
+      <p:grpSpPr>
+        <a:xfrm>
+          <a:off x="0" y="0"/>
+          <a:ext cx="0" cy="0"/>
+          <a:chOff x="0" y="0"/>
+          <a:chExt cx="0" cy="0"/>
+        </a:xfrm>
+      </p:grpSpPr>
+      <p:sp>
+        <p:nvSpPr>
+          <p:cNvPr id="2" name="标题 1">
+            <a:extLst>
+              <a:ext uri="{FF2B5EF4-FFF2-40B4-BE49-F238E27FC236}">
+                <a16:creationId xmlns:a16="http://schemas.microsoft.com/office/drawing/2014/main" id="{59E991E7-E82A-4499-B35F-38FA6A3A533E}"/>
+              </a:ext>
+            </a:extLst>
+          </p:cNvPr>
+          <p:cNvSpPr>
+            <a:spLocks noGrp="1"/>
+          </p:cNvSpPr>
+          <p:nvPr>
+            <p:ph type="title"/>
+          </p:nvPr>
+        </p:nvSpPr>
+        <p:spPr/>
+        <p:txBody>
+          <a:bodyPr/>
+          <a:lstStyle/>
+          <a:p>
+            <a:r>
+              <a:rPr lang="zh-CN" altLang="en-US" dirty="0"/>
+              <a:t>启动过程</a:t>
+            </a:r>
+          </a:p>
+        </p:txBody>
+      </p:sp>
+      <p:sp>
+        <p:nvSpPr>
+          <p:cNvPr id="3" name="内容占位符 2">
+            <a:extLst>
+              <a:ext uri="{FF2B5EF4-FFF2-40B4-BE49-F238E27FC236}">
+                <a16:creationId xmlns:a16="http://schemas.microsoft.com/office/drawing/2014/main" id="{1AD9D943-F9D0-48F6-86F5-20B99D1810C9}"/>
+              </a:ext>
+            </a:extLst>
+          </p:cNvPr>
+          <p:cNvSpPr>
+            <a:spLocks noGrp="1"/>
+          </p:cNvSpPr>
+          <p:nvPr>
+            <p:ph idx="1"/>
+          </p:nvPr>
+        </p:nvSpPr>
+        <p:spPr/>
+        <p:txBody>
+          <a:bodyPr/>
+          <a:lstStyle/>
+          <a:p>
+            <a:r>
+              <a:rPr lang="zh-CN" altLang="en-US" dirty="0"/>
+              <a:t>载入配置</a:t>
+            </a:r>
+            <a:endParaRPr lang="en-US" altLang="zh-CN" dirty="0"/>
+          </a:p>
+          <a:p>
+            <a:r>
+              <a:rPr lang="zh-CN" altLang="en-US" dirty="0"/>
+              <a:t>创建</a:t>
+            </a:r>
+            <a:r>
+              <a:rPr lang="en-US" altLang="zh-CN" dirty="0" err="1"/>
+              <a:t>TaskList</a:t>
+            </a:r>
+            <a:r>
+              <a:rPr lang="zh-CN" altLang="en-US" dirty="0"/>
+              <a:t>组件和</a:t>
+            </a:r>
+            <a:r>
+              <a:rPr lang="en-US" altLang="zh-CN" dirty="0"/>
+              <a:t>Daemon</a:t>
+            </a:r>
+            <a:r>
+              <a:rPr lang="zh-CN" altLang="en-US" dirty="0"/>
+              <a:t>组件各一个</a:t>
+            </a:r>
+            <a:endParaRPr lang="en-US" altLang="zh-CN" dirty="0"/>
+          </a:p>
+          <a:p>
+            <a:r>
+              <a:rPr lang="zh-CN" altLang="en-US" dirty="0"/>
+              <a:t>启动</a:t>
+            </a:r>
+            <a:r>
+              <a:rPr lang="en-US" altLang="zh-CN" dirty="0"/>
+              <a:t>Daemon</a:t>
+            </a:r>
+            <a:r>
+              <a:rPr lang="zh-CN" altLang="en-US" dirty="0"/>
+              <a:t>组件中的后台</a:t>
+            </a:r>
+            <a:r>
+              <a:rPr lang="en-US" altLang="zh-CN" dirty="0"/>
+              <a:t>goroutine</a:t>
+            </a:r>
+          </a:p>
+          <a:p>
+            <a:r>
+              <a:rPr lang="zh-CN" altLang="en-US" dirty="0"/>
+              <a:t>注册服务器停止程序（监听</a:t>
+            </a:r>
+            <a:r>
+              <a:rPr lang="en-US" altLang="zh-CN" dirty="0"/>
+              <a:t>SIGINT</a:t>
+            </a:r>
+            <a:r>
+              <a:rPr lang="zh-CN" altLang="en-US" dirty="0"/>
+              <a:t>信号）</a:t>
+            </a:r>
+          </a:p>
+        </p:txBody>
+      </p:sp>
+    </p:spTree>
+    <p:extLst>
+      <p:ext uri="{BB962C8B-B14F-4D97-AF65-F5344CB8AC3E}">
+        <p14:creationId xmlns:p14="http://schemas.microsoft.com/office/powerpoint/2010/main" val="2902477205"/>
+      </p:ext>
+    </p:extLst>
+  </p:cSld>
+  <p:clrMapOvr>
+    <a:masterClrMapping/>
+  </p:clrMapOvr>
+</p:sld>
+</file>
+
+<file path=ppt/slides/slide22.xml><?xml version="1.0" encoding="utf-8"?>
+<p:sld xmlns:a="http://schemas.openxmlformats.org/drawingml/2006/main" xmlns:r="http://schemas.openxmlformats.org/officeDocument/2006/relationships" xmlns:p="http://schemas.openxmlformats.org/presentationml/2006/main">
+  <p:cSld>
+    <p:spTree>
+      <p:nvGrpSpPr>
+        <p:cNvPr id="1" name=""/>
+        <p:cNvGrpSpPr/>
+        <p:nvPr/>
+      </p:nvGrpSpPr>
+      <p:grpSpPr>
+        <a:xfrm>
+          <a:off x="0" y="0"/>
+          <a:ext cx="0" cy="0"/>
+          <a:chOff x="0" y="0"/>
+          <a:chExt cx="0" cy="0"/>
+        </a:xfrm>
+      </p:grpSpPr>
+      <p:sp>
+        <p:nvSpPr>
+          <p:cNvPr id="2" name="标题 1">
+            <a:extLst>
+              <a:ext uri="{FF2B5EF4-FFF2-40B4-BE49-F238E27FC236}">
+                <a16:creationId xmlns:a16="http://schemas.microsoft.com/office/drawing/2014/main" id="{D514FD70-1165-401D-9FBE-D84C22D13F28}"/>
+              </a:ext>
+            </a:extLst>
+          </p:cNvPr>
+          <p:cNvSpPr>
+            <a:spLocks noGrp="1"/>
+          </p:cNvSpPr>
+          <p:nvPr>
+            <p:ph type="title"/>
+          </p:nvPr>
+        </p:nvSpPr>
+        <p:spPr/>
+        <p:txBody>
+          <a:bodyPr/>
+          <a:lstStyle/>
+          <a:p>
+            <a:r>
+              <a:rPr lang="zh-CN" altLang="en-US" dirty="0"/>
+              <a:t>停机过程</a:t>
             </a:r>
           </a:p>
         </p:txBody>
@@ -14007,9 +14471,13 @@
                 <a:rPr lang="en-US" altLang="zh-CN" dirty="0" err="1"/>
                 <a:t>Jmeter</a:t>
               </a:r>
+              <a:endParaRPr lang="en-US" altLang="zh-CN" dirty="0"/>
+            </a:p>
+            <a:p>
+              <a:pPr algn="ctr"/>
               <a:r>
                 <a:rPr lang="zh-CN" altLang="en-US" dirty="0"/>
-                <a:t>进程</a:t>
+                <a:t>调度进程</a:t>
               </a:r>
             </a:p>
           </p:txBody>
@@ -14100,6 +14568,445 @@
           </p:style>
         </p:cxnSp>
       </p:grpSp>
+      <p:sp>
+        <p:nvSpPr>
+          <p:cNvPr id="16" name="箭头: 圆角右 15">
+            <a:extLst>
+              <a:ext uri="{FF2B5EF4-FFF2-40B4-BE49-F238E27FC236}">
+                <a16:creationId xmlns:a16="http://schemas.microsoft.com/office/drawing/2014/main" id="{71A950A3-0BAF-49DA-8396-5A4F195FB211}"/>
+              </a:ext>
+            </a:extLst>
+          </p:cNvPr>
+          <p:cNvSpPr/>
+          <p:nvPr/>
+        </p:nvSpPr>
+        <p:spPr>
+          <a:xfrm rot="16200000" flipV="1">
+            <a:off x="4912620" y="4208692"/>
+            <a:ext cx="1080000" cy="1080000"/>
+          </a:xfrm>
+          <a:prstGeom prst="bentArrow">
+            <a:avLst/>
+          </a:prstGeom>
+        </p:spPr>
+        <p:style>
+          <a:lnRef idx="2">
+            <a:schemeClr val="dk1"/>
+          </a:lnRef>
+          <a:fillRef idx="1">
+            <a:schemeClr val="lt1"/>
+          </a:fillRef>
+          <a:effectRef idx="0">
+            <a:schemeClr val="dk1"/>
+          </a:effectRef>
+          <a:fontRef idx="minor">
+            <a:schemeClr val="dk1"/>
+          </a:fontRef>
+        </p:style>
+        <p:txBody>
+          <a:bodyPr vert="vert270" rtlCol="0" anchor="ctr"/>
+          <a:lstStyle/>
+          <a:p>
+            <a:pPr algn="ctr"/>
+            <a:r>
+              <a:rPr lang="zh-CN" altLang="en-US" dirty="0">
+                <a:solidFill>
+                  <a:schemeClr val="tx1"/>
+                </a:solidFill>
+              </a:rPr>
+              <a:t>接口输入</a:t>
+            </a:r>
+          </a:p>
+        </p:txBody>
+      </p:sp>
+      <p:sp>
+        <p:nvSpPr>
+          <p:cNvPr id="18" name="矩形 17">
+            <a:extLst>
+              <a:ext uri="{FF2B5EF4-FFF2-40B4-BE49-F238E27FC236}">
+                <a16:creationId xmlns:a16="http://schemas.microsoft.com/office/drawing/2014/main" id="{E86C9D40-26A2-424A-A53F-5FD4BF688D5B}"/>
+              </a:ext>
+            </a:extLst>
+          </p:cNvPr>
+          <p:cNvSpPr/>
+          <p:nvPr/>
+        </p:nvSpPr>
+        <p:spPr>
+          <a:xfrm>
+            <a:off x="2712376" y="4873658"/>
+            <a:ext cx="2200243" cy="528320"/>
+          </a:xfrm>
+          <a:prstGeom prst="rect">
+            <a:avLst/>
+          </a:prstGeom>
+        </p:spPr>
+        <p:style>
+          <a:lnRef idx="2">
+            <a:schemeClr val="dk1"/>
+          </a:lnRef>
+          <a:fillRef idx="1">
+            <a:schemeClr val="lt1"/>
+          </a:fillRef>
+          <a:effectRef idx="0">
+            <a:schemeClr val="dk1"/>
+          </a:effectRef>
+          <a:fontRef idx="minor">
+            <a:schemeClr val="dk1"/>
+          </a:fontRef>
+        </p:style>
+        <p:txBody>
+          <a:bodyPr rtlCol="0" anchor="ctr"/>
+          <a:lstStyle/>
+          <a:p>
+            <a:pPr algn="ctr"/>
+            <a:r>
+              <a:rPr lang="en-US" altLang="zh-CN" dirty="0" err="1"/>
+              <a:t>Jmeter</a:t>
+            </a:r>
+            <a:r>
+              <a:rPr lang="zh-CN" altLang="en-US" dirty="0"/>
+              <a:t>服务</a:t>
+            </a:r>
+            <a:r>
+              <a:rPr lang="en-US" altLang="zh-CN" dirty="0"/>
+              <a:t>IP</a:t>
+            </a:r>
+            <a:r>
+              <a:rPr lang="zh-CN" altLang="en-US" dirty="0"/>
+              <a:t>列表</a:t>
+            </a:r>
+          </a:p>
+        </p:txBody>
+      </p:sp>
+      <p:sp>
+        <p:nvSpPr>
+          <p:cNvPr id="19" name="矩形 18">
+            <a:extLst>
+              <a:ext uri="{FF2B5EF4-FFF2-40B4-BE49-F238E27FC236}">
+                <a16:creationId xmlns:a16="http://schemas.microsoft.com/office/drawing/2014/main" id="{0EE92D0E-DEC7-4884-96F3-C7C445A873A1}"/>
+              </a:ext>
+            </a:extLst>
+          </p:cNvPr>
+          <p:cNvSpPr/>
+          <p:nvPr/>
+        </p:nvSpPr>
+        <p:spPr>
+          <a:xfrm>
+            <a:off x="6616269" y="5828688"/>
+            <a:ext cx="1099731" cy="528320"/>
+          </a:xfrm>
+          <a:prstGeom prst="rect">
+            <a:avLst/>
+          </a:prstGeom>
+        </p:spPr>
+        <p:style>
+          <a:lnRef idx="2">
+            <a:schemeClr val="dk1"/>
+          </a:lnRef>
+          <a:fillRef idx="1">
+            <a:schemeClr val="lt1"/>
+          </a:fillRef>
+          <a:effectRef idx="0">
+            <a:schemeClr val="dk1"/>
+          </a:effectRef>
+          <a:fontRef idx="minor">
+            <a:schemeClr val="dk1"/>
+          </a:fontRef>
+        </p:style>
+        <p:txBody>
+          <a:bodyPr rtlCol="0" anchor="ctr"/>
+          <a:lstStyle/>
+          <a:p>
+            <a:pPr algn="ctr"/>
+            <a:r>
+              <a:rPr lang="en-US" altLang="zh-CN" dirty="0" err="1"/>
+              <a:t>Jmeter</a:t>
+            </a:r>
+            <a:endParaRPr lang="en-US" altLang="zh-CN" dirty="0"/>
+          </a:p>
+          <a:p>
+            <a:pPr algn="ctr"/>
+            <a:r>
+              <a:rPr lang="zh-CN" altLang="en-US" dirty="0"/>
+              <a:t>服务进程</a:t>
+            </a:r>
+          </a:p>
+        </p:txBody>
+      </p:sp>
+      <p:sp>
+        <p:nvSpPr>
+          <p:cNvPr id="20" name="矩形 19">
+            <a:extLst>
+              <a:ext uri="{FF2B5EF4-FFF2-40B4-BE49-F238E27FC236}">
+                <a16:creationId xmlns:a16="http://schemas.microsoft.com/office/drawing/2014/main" id="{BBDE5003-6F93-4B21-89CB-AE5E85A4FB6F}"/>
+              </a:ext>
+            </a:extLst>
+          </p:cNvPr>
+          <p:cNvSpPr/>
+          <p:nvPr/>
+        </p:nvSpPr>
+        <p:spPr>
+          <a:xfrm>
+            <a:off x="7916749" y="5564528"/>
+            <a:ext cx="1099731" cy="528320"/>
+          </a:xfrm>
+          <a:prstGeom prst="rect">
+            <a:avLst/>
+          </a:prstGeom>
+        </p:spPr>
+        <p:style>
+          <a:lnRef idx="2">
+            <a:schemeClr val="dk1"/>
+          </a:lnRef>
+          <a:fillRef idx="1">
+            <a:schemeClr val="lt1"/>
+          </a:fillRef>
+          <a:effectRef idx="0">
+            <a:schemeClr val="dk1"/>
+          </a:effectRef>
+          <a:fontRef idx="minor">
+            <a:schemeClr val="dk1"/>
+          </a:fontRef>
+        </p:style>
+        <p:txBody>
+          <a:bodyPr rtlCol="0" anchor="ctr"/>
+          <a:lstStyle/>
+          <a:p>
+            <a:pPr algn="ctr"/>
+            <a:r>
+              <a:rPr lang="en-US" altLang="zh-CN" dirty="0" err="1"/>
+              <a:t>Jmeter</a:t>
+            </a:r>
+            <a:endParaRPr lang="en-US" altLang="zh-CN" dirty="0"/>
+          </a:p>
+          <a:p>
+            <a:pPr algn="ctr"/>
+            <a:r>
+              <a:rPr lang="zh-CN" altLang="en-US" dirty="0"/>
+              <a:t>服务进程</a:t>
+            </a:r>
+          </a:p>
+        </p:txBody>
+      </p:sp>
+      <p:sp>
+        <p:nvSpPr>
+          <p:cNvPr id="21" name="矩形 20">
+            <a:extLst>
+              <a:ext uri="{FF2B5EF4-FFF2-40B4-BE49-F238E27FC236}">
+                <a16:creationId xmlns:a16="http://schemas.microsoft.com/office/drawing/2014/main" id="{81E951CF-A0C9-420D-96F7-A439B9EB2226}"/>
+              </a:ext>
+            </a:extLst>
+          </p:cNvPr>
+          <p:cNvSpPr/>
+          <p:nvPr/>
+        </p:nvSpPr>
+        <p:spPr>
+          <a:xfrm>
+            <a:off x="5315789" y="5611399"/>
+            <a:ext cx="1099731" cy="528320"/>
+          </a:xfrm>
+          <a:prstGeom prst="rect">
+            <a:avLst/>
+          </a:prstGeom>
+        </p:spPr>
+        <p:style>
+          <a:lnRef idx="2">
+            <a:schemeClr val="dk1"/>
+          </a:lnRef>
+          <a:fillRef idx="1">
+            <a:schemeClr val="lt1"/>
+          </a:fillRef>
+          <a:effectRef idx="0">
+            <a:schemeClr val="dk1"/>
+          </a:effectRef>
+          <a:fontRef idx="minor">
+            <a:schemeClr val="dk1"/>
+          </a:fontRef>
+        </p:style>
+        <p:txBody>
+          <a:bodyPr rtlCol="0" anchor="ctr"/>
+          <a:lstStyle/>
+          <a:p>
+            <a:pPr algn="ctr"/>
+            <a:r>
+              <a:rPr lang="en-US" altLang="zh-CN" dirty="0" err="1"/>
+              <a:t>Jmeter</a:t>
+            </a:r>
+            <a:endParaRPr lang="en-US" altLang="zh-CN" dirty="0"/>
+          </a:p>
+          <a:p>
+            <a:pPr algn="ctr"/>
+            <a:r>
+              <a:rPr lang="zh-CN" altLang="en-US" dirty="0"/>
+              <a:t>服务进程</a:t>
+            </a:r>
+          </a:p>
+        </p:txBody>
+      </p:sp>
+      <p:cxnSp>
+        <p:nvCxnSpPr>
+          <p:cNvPr id="22" name="直接箭头连接符 21">
+            <a:extLst>
+              <a:ext uri="{FF2B5EF4-FFF2-40B4-BE49-F238E27FC236}">
+                <a16:creationId xmlns:a16="http://schemas.microsoft.com/office/drawing/2014/main" id="{331FE041-05C9-4238-A591-B9201526F38B}"/>
+              </a:ext>
+            </a:extLst>
+          </p:cNvPr>
+          <p:cNvCxnSpPr>
+            <a:cxnSpLocks/>
+            <a:stCxn id="9" idx="2"/>
+            <a:endCxn id="21" idx="0"/>
+          </p:cNvCxnSpPr>
+          <p:nvPr/>
+        </p:nvCxnSpPr>
+        <p:spPr>
+          <a:xfrm flipH="1">
+            <a:off x="5865655" y="4208692"/>
+            <a:ext cx="230345" cy="1402707"/>
+          </a:xfrm>
+          <a:prstGeom prst="straightConnector1">
+            <a:avLst/>
+          </a:prstGeom>
+          <a:ln>
+            <a:tailEnd type="triangle"/>
+          </a:ln>
+        </p:spPr>
+        <p:style>
+          <a:lnRef idx="3">
+            <a:schemeClr val="dk1"/>
+          </a:lnRef>
+          <a:fillRef idx="0">
+            <a:schemeClr val="dk1"/>
+          </a:fillRef>
+          <a:effectRef idx="2">
+            <a:schemeClr val="dk1"/>
+          </a:effectRef>
+          <a:fontRef idx="minor">
+            <a:schemeClr val="tx1"/>
+          </a:fontRef>
+        </p:style>
+      </p:cxnSp>
+      <p:cxnSp>
+        <p:nvCxnSpPr>
+          <p:cNvPr id="25" name="直接箭头连接符 24">
+            <a:extLst>
+              <a:ext uri="{FF2B5EF4-FFF2-40B4-BE49-F238E27FC236}">
+                <a16:creationId xmlns:a16="http://schemas.microsoft.com/office/drawing/2014/main" id="{6BE5E6EC-A932-4DDA-B69A-C1E29CB1E00D}"/>
+              </a:ext>
+            </a:extLst>
+          </p:cNvPr>
+          <p:cNvCxnSpPr>
+            <a:cxnSpLocks/>
+            <a:stCxn id="9" idx="2"/>
+            <a:endCxn id="19" idx="0"/>
+          </p:cNvCxnSpPr>
+          <p:nvPr/>
+        </p:nvCxnSpPr>
+        <p:spPr>
+          <a:xfrm>
+            <a:off x="6096000" y="4208692"/>
+            <a:ext cx="1070135" cy="1619996"/>
+          </a:xfrm>
+          <a:prstGeom prst="straightConnector1">
+            <a:avLst/>
+          </a:prstGeom>
+          <a:ln>
+            <a:tailEnd type="triangle"/>
+          </a:ln>
+        </p:spPr>
+        <p:style>
+          <a:lnRef idx="3">
+            <a:schemeClr val="dk1"/>
+          </a:lnRef>
+          <a:fillRef idx="0">
+            <a:schemeClr val="dk1"/>
+          </a:fillRef>
+          <a:effectRef idx="2">
+            <a:schemeClr val="dk1"/>
+          </a:effectRef>
+          <a:fontRef idx="minor">
+            <a:schemeClr val="tx1"/>
+          </a:fontRef>
+        </p:style>
+      </p:cxnSp>
+      <p:cxnSp>
+        <p:nvCxnSpPr>
+          <p:cNvPr id="28" name="直接箭头连接符 27">
+            <a:extLst>
+              <a:ext uri="{FF2B5EF4-FFF2-40B4-BE49-F238E27FC236}">
+                <a16:creationId xmlns:a16="http://schemas.microsoft.com/office/drawing/2014/main" id="{DACA7758-650C-4DA5-A449-502439EAE636}"/>
+              </a:ext>
+            </a:extLst>
+          </p:cNvPr>
+          <p:cNvCxnSpPr>
+            <a:cxnSpLocks/>
+            <a:stCxn id="9" idx="2"/>
+            <a:endCxn id="20" idx="0"/>
+          </p:cNvCxnSpPr>
+          <p:nvPr/>
+        </p:nvCxnSpPr>
+        <p:spPr>
+          <a:xfrm>
+            <a:off x="6096000" y="4208692"/>
+            <a:ext cx="2370615" cy="1355836"/>
+          </a:xfrm>
+          <a:prstGeom prst="straightConnector1">
+            <a:avLst/>
+          </a:prstGeom>
+          <a:ln>
+            <a:tailEnd type="triangle"/>
+          </a:ln>
+        </p:spPr>
+        <p:style>
+          <a:lnRef idx="3">
+            <a:schemeClr val="dk1"/>
+          </a:lnRef>
+          <a:fillRef idx="0">
+            <a:schemeClr val="dk1"/>
+          </a:fillRef>
+          <a:effectRef idx="2">
+            <a:schemeClr val="dk1"/>
+          </a:effectRef>
+          <a:fontRef idx="minor">
+            <a:schemeClr val="tx1"/>
+          </a:fontRef>
+        </p:style>
+      </p:cxnSp>
+      <p:sp>
+        <p:nvSpPr>
+          <p:cNvPr id="31" name="文本框 30">
+            <a:extLst>
+              <a:ext uri="{FF2B5EF4-FFF2-40B4-BE49-F238E27FC236}">
+                <a16:creationId xmlns:a16="http://schemas.microsoft.com/office/drawing/2014/main" id="{AD2F78E6-C919-42F3-A24A-B8E6F01612A3}"/>
+              </a:ext>
+            </a:extLst>
+          </p:cNvPr>
+          <p:cNvSpPr txBox="1"/>
+          <p:nvPr/>
+        </p:nvSpPr>
+        <p:spPr>
+          <a:xfrm>
+            <a:off x="6157234" y="5387909"/>
+            <a:ext cx="2017800" cy="400110"/>
+          </a:xfrm>
+          <a:prstGeom prst="rect">
+            <a:avLst/>
+          </a:prstGeom>
+          <a:noFill/>
+        </p:spPr>
+        <p:txBody>
+          <a:bodyPr wrap="square" rtlCol="0">
+            <a:spAutoFit/>
+          </a:bodyPr>
+          <a:lstStyle/>
+          <a:p>
+            <a:r>
+              <a:rPr lang="zh-CN" altLang="en-US" sz="2000" dirty="0"/>
+              <a:t>执行分布式测试</a:t>
+            </a:r>
+          </a:p>
+        </p:txBody>
+      </p:sp>
     </p:spTree>
     <p:extLst>
       <p:ext uri="{BB962C8B-B14F-4D97-AF65-F5344CB8AC3E}">

--- a/设计图.pptx
+++ b/设计图.pptx
@@ -280,7 +280,7 @@
           <a:p>
             <a:fld id="{DCF5B490-EC53-4970-A7CC-6E0AB35949B8}" type="datetimeFigureOut">
               <a:rPr lang="zh-CN" altLang="en-US" smtClean="0"/>
-              <a:t>2020/3/23</a:t>
+              <a:t>2020/4/4</a:t>
             </a:fld>
             <a:endParaRPr lang="zh-CN" altLang="en-US"/>
           </a:p>
@@ -478,7 +478,7 @@
           <a:p>
             <a:fld id="{DCF5B490-EC53-4970-A7CC-6E0AB35949B8}" type="datetimeFigureOut">
               <a:rPr lang="zh-CN" altLang="en-US" smtClean="0"/>
-              <a:t>2020/3/23</a:t>
+              <a:t>2020/4/4</a:t>
             </a:fld>
             <a:endParaRPr lang="zh-CN" altLang="en-US"/>
           </a:p>
@@ -686,7 +686,7 @@
           <a:p>
             <a:fld id="{DCF5B490-EC53-4970-A7CC-6E0AB35949B8}" type="datetimeFigureOut">
               <a:rPr lang="zh-CN" altLang="en-US" smtClean="0"/>
-              <a:t>2020/3/23</a:t>
+              <a:t>2020/4/4</a:t>
             </a:fld>
             <a:endParaRPr lang="zh-CN" altLang="en-US"/>
           </a:p>
@@ -884,7 +884,7 @@
           <a:p>
             <a:fld id="{DCF5B490-EC53-4970-A7CC-6E0AB35949B8}" type="datetimeFigureOut">
               <a:rPr lang="zh-CN" altLang="en-US" smtClean="0"/>
-              <a:t>2020/3/23</a:t>
+              <a:t>2020/4/4</a:t>
             </a:fld>
             <a:endParaRPr lang="zh-CN" altLang="en-US"/>
           </a:p>
@@ -1159,7 +1159,7 @@
           <a:p>
             <a:fld id="{DCF5B490-EC53-4970-A7CC-6E0AB35949B8}" type="datetimeFigureOut">
               <a:rPr lang="zh-CN" altLang="en-US" smtClean="0"/>
-              <a:t>2020/3/23</a:t>
+              <a:t>2020/4/4</a:t>
             </a:fld>
             <a:endParaRPr lang="zh-CN" altLang="en-US"/>
           </a:p>
@@ -1424,7 +1424,7 @@
           <a:p>
             <a:fld id="{DCF5B490-EC53-4970-A7CC-6E0AB35949B8}" type="datetimeFigureOut">
               <a:rPr lang="zh-CN" altLang="en-US" smtClean="0"/>
-              <a:t>2020/3/23</a:t>
+              <a:t>2020/4/4</a:t>
             </a:fld>
             <a:endParaRPr lang="zh-CN" altLang="en-US"/>
           </a:p>
@@ -1836,7 +1836,7 @@
           <a:p>
             <a:fld id="{DCF5B490-EC53-4970-A7CC-6E0AB35949B8}" type="datetimeFigureOut">
               <a:rPr lang="zh-CN" altLang="en-US" smtClean="0"/>
-              <a:t>2020/3/23</a:t>
+              <a:t>2020/4/4</a:t>
             </a:fld>
             <a:endParaRPr lang="zh-CN" altLang="en-US"/>
           </a:p>
@@ -1977,7 +1977,7 @@
           <a:p>
             <a:fld id="{DCF5B490-EC53-4970-A7CC-6E0AB35949B8}" type="datetimeFigureOut">
               <a:rPr lang="zh-CN" altLang="en-US" smtClean="0"/>
-              <a:t>2020/3/23</a:t>
+              <a:t>2020/4/4</a:t>
             </a:fld>
             <a:endParaRPr lang="zh-CN" altLang="en-US"/>
           </a:p>
@@ -2090,7 +2090,7 @@
           <a:p>
             <a:fld id="{DCF5B490-EC53-4970-A7CC-6E0AB35949B8}" type="datetimeFigureOut">
               <a:rPr lang="zh-CN" altLang="en-US" smtClean="0"/>
-              <a:t>2020/3/23</a:t>
+              <a:t>2020/4/4</a:t>
             </a:fld>
             <a:endParaRPr lang="zh-CN" altLang="en-US"/>
           </a:p>
@@ -2401,7 +2401,7 @@
           <a:p>
             <a:fld id="{DCF5B490-EC53-4970-A7CC-6E0AB35949B8}" type="datetimeFigureOut">
               <a:rPr lang="zh-CN" altLang="en-US" smtClean="0"/>
-              <a:t>2020/3/23</a:t>
+              <a:t>2020/4/4</a:t>
             </a:fld>
             <a:endParaRPr lang="zh-CN" altLang="en-US"/>
           </a:p>
@@ -2689,7 +2689,7 @@
           <a:p>
             <a:fld id="{DCF5B490-EC53-4970-A7CC-6E0AB35949B8}" type="datetimeFigureOut">
               <a:rPr lang="zh-CN" altLang="en-US" smtClean="0"/>
-              <a:t>2020/3/23</a:t>
+              <a:t>2020/4/4</a:t>
             </a:fld>
             <a:endParaRPr lang="zh-CN" altLang="en-US"/>
           </a:p>
@@ -2930,7 +2930,7 @@
           <a:p>
             <a:fld id="{DCF5B490-EC53-4970-A7CC-6E0AB35949B8}" type="datetimeFigureOut">
               <a:rPr lang="zh-CN" altLang="en-US" smtClean="0"/>
-              <a:t>2020/3/23</a:t>
+              <a:t>2020/4/4</a:t>
             </a:fld>
             <a:endParaRPr lang="zh-CN" altLang="en-US"/>
           </a:p>
@@ -7503,443 +7503,6 @@
       </p:cxnSp>
       <p:grpSp>
         <p:nvGrpSpPr>
-          <p:cNvPr id="67" name="组合 66">
-            <a:extLst>
-              <a:ext uri="{FF2B5EF4-FFF2-40B4-BE49-F238E27FC236}">
-                <a16:creationId xmlns:a16="http://schemas.microsoft.com/office/drawing/2014/main" id="{2933B690-A181-4A81-83F0-F4BDF2C9C927}"/>
-              </a:ext>
-            </a:extLst>
-          </p:cNvPr>
-          <p:cNvGrpSpPr/>
-          <p:nvPr/>
-        </p:nvGrpSpPr>
-        <p:grpSpPr>
-          <a:xfrm>
-            <a:off x="4011344" y="1091187"/>
-            <a:ext cx="4484822" cy="5635645"/>
-            <a:chOff x="4011344" y="1091187"/>
-            <a:chExt cx="4484822" cy="5635645"/>
-          </a:xfrm>
-        </p:grpSpPr>
-        <p:sp>
-          <p:nvSpPr>
-            <p:cNvPr id="10" name="箭头: 右 9">
-              <a:extLst>
-                <a:ext uri="{FF2B5EF4-FFF2-40B4-BE49-F238E27FC236}">
-                  <a16:creationId xmlns:a16="http://schemas.microsoft.com/office/drawing/2014/main" id="{3B9B1795-1C31-4DB7-9591-C86ACF4978A9}"/>
-                </a:ext>
-              </a:extLst>
-            </p:cNvPr>
-            <p:cNvSpPr/>
-            <p:nvPr/>
-          </p:nvSpPr>
-          <p:spPr>
-            <a:xfrm>
-              <a:off x="7751100" y="4041081"/>
-              <a:ext cx="745066" cy="643464"/>
-            </a:xfrm>
-            <a:prstGeom prst="rightArrow">
-              <a:avLst/>
-            </a:prstGeom>
-          </p:spPr>
-          <p:style>
-            <a:lnRef idx="2">
-              <a:schemeClr val="dk1"/>
-            </a:lnRef>
-            <a:fillRef idx="1">
-              <a:schemeClr val="lt1"/>
-            </a:fillRef>
-            <a:effectRef idx="0">
-              <a:schemeClr val="dk1"/>
-            </a:effectRef>
-            <a:fontRef idx="minor">
-              <a:schemeClr val="dk1"/>
-            </a:fontRef>
-          </p:style>
-          <p:txBody>
-            <a:bodyPr rtlCol="0" anchor="ctr"/>
-            <a:lstStyle/>
-            <a:p>
-              <a:pPr algn="ctr"/>
-              <a:r>
-                <a:rPr lang="zh-CN" altLang="en-US" sz="1400" dirty="0"/>
-                <a:t>读入</a:t>
-              </a:r>
-            </a:p>
-          </p:txBody>
-        </p:sp>
-        <p:sp>
-          <p:nvSpPr>
-            <p:cNvPr id="12" name="箭头: 左 11">
-              <a:extLst>
-                <a:ext uri="{FF2B5EF4-FFF2-40B4-BE49-F238E27FC236}">
-                  <a16:creationId xmlns:a16="http://schemas.microsoft.com/office/drawing/2014/main" id="{2E4B3C24-3012-461C-A272-1F422E636A16}"/>
-                </a:ext>
-              </a:extLst>
-            </p:cNvPr>
-            <p:cNvSpPr/>
-            <p:nvPr/>
-          </p:nvSpPr>
-          <p:spPr>
-            <a:xfrm>
-              <a:off x="7750966" y="4938079"/>
-              <a:ext cx="745066" cy="644400"/>
-            </a:xfrm>
-            <a:prstGeom prst="leftArrow">
-              <a:avLst/>
-            </a:prstGeom>
-          </p:spPr>
-          <p:style>
-            <a:lnRef idx="2">
-              <a:schemeClr val="dk1"/>
-            </a:lnRef>
-            <a:fillRef idx="1">
-              <a:schemeClr val="lt1"/>
-            </a:fillRef>
-            <a:effectRef idx="0">
-              <a:schemeClr val="dk1"/>
-            </a:effectRef>
-            <a:fontRef idx="minor">
-              <a:schemeClr val="dk1"/>
-            </a:fontRef>
-          </p:style>
-          <p:txBody>
-            <a:bodyPr rot="0" spcFirstLastPara="0" vertOverflow="overflow" horzOverflow="overflow" vert="horz" wrap="square" lIns="91440" tIns="45720" rIns="91440" bIns="45720" numCol="1" spcCol="0" rtlCol="0" fromWordArt="0" anchor="ctr" anchorCtr="0" forceAA="0" compatLnSpc="1">
-              <a:prstTxWarp prst="textNoShape">
-                <a:avLst/>
-              </a:prstTxWarp>
-              <a:noAutofit/>
-            </a:bodyPr>
-            <a:lstStyle/>
-            <a:p>
-              <a:pPr algn="ctr"/>
-              <a:r>
-                <a:rPr lang="zh-CN" altLang="en-US" sz="1400" dirty="0">
-                  <a:solidFill>
-                    <a:schemeClr val="dk1"/>
-                  </a:solidFill>
-                </a:rPr>
-                <a:t>写入</a:t>
-              </a:r>
-            </a:p>
-          </p:txBody>
-        </p:sp>
-        <p:sp>
-          <p:nvSpPr>
-            <p:cNvPr id="14" name="箭头: 右 13">
-              <a:extLst>
-                <a:ext uri="{FF2B5EF4-FFF2-40B4-BE49-F238E27FC236}">
-                  <a16:creationId xmlns:a16="http://schemas.microsoft.com/office/drawing/2014/main" id="{49AFF863-60CF-4B9D-8A90-1824EA707C61}"/>
-                </a:ext>
-              </a:extLst>
-            </p:cNvPr>
-            <p:cNvSpPr/>
-            <p:nvPr/>
-          </p:nvSpPr>
-          <p:spPr>
-            <a:xfrm>
-              <a:off x="5168969" y="3141497"/>
-              <a:ext cx="745066" cy="643464"/>
-            </a:xfrm>
-            <a:prstGeom prst="rightArrow">
-              <a:avLst/>
-            </a:prstGeom>
-          </p:spPr>
-          <p:style>
-            <a:lnRef idx="2">
-              <a:schemeClr val="dk1"/>
-            </a:lnRef>
-            <a:fillRef idx="1">
-              <a:schemeClr val="lt1"/>
-            </a:fillRef>
-            <a:effectRef idx="0">
-              <a:schemeClr val="dk1"/>
-            </a:effectRef>
-            <a:fontRef idx="minor">
-              <a:schemeClr val="dk1"/>
-            </a:fontRef>
-          </p:style>
-          <p:txBody>
-            <a:bodyPr rtlCol="0" anchor="ctr"/>
-            <a:lstStyle/>
-            <a:p>
-              <a:pPr algn="ctr"/>
-              <a:r>
-                <a:rPr lang="zh-CN" altLang="en-US" sz="1400" dirty="0"/>
-                <a:t>写入</a:t>
-              </a:r>
-            </a:p>
-          </p:txBody>
-        </p:sp>
-        <p:sp>
-          <p:nvSpPr>
-            <p:cNvPr id="18" name="箭头: 左 17">
-              <a:extLst>
-                <a:ext uri="{FF2B5EF4-FFF2-40B4-BE49-F238E27FC236}">
-                  <a16:creationId xmlns:a16="http://schemas.microsoft.com/office/drawing/2014/main" id="{481BE3E9-7083-4195-865F-5443FE622876}"/>
-                </a:ext>
-              </a:extLst>
-            </p:cNvPr>
-            <p:cNvSpPr/>
-            <p:nvPr/>
-          </p:nvSpPr>
-          <p:spPr>
-            <a:xfrm>
-              <a:off x="5168902" y="2116670"/>
-              <a:ext cx="3327264" cy="644400"/>
-            </a:xfrm>
-            <a:prstGeom prst="leftArrow">
-              <a:avLst/>
-            </a:prstGeom>
-          </p:spPr>
-          <p:style>
-            <a:lnRef idx="2">
-              <a:schemeClr val="dk1"/>
-            </a:lnRef>
-            <a:fillRef idx="1">
-              <a:schemeClr val="lt1"/>
-            </a:fillRef>
-            <a:effectRef idx="0">
-              <a:schemeClr val="dk1"/>
-            </a:effectRef>
-            <a:fontRef idx="minor">
-              <a:schemeClr val="dk1"/>
-            </a:fontRef>
-          </p:style>
-          <p:txBody>
-            <a:bodyPr rot="0" spcFirstLastPara="0" vertOverflow="overflow" horzOverflow="overflow" vert="horz" wrap="square" lIns="91440" tIns="45720" rIns="91440" bIns="45720" numCol="1" spcCol="0" rtlCol="0" fromWordArt="0" anchor="ctr" anchorCtr="0" forceAA="0" compatLnSpc="1">
-              <a:prstTxWarp prst="textNoShape">
-                <a:avLst/>
-              </a:prstTxWarp>
-              <a:noAutofit/>
-            </a:bodyPr>
-            <a:lstStyle/>
-            <a:p>
-              <a:pPr algn="ctr"/>
-              <a:r>
-                <a:rPr lang="en-US" altLang="zh-CN" sz="1400" dirty="0" err="1">
-                  <a:solidFill>
-                    <a:schemeClr val="dk1"/>
-                  </a:solidFill>
-                </a:rPr>
-                <a:t>Stdout</a:t>
-              </a:r>
-              <a:r>
-                <a:rPr lang="zh-CN" altLang="en-US" sz="1400" dirty="0">
-                  <a:solidFill>
-                    <a:schemeClr val="dk1"/>
-                  </a:solidFill>
-                </a:rPr>
-                <a:t>输出</a:t>
-              </a:r>
-            </a:p>
-          </p:txBody>
-        </p:sp>
-        <p:sp>
-          <p:nvSpPr>
-            <p:cNvPr id="20" name="箭头: 下弧形 19">
-              <a:extLst>
-                <a:ext uri="{FF2B5EF4-FFF2-40B4-BE49-F238E27FC236}">
-                  <a16:creationId xmlns:a16="http://schemas.microsoft.com/office/drawing/2014/main" id="{9A645FA0-B5F1-4E7C-8E48-F361E70C6051}"/>
-                </a:ext>
-              </a:extLst>
-            </p:cNvPr>
-            <p:cNvSpPr/>
-            <p:nvPr/>
-          </p:nvSpPr>
-          <p:spPr>
-            <a:xfrm>
-              <a:off x="4250269" y="5779223"/>
-              <a:ext cx="4013198" cy="947609"/>
-            </a:xfrm>
-            <a:prstGeom prst="curvedUpArrow">
-              <a:avLst/>
-            </a:prstGeom>
-          </p:spPr>
-          <p:style>
-            <a:lnRef idx="2">
-              <a:schemeClr val="dk1"/>
-            </a:lnRef>
-            <a:fillRef idx="1">
-              <a:schemeClr val="lt1"/>
-            </a:fillRef>
-            <a:effectRef idx="0">
-              <a:schemeClr val="dk1"/>
-            </a:effectRef>
-            <a:fontRef idx="minor">
-              <a:schemeClr val="dk1"/>
-            </a:fontRef>
-          </p:style>
-          <p:txBody>
-            <a:bodyPr rtlCol="0" anchor="ctr"/>
-            <a:lstStyle/>
-            <a:p>
-              <a:pPr algn="ctr"/>
-              <a:r>
-                <a:rPr lang="zh-CN" altLang="en-US" dirty="0">
-                  <a:solidFill>
-                    <a:schemeClr val="tx1"/>
-                  </a:solidFill>
-                </a:rPr>
-                <a:t>资源管理</a:t>
-              </a:r>
-            </a:p>
-          </p:txBody>
-        </p:sp>
-        <p:sp>
-          <p:nvSpPr>
-            <p:cNvPr id="22" name="箭头: 上弧形 21">
-              <a:extLst>
-                <a:ext uri="{FF2B5EF4-FFF2-40B4-BE49-F238E27FC236}">
-                  <a16:creationId xmlns:a16="http://schemas.microsoft.com/office/drawing/2014/main" id="{17D9BAA6-8407-43D5-B729-230BD1D29A1F}"/>
-                </a:ext>
-              </a:extLst>
-            </p:cNvPr>
-            <p:cNvSpPr/>
-            <p:nvPr/>
-          </p:nvSpPr>
-          <p:spPr>
-            <a:xfrm flipH="1">
-              <a:off x="4089000" y="1091187"/>
-              <a:ext cx="4014000" cy="946800"/>
-            </a:xfrm>
-            <a:prstGeom prst="curvedDownArrow">
-              <a:avLst/>
-            </a:prstGeom>
-          </p:spPr>
-          <p:style>
-            <a:lnRef idx="2">
-              <a:schemeClr val="dk1"/>
-            </a:lnRef>
-            <a:fillRef idx="1">
-              <a:schemeClr val="lt1"/>
-            </a:fillRef>
-            <a:effectRef idx="0">
-              <a:schemeClr val="dk1"/>
-            </a:effectRef>
-            <a:fontRef idx="minor">
-              <a:schemeClr val="dk1"/>
-            </a:fontRef>
-          </p:style>
-          <p:txBody>
-            <a:bodyPr rot="0" spcFirstLastPara="0" vertOverflow="overflow" horzOverflow="overflow" vert="horz" wrap="square" lIns="91440" tIns="45720" rIns="91440" bIns="45720" numCol="1" spcCol="0" rtlCol="0" fromWordArt="0" anchor="ctr" anchorCtr="0" forceAA="0" compatLnSpc="1">
-              <a:prstTxWarp prst="textNoShape">
-                <a:avLst/>
-              </a:prstTxWarp>
-              <a:noAutofit/>
-            </a:bodyPr>
-            <a:lstStyle/>
-            <a:p>
-              <a:pPr algn="ctr"/>
-              <a:r>
-                <a:rPr lang="zh-CN" altLang="en-US" dirty="0">
-                  <a:solidFill>
-                    <a:schemeClr val="tx1"/>
-                  </a:solidFill>
-                </a:rPr>
-                <a:t>信息获取</a:t>
-              </a:r>
-            </a:p>
-          </p:txBody>
-        </p:sp>
-        <p:sp>
-          <p:nvSpPr>
-            <p:cNvPr id="61" name="箭头: 左弧形 60">
-              <a:extLst>
-                <a:ext uri="{FF2B5EF4-FFF2-40B4-BE49-F238E27FC236}">
-                  <a16:creationId xmlns:a16="http://schemas.microsoft.com/office/drawing/2014/main" id="{2616420F-92A3-49F1-9888-8A5C5039F5B4}"/>
-                </a:ext>
-              </a:extLst>
-            </p:cNvPr>
-            <p:cNvSpPr/>
-            <p:nvPr/>
-          </p:nvSpPr>
-          <p:spPr>
-            <a:xfrm>
-              <a:off x="4626260" y="2382766"/>
-              <a:ext cx="541020" cy="1208254"/>
-            </a:xfrm>
-            <a:prstGeom prst="curvedRightArrow">
-              <a:avLst/>
-            </a:prstGeom>
-          </p:spPr>
-          <p:style>
-            <a:lnRef idx="2">
-              <a:schemeClr val="dk1"/>
-            </a:lnRef>
-            <a:fillRef idx="1">
-              <a:schemeClr val="lt1"/>
-            </a:fillRef>
-            <a:effectRef idx="0">
-              <a:schemeClr val="dk1"/>
-            </a:effectRef>
-            <a:fontRef idx="minor">
-              <a:schemeClr val="dk1"/>
-            </a:fontRef>
-          </p:style>
-          <p:txBody>
-            <a:bodyPr rtlCol="0" anchor="ctr"/>
-            <a:lstStyle/>
-            <a:p>
-              <a:pPr algn="ctr"/>
-              <a:endParaRPr lang="zh-CN" altLang="en-US" dirty="0">
-                <a:solidFill>
-                  <a:schemeClr val="tx1"/>
-                </a:solidFill>
-              </a:endParaRPr>
-            </a:p>
-          </p:txBody>
-        </p:sp>
-        <p:sp>
-          <p:nvSpPr>
-            <p:cNvPr id="62" name="箭头: 上下 61">
-              <a:extLst>
-                <a:ext uri="{FF2B5EF4-FFF2-40B4-BE49-F238E27FC236}">
-                  <a16:creationId xmlns:a16="http://schemas.microsoft.com/office/drawing/2014/main" id="{E5EA246D-3092-42B7-8BB5-4165E88293A0}"/>
-                </a:ext>
-              </a:extLst>
-            </p:cNvPr>
-            <p:cNvSpPr/>
-            <p:nvPr/>
-          </p:nvSpPr>
-          <p:spPr>
-            <a:xfrm>
-              <a:off x="4011344" y="3176885"/>
-              <a:ext cx="484632" cy="484067"/>
-            </a:xfrm>
-            <a:prstGeom prst="upDownArrow">
-              <a:avLst>
-                <a:gd name="adj1" fmla="val 47379"/>
-                <a:gd name="adj2" fmla="val 30323"/>
-              </a:avLst>
-            </a:prstGeom>
-          </p:spPr>
-          <p:style>
-            <a:lnRef idx="2">
-              <a:schemeClr val="dk1"/>
-            </a:lnRef>
-            <a:fillRef idx="1">
-              <a:schemeClr val="lt1"/>
-            </a:fillRef>
-            <a:effectRef idx="0">
-              <a:schemeClr val="dk1"/>
-            </a:effectRef>
-            <a:fontRef idx="minor">
-              <a:schemeClr val="dk1"/>
-            </a:fontRef>
-          </p:style>
-          <p:txBody>
-            <a:bodyPr rtlCol="0" anchor="ctr"/>
-            <a:lstStyle/>
-            <a:p>
-              <a:pPr algn="ctr"/>
-              <a:endParaRPr lang="zh-CN" altLang="en-US"/>
-            </a:p>
-          </p:txBody>
-        </p:sp>
-      </p:grpSp>
-      <p:grpSp>
-        <p:nvGrpSpPr>
           <p:cNvPr id="95" name="组合 94">
             <a:extLst>
               <a:ext uri="{FF2B5EF4-FFF2-40B4-BE49-F238E27FC236}">
@@ -8627,6 +8190,340 @@
           </a:fontRef>
         </p:style>
       </p:cxnSp>
+      <p:grpSp>
+        <p:nvGrpSpPr>
+          <p:cNvPr id="3" name="组合 2">
+            <a:extLst>
+              <a:ext uri="{FF2B5EF4-FFF2-40B4-BE49-F238E27FC236}">
+                <a16:creationId xmlns:a16="http://schemas.microsoft.com/office/drawing/2014/main" id="{F462A888-A527-4720-A412-46F79B2AD1CF}"/>
+              </a:ext>
+            </a:extLst>
+          </p:cNvPr>
+          <p:cNvGrpSpPr/>
+          <p:nvPr/>
+        </p:nvGrpSpPr>
+        <p:grpSpPr>
+          <a:xfrm>
+            <a:off x="4011344" y="1091187"/>
+            <a:ext cx="4484822" cy="5635645"/>
+            <a:chOff x="4011344" y="1091187"/>
+            <a:chExt cx="4484822" cy="5635645"/>
+          </a:xfrm>
+        </p:grpSpPr>
+        <p:sp>
+          <p:nvSpPr>
+            <p:cNvPr id="10" name="箭头: 右 9">
+              <a:extLst>
+                <a:ext uri="{FF2B5EF4-FFF2-40B4-BE49-F238E27FC236}">
+                  <a16:creationId xmlns:a16="http://schemas.microsoft.com/office/drawing/2014/main" id="{3B9B1795-1C31-4DB7-9591-C86ACF4978A9}"/>
+                </a:ext>
+              </a:extLst>
+            </p:cNvPr>
+            <p:cNvSpPr/>
+            <p:nvPr/>
+          </p:nvSpPr>
+          <p:spPr>
+            <a:xfrm>
+              <a:off x="7751100" y="4041081"/>
+              <a:ext cx="745066" cy="643464"/>
+            </a:xfrm>
+            <a:prstGeom prst="rightArrow">
+              <a:avLst/>
+            </a:prstGeom>
+          </p:spPr>
+          <p:style>
+            <a:lnRef idx="2">
+              <a:schemeClr val="dk1"/>
+            </a:lnRef>
+            <a:fillRef idx="1">
+              <a:schemeClr val="lt1"/>
+            </a:fillRef>
+            <a:effectRef idx="0">
+              <a:schemeClr val="dk1"/>
+            </a:effectRef>
+            <a:fontRef idx="minor">
+              <a:schemeClr val="dk1"/>
+            </a:fontRef>
+          </p:style>
+          <p:txBody>
+            <a:bodyPr rtlCol="0" anchor="ctr"/>
+            <a:lstStyle/>
+            <a:p>
+              <a:pPr algn="ctr"/>
+              <a:r>
+                <a:rPr lang="zh-CN" altLang="en-US" sz="1400" dirty="0"/>
+                <a:t>读入</a:t>
+              </a:r>
+            </a:p>
+          </p:txBody>
+        </p:sp>
+        <p:sp>
+          <p:nvSpPr>
+            <p:cNvPr id="12" name="箭头: 左 11">
+              <a:extLst>
+                <a:ext uri="{FF2B5EF4-FFF2-40B4-BE49-F238E27FC236}">
+                  <a16:creationId xmlns:a16="http://schemas.microsoft.com/office/drawing/2014/main" id="{2E4B3C24-3012-461C-A272-1F422E636A16}"/>
+                </a:ext>
+              </a:extLst>
+            </p:cNvPr>
+            <p:cNvSpPr/>
+            <p:nvPr/>
+          </p:nvSpPr>
+          <p:spPr>
+            <a:xfrm>
+              <a:off x="7750966" y="4938079"/>
+              <a:ext cx="745066" cy="644400"/>
+            </a:xfrm>
+            <a:prstGeom prst="leftArrow">
+              <a:avLst/>
+            </a:prstGeom>
+          </p:spPr>
+          <p:style>
+            <a:lnRef idx="2">
+              <a:schemeClr val="dk1"/>
+            </a:lnRef>
+            <a:fillRef idx="1">
+              <a:schemeClr val="lt1"/>
+            </a:fillRef>
+            <a:effectRef idx="0">
+              <a:schemeClr val="dk1"/>
+            </a:effectRef>
+            <a:fontRef idx="minor">
+              <a:schemeClr val="dk1"/>
+            </a:fontRef>
+          </p:style>
+          <p:txBody>
+            <a:bodyPr rot="0" spcFirstLastPara="0" vertOverflow="overflow" horzOverflow="overflow" vert="horz" wrap="square" lIns="91440" tIns="45720" rIns="91440" bIns="45720" numCol="1" spcCol="0" rtlCol="0" fromWordArt="0" anchor="ctr" anchorCtr="0" forceAA="0" compatLnSpc="1">
+              <a:prstTxWarp prst="textNoShape">
+                <a:avLst/>
+              </a:prstTxWarp>
+              <a:noAutofit/>
+            </a:bodyPr>
+            <a:lstStyle/>
+            <a:p>
+              <a:pPr algn="ctr"/>
+              <a:r>
+                <a:rPr lang="zh-CN" altLang="en-US" sz="1400" dirty="0">
+                  <a:solidFill>
+                    <a:schemeClr val="dk1"/>
+                  </a:solidFill>
+                </a:rPr>
+                <a:t>写入</a:t>
+              </a:r>
+            </a:p>
+          </p:txBody>
+        </p:sp>
+        <p:sp>
+          <p:nvSpPr>
+            <p:cNvPr id="20" name="箭头: 下弧形 19">
+              <a:extLst>
+                <a:ext uri="{FF2B5EF4-FFF2-40B4-BE49-F238E27FC236}">
+                  <a16:creationId xmlns:a16="http://schemas.microsoft.com/office/drawing/2014/main" id="{9A645FA0-B5F1-4E7C-8E48-F361E70C6051}"/>
+                </a:ext>
+              </a:extLst>
+            </p:cNvPr>
+            <p:cNvSpPr/>
+            <p:nvPr/>
+          </p:nvSpPr>
+          <p:spPr>
+            <a:xfrm>
+              <a:off x="4250269" y="5779223"/>
+              <a:ext cx="4013198" cy="947609"/>
+            </a:xfrm>
+            <a:prstGeom prst="curvedUpArrow">
+              <a:avLst/>
+            </a:prstGeom>
+          </p:spPr>
+          <p:style>
+            <a:lnRef idx="2">
+              <a:schemeClr val="dk1"/>
+            </a:lnRef>
+            <a:fillRef idx="1">
+              <a:schemeClr val="lt1"/>
+            </a:fillRef>
+            <a:effectRef idx="0">
+              <a:schemeClr val="dk1"/>
+            </a:effectRef>
+            <a:fontRef idx="minor">
+              <a:schemeClr val="dk1"/>
+            </a:fontRef>
+          </p:style>
+          <p:txBody>
+            <a:bodyPr rtlCol="0" anchor="ctr"/>
+            <a:lstStyle/>
+            <a:p>
+              <a:pPr algn="ctr"/>
+              <a:r>
+                <a:rPr lang="zh-CN" altLang="en-US" dirty="0">
+                  <a:solidFill>
+                    <a:schemeClr val="tx1"/>
+                  </a:solidFill>
+                </a:rPr>
+                <a:t>资源管理</a:t>
+              </a:r>
+            </a:p>
+          </p:txBody>
+        </p:sp>
+        <p:sp>
+          <p:nvSpPr>
+            <p:cNvPr id="22" name="箭头: 上弧形 21">
+              <a:extLst>
+                <a:ext uri="{FF2B5EF4-FFF2-40B4-BE49-F238E27FC236}">
+                  <a16:creationId xmlns:a16="http://schemas.microsoft.com/office/drawing/2014/main" id="{17D9BAA6-8407-43D5-B729-230BD1D29A1F}"/>
+                </a:ext>
+              </a:extLst>
+            </p:cNvPr>
+            <p:cNvSpPr/>
+            <p:nvPr/>
+          </p:nvSpPr>
+          <p:spPr>
+            <a:xfrm flipH="1">
+              <a:off x="4089000" y="1091187"/>
+              <a:ext cx="4014000" cy="946800"/>
+            </a:xfrm>
+            <a:prstGeom prst="curvedDownArrow">
+              <a:avLst/>
+            </a:prstGeom>
+          </p:spPr>
+          <p:style>
+            <a:lnRef idx="2">
+              <a:schemeClr val="dk1"/>
+            </a:lnRef>
+            <a:fillRef idx="1">
+              <a:schemeClr val="lt1"/>
+            </a:fillRef>
+            <a:effectRef idx="0">
+              <a:schemeClr val="dk1"/>
+            </a:effectRef>
+            <a:fontRef idx="minor">
+              <a:schemeClr val="dk1"/>
+            </a:fontRef>
+          </p:style>
+          <p:txBody>
+            <a:bodyPr rot="0" spcFirstLastPara="0" vertOverflow="overflow" horzOverflow="overflow" vert="horz" wrap="square" lIns="91440" tIns="45720" rIns="91440" bIns="45720" numCol="1" spcCol="0" rtlCol="0" fromWordArt="0" anchor="ctr" anchorCtr="0" forceAA="0" compatLnSpc="1">
+              <a:prstTxWarp prst="textNoShape">
+                <a:avLst/>
+              </a:prstTxWarp>
+              <a:noAutofit/>
+            </a:bodyPr>
+            <a:lstStyle/>
+            <a:p>
+              <a:pPr algn="ctr"/>
+              <a:r>
+                <a:rPr lang="zh-CN" altLang="en-US" dirty="0">
+                  <a:solidFill>
+                    <a:schemeClr val="tx1"/>
+                  </a:solidFill>
+                </a:rPr>
+                <a:t>信息获取</a:t>
+              </a:r>
+            </a:p>
+          </p:txBody>
+        </p:sp>
+        <p:sp>
+          <p:nvSpPr>
+            <p:cNvPr id="62" name="箭头: 上下 61">
+              <a:extLst>
+                <a:ext uri="{FF2B5EF4-FFF2-40B4-BE49-F238E27FC236}">
+                  <a16:creationId xmlns:a16="http://schemas.microsoft.com/office/drawing/2014/main" id="{E5EA246D-3092-42B7-8BB5-4165E88293A0}"/>
+                </a:ext>
+              </a:extLst>
+            </p:cNvPr>
+            <p:cNvSpPr/>
+            <p:nvPr/>
+          </p:nvSpPr>
+          <p:spPr>
+            <a:xfrm>
+              <a:off x="4011344" y="3176885"/>
+              <a:ext cx="484632" cy="484067"/>
+            </a:xfrm>
+            <a:prstGeom prst="upDownArrow">
+              <a:avLst>
+                <a:gd name="adj1" fmla="val 47379"/>
+                <a:gd name="adj2" fmla="val 30323"/>
+              </a:avLst>
+            </a:prstGeom>
+          </p:spPr>
+          <p:style>
+            <a:lnRef idx="2">
+              <a:schemeClr val="dk1"/>
+            </a:lnRef>
+            <a:fillRef idx="1">
+              <a:schemeClr val="lt1"/>
+            </a:fillRef>
+            <a:effectRef idx="0">
+              <a:schemeClr val="dk1"/>
+            </a:effectRef>
+            <a:fontRef idx="minor">
+              <a:schemeClr val="dk1"/>
+            </a:fontRef>
+          </p:style>
+          <p:txBody>
+            <a:bodyPr rtlCol="0" anchor="ctr"/>
+            <a:lstStyle/>
+            <a:p>
+              <a:pPr algn="ctr"/>
+              <a:endParaRPr lang="zh-CN" altLang="en-US"/>
+            </a:p>
+          </p:txBody>
+        </p:sp>
+        <p:sp>
+          <p:nvSpPr>
+            <p:cNvPr id="50" name="箭头: 左 49">
+              <a:extLst>
+                <a:ext uri="{FF2B5EF4-FFF2-40B4-BE49-F238E27FC236}">
+                  <a16:creationId xmlns:a16="http://schemas.microsoft.com/office/drawing/2014/main" id="{6040F90F-659E-4258-9FF6-1B04310C7DA9}"/>
+                </a:ext>
+              </a:extLst>
+            </p:cNvPr>
+            <p:cNvSpPr/>
+            <p:nvPr/>
+          </p:nvSpPr>
+          <p:spPr>
+            <a:xfrm>
+              <a:off x="7750966" y="3142614"/>
+              <a:ext cx="745066" cy="644400"/>
+            </a:xfrm>
+            <a:prstGeom prst="leftArrow">
+              <a:avLst/>
+            </a:prstGeom>
+          </p:spPr>
+          <p:style>
+            <a:lnRef idx="2">
+              <a:schemeClr val="dk1"/>
+            </a:lnRef>
+            <a:fillRef idx="1">
+              <a:schemeClr val="lt1"/>
+            </a:fillRef>
+            <a:effectRef idx="0">
+              <a:schemeClr val="dk1"/>
+            </a:effectRef>
+            <a:fontRef idx="minor">
+              <a:schemeClr val="dk1"/>
+            </a:fontRef>
+          </p:style>
+          <p:txBody>
+            <a:bodyPr rot="0" spcFirstLastPara="0" vertOverflow="overflow" horzOverflow="overflow" vert="horz" wrap="square" lIns="91440" tIns="45720" rIns="91440" bIns="45720" numCol="1" spcCol="0" rtlCol="0" fromWordArt="0" anchor="ctr" anchorCtr="0" forceAA="0" compatLnSpc="1">
+              <a:prstTxWarp prst="textNoShape">
+                <a:avLst/>
+              </a:prstTxWarp>
+              <a:noAutofit/>
+            </a:bodyPr>
+            <a:lstStyle/>
+            <a:p>
+              <a:pPr algn="ctr"/>
+              <a:r>
+                <a:rPr lang="zh-CN" altLang="en-US" sz="1400" dirty="0">
+                  <a:solidFill>
+                    <a:schemeClr val="dk1"/>
+                  </a:solidFill>
+                </a:rPr>
+                <a:t>写入</a:t>
+              </a:r>
+            </a:p>
+          </p:txBody>
+        </p:sp>
+      </p:grpSp>
     </p:spTree>
     <p:extLst>
       <p:ext uri="{BB962C8B-B14F-4D97-AF65-F5344CB8AC3E}">
@@ -11100,173 +10997,6 @@
           </a:fontRef>
         </p:style>
       </p:cxnSp>
-      <p:sp>
-        <p:nvSpPr>
-          <p:cNvPr id="35" name="箭头: 左 34">
-            <a:extLst>
-              <a:ext uri="{FF2B5EF4-FFF2-40B4-BE49-F238E27FC236}">
-                <a16:creationId xmlns:a16="http://schemas.microsoft.com/office/drawing/2014/main" id="{570C9290-3849-4960-9DEC-DB63BC64D563}"/>
-              </a:ext>
-            </a:extLst>
-          </p:cNvPr>
-          <p:cNvSpPr/>
-          <p:nvPr/>
-        </p:nvSpPr>
-        <p:spPr>
-          <a:xfrm>
-            <a:off x="5168902" y="2116670"/>
-            <a:ext cx="3327264" cy="644400"/>
-          </a:xfrm>
-          <a:prstGeom prst="leftArrow">
-            <a:avLst/>
-          </a:prstGeom>
-        </p:spPr>
-        <p:style>
-          <a:lnRef idx="2">
-            <a:schemeClr val="dk1"/>
-          </a:lnRef>
-          <a:fillRef idx="1">
-            <a:schemeClr val="lt1"/>
-          </a:fillRef>
-          <a:effectRef idx="0">
-            <a:schemeClr val="dk1"/>
-          </a:effectRef>
-          <a:fontRef idx="minor">
-            <a:schemeClr val="dk1"/>
-          </a:fontRef>
-        </p:style>
-        <p:txBody>
-          <a:bodyPr rot="0" spcFirstLastPara="0" vertOverflow="overflow" horzOverflow="overflow" vert="horz" wrap="square" lIns="91440" tIns="45720" rIns="91440" bIns="45720" numCol="1" spcCol="0" rtlCol="0" fromWordArt="0" anchor="ctr" anchorCtr="0" forceAA="0" compatLnSpc="1">
-            <a:prstTxWarp prst="textNoShape">
-              <a:avLst/>
-            </a:prstTxWarp>
-            <a:noAutofit/>
-          </a:bodyPr>
-          <a:lstStyle/>
-          <a:p>
-            <a:pPr algn="ctr"/>
-            <a:r>
-              <a:rPr lang="zh-CN" altLang="en-US" sz="1400" dirty="0">
-                <a:solidFill>
-                  <a:schemeClr val="dk1"/>
-                </a:solidFill>
-              </a:rPr>
-              <a:t>获取</a:t>
-            </a:r>
-            <a:r>
-              <a:rPr lang="en-US" altLang="zh-CN" sz="1400" dirty="0" err="1">
-                <a:solidFill>
-                  <a:schemeClr val="dk1"/>
-                </a:solidFill>
-              </a:rPr>
-              <a:t>Stdout</a:t>
-            </a:r>
-            <a:r>
-              <a:rPr lang="zh-CN" altLang="en-US" sz="1400" dirty="0">
-                <a:solidFill>
-                  <a:schemeClr val="dk1"/>
-                </a:solidFill>
-              </a:rPr>
-              <a:t>输出</a:t>
-            </a:r>
-          </a:p>
-        </p:txBody>
-      </p:sp>
-      <p:sp>
-        <p:nvSpPr>
-          <p:cNvPr id="36" name="箭头: 右 35">
-            <a:extLst>
-              <a:ext uri="{FF2B5EF4-FFF2-40B4-BE49-F238E27FC236}">
-                <a16:creationId xmlns:a16="http://schemas.microsoft.com/office/drawing/2014/main" id="{EDB4B67C-93F8-4197-A191-B499A6EDB911}"/>
-              </a:ext>
-            </a:extLst>
-          </p:cNvPr>
-          <p:cNvSpPr/>
-          <p:nvPr/>
-        </p:nvSpPr>
-        <p:spPr>
-          <a:xfrm>
-            <a:off x="5168969" y="3141497"/>
-            <a:ext cx="745066" cy="643464"/>
-          </a:xfrm>
-          <a:prstGeom prst="rightArrow">
-            <a:avLst/>
-          </a:prstGeom>
-        </p:spPr>
-        <p:style>
-          <a:lnRef idx="2">
-            <a:schemeClr val="dk1"/>
-          </a:lnRef>
-          <a:fillRef idx="1">
-            <a:schemeClr val="lt1"/>
-          </a:fillRef>
-          <a:effectRef idx="0">
-            <a:schemeClr val="dk1"/>
-          </a:effectRef>
-          <a:fontRef idx="minor">
-            <a:schemeClr val="dk1"/>
-          </a:fontRef>
-        </p:style>
-        <p:txBody>
-          <a:bodyPr rtlCol="0" anchor="ctr"/>
-          <a:lstStyle/>
-          <a:p>
-            <a:pPr algn="ctr"/>
-            <a:r>
-              <a:rPr lang="zh-CN" altLang="en-US" sz="1400" dirty="0"/>
-              <a:t>写入</a:t>
-            </a:r>
-          </a:p>
-        </p:txBody>
-      </p:sp>
-      <p:sp>
-        <p:nvSpPr>
-          <p:cNvPr id="37" name="箭头: 左弧形 36">
-            <a:extLst>
-              <a:ext uri="{FF2B5EF4-FFF2-40B4-BE49-F238E27FC236}">
-                <a16:creationId xmlns:a16="http://schemas.microsoft.com/office/drawing/2014/main" id="{D716BF20-A93A-480C-A470-7FC76345D022}"/>
-              </a:ext>
-            </a:extLst>
-          </p:cNvPr>
-          <p:cNvSpPr/>
-          <p:nvPr/>
-        </p:nvSpPr>
-        <p:spPr>
-          <a:xfrm>
-            <a:off x="4626260" y="2382766"/>
-            <a:ext cx="541020" cy="1208254"/>
-          </a:xfrm>
-          <a:prstGeom prst="curvedRightArrow">
-            <a:avLst/>
-          </a:prstGeom>
-        </p:spPr>
-        <p:style>
-          <a:lnRef idx="2">
-            <a:schemeClr val="dk1"/>
-          </a:lnRef>
-          <a:fillRef idx="1">
-            <a:schemeClr val="lt1"/>
-          </a:fillRef>
-          <a:effectRef idx="0">
-            <a:schemeClr val="dk1"/>
-          </a:effectRef>
-          <a:fontRef idx="minor">
-            <a:schemeClr val="dk1"/>
-          </a:fontRef>
-        </p:style>
-        <p:txBody>
-          <a:bodyPr rtlCol="0" anchor="ctr"/>
-          <a:lstStyle/>
-          <a:p>
-            <a:pPr algn="ctr"/>
-            <a:endParaRPr lang="zh-CN" altLang="en-US" dirty="0">
-              <a:solidFill>
-                <a:schemeClr val="tx1"/>
-              </a:solidFill>
-            </a:endParaRPr>
-          </a:p>
-        </p:txBody>
-      </p:sp>
       <p:grpSp>
         <p:nvGrpSpPr>
           <p:cNvPr id="9" name="组合 8">
@@ -11578,41 +11308,6 @@
       </p:grpSp>
       <p:sp>
         <p:nvSpPr>
-          <p:cNvPr id="38" name="文本框 37">
-            <a:extLst>
-              <a:ext uri="{FF2B5EF4-FFF2-40B4-BE49-F238E27FC236}">
-                <a16:creationId xmlns:a16="http://schemas.microsoft.com/office/drawing/2014/main" id="{9E162A03-B31D-4CFF-8CAB-06102AC97239}"/>
-              </a:ext>
-            </a:extLst>
-          </p:cNvPr>
-          <p:cNvSpPr txBox="1"/>
-          <p:nvPr/>
-        </p:nvSpPr>
-        <p:spPr>
-          <a:xfrm>
-            <a:off x="4082401" y="3131071"/>
-            <a:ext cx="723275" cy="307777"/>
-          </a:xfrm>
-          <a:prstGeom prst="rect">
-            <a:avLst/>
-          </a:prstGeom>
-          <a:noFill/>
-        </p:spPr>
-        <p:txBody>
-          <a:bodyPr wrap="none" rtlCol="0">
-            <a:spAutoFit/>
-          </a:bodyPr>
-          <a:lstStyle/>
-          <a:p>
-            <a:r>
-              <a:rPr lang="zh-CN" altLang="en-US" sz="1400" dirty="0"/>
-              <a:t>重定向</a:t>
-            </a:r>
-          </a:p>
-        </p:txBody>
-      </p:sp>
-      <p:sp>
-        <p:nvSpPr>
           <p:cNvPr id="39" name="文本框 38">
             <a:extLst>
               <a:ext uri="{FF2B5EF4-FFF2-40B4-BE49-F238E27FC236}">
@@ -11998,6 +11693,62 @@
           </a:fontRef>
         </p:style>
       </p:cxnSp>
+      <p:sp>
+        <p:nvSpPr>
+          <p:cNvPr id="33" name="箭头: 左 32">
+            <a:extLst>
+              <a:ext uri="{FF2B5EF4-FFF2-40B4-BE49-F238E27FC236}">
+                <a16:creationId xmlns:a16="http://schemas.microsoft.com/office/drawing/2014/main" id="{9E8D782C-AB68-4BE5-B7FF-4F2F941BCAE2}"/>
+              </a:ext>
+            </a:extLst>
+          </p:cNvPr>
+          <p:cNvSpPr/>
+          <p:nvPr/>
+        </p:nvSpPr>
+        <p:spPr>
+          <a:xfrm>
+            <a:off x="7750966" y="3142614"/>
+            <a:ext cx="745066" cy="644400"/>
+          </a:xfrm>
+          <a:prstGeom prst="leftArrow">
+            <a:avLst/>
+          </a:prstGeom>
+        </p:spPr>
+        <p:style>
+          <a:lnRef idx="2">
+            <a:schemeClr val="dk1"/>
+          </a:lnRef>
+          <a:fillRef idx="1">
+            <a:schemeClr val="lt1"/>
+          </a:fillRef>
+          <a:effectRef idx="0">
+            <a:schemeClr val="dk1"/>
+          </a:effectRef>
+          <a:fontRef idx="minor">
+            <a:schemeClr val="dk1"/>
+          </a:fontRef>
+        </p:style>
+        <p:txBody>
+          <a:bodyPr rot="0" spcFirstLastPara="0" vertOverflow="overflow" horzOverflow="overflow" vert="horz" wrap="square" lIns="91440" tIns="45720" rIns="91440" bIns="45720" numCol="1" spcCol="0" rtlCol="0" fromWordArt="0" anchor="ctr" anchorCtr="0" forceAA="0" compatLnSpc="1">
+            <a:prstTxWarp prst="textNoShape">
+              <a:avLst/>
+            </a:prstTxWarp>
+            <a:noAutofit/>
+          </a:bodyPr>
+          <a:lstStyle/>
+          <a:p>
+            <a:pPr algn="ctr"/>
+            <a:r>
+              <a:rPr lang="zh-CN" altLang="en-US" sz="1400" dirty="0">
+                <a:solidFill>
+                  <a:schemeClr val="dk1"/>
+                </a:solidFill>
+              </a:rPr>
+              <a:t>写入</a:t>
+            </a:r>
+          </a:p>
+        </p:txBody>
+      </p:sp>
     </p:spTree>
     <p:extLst>
       <p:ext uri="{BB962C8B-B14F-4D97-AF65-F5344CB8AC3E}">
@@ -12522,8 +12273,8 @@
         </p:nvSpPr>
         <p:spPr>
           <a:xfrm>
-            <a:off x="5844914" y="2646042"/>
-            <a:ext cx="1261884" cy="307777"/>
+            <a:off x="5769526" y="2646042"/>
+            <a:ext cx="2763898" cy="307777"/>
           </a:xfrm>
           <a:prstGeom prst="rect">
             <a:avLst/>
@@ -12540,212 +12291,13 @@
               <a:rPr lang="zh-CN" altLang="en-US" sz="1400" dirty="0"/>
               <a:t>等待进程退出</a:t>
             </a:r>
-          </a:p>
-        </p:txBody>
-      </p:sp>
-      <p:sp>
-        <p:nvSpPr>
-          <p:cNvPr id="46" name="矩形 45">
-            <a:extLst>
-              <a:ext uri="{FF2B5EF4-FFF2-40B4-BE49-F238E27FC236}">
-                <a16:creationId xmlns:a16="http://schemas.microsoft.com/office/drawing/2014/main" id="{FC98F6B5-F232-4AED-A74F-E96F31D32FFE}"/>
-              </a:ext>
-            </a:extLst>
-          </p:cNvPr>
-          <p:cNvSpPr/>
-          <p:nvPr/>
-        </p:nvSpPr>
-        <p:spPr>
-          <a:xfrm>
-            <a:off x="5913834" y="3019308"/>
-            <a:ext cx="1837266" cy="897466"/>
-          </a:xfrm>
-          <a:prstGeom prst="rect">
-            <a:avLst/>
-          </a:prstGeom>
-        </p:spPr>
-        <p:style>
-          <a:lnRef idx="2">
-            <a:schemeClr val="dk1"/>
-          </a:lnRef>
-          <a:fillRef idx="1">
-            <a:schemeClr val="lt1"/>
-          </a:fillRef>
-          <a:effectRef idx="0">
-            <a:schemeClr val="dk1"/>
-          </a:effectRef>
-          <a:fontRef idx="minor">
-            <a:schemeClr val="dk1"/>
-          </a:fontRef>
-        </p:style>
-        <p:txBody>
-          <a:bodyPr rtlCol="0" anchor="ctr"/>
-          <a:lstStyle/>
-          <a:p>
-            <a:pPr algn="ctr"/>
-            <a:r>
-              <a:rPr lang="zh-CN" altLang="en-US" dirty="0"/>
-              <a:t>日志文件</a:t>
-            </a:r>
-          </a:p>
-        </p:txBody>
-      </p:sp>
-      <p:sp>
-        <p:nvSpPr>
-          <p:cNvPr id="47" name="箭头: 右 46">
-            <a:extLst>
-              <a:ext uri="{FF2B5EF4-FFF2-40B4-BE49-F238E27FC236}">
-                <a16:creationId xmlns:a16="http://schemas.microsoft.com/office/drawing/2014/main" id="{BFFE0622-673B-478A-928C-61E1F1B284B3}"/>
-              </a:ext>
-            </a:extLst>
-          </p:cNvPr>
-          <p:cNvSpPr/>
-          <p:nvPr/>
-        </p:nvSpPr>
-        <p:spPr>
-          <a:xfrm>
-            <a:off x="5168969" y="3141497"/>
-            <a:ext cx="745066" cy="643464"/>
-          </a:xfrm>
-          <a:prstGeom prst="rightArrow">
-            <a:avLst/>
-          </a:prstGeom>
-        </p:spPr>
-        <p:style>
-          <a:lnRef idx="2">
-            <a:schemeClr val="dk1"/>
-          </a:lnRef>
-          <a:fillRef idx="1">
-            <a:schemeClr val="lt1"/>
-          </a:fillRef>
-          <a:effectRef idx="0">
-            <a:schemeClr val="dk1"/>
-          </a:effectRef>
-          <a:fontRef idx="minor">
-            <a:schemeClr val="dk1"/>
-          </a:fontRef>
-        </p:style>
-        <p:txBody>
-          <a:bodyPr rtlCol="0" anchor="ctr"/>
-          <a:lstStyle/>
-          <a:p>
-            <a:pPr algn="ctr"/>
+            <a:r>
+              <a:rPr lang="en-US" altLang="zh-CN" sz="1400" dirty="0"/>
+              <a:t>/</a:t>
+            </a:r>
             <a:r>
               <a:rPr lang="zh-CN" altLang="en-US" sz="1400" dirty="0"/>
-              <a:t>关闭</a:t>
-            </a:r>
-          </a:p>
-        </p:txBody>
-      </p:sp>
-      <p:sp>
-        <p:nvSpPr>
-          <p:cNvPr id="48" name="文本框 47">
-            <a:extLst>
-              <a:ext uri="{FF2B5EF4-FFF2-40B4-BE49-F238E27FC236}">
-                <a16:creationId xmlns:a16="http://schemas.microsoft.com/office/drawing/2014/main" id="{90503F92-CB4B-4FBA-BA2C-6C3497325C33}"/>
-              </a:ext>
-            </a:extLst>
-          </p:cNvPr>
-          <p:cNvSpPr txBox="1"/>
-          <p:nvPr/>
-        </p:nvSpPr>
-        <p:spPr>
-          <a:xfrm>
-            <a:off x="5132852" y="3641000"/>
-            <a:ext cx="745066" cy="954107"/>
-          </a:xfrm>
-          <a:prstGeom prst="rect">
-            <a:avLst/>
-          </a:prstGeom>
-          <a:noFill/>
-        </p:spPr>
-        <p:txBody>
-          <a:bodyPr wrap="square" rtlCol="0">
-            <a:spAutoFit/>
-          </a:bodyPr>
-          <a:lstStyle/>
-          <a:p>
-            <a:r>
-              <a:rPr lang="zh-CN" altLang="en-US" sz="1400" dirty="0"/>
-              <a:t>进程退出后关闭文件写入</a:t>
-            </a:r>
-          </a:p>
-        </p:txBody>
-      </p:sp>
-      <p:cxnSp>
-        <p:nvCxnSpPr>
-          <p:cNvPr id="49" name="连接符: 肘形 48">
-            <a:extLst>
-              <a:ext uri="{FF2B5EF4-FFF2-40B4-BE49-F238E27FC236}">
-                <a16:creationId xmlns:a16="http://schemas.microsoft.com/office/drawing/2014/main" id="{A64D0531-6021-4924-98D7-952EE3948A91}"/>
-              </a:ext>
-            </a:extLst>
-          </p:cNvPr>
-          <p:cNvCxnSpPr>
-            <a:cxnSpLocks/>
-            <a:stCxn id="14" idx="2"/>
-            <a:endCxn id="47" idx="1"/>
-          </p:cNvCxnSpPr>
-          <p:nvPr/>
-        </p:nvCxnSpPr>
-        <p:spPr>
-          <a:xfrm rot="16200000" flipH="1">
-            <a:off x="4559679" y="2853939"/>
-            <a:ext cx="297938" cy="920642"/>
-          </a:xfrm>
-          <a:prstGeom prst="bentConnector2">
-            <a:avLst/>
-          </a:prstGeom>
-          <a:ln>
-            <a:tailEnd type="triangle"/>
-          </a:ln>
-        </p:spPr>
-        <p:style>
-          <a:lnRef idx="1">
-            <a:schemeClr val="dk1"/>
-          </a:lnRef>
-          <a:fillRef idx="0">
-            <a:schemeClr val="dk1"/>
-          </a:fillRef>
-          <a:effectRef idx="0">
-            <a:schemeClr val="dk1"/>
-          </a:effectRef>
-          <a:fontRef idx="minor">
-            <a:schemeClr val="tx1"/>
-          </a:fontRef>
-        </p:style>
-      </p:cxnSp>
-      <p:sp>
-        <p:nvSpPr>
-          <p:cNvPr id="50" name="文本框 49">
-            <a:extLst>
-              <a:ext uri="{FF2B5EF4-FFF2-40B4-BE49-F238E27FC236}">
-                <a16:creationId xmlns:a16="http://schemas.microsoft.com/office/drawing/2014/main" id="{86EEB4AE-DDB9-4028-9297-9F7429DA1FC5}"/>
-              </a:ext>
-            </a:extLst>
-          </p:cNvPr>
-          <p:cNvSpPr txBox="1"/>
-          <p:nvPr/>
-        </p:nvSpPr>
-        <p:spPr>
-          <a:xfrm>
-            <a:off x="4177391" y="3155452"/>
-            <a:ext cx="902811" cy="307777"/>
-          </a:xfrm>
-          <a:prstGeom prst="rect">
-            <a:avLst/>
-          </a:prstGeom>
-          <a:noFill/>
-        </p:spPr>
-        <p:txBody>
-          <a:bodyPr wrap="none" rtlCol="0">
-            <a:spAutoFit/>
-          </a:bodyPr>
-          <a:lstStyle/>
-          <a:p>
-            <a:r>
-              <a:rPr lang="zh-CN" altLang="en-US" sz="1400" dirty="0"/>
-              <a:t>进程退出</a:t>
+              <a:t>定时发送退出信号</a:t>
             </a:r>
           </a:p>
         </p:txBody>
@@ -12830,6 +12382,53 @@
           </a:fontRef>
         </p:style>
       </p:cxnSp>
+      <p:sp>
+        <p:nvSpPr>
+          <p:cNvPr id="21" name="矩形 20">
+            <a:extLst>
+              <a:ext uri="{FF2B5EF4-FFF2-40B4-BE49-F238E27FC236}">
+                <a16:creationId xmlns:a16="http://schemas.microsoft.com/office/drawing/2014/main" id="{2BCFD20A-1EEC-46DE-B5D8-6D0A3E360D30}"/>
+              </a:ext>
+            </a:extLst>
+          </p:cNvPr>
+          <p:cNvSpPr/>
+          <p:nvPr/>
+        </p:nvSpPr>
+        <p:spPr>
+          <a:xfrm>
+            <a:off x="8514192" y="2651138"/>
+            <a:ext cx="655006" cy="605362"/>
+          </a:xfrm>
+          <a:prstGeom prst="rect">
+            <a:avLst/>
+          </a:prstGeom>
+        </p:spPr>
+        <p:style>
+          <a:lnRef idx="2">
+            <a:schemeClr val="dk1"/>
+          </a:lnRef>
+          <a:fillRef idx="1">
+            <a:schemeClr val="lt1"/>
+          </a:fillRef>
+          <a:effectRef idx="0">
+            <a:schemeClr val="dk1"/>
+          </a:effectRef>
+          <a:fontRef idx="minor">
+            <a:schemeClr val="dk1"/>
+          </a:fontRef>
+        </p:style>
+        <p:txBody>
+          <a:bodyPr rtlCol="0" anchor="ctr"/>
+          <a:lstStyle/>
+          <a:p>
+            <a:pPr algn="ctr"/>
+            <a:r>
+              <a:rPr lang="zh-CN" altLang="en-US" sz="1200" dirty="0"/>
+              <a:t>端口监听控制信号</a:t>
+            </a:r>
+          </a:p>
+        </p:txBody>
+      </p:sp>
     </p:spTree>
     <p:extLst>
       <p:ext uri="{BB962C8B-B14F-4D97-AF65-F5344CB8AC3E}">
@@ -13273,7 +12872,7 @@
         <p:spPr>
           <a:xfrm>
             <a:off x="5844914" y="2646042"/>
-            <a:ext cx="1430200" cy="307777"/>
+            <a:ext cx="1261884" cy="307777"/>
           </a:xfrm>
           <a:prstGeom prst="rect">
             <a:avLst/>
@@ -13288,15 +12887,7 @@
           <a:p>
             <a:r>
               <a:rPr lang="zh-CN" altLang="en-US" sz="1400" dirty="0"/>
-              <a:t>发送</a:t>
-            </a:r>
-            <a:r>
-              <a:rPr lang="en-US" altLang="zh-CN" sz="1400" dirty="0"/>
-              <a:t>SIGINT</a:t>
-            </a:r>
-            <a:r>
-              <a:rPr lang="zh-CN" altLang="en-US" sz="1400" dirty="0"/>
-              <a:t>信号</a:t>
+              <a:t>发送退出信号</a:t>
             </a:r>
           </a:p>
         </p:txBody>

--- a/设计图.pptx
+++ b/设计图.pptx
@@ -8137,14 +8137,6 @@
               <a:rPr lang="zh-CN" altLang="en-US" sz="1400" dirty="0"/>
               <a:t>列表</a:t>
             </a:r>
-            <a:endParaRPr lang="en-US" altLang="zh-CN" sz="1400" dirty="0"/>
-          </a:p>
-          <a:p>
-            <a:pPr algn="ctr"/>
-            <a:r>
-              <a:rPr lang="zh-CN" altLang="en-US" sz="1400" dirty="0"/>
-              <a:t>（全局变量）</a:t>
-            </a:r>
           </a:p>
         </p:txBody>
       </p:sp>
@@ -11641,14 +11633,6 @@
               <a:rPr lang="zh-CN" altLang="en-US" sz="1400" dirty="0"/>
               <a:t>列表</a:t>
             </a:r>
-            <a:endParaRPr lang="en-US" altLang="zh-CN" sz="1400" dirty="0"/>
-          </a:p>
-          <a:p>
-            <a:pPr algn="ctr"/>
-            <a:r>
-              <a:rPr lang="zh-CN" altLang="en-US" sz="1400" dirty="0"/>
-              <a:t>（全局变量）</a:t>
-            </a:r>
           </a:p>
         </p:txBody>
       </p:sp>
@@ -11662,17 +11646,21 @@
             </a:extLst>
           </p:cNvPr>
           <p:cNvCxnSpPr>
+            <a:cxnSpLocks/>
             <a:stCxn id="34" idx="2"/>
+            <a:endCxn id="14" idx="0"/>
           </p:cNvCxnSpPr>
           <p:nvPr/>
         </p:nvCxnSpPr>
         <p:spPr>
           <a:xfrm rot="16200000" flipH="1">
-            <a:off x="2752799" y="2306391"/>
-            <a:ext cx="951537" cy="343317"/>
+            <a:off x="3282586" y="1776605"/>
+            <a:ext cx="740065" cy="1191418"/>
           </a:xfrm>
-          <a:prstGeom prst="bentConnector2">
-            <a:avLst/>
+          <a:prstGeom prst="bentConnector3">
+            <a:avLst>
+              <a:gd name="adj1" fmla="val 65102"/>
+            </a:avLst>
           </a:prstGeom>
           <a:ln>
             <a:tailEnd type="triangle"/>
@@ -19020,6 +19008,165 @@
           </p:txBody>
         </p:sp>
       </p:grpSp>
+      <p:sp>
+        <p:nvSpPr>
+          <p:cNvPr id="57" name="矩形 56">
+            <a:extLst>
+              <a:ext uri="{FF2B5EF4-FFF2-40B4-BE49-F238E27FC236}">
+                <a16:creationId xmlns:a16="http://schemas.microsoft.com/office/drawing/2014/main" id="{FB06D6F9-4169-42F6-851A-01F9183292AA}"/>
+              </a:ext>
+            </a:extLst>
+          </p:cNvPr>
+          <p:cNvSpPr/>
+          <p:nvPr/>
+        </p:nvSpPr>
+        <p:spPr>
+          <a:xfrm>
+            <a:off x="9560561" y="6042496"/>
+            <a:ext cx="1640177" cy="540868"/>
+          </a:xfrm>
+          <a:prstGeom prst="rect">
+            <a:avLst/>
+          </a:prstGeom>
+        </p:spPr>
+        <p:style>
+          <a:lnRef idx="2">
+            <a:schemeClr val="dk1"/>
+          </a:lnRef>
+          <a:fillRef idx="1">
+            <a:schemeClr val="lt1"/>
+          </a:fillRef>
+          <a:effectRef idx="0">
+            <a:schemeClr val="dk1"/>
+          </a:effectRef>
+          <a:fontRef idx="minor">
+            <a:schemeClr val="dk1"/>
+          </a:fontRef>
+        </p:style>
+        <p:txBody>
+          <a:bodyPr rtlCol="0" anchor="ctr"/>
+          <a:lstStyle/>
+          <a:p>
+            <a:pPr algn="ctr"/>
+            <a:r>
+              <a:rPr lang="en-US" altLang="zh-CN" sz="1400" dirty="0" err="1"/>
+              <a:t>Jmeter</a:t>
+            </a:r>
+            <a:r>
+              <a:rPr lang="zh-CN" altLang="en-US" sz="1400" dirty="0"/>
+              <a:t>服务</a:t>
+            </a:r>
+            <a:r>
+              <a:rPr lang="en-US" altLang="zh-CN" sz="1400" dirty="0"/>
+              <a:t>IP</a:t>
+            </a:r>
+            <a:r>
+              <a:rPr lang="zh-CN" altLang="en-US" sz="1400" dirty="0"/>
+              <a:t>列表</a:t>
+            </a:r>
+          </a:p>
+        </p:txBody>
+      </p:sp>
+      <p:sp>
+        <p:nvSpPr>
+          <p:cNvPr id="58" name="箭头: 五边形 57">
+            <a:extLst>
+              <a:ext uri="{FF2B5EF4-FFF2-40B4-BE49-F238E27FC236}">
+                <a16:creationId xmlns:a16="http://schemas.microsoft.com/office/drawing/2014/main" id="{C50DABFF-0F3A-414D-A63A-F4B8CC1CD5FF}"/>
+              </a:ext>
+            </a:extLst>
+          </p:cNvPr>
+          <p:cNvSpPr/>
+          <p:nvPr/>
+        </p:nvSpPr>
+        <p:spPr>
+          <a:xfrm>
+            <a:off x="7281335" y="6069905"/>
+            <a:ext cx="2279226" cy="484632"/>
+          </a:xfrm>
+          <a:prstGeom prst="homePlate">
+            <a:avLst/>
+          </a:prstGeom>
+        </p:spPr>
+        <p:style>
+          <a:lnRef idx="2">
+            <a:schemeClr val="dk1"/>
+          </a:lnRef>
+          <a:fillRef idx="1">
+            <a:schemeClr val="lt1"/>
+          </a:fillRef>
+          <a:effectRef idx="0">
+            <a:schemeClr val="dk1"/>
+          </a:effectRef>
+          <a:fontRef idx="minor">
+            <a:schemeClr val="dk1"/>
+          </a:fontRef>
+        </p:style>
+        <p:txBody>
+          <a:bodyPr rtlCol="0" anchor="ctr"/>
+          <a:lstStyle/>
+          <a:p>
+            <a:pPr algn="ctr"/>
+            <a:r>
+              <a:rPr lang="zh-CN" altLang="en-US" dirty="0"/>
+              <a:t>接口：修改</a:t>
+            </a:r>
+            <a:r>
+              <a:rPr lang="en-US" altLang="zh-CN" dirty="0"/>
+              <a:t>IP</a:t>
+            </a:r>
+            <a:r>
+              <a:rPr lang="zh-CN" altLang="en-US" dirty="0"/>
+              <a:t>列表</a:t>
+            </a:r>
+          </a:p>
+        </p:txBody>
+      </p:sp>
+      <p:cxnSp>
+        <p:nvCxnSpPr>
+          <p:cNvPr id="62" name="连接符: 肘形 61">
+            <a:extLst>
+              <a:ext uri="{FF2B5EF4-FFF2-40B4-BE49-F238E27FC236}">
+                <a16:creationId xmlns:a16="http://schemas.microsoft.com/office/drawing/2014/main" id="{F77D4DBA-1950-468F-804A-3C2DD8131B81}"/>
+              </a:ext>
+            </a:extLst>
+          </p:cNvPr>
+          <p:cNvCxnSpPr>
+            <a:cxnSpLocks/>
+            <a:stCxn id="57" idx="3"/>
+            <a:endCxn id="35" idx="3"/>
+          </p:cNvCxnSpPr>
+          <p:nvPr/>
+        </p:nvCxnSpPr>
+        <p:spPr>
+          <a:xfrm flipV="1">
+            <a:off x="11200738" y="4836608"/>
+            <a:ext cx="42645" cy="1476322"/>
+          </a:xfrm>
+          <a:prstGeom prst="bentConnector3">
+            <a:avLst>
+              <a:gd name="adj1" fmla="val 993422"/>
+            </a:avLst>
+          </a:prstGeom>
+          <a:ln>
+            <a:tailEnd type="triangle"/>
+          </a:ln>
+        </p:spPr>
+        <p:style>
+          <a:lnRef idx="1">
+            <a:schemeClr val="dk1"/>
+          </a:lnRef>
+          <a:fillRef idx="0">
+            <a:schemeClr val="dk1"/>
+          </a:fillRef>
+          <a:effectRef idx="0">
+            <a:schemeClr val="dk1"/>
+          </a:effectRef>
+          <a:fontRef idx="minor">
+            <a:schemeClr val="tx1"/>
+          </a:fontRef>
+        </p:style>
+      </p:cxnSp>
     </p:spTree>
     <p:extLst>
       <p:ext uri="{BB962C8B-B14F-4D97-AF65-F5344CB8AC3E}">

--- a/设计图.pptx
+++ b/设计图.pptx
@@ -21,12 +21,11 @@
     <p:sldId id="270" r:id="rId15"/>
     <p:sldId id="271" r:id="rId16"/>
     <p:sldId id="272" r:id="rId17"/>
-    <p:sldId id="273" r:id="rId18"/>
-    <p:sldId id="276" r:id="rId19"/>
-    <p:sldId id="277" r:id="rId20"/>
-    <p:sldId id="261" r:id="rId21"/>
-    <p:sldId id="274" r:id="rId22"/>
-    <p:sldId id="266" r:id="rId23"/>
+    <p:sldId id="276" r:id="rId18"/>
+    <p:sldId id="277" r:id="rId19"/>
+    <p:sldId id="261" r:id="rId20"/>
+    <p:sldId id="274" r:id="rId21"/>
+    <p:sldId id="266" r:id="rId22"/>
   </p:sldIdLst>
   <p:sldSz cx="12192000" cy="6858000"/>
   <p:notesSz cx="6858000" cy="9144000"/>
@@ -280,7 +279,7 @@
           <a:p>
             <a:fld id="{DCF5B490-EC53-4970-A7CC-6E0AB35949B8}" type="datetimeFigureOut">
               <a:rPr lang="zh-CN" altLang="en-US" smtClean="0"/>
-              <a:t>2020/4/4</a:t>
+              <a:t>2020/4/6</a:t>
             </a:fld>
             <a:endParaRPr lang="zh-CN" altLang="en-US"/>
           </a:p>
@@ -478,7 +477,7 @@
           <a:p>
             <a:fld id="{DCF5B490-EC53-4970-A7CC-6E0AB35949B8}" type="datetimeFigureOut">
               <a:rPr lang="zh-CN" altLang="en-US" smtClean="0"/>
-              <a:t>2020/4/4</a:t>
+              <a:t>2020/4/6</a:t>
             </a:fld>
             <a:endParaRPr lang="zh-CN" altLang="en-US"/>
           </a:p>
@@ -686,7 +685,7 @@
           <a:p>
             <a:fld id="{DCF5B490-EC53-4970-A7CC-6E0AB35949B8}" type="datetimeFigureOut">
               <a:rPr lang="zh-CN" altLang="en-US" smtClean="0"/>
-              <a:t>2020/4/4</a:t>
+              <a:t>2020/4/6</a:t>
             </a:fld>
             <a:endParaRPr lang="zh-CN" altLang="en-US"/>
           </a:p>
@@ -884,7 +883,7 @@
           <a:p>
             <a:fld id="{DCF5B490-EC53-4970-A7CC-6E0AB35949B8}" type="datetimeFigureOut">
               <a:rPr lang="zh-CN" altLang="en-US" smtClean="0"/>
-              <a:t>2020/4/4</a:t>
+              <a:t>2020/4/6</a:t>
             </a:fld>
             <a:endParaRPr lang="zh-CN" altLang="en-US"/>
           </a:p>
@@ -1159,7 +1158,7 @@
           <a:p>
             <a:fld id="{DCF5B490-EC53-4970-A7CC-6E0AB35949B8}" type="datetimeFigureOut">
               <a:rPr lang="zh-CN" altLang="en-US" smtClean="0"/>
-              <a:t>2020/4/4</a:t>
+              <a:t>2020/4/6</a:t>
             </a:fld>
             <a:endParaRPr lang="zh-CN" altLang="en-US"/>
           </a:p>
@@ -1424,7 +1423,7 @@
           <a:p>
             <a:fld id="{DCF5B490-EC53-4970-A7CC-6E0AB35949B8}" type="datetimeFigureOut">
               <a:rPr lang="zh-CN" altLang="en-US" smtClean="0"/>
-              <a:t>2020/4/4</a:t>
+              <a:t>2020/4/6</a:t>
             </a:fld>
             <a:endParaRPr lang="zh-CN" altLang="en-US"/>
           </a:p>
@@ -1836,7 +1835,7 @@
           <a:p>
             <a:fld id="{DCF5B490-EC53-4970-A7CC-6E0AB35949B8}" type="datetimeFigureOut">
               <a:rPr lang="zh-CN" altLang="en-US" smtClean="0"/>
-              <a:t>2020/4/4</a:t>
+              <a:t>2020/4/6</a:t>
             </a:fld>
             <a:endParaRPr lang="zh-CN" altLang="en-US"/>
           </a:p>
@@ -1977,7 +1976,7 @@
           <a:p>
             <a:fld id="{DCF5B490-EC53-4970-A7CC-6E0AB35949B8}" type="datetimeFigureOut">
               <a:rPr lang="zh-CN" altLang="en-US" smtClean="0"/>
-              <a:t>2020/4/4</a:t>
+              <a:t>2020/4/6</a:t>
             </a:fld>
             <a:endParaRPr lang="zh-CN" altLang="en-US"/>
           </a:p>
@@ -2090,7 +2089,7 @@
           <a:p>
             <a:fld id="{DCF5B490-EC53-4970-A7CC-6E0AB35949B8}" type="datetimeFigureOut">
               <a:rPr lang="zh-CN" altLang="en-US" smtClean="0"/>
-              <a:t>2020/4/4</a:t>
+              <a:t>2020/4/6</a:t>
             </a:fld>
             <a:endParaRPr lang="zh-CN" altLang="en-US"/>
           </a:p>
@@ -2401,7 +2400,7 @@
           <a:p>
             <a:fld id="{DCF5B490-EC53-4970-A7CC-6E0AB35949B8}" type="datetimeFigureOut">
               <a:rPr lang="zh-CN" altLang="en-US" smtClean="0"/>
-              <a:t>2020/4/4</a:t>
+              <a:t>2020/4/6</a:t>
             </a:fld>
             <a:endParaRPr lang="zh-CN" altLang="en-US"/>
           </a:p>
@@ -2689,7 +2688,7 @@
           <a:p>
             <a:fld id="{DCF5B490-EC53-4970-A7CC-6E0AB35949B8}" type="datetimeFigureOut">
               <a:rPr lang="zh-CN" altLang="en-US" smtClean="0"/>
-              <a:t>2020/4/4</a:t>
+              <a:t>2020/4/6</a:t>
             </a:fld>
             <a:endParaRPr lang="zh-CN" altLang="en-US"/>
           </a:p>
@@ -2930,7 +2929,7 @@
           <a:p>
             <a:fld id="{DCF5B490-EC53-4970-A7CC-6E0AB35949B8}" type="datetimeFigureOut">
               <a:rPr lang="zh-CN" altLang="en-US" smtClean="0"/>
-              <a:t>2020/4/4</a:t>
+              <a:t>2020/4/6</a:t>
             </a:fld>
             <a:endParaRPr lang="zh-CN" altLang="en-US"/>
           </a:p>
@@ -6530,10 +6529,10 @@
         </p:nvGrpSpPr>
         <p:grpSpPr>
           <a:xfrm>
-            <a:off x="5842001" y="2040467"/>
-            <a:ext cx="5048250" cy="3733800"/>
-            <a:chOff x="5842001" y="2040467"/>
-            <a:chExt cx="5048250" cy="3733800"/>
+            <a:off x="5842001" y="2457839"/>
+            <a:ext cx="4117667" cy="3316428"/>
+            <a:chOff x="5842001" y="2457839"/>
+            <a:chExt cx="4117667" cy="3316428"/>
           </a:xfrm>
         </p:grpSpPr>
         <p:sp>
@@ -6550,8 +6549,8 @@
           </p:nvSpPr>
           <p:spPr>
             <a:xfrm>
-              <a:off x="5842001" y="2040467"/>
-              <a:ext cx="5048250" cy="3733800"/>
+              <a:off x="5842001" y="2457839"/>
+              <a:ext cx="4117667" cy="3316428"/>
             </a:xfrm>
             <a:prstGeom prst="rect">
               <a:avLst/>
@@ -6779,8 +6778,8 @@
           </p:nvSpPr>
           <p:spPr>
             <a:xfrm>
-              <a:off x="8496300" y="2116670"/>
-              <a:ext cx="1837266" cy="3589864"/>
+              <a:off x="8496300" y="2547976"/>
+              <a:ext cx="1091932" cy="3158557"/>
             </a:xfrm>
             <a:prstGeom prst="rect">
               <a:avLst/>
@@ -6826,7 +6825,7 @@
           </p:nvSpPr>
           <p:spPr>
             <a:xfrm>
-              <a:off x="8514192" y="2651138"/>
+              <a:off x="8586108" y="2639790"/>
               <a:ext cx="655006" cy="605362"/>
             </a:xfrm>
             <a:prstGeom prst="rect">
@@ -6911,7 +6910,7 @@
         </p:nvSpPr>
         <p:spPr>
           <a:xfrm>
-            <a:off x="0" y="1536327"/>
+            <a:off x="0" y="1973207"/>
             <a:ext cx="2024817" cy="484632"/>
           </a:xfrm>
           <a:prstGeom prst="homePlate">
@@ -6958,7 +6957,7 @@
         </p:nvSpPr>
         <p:spPr>
           <a:xfrm>
-            <a:off x="0" y="2020959"/>
+            <a:off x="0" y="2457839"/>
             <a:ext cx="2024817" cy="484632"/>
           </a:xfrm>
           <a:prstGeom prst="homePlate">
@@ -7005,7 +7004,7 @@
         </p:nvSpPr>
         <p:spPr>
           <a:xfrm>
-            <a:off x="-1" y="2505591"/>
+            <a:off x="-1" y="2942471"/>
             <a:ext cx="2024817" cy="484632"/>
           </a:xfrm>
           <a:prstGeom prst="homePlate">
@@ -7052,7 +7051,7 @@
         </p:nvSpPr>
         <p:spPr>
           <a:xfrm>
-            <a:off x="-135" y="2990223"/>
+            <a:off x="-135" y="3427103"/>
             <a:ext cx="2024817" cy="484632"/>
           </a:xfrm>
           <a:prstGeom prst="homePlate">
@@ -7099,7 +7098,7 @@
         </p:nvSpPr>
         <p:spPr>
           <a:xfrm>
-            <a:off x="0" y="3474855"/>
+            <a:off x="0" y="3911735"/>
             <a:ext cx="2024817" cy="484632"/>
           </a:xfrm>
           <a:prstGeom prst="homePlate">
@@ -7134,10 +7133,10 @@
       </p:sp>
       <p:sp>
         <p:nvSpPr>
-          <p:cNvPr id="32" name="箭头: 五边形 31">
-            <a:extLst>
-              <a:ext uri="{FF2B5EF4-FFF2-40B4-BE49-F238E27FC236}">
-                <a16:creationId xmlns:a16="http://schemas.microsoft.com/office/drawing/2014/main" id="{6F5A18D5-1837-43C0-B747-C39CDA4E53F0}"/>
+          <p:cNvPr id="33" name="箭头: 五边形 32">
+            <a:extLst>
+              <a:ext uri="{FF2B5EF4-FFF2-40B4-BE49-F238E27FC236}">
+                <a16:creationId xmlns:a16="http://schemas.microsoft.com/office/drawing/2014/main" id="{493E4502-9CE6-4AAC-975F-89353B18CCE2}"/>
               </a:ext>
             </a:extLst>
           </p:cNvPr>
@@ -7146,7 +7145,7 @@
         </p:nvSpPr>
         <p:spPr>
           <a:xfrm flipH="1">
-            <a:off x="272" y="4437702"/>
+            <a:off x="136" y="4880999"/>
             <a:ext cx="2024817" cy="484632"/>
           </a:xfrm>
           <a:prstGeom prst="homePlate">
@@ -7174,17 +7173,17 @@
             <a:pPr algn="ctr"/>
             <a:r>
               <a:rPr lang="zh-CN" altLang="en-US" dirty="0"/>
-              <a:t>接口：获取状态</a:t>
+              <a:t>接口：获取日志</a:t>
             </a:r>
           </a:p>
         </p:txBody>
       </p:sp>
       <p:sp>
         <p:nvSpPr>
-          <p:cNvPr id="33" name="箭头: 五边形 32">
-            <a:extLst>
-              <a:ext uri="{FF2B5EF4-FFF2-40B4-BE49-F238E27FC236}">
-                <a16:creationId xmlns:a16="http://schemas.microsoft.com/office/drawing/2014/main" id="{493E4502-9CE6-4AAC-975F-89353B18CCE2}"/>
+          <p:cNvPr id="34" name="箭头: 五边形 33">
+            <a:extLst>
+              <a:ext uri="{FF2B5EF4-FFF2-40B4-BE49-F238E27FC236}">
+                <a16:creationId xmlns:a16="http://schemas.microsoft.com/office/drawing/2014/main" id="{76824CF1-F1CE-4760-A0F2-7A6D8CAD6726}"/>
               </a:ext>
             </a:extLst>
           </p:cNvPr>
@@ -7193,7 +7192,7 @@
         </p:nvSpPr>
         <p:spPr>
           <a:xfrm flipH="1">
-            <a:off x="136" y="4922334"/>
+            <a:off x="0" y="5359214"/>
             <a:ext cx="2024817" cy="484632"/>
           </a:xfrm>
           <a:prstGeom prst="homePlate">
@@ -7221,53 +7220,6 @@
             <a:pPr algn="ctr"/>
             <a:r>
               <a:rPr lang="zh-CN" altLang="en-US" dirty="0"/>
-              <a:t>接口：获取日志</a:t>
-            </a:r>
-          </a:p>
-        </p:txBody>
-      </p:sp>
-      <p:sp>
-        <p:nvSpPr>
-          <p:cNvPr id="34" name="箭头: 五边形 33">
-            <a:extLst>
-              <a:ext uri="{FF2B5EF4-FFF2-40B4-BE49-F238E27FC236}">
-                <a16:creationId xmlns:a16="http://schemas.microsoft.com/office/drawing/2014/main" id="{76824CF1-F1CE-4760-A0F2-7A6D8CAD6726}"/>
-              </a:ext>
-            </a:extLst>
-          </p:cNvPr>
-          <p:cNvSpPr/>
-          <p:nvPr/>
-        </p:nvSpPr>
-        <p:spPr>
-          <a:xfrm flipH="1">
-            <a:off x="0" y="5400549"/>
-            <a:ext cx="2024817" cy="484632"/>
-          </a:xfrm>
-          <a:prstGeom prst="homePlate">
-            <a:avLst/>
-          </a:prstGeom>
-        </p:spPr>
-        <p:style>
-          <a:lnRef idx="2">
-            <a:schemeClr val="dk1"/>
-          </a:lnRef>
-          <a:fillRef idx="1">
-            <a:schemeClr val="lt1"/>
-          </a:fillRef>
-          <a:effectRef idx="0">
-            <a:schemeClr val="dk1"/>
-          </a:effectRef>
-          <a:fontRef idx="minor">
-            <a:schemeClr val="dk1"/>
-          </a:fontRef>
-        </p:style>
-        <p:txBody>
-          <a:bodyPr rtlCol="0" anchor="ctr"/>
-          <a:lstStyle/>
-          <a:p>
-            <a:pPr algn="ctr"/>
-            <a:r>
-              <a:rPr lang="zh-CN" altLang="en-US" dirty="0"/>
               <a:t>接口：获取结果</a:t>
             </a:r>
           </a:p>
@@ -7275,24 +7227,24 @@
       </p:sp>
       <p:cxnSp>
         <p:nvCxnSpPr>
-          <p:cNvPr id="73" name="直接箭头连接符 72">
-            <a:extLst>
-              <a:ext uri="{FF2B5EF4-FFF2-40B4-BE49-F238E27FC236}">
-                <a16:creationId xmlns:a16="http://schemas.microsoft.com/office/drawing/2014/main" id="{21A17700-549F-4F7A-ABE0-16031C007174}"/>
+          <p:cNvPr id="76" name="直接箭头连接符 75">
+            <a:extLst>
+              <a:ext uri="{FF2B5EF4-FFF2-40B4-BE49-F238E27FC236}">
+                <a16:creationId xmlns:a16="http://schemas.microsoft.com/office/drawing/2014/main" id="{E668C5B7-774F-48B7-8027-59FEA164952C}"/>
               </a:ext>
             </a:extLst>
           </p:cNvPr>
           <p:cNvCxnSpPr>
             <a:cxnSpLocks/>
-            <a:stCxn id="32" idx="1"/>
-            <a:endCxn id="40" idx="1"/>
+            <a:stCxn id="33" idx="1"/>
+            <a:endCxn id="35" idx="1"/>
           </p:cNvCxnSpPr>
           <p:nvPr/>
         </p:nvCxnSpPr>
         <p:spPr>
           <a:xfrm flipV="1">
-            <a:off x="2025089" y="3877381"/>
-            <a:ext cx="1375373" cy="802637"/>
+            <a:off x="2024953" y="4483657"/>
+            <a:ext cx="1375005" cy="639658"/>
           </a:xfrm>
           <a:prstGeom prst="straightConnector1">
             <a:avLst/>
@@ -7319,24 +7271,24 @@
       </p:cxnSp>
       <p:cxnSp>
         <p:nvCxnSpPr>
-          <p:cNvPr id="76" name="直接箭头连接符 75">
-            <a:extLst>
-              <a:ext uri="{FF2B5EF4-FFF2-40B4-BE49-F238E27FC236}">
-                <a16:creationId xmlns:a16="http://schemas.microsoft.com/office/drawing/2014/main" id="{E668C5B7-774F-48B7-8027-59FEA164952C}"/>
+          <p:cNvPr id="79" name="直接箭头连接符 78">
+            <a:extLst>
+              <a:ext uri="{FF2B5EF4-FFF2-40B4-BE49-F238E27FC236}">
+                <a16:creationId xmlns:a16="http://schemas.microsoft.com/office/drawing/2014/main" id="{C29C78C0-DAEE-4802-BDE8-57505FD67F1C}"/>
               </a:ext>
             </a:extLst>
           </p:cNvPr>
           <p:cNvCxnSpPr>
             <a:cxnSpLocks/>
-            <a:stCxn id="33" idx="1"/>
-            <a:endCxn id="35" idx="1"/>
+            <a:stCxn id="34" idx="1"/>
+            <a:endCxn id="37" idx="1"/>
           </p:cNvCxnSpPr>
           <p:nvPr/>
         </p:nvCxnSpPr>
         <p:spPr>
           <a:xfrm flipV="1">
-            <a:off x="2024953" y="4649174"/>
-            <a:ext cx="1375273" cy="515476"/>
+            <a:off x="2024817" y="5450057"/>
+            <a:ext cx="1375409" cy="151473"/>
           </a:xfrm>
           <a:prstGeom prst="straightConnector1">
             <a:avLst/>
@@ -7361,26 +7313,78 @@
           </a:fontRef>
         </p:style>
       </p:cxnSp>
+      <p:sp>
+        <p:nvSpPr>
+          <p:cNvPr id="82" name="箭头: 五边形 81">
+            <a:extLst>
+              <a:ext uri="{FF2B5EF4-FFF2-40B4-BE49-F238E27FC236}">
+                <a16:creationId xmlns:a16="http://schemas.microsoft.com/office/drawing/2014/main" id="{D8012655-D10E-4C69-914E-EE9BFAEF71F8}"/>
+              </a:ext>
+            </a:extLst>
+          </p:cNvPr>
+          <p:cNvSpPr/>
+          <p:nvPr/>
+        </p:nvSpPr>
+        <p:spPr>
+          <a:xfrm flipH="1">
+            <a:off x="0" y="4396367"/>
+            <a:ext cx="2024817" cy="484632"/>
+          </a:xfrm>
+          <a:prstGeom prst="homePlate">
+            <a:avLst/>
+          </a:prstGeom>
+        </p:spPr>
+        <p:style>
+          <a:lnRef idx="2">
+            <a:schemeClr val="dk1"/>
+          </a:lnRef>
+          <a:fillRef idx="1">
+            <a:schemeClr val="lt1"/>
+          </a:fillRef>
+          <a:effectRef idx="0">
+            <a:schemeClr val="dk1"/>
+          </a:effectRef>
+          <a:fontRef idx="minor">
+            <a:schemeClr val="dk1"/>
+          </a:fontRef>
+        </p:style>
+        <p:txBody>
+          <a:bodyPr rtlCol="0" anchor="ctr"/>
+          <a:lstStyle/>
+          <a:p>
+            <a:pPr algn="ctr"/>
+            <a:r>
+              <a:rPr lang="zh-CN" altLang="en-US" dirty="0"/>
+              <a:t>接口：获取</a:t>
+            </a:r>
+            <a:r>
+              <a:rPr lang="en-US" altLang="zh-CN" dirty="0"/>
+              <a:t>ID</a:t>
+            </a:r>
+            <a:endParaRPr lang="zh-CN" altLang="en-US" dirty="0"/>
+          </a:p>
+        </p:txBody>
+      </p:sp>
       <p:cxnSp>
         <p:nvCxnSpPr>
-          <p:cNvPr id="79" name="直接箭头连接符 78">
-            <a:extLst>
-              <a:ext uri="{FF2B5EF4-FFF2-40B4-BE49-F238E27FC236}">
-                <a16:creationId xmlns:a16="http://schemas.microsoft.com/office/drawing/2014/main" id="{C29C78C0-DAEE-4802-BDE8-57505FD67F1C}"/>
+          <p:cNvPr id="89" name="直接箭头连接符 88">
+            <a:extLst>
+              <a:ext uri="{FF2B5EF4-FFF2-40B4-BE49-F238E27FC236}">
+                <a16:creationId xmlns:a16="http://schemas.microsoft.com/office/drawing/2014/main" id="{F81DDDFE-53E5-45DB-82A3-5F6A8E7436E7}"/>
               </a:ext>
             </a:extLst>
           </p:cNvPr>
           <p:cNvCxnSpPr>
             <a:cxnSpLocks/>
-            <a:stCxn id="34" idx="1"/>
-            <a:endCxn id="37" idx="1"/>
+            <a:stCxn id="82" idx="1"/>
+            <a:endCxn id="92" idx="1"/>
           </p:cNvCxnSpPr>
           <p:nvPr/>
         </p:nvCxnSpPr>
         <p:spPr>
           <a:xfrm flipV="1">
-            <a:off x="2024817" y="5495062"/>
-            <a:ext cx="1375409" cy="147803"/>
+            <a:off x="2024817" y="3683917"/>
+            <a:ext cx="1375409" cy="954766"/>
           </a:xfrm>
           <a:prstGeom prst="straightConnector1">
             <a:avLst/>
@@ -7405,102 +7409,6 @@
           </a:fontRef>
         </p:style>
       </p:cxnSp>
-      <p:sp>
-        <p:nvSpPr>
-          <p:cNvPr id="82" name="箭头: 五边形 81">
-            <a:extLst>
-              <a:ext uri="{FF2B5EF4-FFF2-40B4-BE49-F238E27FC236}">
-                <a16:creationId xmlns:a16="http://schemas.microsoft.com/office/drawing/2014/main" id="{D8012655-D10E-4C69-914E-EE9BFAEF71F8}"/>
-              </a:ext>
-            </a:extLst>
-          </p:cNvPr>
-          <p:cNvSpPr/>
-          <p:nvPr/>
-        </p:nvSpPr>
-        <p:spPr>
-          <a:xfrm flipH="1">
-            <a:off x="0" y="3959487"/>
-            <a:ext cx="2024817" cy="484632"/>
-          </a:xfrm>
-          <a:prstGeom prst="homePlate">
-            <a:avLst/>
-          </a:prstGeom>
-        </p:spPr>
-        <p:style>
-          <a:lnRef idx="2">
-            <a:schemeClr val="dk1"/>
-          </a:lnRef>
-          <a:fillRef idx="1">
-            <a:schemeClr val="lt1"/>
-          </a:fillRef>
-          <a:effectRef idx="0">
-            <a:schemeClr val="dk1"/>
-          </a:effectRef>
-          <a:fontRef idx="minor">
-            <a:schemeClr val="dk1"/>
-          </a:fontRef>
-        </p:style>
-        <p:txBody>
-          <a:bodyPr rtlCol="0" anchor="ctr"/>
-          <a:lstStyle/>
-          <a:p>
-            <a:pPr algn="ctr"/>
-            <a:r>
-              <a:rPr lang="zh-CN" altLang="en-US" dirty="0"/>
-              <a:t>接口：获取</a:t>
-            </a:r>
-            <a:r>
-              <a:rPr lang="en-US" altLang="zh-CN" dirty="0"/>
-              <a:t>ID</a:t>
-            </a:r>
-            <a:endParaRPr lang="zh-CN" altLang="en-US" dirty="0"/>
-          </a:p>
-        </p:txBody>
-      </p:sp>
-      <p:cxnSp>
-        <p:nvCxnSpPr>
-          <p:cNvPr id="89" name="直接箭头连接符 88">
-            <a:extLst>
-              <a:ext uri="{FF2B5EF4-FFF2-40B4-BE49-F238E27FC236}">
-                <a16:creationId xmlns:a16="http://schemas.microsoft.com/office/drawing/2014/main" id="{F81DDDFE-53E5-45DB-82A3-5F6A8E7436E7}"/>
-              </a:ext>
-            </a:extLst>
-          </p:cNvPr>
-          <p:cNvCxnSpPr>
-            <a:cxnSpLocks/>
-            <a:stCxn id="82" idx="1"/>
-            <a:endCxn id="92" idx="1"/>
-          </p:cNvCxnSpPr>
-          <p:nvPr/>
-        </p:nvCxnSpPr>
-        <p:spPr>
-          <a:xfrm flipV="1">
-            <a:off x="2024817" y="2547977"/>
-            <a:ext cx="1375409" cy="1653826"/>
-          </a:xfrm>
-          <a:prstGeom prst="straightConnector1">
-            <a:avLst/>
-          </a:prstGeom>
-          <a:ln w="6350">
-            <a:headEnd type="triangle" w="med" len="med"/>
-            <a:tailEnd type="none" w="med" len="med"/>
-          </a:ln>
-        </p:spPr>
-        <p:style>
-          <a:lnRef idx="1">
-            <a:schemeClr val="dk1"/>
-          </a:lnRef>
-          <a:fillRef idx="0">
-            <a:schemeClr val="dk1"/>
-          </a:fillRef>
-          <a:effectRef idx="0">
-            <a:schemeClr val="dk1"/>
-          </a:effectRef>
-          <a:fontRef idx="minor">
-            <a:schemeClr val="tx1"/>
-          </a:fontRef>
-        </p:style>
-      </p:cxnSp>
       <p:grpSp>
         <p:nvGrpSpPr>
           <p:cNvPr id="95" name="组合 94">
@@ -7515,10 +7423,10 @@
         </p:nvGrpSpPr>
         <p:grpSpPr>
           <a:xfrm>
-            <a:off x="3331636" y="2040465"/>
-            <a:ext cx="1837266" cy="3733801"/>
-            <a:chOff x="3331636" y="2040465"/>
-            <a:chExt cx="1837266" cy="3733801"/>
+            <a:off x="3331636" y="2457837"/>
+            <a:ext cx="1837266" cy="3316429"/>
+            <a:chOff x="3331636" y="2457837"/>
+            <a:chExt cx="1837266" cy="3316429"/>
           </a:xfrm>
         </p:grpSpPr>
         <p:sp>
@@ -7535,8 +7443,8 @@
           </p:nvSpPr>
           <p:spPr>
             <a:xfrm>
-              <a:off x="3331636" y="2040465"/>
-              <a:ext cx="1837266" cy="3733801"/>
+              <a:off x="3331636" y="2457837"/>
+              <a:ext cx="1837266" cy="3316429"/>
             </a:xfrm>
             <a:prstGeom prst="rect">
               <a:avLst/>
@@ -7588,8 +7496,8 @@
           </p:nvSpPr>
           <p:spPr>
             <a:xfrm>
-              <a:off x="3400226" y="4437702"/>
-              <a:ext cx="1699818" cy="422944"/>
+              <a:off x="3399958" y="4242598"/>
+              <a:ext cx="1699818" cy="482118"/>
             </a:xfrm>
             <a:prstGeom prst="rect">
               <a:avLst/>
@@ -7635,8 +7543,8 @@
           </p:nvSpPr>
           <p:spPr>
             <a:xfrm>
-              <a:off x="3400226" y="4860646"/>
-              <a:ext cx="1699550" cy="422944"/>
+              <a:off x="3400226" y="4727589"/>
+              <a:ext cx="1699550" cy="482118"/>
             </a:xfrm>
             <a:prstGeom prst="rect">
               <a:avLst/>
@@ -7682,8 +7590,8 @@
           </p:nvSpPr>
           <p:spPr>
             <a:xfrm>
-              <a:off x="3400226" y="5283590"/>
-              <a:ext cx="1699550" cy="422944"/>
+              <a:off x="3400226" y="5208998"/>
+              <a:ext cx="1699550" cy="482118"/>
             </a:xfrm>
             <a:prstGeom prst="rect">
               <a:avLst/>
@@ -7764,53 +7672,6 @@
         </p:sp>
         <p:sp>
           <p:nvSpPr>
-            <p:cNvPr id="40" name="矩形 39">
-              <a:extLst>
-                <a:ext uri="{FF2B5EF4-FFF2-40B4-BE49-F238E27FC236}">
-                  <a16:creationId xmlns:a16="http://schemas.microsoft.com/office/drawing/2014/main" id="{7B5302EC-688E-4501-96F8-0913BFAEE76D}"/>
-                </a:ext>
-              </a:extLst>
-            </p:cNvPr>
-            <p:cNvSpPr/>
-            <p:nvPr/>
-          </p:nvSpPr>
-          <p:spPr>
-            <a:xfrm>
-              <a:off x="3400462" y="3665909"/>
-              <a:ext cx="1696338" cy="422944"/>
-            </a:xfrm>
-            <a:prstGeom prst="rect">
-              <a:avLst/>
-            </a:prstGeom>
-          </p:spPr>
-          <p:style>
-            <a:lnRef idx="2">
-              <a:schemeClr val="dk1"/>
-            </a:lnRef>
-            <a:fillRef idx="1">
-              <a:schemeClr val="lt1"/>
-            </a:fillRef>
-            <a:effectRef idx="0">
-              <a:schemeClr val="dk1"/>
-            </a:effectRef>
-            <a:fontRef idx="minor">
-              <a:schemeClr val="dk1"/>
-            </a:fontRef>
-          </p:style>
-          <p:txBody>
-            <a:bodyPr rtlCol="0" anchor="ctr"/>
-            <a:lstStyle/>
-            <a:p>
-              <a:pPr algn="ctr"/>
-              <a:r>
-                <a:rPr lang="zh-CN" altLang="en-US" dirty="0"/>
-                <a:t>运行状态</a:t>
-              </a:r>
-            </a:p>
-          </p:txBody>
-        </p:sp>
-        <p:sp>
-          <p:nvSpPr>
             <p:cNvPr id="92" name="矩形 91">
               <a:extLst>
                 <a:ext uri="{FF2B5EF4-FFF2-40B4-BE49-F238E27FC236}">
@@ -7823,8 +7684,8 @@
           </p:nvSpPr>
           <p:spPr>
             <a:xfrm>
-              <a:off x="3400226" y="2405183"/>
-              <a:ext cx="850043" cy="285588"/>
+              <a:off x="3400226" y="3367552"/>
+              <a:ext cx="850043" cy="632730"/>
             </a:xfrm>
             <a:prstGeom prst="rect">
               <a:avLst/>
@@ -7870,13 +7731,14 @@
           <p:cNvCxnSpPr>
             <a:cxnSpLocks/>
             <a:stCxn id="38" idx="3"/>
+            <a:endCxn id="46" idx="1"/>
           </p:cNvCxnSpPr>
           <p:nvPr/>
         </p:nvCxnSpPr>
         <p:spPr>
-          <a:xfrm>
-            <a:off x="5096427" y="2953819"/>
-            <a:ext cx="3402850" cy="0"/>
+          <a:xfrm flipV="1">
+            <a:off x="5096427" y="2942471"/>
+            <a:ext cx="3489681" cy="11348"/>
           </a:xfrm>
           <a:prstGeom prst="straightConnector1">
             <a:avLst/>
@@ -7920,7 +7782,7 @@
         <p:spPr>
           <a:xfrm flipV="1">
             <a:off x="5099776" y="5260279"/>
-            <a:ext cx="814058" cy="234783"/>
+            <a:ext cx="814058" cy="189778"/>
           </a:xfrm>
           <a:prstGeom prst="straightConnector1">
             <a:avLst/>
@@ -7964,7 +7826,7 @@
         <p:spPr>
           <a:xfrm flipV="1">
             <a:off x="5099776" y="4362813"/>
-            <a:ext cx="814058" cy="709305"/>
+            <a:ext cx="814058" cy="605835"/>
           </a:xfrm>
           <a:prstGeom prst="straightConnector1">
             <a:avLst/>
@@ -8007,8 +7869,8 @@
         </p:nvCxnSpPr>
         <p:spPr>
           <a:xfrm flipV="1">
-            <a:off x="5100044" y="3468041"/>
-            <a:ext cx="813790" cy="1181133"/>
+            <a:off x="5099776" y="3468041"/>
+            <a:ext cx="814058" cy="1015616"/>
           </a:xfrm>
           <a:prstGeom prst="straightConnector1">
             <a:avLst/>
@@ -8095,7 +7957,7 @@
         </p:nvSpPr>
         <p:spPr>
           <a:xfrm>
-            <a:off x="2236820" y="1461414"/>
+            <a:off x="2255066" y="1461991"/>
             <a:ext cx="1640177" cy="540868"/>
           </a:xfrm>
           <a:prstGeom prst="rect">
@@ -8150,6 +8012,7 @@
             </a:extLst>
           </p:cNvPr>
           <p:cNvCxnSpPr>
+            <a:cxnSpLocks/>
             <a:stCxn id="47" idx="2"/>
             <a:endCxn id="38" idx="1"/>
           </p:cNvCxnSpPr>
@@ -8157,8 +8020,8 @@
         </p:nvCxnSpPr>
         <p:spPr>
           <a:xfrm rot="16200000" flipH="1">
-            <a:off x="2752799" y="2306391"/>
-            <a:ext cx="951537" cy="343317"/>
+            <a:off x="2762210" y="2315803"/>
+            <a:ext cx="950960" cy="325071"/>
           </a:xfrm>
           <a:prstGeom prst="bentConnector2">
             <a:avLst/>
@@ -8196,10 +8059,10 @@
         </p:nvGrpSpPr>
         <p:grpSpPr>
           <a:xfrm>
-            <a:off x="4011344" y="1091187"/>
-            <a:ext cx="4484822" cy="5635645"/>
-            <a:chOff x="4011344" y="1091187"/>
-            <a:chExt cx="4484822" cy="5635645"/>
+            <a:off x="4089000" y="1497444"/>
+            <a:ext cx="4407166" cy="5229388"/>
+            <a:chOff x="4089000" y="1497444"/>
+            <a:chExt cx="4407166" cy="5229388"/>
           </a:xfrm>
         </p:grpSpPr>
         <p:sp>
@@ -8370,7 +8233,7 @@
           </p:nvSpPr>
           <p:spPr>
             <a:xfrm flipH="1">
-              <a:off x="4089000" y="1091187"/>
+              <a:off x="4089000" y="1497444"/>
               <a:ext cx="4014000" cy="946800"/>
             </a:xfrm>
             <a:prstGeom prst="curvedDownArrow">
@@ -8409,53 +8272,6 @@
                 </a:rPr>
                 <a:t>信息获取</a:t>
               </a:r>
-            </a:p>
-          </p:txBody>
-        </p:sp>
-        <p:sp>
-          <p:nvSpPr>
-            <p:cNvPr id="62" name="箭头: 上下 61">
-              <a:extLst>
-                <a:ext uri="{FF2B5EF4-FFF2-40B4-BE49-F238E27FC236}">
-                  <a16:creationId xmlns:a16="http://schemas.microsoft.com/office/drawing/2014/main" id="{E5EA246D-3092-42B7-8BB5-4165E88293A0}"/>
-                </a:ext>
-              </a:extLst>
-            </p:cNvPr>
-            <p:cNvSpPr/>
-            <p:nvPr/>
-          </p:nvSpPr>
-          <p:spPr>
-            <a:xfrm>
-              <a:off x="4011344" y="3176885"/>
-              <a:ext cx="484632" cy="484067"/>
-            </a:xfrm>
-            <a:prstGeom prst="upDownArrow">
-              <a:avLst>
-                <a:gd name="adj1" fmla="val 47379"/>
-                <a:gd name="adj2" fmla="val 30323"/>
-              </a:avLst>
-            </a:prstGeom>
-          </p:spPr>
-          <p:style>
-            <a:lnRef idx="2">
-              <a:schemeClr val="dk1"/>
-            </a:lnRef>
-            <a:fillRef idx="1">
-              <a:schemeClr val="lt1"/>
-            </a:fillRef>
-            <a:effectRef idx="0">
-              <a:schemeClr val="dk1"/>
-            </a:effectRef>
-            <a:fontRef idx="minor">
-              <a:schemeClr val="dk1"/>
-            </a:fontRef>
-          </p:style>
-          <p:txBody>
-            <a:bodyPr rtlCol="0" anchor="ctr"/>
-            <a:lstStyle/>
-            <a:p>
-              <a:pPr algn="ctr"/>
-              <a:endParaRPr lang="zh-CN" altLang="en-US"/>
             </a:p>
           </p:txBody>
         </p:sp>
@@ -8516,6 +8332,61 @@
           </p:txBody>
         </p:sp>
       </p:grpSp>
+      <p:sp>
+        <p:nvSpPr>
+          <p:cNvPr id="49" name="箭头: 五边形 48">
+            <a:extLst>
+              <a:ext uri="{FF2B5EF4-FFF2-40B4-BE49-F238E27FC236}">
+                <a16:creationId xmlns:a16="http://schemas.microsoft.com/office/drawing/2014/main" id="{CE3653CD-5300-4636-AF7F-3F079081B1C3}"/>
+              </a:ext>
+            </a:extLst>
+          </p:cNvPr>
+          <p:cNvSpPr/>
+          <p:nvPr/>
+        </p:nvSpPr>
+        <p:spPr>
+          <a:xfrm>
+            <a:off x="-135" y="1488575"/>
+            <a:ext cx="2236955" cy="484632"/>
+          </a:xfrm>
+          <a:prstGeom prst="homePlate">
+            <a:avLst/>
+          </a:prstGeom>
+        </p:spPr>
+        <p:style>
+          <a:lnRef idx="2">
+            <a:schemeClr val="dk1"/>
+          </a:lnRef>
+          <a:fillRef idx="1">
+            <a:schemeClr val="lt1"/>
+          </a:fillRef>
+          <a:effectRef idx="0">
+            <a:schemeClr val="dk1"/>
+          </a:effectRef>
+          <a:fontRef idx="minor">
+            <a:schemeClr val="dk1"/>
+          </a:fontRef>
+        </p:style>
+        <p:txBody>
+          <a:bodyPr rtlCol="0" anchor="ctr"/>
+          <a:lstStyle/>
+          <a:p>
+            <a:pPr algn="ctr"/>
+            <a:r>
+              <a:rPr lang="zh-CN" altLang="en-US" dirty="0"/>
+              <a:t>接口：修改</a:t>
+            </a:r>
+            <a:r>
+              <a:rPr lang="en-US" altLang="zh-CN" dirty="0"/>
+              <a:t>IP</a:t>
+            </a:r>
+            <a:r>
+              <a:rPr lang="zh-CN" altLang="en-US" dirty="0"/>
+              <a:t>列表</a:t>
+            </a:r>
+          </a:p>
+        </p:txBody>
+      </p:sp>
     </p:spTree>
     <p:extLst>
       <p:ext uri="{BB962C8B-B14F-4D97-AF65-F5344CB8AC3E}">
@@ -8580,10 +8451,10 @@
       </p:sp>
       <p:sp>
         <p:nvSpPr>
-          <p:cNvPr id="21" name="箭头: 五边形 20">
-            <a:extLst>
-              <a:ext uri="{FF2B5EF4-FFF2-40B4-BE49-F238E27FC236}">
-                <a16:creationId xmlns:a16="http://schemas.microsoft.com/office/drawing/2014/main" id="{13A18E5F-C5C5-4DC4-9D24-33C53F267476}"/>
+          <p:cNvPr id="33" name="箭头: 右 32">
+            <a:extLst>
+              <a:ext uri="{FF2B5EF4-FFF2-40B4-BE49-F238E27FC236}">
+                <a16:creationId xmlns:a16="http://schemas.microsoft.com/office/drawing/2014/main" id="{04554897-E554-455F-ABCC-3C8BF52DD362}"/>
               </a:ext>
             </a:extLst>
           </p:cNvPr>
@@ -8592,7 +8463,338 @@
         </p:nvSpPr>
         <p:spPr>
           <a:xfrm>
-            <a:off x="0" y="1536327"/>
+            <a:off x="1012408" y="3344725"/>
+            <a:ext cx="1484281" cy="1978719"/>
+          </a:xfrm>
+          <a:prstGeom prst="rightArrow">
+            <a:avLst/>
+          </a:prstGeom>
+        </p:spPr>
+        <p:style>
+          <a:lnRef idx="2">
+            <a:schemeClr val="dk1"/>
+          </a:lnRef>
+          <a:fillRef idx="1">
+            <a:schemeClr val="lt1"/>
+          </a:fillRef>
+          <a:effectRef idx="0">
+            <a:schemeClr val="dk1"/>
+          </a:effectRef>
+          <a:fontRef idx="minor">
+            <a:schemeClr val="dk1"/>
+          </a:fontRef>
+        </p:style>
+        <p:txBody>
+          <a:bodyPr rtlCol="0" anchor="ctr"/>
+          <a:lstStyle/>
+          <a:p>
+            <a:pPr algn="ctr"/>
+            <a:r>
+              <a:rPr lang="zh-CN" altLang="en-US" sz="1400" dirty="0"/>
+              <a:t>输入</a:t>
+            </a:r>
+            <a:r>
+              <a:rPr lang="en-US" altLang="zh-CN" sz="1400" dirty="0"/>
+              <a:t>ID</a:t>
+            </a:r>
+            <a:r>
+              <a:rPr lang="zh-CN" altLang="en-US" sz="1400" dirty="0"/>
+              <a:t>和</a:t>
+            </a:r>
+            <a:endParaRPr lang="en-US" altLang="zh-CN" sz="1400" dirty="0"/>
+          </a:p>
+          <a:p>
+            <a:pPr algn="ctr"/>
+            <a:r>
+              <a:rPr lang="zh-CN" altLang="en-US" sz="1400" dirty="0"/>
+              <a:t>配置文件</a:t>
+            </a:r>
+          </a:p>
+        </p:txBody>
+      </p:sp>
+      <p:cxnSp>
+        <p:nvCxnSpPr>
+          <p:cNvPr id="48" name="直接箭头连接符 47">
+            <a:extLst>
+              <a:ext uri="{FF2B5EF4-FFF2-40B4-BE49-F238E27FC236}">
+                <a16:creationId xmlns:a16="http://schemas.microsoft.com/office/drawing/2014/main" id="{D6DA717D-5484-45CF-ABEF-BBEB71F05703}"/>
+              </a:ext>
+            </a:extLst>
+          </p:cNvPr>
+          <p:cNvCxnSpPr>
+            <a:cxnSpLocks/>
+            <a:stCxn id="33" idx="3"/>
+            <a:endCxn id="58" idx="1"/>
+          </p:cNvCxnSpPr>
+          <p:nvPr/>
+        </p:nvCxnSpPr>
+        <p:spPr>
+          <a:xfrm>
+            <a:off x="2496689" y="4334085"/>
+            <a:ext cx="903537" cy="634563"/>
+          </a:xfrm>
+          <a:prstGeom prst="straightConnector1">
+            <a:avLst/>
+          </a:prstGeom>
+          <a:ln w="6350">
+            <a:headEnd type="none" w="med" len="med"/>
+            <a:tailEnd type="triangle" w="med" len="med"/>
+          </a:ln>
+        </p:spPr>
+        <p:style>
+          <a:lnRef idx="1">
+            <a:schemeClr val="dk1"/>
+          </a:lnRef>
+          <a:fillRef idx="0">
+            <a:schemeClr val="dk1"/>
+          </a:fillRef>
+          <a:effectRef idx="0">
+            <a:schemeClr val="dk1"/>
+          </a:effectRef>
+          <a:fontRef idx="minor">
+            <a:schemeClr val="tx1"/>
+          </a:fontRef>
+        </p:style>
+      </p:cxnSp>
+      <p:cxnSp>
+        <p:nvCxnSpPr>
+          <p:cNvPr id="51" name="直接箭头连接符 50">
+            <a:extLst>
+              <a:ext uri="{FF2B5EF4-FFF2-40B4-BE49-F238E27FC236}">
+                <a16:creationId xmlns:a16="http://schemas.microsoft.com/office/drawing/2014/main" id="{DA2DB79D-C73F-40AF-B110-AE8BC108C446}"/>
+              </a:ext>
+            </a:extLst>
+          </p:cNvPr>
+          <p:cNvCxnSpPr>
+            <a:cxnSpLocks/>
+            <a:stCxn id="33" idx="3"/>
+            <a:endCxn id="62" idx="1"/>
+          </p:cNvCxnSpPr>
+          <p:nvPr/>
+        </p:nvCxnSpPr>
+        <p:spPr>
+          <a:xfrm flipV="1">
+            <a:off x="2496689" y="3683917"/>
+            <a:ext cx="903537" cy="650168"/>
+          </a:xfrm>
+          <a:prstGeom prst="straightConnector1">
+            <a:avLst/>
+          </a:prstGeom>
+          <a:ln w="6350">
+            <a:headEnd type="none" w="med" len="med"/>
+            <a:tailEnd type="triangle" w="med" len="med"/>
+          </a:ln>
+        </p:spPr>
+        <p:style>
+          <a:lnRef idx="1">
+            <a:schemeClr val="dk1"/>
+          </a:lnRef>
+          <a:fillRef idx="0">
+            <a:schemeClr val="dk1"/>
+          </a:fillRef>
+          <a:effectRef idx="0">
+            <a:schemeClr val="dk1"/>
+          </a:effectRef>
+          <a:fontRef idx="minor">
+            <a:schemeClr val="tx1"/>
+          </a:fontRef>
+        </p:style>
+      </p:cxnSp>
+      <p:sp>
+        <p:nvSpPr>
+          <p:cNvPr id="63" name="文本框 62">
+            <a:extLst>
+              <a:ext uri="{FF2B5EF4-FFF2-40B4-BE49-F238E27FC236}">
+                <a16:creationId xmlns:a16="http://schemas.microsoft.com/office/drawing/2014/main" id="{C99EC2CA-4FD7-4774-AD63-6FB5A8B30596}"/>
+              </a:ext>
+            </a:extLst>
+          </p:cNvPr>
+          <p:cNvSpPr txBox="1"/>
+          <p:nvPr/>
+        </p:nvSpPr>
+        <p:spPr>
+          <a:xfrm>
+            <a:off x="5231586" y="3588681"/>
+            <a:ext cx="543739" cy="307777"/>
+          </a:xfrm>
+          <a:prstGeom prst="rect">
+            <a:avLst/>
+          </a:prstGeom>
+          <a:noFill/>
+        </p:spPr>
+        <p:txBody>
+          <a:bodyPr wrap="none" rtlCol="0">
+            <a:spAutoFit/>
+          </a:bodyPr>
+          <a:lstStyle/>
+          <a:p>
+            <a:r>
+              <a:rPr lang="zh-CN" altLang="en-US" sz="1400" dirty="0"/>
+              <a:t>创建</a:t>
+            </a:r>
+          </a:p>
+        </p:txBody>
+      </p:sp>
+      <p:sp>
+        <p:nvSpPr>
+          <p:cNvPr id="64" name="文本框 63">
+            <a:extLst>
+              <a:ext uri="{FF2B5EF4-FFF2-40B4-BE49-F238E27FC236}">
+                <a16:creationId xmlns:a16="http://schemas.microsoft.com/office/drawing/2014/main" id="{2EF4D96D-F5E0-4281-B2BC-CDD656E2E9A6}"/>
+              </a:ext>
+            </a:extLst>
+          </p:cNvPr>
+          <p:cNvSpPr txBox="1"/>
+          <p:nvPr/>
+        </p:nvSpPr>
+        <p:spPr>
+          <a:xfrm>
+            <a:off x="5231586" y="5080887"/>
+            <a:ext cx="543739" cy="307777"/>
+          </a:xfrm>
+          <a:prstGeom prst="rect">
+            <a:avLst/>
+          </a:prstGeom>
+          <a:noFill/>
+        </p:spPr>
+        <p:txBody>
+          <a:bodyPr wrap="none" rtlCol="0">
+            <a:spAutoFit/>
+          </a:bodyPr>
+          <a:lstStyle/>
+          <a:p>
+            <a:r>
+              <a:rPr lang="zh-CN" altLang="en-US" sz="1400" dirty="0"/>
+              <a:t>创建</a:t>
+            </a:r>
+          </a:p>
+        </p:txBody>
+      </p:sp>
+      <p:sp>
+        <p:nvSpPr>
+          <p:cNvPr id="65" name="文本框 64">
+            <a:extLst>
+              <a:ext uri="{FF2B5EF4-FFF2-40B4-BE49-F238E27FC236}">
+                <a16:creationId xmlns:a16="http://schemas.microsoft.com/office/drawing/2014/main" id="{C22DF0B7-60BF-497B-BB94-E4745BEBCB24}"/>
+              </a:ext>
+            </a:extLst>
+          </p:cNvPr>
+          <p:cNvSpPr txBox="1"/>
+          <p:nvPr/>
+        </p:nvSpPr>
+        <p:spPr>
+          <a:xfrm>
+            <a:off x="5240735" y="4420686"/>
+            <a:ext cx="543739" cy="307777"/>
+          </a:xfrm>
+          <a:prstGeom prst="rect">
+            <a:avLst/>
+          </a:prstGeom>
+          <a:noFill/>
+        </p:spPr>
+        <p:txBody>
+          <a:bodyPr wrap="none" rtlCol="0">
+            <a:spAutoFit/>
+          </a:bodyPr>
+          <a:lstStyle/>
+          <a:p>
+            <a:r>
+              <a:rPr lang="zh-CN" altLang="en-US" sz="1400" dirty="0"/>
+              <a:t>保存</a:t>
+            </a:r>
+          </a:p>
+        </p:txBody>
+      </p:sp>
+      <p:sp>
+        <p:nvSpPr>
+          <p:cNvPr id="66" name="文本框 65">
+            <a:extLst>
+              <a:ext uri="{FF2B5EF4-FFF2-40B4-BE49-F238E27FC236}">
+                <a16:creationId xmlns:a16="http://schemas.microsoft.com/office/drawing/2014/main" id="{4BC07492-0CE1-4237-A4A3-B9D22EE39869}"/>
+              </a:ext>
+            </a:extLst>
+          </p:cNvPr>
+          <p:cNvSpPr txBox="1"/>
+          <p:nvPr/>
+        </p:nvSpPr>
+        <p:spPr>
+          <a:xfrm>
+            <a:off x="2096371" y="4729671"/>
+            <a:ext cx="1300356" cy="307777"/>
+          </a:xfrm>
+          <a:prstGeom prst="rect">
+            <a:avLst/>
+          </a:prstGeom>
+          <a:noFill/>
+        </p:spPr>
+        <p:txBody>
+          <a:bodyPr wrap="none" rtlCol="0">
+            <a:spAutoFit/>
+          </a:bodyPr>
+          <a:lstStyle/>
+          <a:p>
+            <a:r>
+              <a:rPr lang="zh-CN" altLang="en-US" sz="1400" dirty="0"/>
+              <a:t>保存配置文件</a:t>
+            </a:r>
+          </a:p>
+        </p:txBody>
+      </p:sp>
+      <p:sp>
+        <p:nvSpPr>
+          <p:cNvPr id="67" name="文本框 66">
+            <a:extLst>
+              <a:ext uri="{FF2B5EF4-FFF2-40B4-BE49-F238E27FC236}">
+                <a16:creationId xmlns:a16="http://schemas.microsoft.com/office/drawing/2014/main" id="{744638A0-C4AD-457D-902F-E0A9306CF4FF}"/>
+              </a:ext>
+            </a:extLst>
+          </p:cNvPr>
+          <p:cNvSpPr txBox="1"/>
+          <p:nvPr/>
+        </p:nvSpPr>
+        <p:spPr>
+          <a:xfrm>
+            <a:off x="2618872" y="3514372"/>
+            <a:ext cx="712054" cy="307777"/>
+          </a:xfrm>
+          <a:prstGeom prst="rect">
+            <a:avLst/>
+          </a:prstGeom>
+          <a:noFill/>
+        </p:spPr>
+        <p:txBody>
+          <a:bodyPr wrap="none" rtlCol="0">
+            <a:spAutoFit/>
+          </a:bodyPr>
+          <a:lstStyle/>
+          <a:p>
+            <a:r>
+              <a:rPr lang="zh-CN" altLang="en-US" sz="1400" dirty="0"/>
+              <a:t>写入</a:t>
+            </a:r>
+            <a:r>
+              <a:rPr lang="en-US" altLang="zh-CN" sz="1400" dirty="0"/>
+              <a:t>ID</a:t>
+            </a:r>
+            <a:endParaRPr lang="zh-CN" altLang="en-US" sz="1400" dirty="0"/>
+          </a:p>
+        </p:txBody>
+      </p:sp>
+      <p:sp>
+        <p:nvSpPr>
+          <p:cNvPr id="29" name="箭头: 五边形 28">
+            <a:extLst>
+              <a:ext uri="{FF2B5EF4-FFF2-40B4-BE49-F238E27FC236}">
+                <a16:creationId xmlns:a16="http://schemas.microsoft.com/office/drawing/2014/main" id="{D4711581-27C6-42A3-8BD8-8348B08C6BF6}"/>
+              </a:ext>
+            </a:extLst>
+          </p:cNvPr>
+          <p:cNvSpPr/>
+          <p:nvPr/>
+        </p:nvSpPr>
+        <p:spPr>
+          <a:xfrm>
+            <a:off x="0" y="1973207"/>
             <a:ext cx="2024817" cy="484632"/>
           </a:xfrm>
           <a:prstGeom prst="homePlate">
@@ -8625,75 +8827,12 @@
           </a:p>
         </p:txBody>
       </p:sp>
-      <p:sp>
-        <p:nvSpPr>
-          <p:cNvPr id="33" name="箭头: 右 32">
-            <a:extLst>
-              <a:ext uri="{FF2B5EF4-FFF2-40B4-BE49-F238E27FC236}">
-                <a16:creationId xmlns:a16="http://schemas.microsoft.com/office/drawing/2014/main" id="{04554897-E554-455F-ABCC-3C8BF52DD362}"/>
-              </a:ext>
-            </a:extLst>
-          </p:cNvPr>
-          <p:cNvSpPr/>
-          <p:nvPr/>
-        </p:nvSpPr>
-        <p:spPr>
-          <a:xfrm>
-            <a:off x="1012408" y="2918005"/>
-            <a:ext cx="1484281" cy="1978719"/>
-          </a:xfrm>
-          <a:prstGeom prst="rightArrow">
-            <a:avLst/>
-          </a:prstGeom>
-        </p:spPr>
-        <p:style>
-          <a:lnRef idx="2">
-            <a:schemeClr val="dk1"/>
-          </a:lnRef>
-          <a:fillRef idx="1">
-            <a:schemeClr val="lt1"/>
-          </a:fillRef>
-          <a:effectRef idx="0">
-            <a:schemeClr val="dk1"/>
-          </a:effectRef>
-          <a:fontRef idx="minor">
-            <a:schemeClr val="dk1"/>
-          </a:fontRef>
-        </p:style>
-        <p:txBody>
-          <a:bodyPr rtlCol="0" anchor="ctr"/>
-          <a:lstStyle/>
-          <a:p>
-            <a:pPr algn="ctr"/>
-            <a:r>
-              <a:rPr lang="zh-CN" altLang="en-US" sz="1400" dirty="0"/>
-              <a:t>输入</a:t>
-            </a:r>
-            <a:r>
-              <a:rPr lang="en-US" altLang="zh-CN" sz="1400" dirty="0"/>
-              <a:t>ID</a:t>
-            </a:r>
-            <a:r>
-              <a:rPr lang="zh-CN" altLang="en-US" sz="1400" dirty="0"/>
-              <a:t>和</a:t>
-            </a:r>
-            <a:endParaRPr lang="en-US" altLang="zh-CN" sz="1400" dirty="0"/>
-          </a:p>
-          <a:p>
-            <a:pPr algn="ctr"/>
-            <a:r>
-              <a:rPr lang="zh-CN" altLang="en-US" sz="1400" dirty="0"/>
-              <a:t>配置文件</a:t>
-            </a:r>
-          </a:p>
-        </p:txBody>
-      </p:sp>
       <p:grpSp>
         <p:nvGrpSpPr>
-          <p:cNvPr id="34" name="组合 33">
-            <a:extLst>
-              <a:ext uri="{FF2B5EF4-FFF2-40B4-BE49-F238E27FC236}">
-                <a16:creationId xmlns:a16="http://schemas.microsoft.com/office/drawing/2014/main" id="{DEFA681D-23FF-420B-9A4A-DA213E2F22CF}"/>
+          <p:cNvPr id="30" name="组合 29">
+            <a:extLst>
+              <a:ext uri="{FF2B5EF4-FFF2-40B4-BE49-F238E27FC236}">
+                <a16:creationId xmlns:a16="http://schemas.microsoft.com/office/drawing/2014/main" id="{F3CC0D18-9AE4-4093-96E6-FA59B2548961}"/>
               </a:ext>
             </a:extLst>
           </p:cNvPr>
@@ -8702,18 +8841,18 @@
         </p:nvGrpSpPr>
         <p:grpSpPr>
           <a:xfrm>
-            <a:off x="5842001" y="2040467"/>
-            <a:ext cx="5048250" cy="3733800"/>
-            <a:chOff x="5842001" y="2040467"/>
-            <a:chExt cx="5048250" cy="3733800"/>
+            <a:off x="5842001" y="2457839"/>
+            <a:ext cx="4117667" cy="3316428"/>
+            <a:chOff x="5842001" y="2457839"/>
+            <a:chExt cx="4117667" cy="3316428"/>
           </a:xfrm>
         </p:grpSpPr>
         <p:sp>
           <p:nvSpPr>
-            <p:cNvPr id="35" name="矩形 34">
+            <p:cNvPr id="31" name="矩形 30">
               <a:extLst>
                 <a:ext uri="{FF2B5EF4-FFF2-40B4-BE49-F238E27FC236}">
-                  <a16:creationId xmlns:a16="http://schemas.microsoft.com/office/drawing/2014/main" id="{02D6826A-CA22-430E-B55E-2D6465CEC73B}"/>
+                  <a16:creationId xmlns:a16="http://schemas.microsoft.com/office/drawing/2014/main" id="{B903A2E4-4839-466E-BA04-AB940B65AC1B}"/>
                 </a:ext>
               </a:extLst>
             </p:cNvPr>
@@ -8722,8 +8861,8 @@
           </p:nvSpPr>
           <p:spPr>
             <a:xfrm>
-              <a:off x="5842001" y="2040467"/>
-              <a:ext cx="5048250" cy="3733800"/>
+              <a:off x="5842001" y="2457839"/>
+              <a:ext cx="4117667" cy="3316428"/>
             </a:xfrm>
             <a:prstGeom prst="rect">
               <a:avLst/>
@@ -8798,10 +8937,10 @@
         </p:sp>
         <p:sp>
           <p:nvSpPr>
-            <p:cNvPr id="36" name="矩形 35">
+            <p:cNvPr id="32" name="矩形 31">
               <a:extLst>
                 <a:ext uri="{FF2B5EF4-FFF2-40B4-BE49-F238E27FC236}">
-                  <a16:creationId xmlns:a16="http://schemas.microsoft.com/office/drawing/2014/main" id="{075A34EC-721F-4A7C-A68E-3B32751F51B4}"/>
+                  <a16:creationId xmlns:a16="http://schemas.microsoft.com/office/drawing/2014/main" id="{BF7BA589-EDD6-4584-936A-746E448D5786}"/>
                 </a:ext>
               </a:extLst>
             </p:cNvPr>
@@ -8845,10 +8984,10 @@
         </p:sp>
         <p:sp>
           <p:nvSpPr>
-            <p:cNvPr id="37" name="矩形 36">
+            <p:cNvPr id="39" name="矩形 38">
               <a:extLst>
                 <a:ext uri="{FF2B5EF4-FFF2-40B4-BE49-F238E27FC236}">
-                  <a16:creationId xmlns:a16="http://schemas.microsoft.com/office/drawing/2014/main" id="{CBD91177-D1C2-483A-9580-C479A9BB5638}"/>
+                  <a16:creationId xmlns:a16="http://schemas.microsoft.com/office/drawing/2014/main" id="{17C428D9-21E0-4201-9D29-D688490AB1B1}"/>
                 </a:ext>
               </a:extLst>
             </p:cNvPr>
@@ -8892,10 +9031,10 @@
         </p:sp>
         <p:sp>
           <p:nvSpPr>
-            <p:cNvPr id="38" name="矩形 37">
+            <p:cNvPr id="49" name="矩形 48">
               <a:extLst>
                 <a:ext uri="{FF2B5EF4-FFF2-40B4-BE49-F238E27FC236}">
-                  <a16:creationId xmlns:a16="http://schemas.microsoft.com/office/drawing/2014/main" id="{7309DD43-3301-470B-B28B-97F6095C5B13}"/>
+                  <a16:creationId xmlns:a16="http://schemas.microsoft.com/office/drawing/2014/main" id="{90E4FAC4-E957-4E51-853B-F172FDF52A0A}"/>
                 </a:ext>
               </a:extLst>
             </p:cNvPr>
@@ -8940,10 +9079,10 @@
       </p:grpSp>
       <p:grpSp>
         <p:nvGrpSpPr>
-          <p:cNvPr id="40" name="组合 39">
-            <a:extLst>
-              <a:ext uri="{FF2B5EF4-FFF2-40B4-BE49-F238E27FC236}">
-                <a16:creationId xmlns:a16="http://schemas.microsoft.com/office/drawing/2014/main" id="{1A7F4E3C-8F5F-44A2-8A7A-653FE47FBD34}"/>
+          <p:cNvPr id="53" name="组合 52">
+            <a:extLst>
+              <a:ext uri="{FF2B5EF4-FFF2-40B4-BE49-F238E27FC236}">
+                <a16:creationId xmlns:a16="http://schemas.microsoft.com/office/drawing/2014/main" id="{F345C80B-F0C4-4FAE-AF97-49B209839C12}"/>
               </a:ext>
             </a:extLst>
           </p:cNvPr>
@@ -8952,18 +9091,18 @@
         </p:nvGrpSpPr>
         <p:grpSpPr>
           <a:xfrm>
-            <a:off x="3331636" y="2040465"/>
-            <a:ext cx="1837266" cy="3733801"/>
-            <a:chOff x="3331636" y="2040465"/>
-            <a:chExt cx="1837266" cy="3733801"/>
+            <a:off x="3331636" y="2457837"/>
+            <a:ext cx="1837266" cy="3316429"/>
+            <a:chOff x="3331636" y="2457837"/>
+            <a:chExt cx="1837266" cy="3316429"/>
           </a:xfrm>
         </p:grpSpPr>
         <p:sp>
           <p:nvSpPr>
-            <p:cNvPr id="41" name="矩形 40">
+            <p:cNvPr id="55" name="矩形 54">
               <a:extLst>
                 <a:ext uri="{FF2B5EF4-FFF2-40B4-BE49-F238E27FC236}">
-                  <a16:creationId xmlns:a16="http://schemas.microsoft.com/office/drawing/2014/main" id="{078B55FC-A670-4E39-A25D-C22A143A3D9C}"/>
+                  <a16:creationId xmlns:a16="http://schemas.microsoft.com/office/drawing/2014/main" id="{354C7C74-21CC-4367-B6CE-AA8D5BCDD815}"/>
                 </a:ext>
               </a:extLst>
             </p:cNvPr>
@@ -8972,8 +9111,8 @@
           </p:nvSpPr>
           <p:spPr>
             <a:xfrm>
-              <a:off x="3331636" y="2040465"/>
-              <a:ext cx="1837266" cy="3733801"/>
+              <a:off x="3331636" y="2457837"/>
+              <a:ext cx="1837266" cy="3316429"/>
             </a:xfrm>
             <a:prstGeom prst="rect">
               <a:avLst/>
@@ -9013,10 +9152,10 @@
         </p:sp>
         <p:sp>
           <p:nvSpPr>
-            <p:cNvPr id="42" name="矩形 41">
+            <p:cNvPr id="56" name="矩形 55">
               <a:extLst>
                 <a:ext uri="{FF2B5EF4-FFF2-40B4-BE49-F238E27FC236}">
-                  <a16:creationId xmlns:a16="http://schemas.microsoft.com/office/drawing/2014/main" id="{F913873C-0B79-4D66-BF7E-C63538B2027A}"/>
+                  <a16:creationId xmlns:a16="http://schemas.microsoft.com/office/drawing/2014/main" id="{D969C08E-B3A9-4827-8C10-3D442199B2B3}"/>
                 </a:ext>
               </a:extLst>
             </p:cNvPr>
@@ -9025,8 +9164,8 @@
           </p:nvSpPr>
           <p:spPr>
             <a:xfrm>
-              <a:off x="3400226" y="4437702"/>
-              <a:ext cx="1699818" cy="422944"/>
+              <a:off x="3399958" y="4242598"/>
+              <a:ext cx="1699818" cy="482118"/>
             </a:xfrm>
             <a:prstGeom prst="rect">
               <a:avLst/>
@@ -9060,10 +9199,10 @@
         </p:sp>
         <p:sp>
           <p:nvSpPr>
-            <p:cNvPr id="43" name="矩形 42">
+            <p:cNvPr id="58" name="矩形 57">
               <a:extLst>
                 <a:ext uri="{FF2B5EF4-FFF2-40B4-BE49-F238E27FC236}">
-                  <a16:creationId xmlns:a16="http://schemas.microsoft.com/office/drawing/2014/main" id="{6A74F43D-FB3C-4B87-9E7B-AE6F353C2ACA}"/>
+                  <a16:creationId xmlns:a16="http://schemas.microsoft.com/office/drawing/2014/main" id="{727E4464-A095-463E-A5DD-902B9222EB55}"/>
                 </a:ext>
               </a:extLst>
             </p:cNvPr>
@@ -9072,8 +9211,8 @@
           </p:nvSpPr>
           <p:spPr>
             <a:xfrm>
-              <a:off x="3400226" y="4860646"/>
-              <a:ext cx="1699550" cy="422944"/>
+              <a:off x="3400226" y="4727589"/>
+              <a:ext cx="1699550" cy="482118"/>
             </a:xfrm>
             <a:prstGeom prst="rect">
               <a:avLst/>
@@ -9107,10 +9246,10 @@
         </p:sp>
         <p:sp>
           <p:nvSpPr>
-            <p:cNvPr id="44" name="矩形 43">
+            <p:cNvPr id="59" name="矩形 58">
               <a:extLst>
                 <a:ext uri="{FF2B5EF4-FFF2-40B4-BE49-F238E27FC236}">
-                  <a16:creationId xmlns:a16="http://schemas.microsoft.com/office/drawing/2014/main" id="{50A7611E-B0D8-446D-BACA-0BA83189FBE7}"/>
+                  <a16:creationId xmlns:a16="http://schemas.microsoft.com/office/drawing/2014/main" id="{F15679CC-D2F7-4787-94CD-098A4D372663}"/>
                 </a:ext>
               </a:extLst>
             </p:cNvPr>
@@ -9119,8 +9258,8 @@
           </p:nvSpPr>
           <p:spPr>
             <a:xfrm>
-              <a:off x="3400226" y="5283590"/>
-              <a:ext cx="1699550" cy="422944"/>
+              <a:off x="3400226" y="5208998"/>
+              <a:ext cx="1699550" cy="482118"/>
             </a:xfrm>
             <a:prstGeom prst="rect">
               <a:avLst/>
@@ -9154,10 +9293,10 @@
         </p:sp>
         <p:sp>
           <p:nvSpPr>
-            <p:cNvPr id="45" name="矩形 44">
+            <p:cNvPr id="62" name="矩形 61">
               <a:extLst>
                 <a:ext uri="{FF2B5EF4-FFF2-40B4-BE49-F238E27FC236}">
-                  <a16:creationId xmlns:a16="http://schemas.microsoft.com/office/drawing/2014/main" id="{6010DF52-58DE-4CB2-89D4-E3FF445E2A60}"/>
+                  <a16:creationId xmlns:a16="http://schemas.microsoft.com/office/drawing/2014/main" id="{83AB6FCD-D12A-4DF9-AF38-94DF83CD035C}"/>
                 </a:ext>
               </a:extLst>
             </p:cNvPr>
@@ -9166,102 +9305,8 @@
           </p:nvSpPr>
           <p:spPr>
             <a:xfrm>
-              <a:off x="3400226" y="2742347"/>
-              <a:ext cx="1696201" cy="422944"/>
-            </a:xfrm>
-            <a:prstGeom prst="rect">
-              <a:avLst/>
-            </a:prstGeom>
-          </p:spPr>
-          <p:style>
-            <a:lnRef idx="2">
-              <a:schemeClr val="dk1"/>
-            </a:lnRef>
-            <a:fillRef idx="1">
-              <a:schemeClr val="lt1"/>
-            </a:fillRef>
-            <a:effectRef idx="0">
-              <a:schemeClr val="dk1"/>
-            </a:effectRef>
-            <a:fontRef idx="minor">
-              <a:schemeClr val="dk1"/>
-            </a:fontRef>
-          </p:style>
-          <p:txBody>
-            <a:bodyPr rtlCol="0" anchor="ctr"/>
-            <a:lstStyle/>
-            <a:p>
-              <a:pPr algn="ctr"/>
-              <a:r>
-                <a:rPr lang="zh-CN" altLang="en-US" dirty="0"/>
-                <a:t>进程控制</a:t>
-              </a:r>
-            </a:p>
-          </p:txBody>
-        </p:sp>
-        <p:sp>
-          <p:nvSpPr>
-            <p:cNvPr id="46" name="矩形 45">
-              <a:extLst>
-                <a:ext uri="{FF2B5EF4-FFF2-40B4-BE49-F238E27FC236}">
-                  <a16:creationId xmlns:a16="http://schemas.microsoft.com/office/drawing/2014/main" id="{9F6FECED-E11C-4B1F-8FE9-1F023F9C012F}"/>
-                </a:ext>
-              </a:extLst>
-            </p:cNvPr>
-            <p:cNvSpPr/>
-            <p:nvPr/>
-          </p:nvSpPr>
-          <p:spPr>
-            <a:xfrm>
-              <a:off x="3400462" y="3665909"/>
-              <a:ext cx="1696338" cy="422944"/>
-            </a:xfrm>
-            <a:prstGeom prst="rect">
-              <a:avLst/>
-            </a:prstGeom>
-          </p:spPr>
-          <p:style>
-            <a:lnRef idx="2">
-              <a:schemeClr val="dk1"/>
-            </a:lnRef>
-            <a:fillRef idx="1">
-              <a:schemeClr val="lt1"/>
-            </a:fillRef>
-            <a:effectRef idx="0">
-              <a:schemeClr val="dk1"/>
-            </a:effectRef>
-            <a:fontRef idx="minor">
-              <a:schemeClr val="dk1"/>
-            </a:fontRef>
-          </p:style>
-          <p:txBody>
-            <a:bodyPr rtlCol="0" anchor="ctr"/>
-            <a:lstStyle/>
-            <a:p>
-              <a:pPr algn="ctr"/>
-              <a:r>
-                <a:rPr lang="zh-CN" altLang="en-US" dirty="0"/>
-                <a:t>运行状态</a:t>
-              </a:r>
-            </a:p>
-          </p:txBody>
-        </p:sp>
-        <p:sp>
-          <p:nvSpPr>
-            <p:cNvPr id="47" name="矩形 46">
-              <a:extLst>
-                <a:ext uri="{FF2B5EF4-FFF2-40B4-BE49-F238E27FC236}">
-                  <a16:creationId xmlns:a16="http://schemas.microsoft.com/office/drawing/2014/main" id="{2DB49D51-B2DC-4659-8925-46CC8280CAF0}"/>
-                </a:ext>
-              </a:extLst>
-            </p:cNvPr>
-            <p:cNvSpPr/>
-            <p:nvPr/>
-          </p:nvSpPr>
-          <p:spPr>
-            <a:xfrm>
-              <a:off x="3400226" y="2405183"/>
-              <a:ext cx="850043" cy="285588"/>
+              <a:off x="3400226" y="3367552"/>
+              <a:ext cx="850043" cy="632730"/>
             </a:xfrm>
             <a:prstGeom prst="rect">
               <a:avLst/>
@@ -9297,24 +9342,24 @@
       </p:grpSp>
       <p:cxnSp>
         <p:nvCxnSpPr>
-          <p:cNvPr id="48" name="直接箭头连接符 47">
-            <a:extLst>
-              <a:ext uri="{FF2B5EF4-FFF2-40B4-BE49-F238E27FC236}">
-                <a16:creationId xmlns:a16="http://schemas.microsoft.com/office/drawing/2014/main" id="{D6DA717D-5484-45CF-ABEF-BBEB71F05703}"/>
+          <p:cNvPr id="54" name="直接箭头连接符 53">
+            <a:extLst>
+              <a:ext uri="{FF2B5EF4-FFF2-40B4-BE49-F238E27FC236}">
+                <a16:creationId xmlns:a16="http://schemas.microsoft.com/office/drawing/2014/main" id="{FED4BC74-8173-45AB-BBED-3668EB0D1A64}"/>
               </a:ext>
             </a:extLst>
           </p:cNvPr>
           <p:cNvCxnSpPr>
             <a:cxnSpLocks/>
-            <a:stCxn id="33" idx="3"/>
-            <a:endCxn id="43" idx="1"/>
+            <a:stCxn id="56" idx="3"/>
+            <a:endCxn id="32" idx="1"/>
           </p:cNvCxnSpPr>
           <p:nvPr/>
         </p:nvCxnSpPr>
         <p:spPr>
-          <a:xfrm>
-            <a:off x="2496689" y="3907365"/>
-            <a:ext cx="903537" cy="1164753"/>
+          <a:xfrm flipV="1">
+            <a:off x="5099776" y="3468041"/>
+            <a:ext cx="814058" cy="1015616"/>
           </a:xfrm>
           <a:prstGeom prst="straightConnector1">
             <a:avLst/>
@@ -9341,24 +9386,24 @@
       </p:cxnSp>
       <p:cxnSp>
         <p:nvCxnSpPr>
-          <p:cNvPr id="51" name="直接箭头连接符 50">
-            <a:extLst>
-              <a:ext uri="{FF2B5EF4-FFF2-40B4-BE49-F238E27FC236}">
-                <a16:creationId xmlns:a16="http://schemas.microsoft.com/office/drawing/2014/main" id="{DA2DB79D-C73F-40AF-B110-AE8BC108C446}"/>
+          <p:cNvPr id="60" name="直接箭头连接符 59">
+            <a:extLst>
+              <a:ext uri="{FF2B5EF4-FFF2-40B4-BE49-F238E27FC236}">
+                <a16:creationId xmlns:a16="http://schemas.microsoft.com/office/drawing/2014/main" id="{B98D2924-5744-4610-98CE-0ADE2E02716D}"/>
               </a:ext>
             </a:extLst>
           </p:cNvPr>
           <p:cNvCxnSpPr>
             <a:cxnSpLocks/>
-            <a:stCxn id="33" idx="3"/>
-            <a:endCxn id="47" idx="1"/>
+            <a:stCxn id="58" idx="3"/>
+            <a:endCxn id="49" idx="1"/>
           </p:cNvCxnSpPr>
           <p:nvPr/>
         </p:nvCxnSpPr>
         <p:spPr>
           <a:xfrm flipV="1">
-            <a:off x="2496689" y="2547977"/>
-            <a:ext cx="903537" cy="1359388"/>
+            <a:off x="5099776" y="4362813"/>
+            <a:ext cx="814058" cy="605835"/>
           </a:xfrm>
           <a:prstGeom prst="straightConnector1">
             <a:avLst/>
@@ -9385,24 +9430,24 @@
       </p:cxnSp>
       <p:cxnSp>
         <p:nvCxnSpPr>
-          <p:cNvPr id="54" name="直接箭头连接符 53">
-            <a:extLst>
-              <a:ext uri="{FF2B5EF4-FFF2-40B4-BE49-F238E27FC236}">
-                <a16:creationId xmlns:a16="http://schemas.microsoft.com/office/drawing/2014/main" id="{FED4BC74-8173-45AB-BBED-3668EB0D1A64}"/>
+          <p:cNvPr id="57" name="直接箭头连接符 56">
+            <a:extLst>
+              <a:ext uri="{FF2B5EF4-FFF2-40B4-BE49-F238E27FC236}">
+                <a16:creationId xmlns:a16="http://schemas.microsoft.com/office/drawing/2014/main" id="{DE3C4EB0-7358-433C-8937-9B4708546F09}"/>
               </a:ext>
             </a:extLst>
           </p:cNvPr>
           <p:cNvCxnSpPr>
             <a:cxnSpLocks/>
-            <a:stCxn id="42" idx="3"/>
-            <a:endCxn id="36" idx="1"/>
+            <a:stCxn id="59" idx="3"/>
+            <a:endCxn id="39" idx="1"/>
           </p:cNvCxnSpPr>
           <p:nvPr/>
         </p:nvCxnSpPr>
         <p:spPr>
           <a:xfrm flipV="1">
-            <a:off x="5100044" y="3468041"/>
-            <a:ext cx="813790" cy="1181133"/>
+            <a:off x="5099776" y="5260279"/>
+            <a:ext cx="814058" cy="189778"/>
           </a:xfrm>
           <a:prstGeom prst="straightConnector1">
             <a:avLst/>
@@ -9427,309 +9472,6 @@
           </a:fontRef>
         </p:style>
       </p:cxnSp>
-      <p:cxnSp>
-        <p:nvCxnSpPr>
-          <p:cNvPr id="57" name="直接箭头连接符 56">
-            <a:extLst>
-              <a:ext uri="{FF2B5EF4-FFF2-40B4-BE49-F238E27FC236}">
-                <a16:creationId xmlns:a16="http://schemas.microsoft.com/office/drawing/2014/main" id="{DE3C4EB0-7358-433C-8937-9B4708546F09}"/>
-              </a:ext>
-            </a:extLst>
-          </p:cNvPr>
-          <p:cNvCxnSpPr>
-            <a:cxnSpLocks/>
-            <a:stCxn id="44" idx="3"/>
-            <a:endCxn id="37" idx="1"/>
-          </p:cNvCxnSpPr>
-          <p:nvPr/>
-        </p:nvCxnSpPr>
-        <p:spPr>
-          <a:xfrm flipV="1">
-            <a:off x="5099776" y="5260279"/>
-            <a:ext cx="814058" cy="234783"/>
-          </a:xfrm>
-          <a:prstGeom prst="straightConnector1">
-            <a:avLst/>
-          </a:prstGeom>
-          <a:ln w="6350">
-            <a:headEnd type="none" w="med" len="med"/>
-            <a:tailEnd type="triangle" w="med" len="med"/>
-          </a:ln>
-        </p:spPr>
-        <p:style>
-          <a:lnRef idx="1">
-            <a:schemeClr val="dk1"/>
-          </a:lnRef>
-          <a:fillRef idx="0">
-            <a:schemeClr val="dk1"/>
-          </a:fillRef>
-          <a:effectRef idx="0">
-            <a:schemeClr val="dk1"/>
-          </a:effectRef>
-          <a:fontRef idx="minor">
-            <a:schemeClr val="tx1"/>
-          </a:fontRef>
-        </p:style>
-      </p:cxnSp>
-      <p:cxnSp>
-        <p:nvCxnSpPr>
-          <p:cNvPr id="60" name="直接箭头连接符 59">
-            <a:extLst>
-              <a:ext uri="{FF2B5EF4-FFF2-40B4-BE49-F238E27FC236}">
-                <a16:creationId xmlns:a16="http://schemas.microsoft.com/office/drawing/2014/main" id="{B98D2924-5744-4610-98CE-0ADE2E02716D}"/>
-              </a:ext>
-            </a:extLst>
-          </p:cNvPr>
-          <p:cNvCxnSpPr>
-            <a:cxnSpLocks/>
-            <a:stCxn id="43" idx="3"/>
-            <a:endCxn id="38" idx="1"/>
-          </p:cNvCxnSpPr>
-          <p:nvPr/>
-        </p:nvCxnSpPr>
-        <p:spPr>
-          <a:xfrm flipV="1">
-            <a:off x="5099776" y="4362813"/>
-            <a:ext cx="814058" cy="709305"/>
-          </a:xfrm>
-          <a:prstGeom prst="straightConnector1">
-            <a:avLst/>
-          </a:prstGeom>
-          <a:ln w="6350">
-            <a:headEnd type="none" w="med" len="med"/>
-            <a:tailEnd type="triangle" w="med" len="med"/>
-          </a:ln>
-        </p:spPr>
-        <p:style>
-          <a:lnRef idx="1">
-            <a:schemeClr val="dk1"/>
-          </a:lnRef>
-          <a:fillRef idx="0">
-            <a:schemeClr val="dk1"/>
-          </a:fillRef>
-          <a:effectRef idx="0">
-            <a:schemeClr val="dk1"/>
-          </a:effectRef>
-          <a:fontRef idx="minor">
-            <a:schemeClr val="tx1"/>
-          </a:fontRef>
-        </p:style>
-      </p:cxnSp>
-      <p:sp>
-        <p:nvSpPr>
-          <p:cNvPr id="63" name="文本框 62">
-            <a:extLst>
-              <a:ext uri="{FF2B5EF4-FFF2-40B4-BE49-F238E27FC236}">
-                <a16:creationId xmlns:a16="http://schemas.microsoft.com/office/drawing/2014/main" id="{C99EC2CA-4FD7-4774-AD63-6FB5A8B30596}"/>
-              </a:ext>
-            </a:extLst>
-          </p:cNvPr>
-          <p:cNvSpPr txBox="1"/>
-          <p:nvPr/>
-        </p:nvSpPr>
-        <p:spPr>
-          <a:xfrm>
-            <a:off x="5231586" y="3588681"/>
-            <a:ext cx="543739" cy="307777"/>
-          </a:xfrm>
-          <a:prstGeom prst="rect">
-            <a:avLst/>
-          </a:prstGeom>
-          <a:noFill/>
-        </p:spPr>
-        <p:txBody>
-          <a:bodyPr wrap="none" rtlCol="0">
-            <a:spAutoFit/>
-          </a:bodyPr>
-          <a:lstStyle/>
-          <a:p>
-            <a:r>
-              <a:rPr lang="zh-CN" altLang="en-US" sz="1400" dirty="0"/>
-              <a:t>创建</a:t>
-            </a:r>
-          </a:p>
-        </p:txBody>
-      </p:sp>
-      <p:sp>
-        <p:nvSpPr>
-          <p:cNvPr id="64" name="文本框 63">
-            <a:extLst>
-              <a:ext uri="{FF2B5EF4-FFF2-40B4-BE49-F238E27FC236}">
-                <a16:creationId xmlns:a16="http://schemas.microsoft.com/office/drawing/2014/main" id="{2EF4D96D-F5E0-4281-B2BC-CDD656E2E9A6}"/>
-              </a:ext>
-            </a:extLst>
-          </p:cNvPr>
-          <p:cNvSpPr txBox="1"/>
-          <p:nvPr/>
-        </p:nvSpPr>
-        <p:spPr>
-          <a:xfrm>
-            <a:off x="5231586" y="5080887"/>
-            <a:ext cx="543739" cy="307777"/>
-          </a:xfrm>
-          <a:prstGeom prst="rect">
-            <a:avLst/>
-          </a:prstGeom>
-          <a:noFill/>
-        </p:spPr>
-        <p:txBody>
-          <a:bodyPr wrap="none" rtlCol="0">
-            <a:spAutoFit/>
-          </a:bodyPr>
-          <a:lstStyle/>
-          <a:p>
-            <a:r>
-              <a:rPr lang="zh-CN" altLang="en-US" sz="1400" dirty="0"/>
-              <a:t>创建</a:t>
-            </a:r>
-          </a:p>
-        </p:txBody>
-      </p:sp>
-      <p:sp>
-        <p:nvSpPr>
-          <p:cNvPr id="65" name="文本框 64">
-            <a:extLst>
-              <a:ext uri="{FF2B5EF4-FFF2-40B4-BE49-F238E27FC236}">
-                <a16:creationId xmlns:a16="http://schemas.microsoft.com/office/drawing/2014/main" id="{C22DF0B7-60BF-497B-BB94-E4745BEBCB24}"/>
-              </a:ext>
-            </a:extLst>
-          </p:cNvPr>
-          <p:cNvSpPr txBox="1"/>
-          <p:nvPr/>
-        </p:nvSpPr>
-        <p:spPr>
-          <a:xfrm>
-            <a:off x="5240735" y="4420686"/>
-            <a:ext cx="543739" cy="307777"/>
-          </a:xfrm>
-          <a:prstGeom prst="rect">
-            <a:avLst/>
-          </a:prstGeom>
-          <a:noFill/>
-        </p:spPr>
-        <p:txBody>
-          <a:bodyPr wrap="none" rtlCol="0">
-            <a:spAutoFit/>
-          </a:bodyPr>
-          <a:lstStyle/>
-          <a:p>
-            <a:r>
-              <a:rPr lang="zh-CN" altLang="en-US" sz="1400" dirty="0"/>
-              <a:t>保存</a:t>
-            </a:r>
-          </a:p>
-        </p:txBody>
-      </p:sp>
-      <p:sp>
-        <p:nvSpPr>
-          <p:cNvPr id="66" name="文本框 65">
-            <a:extLst>
-              <a:ext uri="{FF2B5EF4-FFF2-40B4-BE49-F238E27FC236}">
-                <a16:creationId xmlns:a16="http://schemas.microsoft.com/office/drawing/2014/main" id="{4BC07492-0CE1-4237-A4A3-B9D22EE39869}"/>
-              </a:ext>
-            </a:extLst>
-          </p:cNvPr>
-          <p:cNvSpPr txBox="1"/>
-          <p:nvPr/>
-        </p:nvSpPr>
-        <p:spPr>
-          <a:xfrm>
-            <a:off x="2183061" y="4293245"/>
-            <a:ext cx="1300356" cy="307777"/>
-          </a:xfrm>
-          <a:prstGeom prst="rect">
-            <a:avLst/>
-          </a:prstGeom>
-          <a:noFill/>
-        </p:spPr>
-        <p:txBody>
-          <a:bodyPr wrap="none" rtlCol="0">
-            <a:spAutoFit/>
-          </a:bodyPr>
-          <a:lstStyle/>
-          <a:p>
-            <a:r>
-              <a:rPr lang="zh-CN" altLang="en-US" sz="1400" dirty="0"/>
-              <a:t>保存配置文件</a:t>
-            </a:r>
-          </a:p>
-        </p:txBody>
-      </p:sp>
-      <p:sp>
-        <p:nvSpPr>
-          <p:cNvPr id="67" name="文本框 66">
-            <a:extLst>
-              <a:ext uri="{FF2B5EF4-FFF2-40B4-BE49-F238E27FC236}">
-                <a16:creationId xmlns:a16="http://schemas.microsoft.com/office/drawing/2014/main" id="{744638A0-C4AD-457D-902F-E0A9306CF4FF}"/>
-              </a:ext>
-            </a:extLst>
-          </p:cNvPr>
-          <p:cNvSpPr txBox="1"/>
-          <p:nvPr/>
-        </p:nvSpPr>
-        <p:spPr>
-          <a:xfrm>
-            <a:off x="2496453" y="3065857"/>
-            <a:ext cx="712054" cy="307777"/>
-          </a:xfrm>
-          <a:prstGeom prst="rect">
-            <a:avLst/>
-          </a:prstGeom>
-          <a:noFill/>
-        </p:spPr>
-        <p:txBody>
-          <a:bodyPr wrap="none" rtlCol="0">
-            <a:spAutoFit/>
-          </a:bodyPr>
-          <a:lstStyle/>
-          <a:p>
-            <a:r>
-              <a:rPr lang="zh-CN" altLang="en-US" sz="1400" dirty="0"/>
-              <a:t>写入</a:t>
-            </a:r>
-            <a:r>
-              <a:rPr lang="en-US" altLang="zh-CN" sz="1400" dirty="0"/>
-              <a:t>ID</a:t>
-            </a:r>
-            <a:endParaRPr lang="zh-CN" altLang="en-US" sz="1400" dirty="0"/>
-          </a:p>
-        </p:txBody>
-      </p:sp>
-      <p:sp>
-        <p:nvSpPr>
-          <p:cNvPr id="71" name="文本框 70">
-            <a:extLst>
-              <a:ext uri="{FF2B5EF4-FFF2-40B4-BE49-F238E27FC236}">
-                <a16:creationId xmlns:a16="http://schemas.microsoft.com/office/drawing/2014/main" id="{7AFACEE4-71F7-4CBA-AEF9-EA88BB1E2D18}"/>
-              </a:ext>
-            </a:extLst>
-          </p:cNvPr>
-          <p:cNvSpPr txBox="1"/>
-          <p:nvPr/>
-        </p:nvSpPr>
-        <p:spPr>
-          <a:xfrm>
-            <a:off x="3373727" y="3404627"/>
-            <a:ext cx="1749197" cy="307777"/>
-          </a:xfrm>
-          <a:prstGeom prst="rect">
-            <a:avLst/>
-          </a:prstGeom>
-          <a:noFill/>
-        </p:spPr>
-        <p:txBody>
-          <a:bodyPr wrap="none" rtlCol="0">
-            <a:spAutoFit/>
-          </a:bodyPr>
-          <a:lstStyle/>
-          <a:p>
-            <a:r>
-              <a:rPr lang="zh-CN" altLang="en-US" sz="1400" dirty="0"/>
-              <a:t>初始化为“停止”状态</a:t>
-            </a:r>
-          </a:p>
-        </p:txBody>
-      </p:sp>
     </p:spTree>
     <p:extLst>
       <p:ext uri="{BB962C8B-B14F-4D97-AF65-F5344CB8AC3E}">
@@ -9792,603 +9534,6 @@
           </a:p>
         </p:txBody>
       </p:sp>
-      <p:grpSp>
-        <p:nvGrpSpPr>
-          <p:cNvPr id="4" name="组合 3">
-            <a:extLst>
-              <a:ext uri="{FF2B5EF4-FFF2-40B4-BE49-F238E27FC236}">
-                <a16:creationId xmlns:a16="http://schemas.microsoft.com/office/drawing/2014/main" id="{72C8B525-0D2D-4489-BAA0-8D9AFF94E8A6}"/>
-              </a:ext>
-            </a:extLst>
-          </p:cNvPr>
-          <p:cNvGrpSpPr/>
-          <p:nvPr/>
-        </p:nvGrpSpPr>
-        <p:grpSpPr>
-          <a:xfrm>
-            <a:off x="5842001" y="2040467"/>
-            <a:ext cx="5048250" cy="3733800"/>
-            <a:chOff x="5842001" y="2040467"/>
-            <a:chExt cx="5048250" cy="3733800"/>
-          </a:xfrm>
-        </p:grpSpPr>
-        <p:sp>
-          <p:nvSpPr>
-            <p:cNvPr id="5" name="矩形 4">
-              <a:extLst>
-                <a:ext uri="{FF2B5EF4-FFF2-40B4-BE49-F238E27FC236}">
-                  <a16:creationId xmlns:a16="http://schemas.microsoft.com/office/drawing/2014/main" id="{572C1DB9-718F-430D-808A-9DE74BD4ED50}"/>
-                </a:ext>
-              </a:extLst>
-            </p:cNvPr>
-            <p:cNvSpPr/>
-            <p:nvPr/>
-          </p:nvSpPr>
-          <p:spPr>
-            <a:xfrm>
-              <a:off x="5842001" y="2040467"/>
-              <a:ext cx="5048250" cy="3733800"/>
-            </a:xfrm>
-            <a:prstGeom prst="rect">
-              <a:avLst/>
-            </a:prstGeom>
-          </p:spPr>
-          <p:style>
-            <a:lnRef idx="2">
-              <a:schemeClr val="dk1"/>
-            </a:lnRef>
-            <a:fillRef idx="1">
-              <a:schemeClr val="lt1"/>
-            </a:fillRef>
-            <a:effectRef idx="0">
-              <a:schemeClr val="dk1"/>
-            </a:effectRef>
-            <a:fontRef idx="minor">
-              <a:schemeClr val="dk1"/>
-            </a:fontRef>
-          </p:style>
-          <p:txBody>
-            <a:bodyPr rtlCol="0" anchor="ctr"/>
-            <a:lstStyle/>
-            <a:p>
-              <a:pPr algn="r"/>
-              <a:r>
-                <a:rPr lang="zh-CN" altLang="en-US" dirty="0"/>
-                <a:t>操</a:t>
-              </a:r>
-              <a:endParaRPr lang="en-US" altLang="zh-CN" dirty="0"/>
-            </a:p>
-            <a:p>
-              <a:pPr algn="r"/>
-              <a:r>
-                <a:rPr lang="zh-CN" altLang="en-US" dirty="0"/>
-                <a:t>作</a:t>
-              </a:r>
-              <a:endParaRPr lang="en-US" altLang="zh-CN" dirty="0"/>
-            </a:p>
-            <a:p>
-              <a:pPr algn="r"/>
-              <a:r>
-                <a:rPr lang="zh-CN" altLang="en-US" dirty="0"/>
-                <a:t>系</a:t>
-              </a:r>
-              <a:endParaRPr lang="en-US" altLang="zh-CN" dirty="0"/>
-            </a:p>
-            <a:p>
-              <a:pPr algn="r"/>
-              <a:r>
-                <a:rPr lang="zh-CN" altLang="en-US" dirty="0"/>
-                <a:t>统</a:t>
-              </a:r>
-              <a:endParaRPr lang="en-US" altLang="zh-CN" dirty="0"/>
-            </a:p>
-            <a:p>
-              <a:pPr algn="r"/>
-              <a:r>
-                <a:rPr lang="zh-CN" altLang="en-US" dirty="0"/>
-                <a:t>资</a:t>
-              </a:r>
-              <a:endParaRPr lang="en-US" altLang="zh-CN" dirty="0"/>
-            </a:p>
-            <a:p>
-              <a:pPr algn="r"/>
-              <a:r>
-                <a:rPr lang="zh-CN" altLang="en-US" dirty="0"/>
-                <a:t>源</a:t>
-              </a:r>
-              <a:endParaRPr lang="en-US" altLang="zh-CN" dirty="0"/>
-            </a:p>
-          </p:txBody>
-        </p:sp>
-        <p:sp>
-          <p:nvSpPr>
-            <p:cNvPr id="6" name="矩形 5">
-              <a:extLst>
-                <a:ext uri="{FF2B5EF4-FFF2-40B4-BE49-F238E27FC236}">
-                  <a16:creationId xmlns:a16="http://schemas.microsoft.com/office/drawing/2014/main" id="{EF50FA39-7676-4473-AF68-3D8F36BF1A28}"/>
-                </a:ext>
-              </a:extLst>
-            </p:cNvPr>
-            <p:cNvSpPr/>
-            <p:nvPr/>
-          </p:nvSpPr>
-          <p:spPr>
-            <a:xfrm>
-              <a:off x="5913834" y="3019308"/>
-              <a:ext cx="1837266" cy="897466"/>
-            </a:xfrm>
-            <a:prstGeom prst="rect">
-              <a:avLst/>
-            </a:prstGeom>
-          </p:spPr>
-          <p:style>
-            <a:lnRef idx="2">
-              <a:schemeClr val="dk1"/>
-            </a:lnRef>
-            <a:fillRef idx="1">
-              <a:schemeClr val="lt1"/>
-            </a:fillRef>
-            <a:effectRef idx="0">
-              <a:schemeClr val="dk1"/>
-            </a:effectRef>
-            <a:fontRef idx="minor">
-              <a:schemeClr val="dk1"/>
-            </a:fontRef>
-          </p:style>
-          <p:txBody>
-            <a:bodyPr rtlCol="0" anchor="ctr"/>
-            <a:lstStyle/>
-            <a:p>
-              <a:pPr algn="ctr"/>
-              <a:r>
-                <a:rPr lang="zh-CN" altLang="en-US" dirty="0"/>
-                <a:t>日志文件</a:t>
-              </a:r>
-            </a:p>
-          </p:txBody>
-        </p:sp>
-        <p:sp>
-          <p:nvSpPr>
-            <p:cNvPr id="7" name="矩形 6">
-              <a:extLst>
-                <a:ext uri="{FF2B5EF4-FFF2-40B4-BE49-F238E27FC236}">
-                  <a16:creationId xmlns:a16="http://schemas.microsoft.com/office/drawing/2014/main" id="{D0A177D1-EAB7-497D-A231-653093C40B9B}"/>
-                </a:ext>
-              </a:extLst>
-            </p:cNvPr>
-            <p:cNvSpPr/>
-            <p:nvPr/>
-          </p:nvSpPr>
-          <p:spPr>
-            <a:xfrm>
-              <a:off x="5913834" y="4811546"/>
-              <a:ext cx="1837266" cy="897466"/>
-            </a:xfrm>
-            <a:prstGeom prst="rect">
-              <a:avLst/>
-            </a:prstGeom>
-          </p:spPr>
-          <p:style>
-            <a:lnRef idx="2">
-              <a:schemeClr val="dk1"/>
-            </a:lnRef>
-            <a:fillRef idx="1">
-              <a:schemeClr val="lt1"/>
-            </a:fillRef>
-            <a:effectRef idx="0">
-              <a:schemeClr val="dk1"/>
-            </a:effectRef>
-            <a:fontRef idx="minor">
-              <a:schemeClr val="dk1"/>
-            </a:fontRef>
-          </p:style>
-          <p:txBody>
-            <a:bodyPr rtlCol="0" anchor="ctr"/>
-            <a:lstStyle/>
-            <a:p>
-              <a:pPr algn="ctr"/>
-              <a:r>
-                <a:rPr lang="zh-CN" altLang="en-US" dirty="0"/>
-                <a:t>结果文件</a:t>
-              </a:r>
-            </a:p>
-          </p:txBody>
-        </p:sp>
-        <p:sp>
-          <p:nvSpPr>
-            <p:cNvPr id="8" name="矩形 7">
-              <a:extLst>
-                <a:ext uri="{FF2B5EF4-FFF2-40B4-BE49-F238E27FC236}">
-                  <a16:creationId xmlns:a16="http://schemas.microsoft.com/office/drawing/2014/main" id="{46D32BAA-8699-4404-9962-C4C9A3BCD61D}"/>
-                </a:ext>
-              </a:extLst>
-            </p:cNvPr>
-            <p:cNvSpPr/>
-            <p:nvPr/>
-          </p:nvSpPr>
-          <p:spPr>
-            <a:xfrm>
-              <a:off x="5913834" y="3914080"/>
-              <a:ext cx="1837266" cy="897466"/>
-            </a:xfrm>
-            <a:prstGeom prst="rect">
-              <a:avLst/>
-            </a:prstGeom>
-          </p:spPr>
-          <p:style>
-            <a:lnRef idx="2">
-              <a:schemeClr val="dk1"/>
-            </a:lnRef>
-            <a:fillRef idx="1">
-              <a:schemeClr val="lt1"/>
-            </a:fillRef>
-            <a:effectRef idx="0">
-              <a:schemeClr val="dk1"/>
-            </a:effectRef>
-            <a:fontRef idx="minor">
-              <a:schemeClr val="dk1"/>
-            </a:fontRef>
-          </p:style>
-          <p:txBody>
-            <a:bodyPr rtlCol="0" anchor="ctr"/>
-            <a:lstStyle/>
-            <a:p>
-              <a:pPr algn="ctr"/>
-              <a:r>
-                <a:rPr lang="zh-CN" altLang="en-US" dirty="0"/>
-                <a:t>配置文件</a:t>
-              </a:r>
-            </a:p>
-          </p:txBody>
-        </p:sp>
-      </p:grpSp>
-      <p:grpSp>
-        <p:nvGrpSpPr>
-          <p:cNvPr id="9" name="组合 8">
-            <a:extLst>
-              <a:ext uri="{FF2B5EF4-FFF2-40B4-BE49-F238E27FC236}">
-                <a16:creationId xmlns:a16="http://schemas.microsoft.com/office/drawing/2014/main" id="{6F54E8B1-A24A-4F36-A9E0-095EA12B29EE}"/>
-              </a:ext>
-            </a:extLst>
-          </p:cNvPr>
-          <p:cNvGrpSpPr/>
-          <p:nvPr/>
-        </p:nvGrpSpPr>
-        <p:grpSpPr>
-          <a:xfrm>
-            <a:off x="3331636" y="2040465"/>
-            <a:ext cx="1837266" cy="3733801"/>
-            <a:chOff x="3331636" y="2040465"/>
-            <a:chExt cx="1837266" cy="3733801"/>
-          </a:xfrm>
-        </p:grpSpPr>
-        <p:sp>
-          <p:nvSpPr>
-            <p:cNvPr id="10" name="矩形 9">
-              <a:extLst>
-                <a:ext uri="{FF2B5EF4-FFF2-40B4-BE49-F238E27FC236}">
-                  <a16:creationId xmlns:a16="http://schemas.microsoft.com/office/drawing/2014/main" id="{DED6AC24-F0FE-4921-8B28-335D0C5FE7DC}"/>
-                </a:ext>
-              </a:extLst>
-            </p:cNvPr>
-            <p:cNvSpPr/>
-            <p:nvPr/>
-          </p:nvSpPr>
-          <p:spPr>
-            <a:xfrm>
-              <a:off x="3331636" y="2040465"/>
-              <a:ext cx="1837266" cy="3733801"/>
-            </a:xfrm>
-            <a:prstGeom prst="rect">
-              <a:avLst/>
-            </a:prstGeom>
-            <a:noFill/>
-          </p:spPr>
-          <p:style>
-            <a:lnRef idx="2">
-              <a:schemeClr val="dk1"/>
-            </a:lnRef>
-            <a:fillRef idx="1">
-              <a:schemeClr val="lt1"/>
-            </a:fillRef>
-            <a:effectRef idx="0">
-              <a:schemeClr val="dk1"/>
-            </a:effectRef>
-            <a:fontRef idx="minor">
-              <a:schemeClr val="dk1"/>
-            </a:fontRef>
-          </p:style>
-          <p:txBody>
-            <a:bodyPr rtlCol="0" anchor="t"/>
-            <a:lstStyle/>
-            <a:p>
-              <a:pPr algn="ctr"/>
-              <a:r>
-                <a:rPr lang="en-US" altLang="zh-CN" dirty="0"/>
-                <a:t>Task</a:t>
-              </a:r>
-              <a:r>
-                <a:rPr lang="zh-CN" altLang="en-US" dirty="0"/>
-                <a:t>组件</a:t>
-              </a:r>
-              <a:endParaRPr lang="en-US" altLang="zh-CN" dirty="0"/>
-            </a:p>
-          </p:txBody>
-        </p:sp>
-        <p:sp>
-          <p:nvSpPr>
-            <p:cNvPr id="11" name="矩形 10">
-              <a:extLst>
-                <a:ext uri="{FF2B5EF4-FFF2-40B4-BE49-F238E27FC236}">
-                  <a16:creationId xmlns:a16="http://schemas.microsoft.com/office/drawing/2014/main" id="{FFCD8FCD-76EF-4789-8560-6B4547112A0D}"/>
-                </a:ext>
-              </a:extLst>
-            </p:cNvPr>
-            <p:cNvSpPr/>
-            <p:nvPr/>
-          </p:nvSpPr>
-          <p:spPr>
-            <a:xfrm>
-              <a:off x="3400226" y="4437702"/>
-              <a:ext cx="1699818" cy="422944"/>
-            </a:xfrm>
-            <a:prstGeom prst="rect">
-              <a:avLst/>
-            </a:prstGeom>
-          </p:spPr>
-          <p:style>
-            <a:lnRef idx="2">
-              <a:schemeClr val="dk1"/>
-            </a:lnRef>
-            <a:fillRef idx="1">
-              <a:schemeClr val="lt1"/>
-            </a:fillRef>
-            <a:effectRef idx="0">
-              <a:schemeClr val="dk1"/>
-            </a:effectRef>
-            <a:fontRef idx="minor">
-              <a:schemeClr val="dk1"/>
-            </a:fontRef>
-          </p:style>
-          <p:txBody>
-            <a:bodyPr rtlCol="0" anchor="ctr"/>
-            <a:lstStyle/>
-            <a:p>
-              <a:pPr algn="ctr"/>
-              <a:r>
-                <a:rPr lang="zh-CN" altLang="en-US" dirty="0"/>
-                <a:t>日志文件路径</a:t>
-              </a:r>
-            </a:p>
-          </p:txBody>
-        </p:sp>
-        <p:sp>
-          <p:nvSpPr>
-            <p:cNvPr id="12" name="矩形 11">
-              <a:extLst>
-                <a:ext uri="{FF2B5EF4-FFF2-40B4-BE49-F238E27FC236}">
-                  <a16:creationId xmlns:a16="http://schemas.microsoft.com/office/drawing/2014/main" id="{8ECA59A4-F521-42B4-80D5-0E64F67D8975}"/>
-                </a:ext>
-              </a:extLst>
-            </p:cNvPr>
-            <p:cNvSpPr/>
-            <p:nvPr/>
-          </p:nvSpPr>
-          <p:spPr>
-            <a:xfrm>
-              <a:off x="3400226" y="4860646"/>
-              <a:ext cx="1699550" cy="422944"/>
-            </a:xfrm>
-            <a:prstGeom prst="rect">
-              <a:avLst/>
-            </a:prstGeom>
-          </p:spPr>
-          <p:style>
-            <a:lnRef idx="2">
-              <a:schemeClr val="dk1"/>
-            </a:lnRef>
-            <a:fillRef idx="1">
-              <a:schemeClr val="lt1"/>
-            </a:fillRef>
-            <a:effectRef idx="0">
-              <a:schemeClr val="dk1"/>
-            </a:effectRef>
-            <a:fontRef idx="minor">
-              <a:schemeClr val="dk1"/>
-            </a:fontRef>
-          </p:style>
-          <p:txBody>
-            <a:bodyPr rtlCol="0" anchor="ctr"/>
-            <a:lstStyle/>
-            <a:p>
-              <a:pPr algn="ctr"/>
-              <a:r>
-                <a:rPr lang="zh-CN" altLang="en-US" dirty="0"/>
-                <a:t>配置文件路径</a:t>
-              </a:r>
-            </a:p>
-          </p:txBody>
-        </p:sp>
-        <p:sp>
-          <p:nvSpPr>
-            <p:cNvPr id="13" name="矩形 12">
-              <a:extLst>
-                <a:ext uri="{FF2B5EF4-FFF2-40B4-BE49-F238E27FC236}">
-                  <a16:creationId xmlns:a16="http://schemas.microsoft.com/office/drawing/2014/main" id="{8E3B2ECB-2984-461B-AA05-E51488EF2FF6}"/>
-                </a:ext>
-              </a:extLst>
-            </p:cNvPr>
-            <p:cNvSpPr/>
-            <p:nvPr/>
-          </p:nvSpPr>
-          <p:spPr>
-            <a:xfrm>
-              <a:off x="3400226" y="5283590"/>
-              <a:ext cx="1699550" cy="422944"/>
-            </a:xfrm>
-            <a:prstGeom prst="rect">
-              <a:avLst/>
-            </a:prstGeom>
-          </p:spPr>
-          <p:style>
-            <a:lnRef idx="2">
-              <a:schemeClr val="dk1"/>
-            </a:lnRef>
-            <a:fillRef idx="1">
-              <a:schemeClr val="lt1"/>
-            </a:fillRef>
-            <a:effectRef idx="0">
-              <a:schemeClr val="dk1"/>
-            </a:effectRef>
-            <a:fontRef idx="minor">
-              <a:schemeClr val="dk1"/>
-            </a:fontRef>
-          </p:style>
-          <p:txBody>
-            <a:bodyPr rtlCol="0" anchor="ctr"/>
-            <a:lstStyle/>
-            <a:p>
-              <a:pPr algn="ctr"/>
-              <a:r>
-                <a:rPr lang="zh-CN" altLang="en-US" dirty="0"/>
-                <a:t>结果文件路径</a:t>
-              </a:r>
-            </a:p>
-          </p:txBody>
-        </p:sp>
-      </p:grpSp>
-      <p:cxnSp>
-        <p:nvCxnSpPr>
-          <p:cNvPr id="17" name="直接箭头连接符 16">
-            <a:extLst>
-              <a:ext uri="{FF2B5EF4-FFF2-40B4-BE49-F238E27FC236}">
-                <a16:creationId xmlns:a16="http://schemas.microsoft.com/office/drawing/2014/main" id="{8587DD2C-128F-43A2-A7FA-8E42C5DBC856}"/>
-              </a:ext>
-            </a:extLst>
-          </p:cNvPr>
-          <p:cNvCxnSpPr>
-            <a:cxnSpLocks/>
-            <a:stCxn id="11" idx="3"/>
-            <a:endCxn id="6" idx="1"/>
-          </p:cNvCxnSpPr>
-          <p:nvPr/>
-        </p:nvCxnSpPr>
-        <p:spPr>
-          <a:xfrm flipV="1">
-            <a:off x="5100044" y="3468041"/>
-            <a:ext cx="813790" cy="1181133"/>
-          </a:xfrm>
-          <a:prstGeom prst="straightConnector1">
-            <a:avLst/>
-          </a:prstGeom>
-          <a:ln w="6350">
-            <a:headEnd type="none" w="med" len="med"/>
-            <a:tailEnd type="triangle" w="med" len="med"/>
-          </a:ln>
-        </p:spPr>
-        <p:style>
-          <a:lnRef idx="1">
-            <a:schemeClr val="dk1"/>
-          </a:lnRef>
-          <a:fillRef idx="0">
-            <a:schemeClr val="dk1"/>
-          </a:fillRef>
-          <a:effectRef idx="0">
-            <a:schemeClr val="dk1"/>
-          </a:effectRef>
-          <a:fontRef idx="minor">
-            <a:schemeClr val="tx1"/>
-          </a:fontRef>
-        </p:style>
-      </p:cxnSp>
-      <p:cxnSp>
-        <p:nvCxnSpPr>
-          <p:cNvPr id="18" name="直接箭头连接符 17">
-            <a:extLst>
-              <a:ext uri="{FF2B5EF4-FFF2-40B4-BE49-F238E27FC236}">
-                <a16:creationId xmlns:a16="http://schemas.microsoft.com/office/drawing/2014/main" id="{A7CEB005-9F49-466E-AB2E-5E3FF1552748}"/>
-              </a:ext>
-            </a:extLst>
-          </p:cNvPr>
-          <p:cNvCxnSpPr>
-            <a:cxnSpLocks/>
-            <a:stCxn id="13" idx="3"/>
-            <a:endCxn id="7" idx="1"/>
-          </p:cNvCxnSpPr>
-          <p:nvPr/>
-        </p:nvCxnSpPr>
-        <p:spPr>
-          <a:xfrm flipV="1">
-            <a:off x="5099776" y="5260279"/>
-            <a:ext cx="814058" cy="234783"/>
-          </a:xfrm>
-          <a:prstGeom prst="straightConnector1">
-            <a:avLst/>
-          </a:prstGeom>
-          <a:ln w="6350">
-            <a:headEnd type="none" w="med" len="med"/>
-            <a:tailEnd type="triangle" w="med" len="med"/>
-          </a:ln>
-        </p:spPr>
-        <p:style>
-          <a:lnRef idx="1">
-            <a:schemeClr val="dk1"/>
-          </a:lnRef>
-          <a:fillRef idx="0">
-            <a:schemeClr val="dk1"/>
-          </a:fillRef>
-          <a:effectRef idx="0">
-            <a:schemeClr val="dk1"/>
-          </a:effectRef>
-          <a:fontRef idx="minor">
-            <a:schemeClr val="tx1"/>
-          </a:fontRef>
-        </p:style>
-      </p:cxnSp>
-      <p:cxnSp>
-        <p:nvCxnSpPr>
-          <p:cNvPr id="19" name="直接箭头连接符 18">
-            <a:extLst>
-              <a:ext uri="{FF2B5EF4-FFF2-40B4-BE49-F238E27FC236}">
-                <a16:creationId xmlns:a16="http://schemas.microsoft.com/office/drawing/2014/main" id="{3DBBCC21-E251-4737-8C31-1D6EEAC7EA3F}"/>
-              </a:ext>
-            </a:extLst>
-          </p:cNvPr>
-          <p:cNvCxnSpPr>
-            <a:cxnSpLocks/>
-            <a:stCxn id="12" idx="3"/>
-            <a:endCxn id="8" idx="1"/>
-          </p:cNvCxnSpPr>
-          <p:nvPr/>
-        </p:nvCxnSpPr>
-        <p:spPr>
-          <a:xfrm flipV="1">
-            <a:off x="5099776" y="4362813"/>
-            <a:ext cx="814058" cy="709305"/>
-          </a:xfrm>
-          <a:prstGeom prst="straightConnector1">
-            <a:avLst/>
-          </a:prstGeom>
-          <a:ln w="6350">
-            <a:headEnd type="none" w="med" len="med"/>
-            <a:tailEnd type="triangle" w="med" len="med"/>
-          </a:ln>
-        </p:spPr>
-        <p:style>
-          <a:lnRef idx="1">
-            <a:schemeClr val="dk1"/>
-          </a:lnRef>
-          <a:fillRef idx="0">
-            <a:schemeClr val="dk1"/>
-          </a:fillRef>
-          <a:effectRef idx="0">
-            <a:schemeClr val="dk1"/>
-          </a:effectRef>
-          <a:fontRef idx="minor">
-            <a:schemeClr val="tx1"/>
-          </a:fontRef>
-        </p:style>
-      </p:cxnSp>
       <p:sp>
         <p:nvSpPr>
           <p:cNvPr id="20" name="文本框 19">
@@ -10496,10 +9641,10 @@
       </p:sp>
       <p:sp>
         <p:nvSpPr>
-          <p:cNvPr id="24" name="箭头: 五边形 23">
-            <a:extLst>
-              <a:ext uri="{FF2B5EF4-FFF2-40B4-BE49-F238E27FC236}">
-                <a16:creationId xmlns:a16="http://schemas.microsoft.com/office/drawing/2014/main" id="{84150F34-1A3D-4896-A348-719F2C65AEF9}"/>
+          <p:cNvPr id="23" name="箭头: 五边形 22">
+            <a:extLst>
+              <a:ext uri="{FF2B5EF4-FFF2-40B4-BE49-F238E27FC236}">
+                <a16:creationId xmlns:a16="http://schemas.microsoft.com/office/drawing/2014/main" id="{1D5B4AA6-9690-44FF-8358-D8407E609916}"/>
               </a:ext>
             </a:extLst>
           </p:cNvPr>
@@ -10508,7 +9653,7 @@
         </p:nvSpPr>
         <p:spPr>
           <a:xfrm>
-            <a:off x="0" y="2020959"/>
+            <a:off x="0" y="2457839"/>
             <a:ext cx="2024817" cy="484632"/>
           </a:xfrm>
           <a:prstGeom prst="homePlate">
@@ -10541,74 +9686,12 @@
           </a:p>
         </p:txBody>
       </p:sp>
-    </p:spTree>
-    <p:extLst>
-      <p:ext uri="{BB962C8B-B14F-4D97-AF65-F5344CB8AC3E}">
-        <p14:creationId xmlns:p14="http://schemas.microsoft.com/office/powerpoint/2010/main" val="1412769116"/>
-      </p:ext>
-    </p:extLst>
-  </p:cSld>
-  <p:clrMapOvr>
-    <a:masterClrMapping/>
-  </p:clrMapOvr>
-</p:sld>
-</file>
-
-<file path=ppt/slides/slide15.xml><?xml version="1.0" encoding="utf-8"?>
-<p:sld xmlns:a="http://schemas.openxmlformats.org/drawingml/2006/main" xmlns:r="http://schemas.openxmlformats.org/officeDocument/2006/relationships" xmlns:p="http://schemas.openxmlformats.org/presentationml/2006/main">
-  <p:cSld>
-    <p:spTree>
-      <p:nvGrpSpPr>
-        <p:cNvPr id="1" name=""/>
-        <p:cNvGrpSpPr/>
-        <p:nvPr/>
-      </p:nvGrpSpPr>
-      <p:grpSpPr>
-        <a:xfrm>
-          <a:off x="0" y="0"/>
-          <a:ext cx="0" cy="0"/>
-          <a:chOff x="0" y="0"/>
-          <a:chExt cx="0" cy="0"/>
-        </a:xfrm>
-      </p:grpSpPr>
-      <p:sp>
-        <p:nvSpPr>
-          <p:cNvPr id="2" name="标题 1">
-            <a:extLst>
-              <a:ext uri="{FF2B5EF4-FFF2-40B4-BE49-F238E27FC236}">
-                <a16:creationId xmlns:a16="http://schemas.microsoft.com/office/drawing/2014/main" id="{A3E9E3D6-F36F-411B-BF8C-7A09DEB6B3BB}"/>
-              </a:ext>
-            </a:extLst>
-          </p:cNvPr>
-          <p:cNvSpPr>
-            <a:spLocks noGrp="1"/>
-          </p:cNvSpPr>
-          <p:nvPr>
-            <p:ph type="title"/>
-          </p:nvPr>
-        </p:nvSpPr>
-        <p:spPr/>
-        <p:txBody>
-          <a:bodyPr/>
-          <a:lstStyle/>
-          <a:p>
-            <a:r>
-              <a:rPr lang="en-US" altLang="zh-CN" dirty="0"/>
-              <a:t>Task</a:t>
-            </a:r>
-            <a:r>
-              <a:rPr lang="zh-CN" altLang="en-US" dirty="0"/>
-              <a:t>接口详解</a:t>
-            </a:r>
-          </a:p>
-        </p:txBody>
-      </p:sp>
       <p:grpSp>
         <p:nvGrpSpPr>
           <p:cNvPr id="25" name="组合 24">
             <a:extLst>
               <a:ext uri="{FF2B5EF4-FFF2-40B4-BE49-F238E27FC236}">
-                <a16:creationId xmlns:a16="http://schemas.microsoft.com/office/drawing/2014/main" id="{C53EB295-56D6-4805-88E3-4CF210D83EEF}"/>
+                <a16:creationId xmlns:a16="http://schemas.microsoft.com/office/drawing/2014/main" id="{9F311A02-DE0C-436B-BE01-9993A077E54D}"/>
               </a:ext>
             </a:extLst>
           </p:cNvPr>
@@ -10617,10 +9700,10 @@
         </p:nvGrpSpPr>
         <p:grpSpPr>
           <a:xfrm>
-            <a:off x="5842001" y="2040467"/>
-            <a:ext cx="5048250" cy="3733800"/>
-            <a:chOff x="5842001" y="2040467"/>
-            <a:chExt cx="5048250" cy="3733800"/>
+            <a:off x="5842001" y="2457839"/>
+            <a:ext cx="4117667" cy="3316428"/>
+            <a:chOff x="5842001" y="2457839"/>
+            <a:chExt cx="4117667" cy="3316428"/>
           </a:xfrm>
         </p:grpSpPr>
         <p:sp>
@@ -10628,7 +9711,7 @@
             <p:cNvPr id="26" name="矩形 25">
               <a:extLst>
                 <a:ext uri="{FF2B5EF4-FFF2-40B4-BE49-F238E27FC236}">
-                  <a16:creationId xmlns:a16="http://schemas.microsoft.com/office/drawing/2014/main" id="{E3A3127C-24FA-43F5-B4E2-A45FFC3A0A7A}"/>
+                  <a16:creationId xmlns:a16="http://schemas.microsoft.com/office/drawing/2014/main" id="{F3A6A1D8-4F3C-4EAB-A832-F8DF384537CE}"/>
                 </a:ext>
               </a:extLst>
             </p:cNvPr>
@@ -10637,8 +9720,8 @@
           </p:nvSpPr>
           <p:spPr>
             <a:xfrm>
-              <a:off x="5842001" y="2040467"/>
-              <a:ext cx="5048250" cy="3733800"/>
+              <a:off x="5842001" y="2457839"/>
+              <a:ext cx="4117667" cy="3316428"/>
             </a:xfrm>
             <a:prstGeom prst="rect">
               <a:avLst/>
@@ -10716,7 +9799,7 @@
             <p:cNvPr id="27" name="矩形 26">
               <a:extLst>
                 <a:ext uri="{FF2B5EF4-FFF2-40B4-BE49-F238E27FC236}">
-                  <a16:creationId xmlns:a16="http://schemas.microsoft.com/office/drawing/2014/main" id="{6E6ABEED-6363-4619-A70A-970B00F45070}"/>
+                  <a16:creationId xmlns:a16="http://schemas.microsoft.com/office/drawing/2014/main" id="{C41AC11D-52D4-4CAC-B011-E6D394A7D6EB}"/>
                 </a:ext>
               </a:extLst>
             </p:cNvPr>
@@ -10763,7 +9846,7 @@
             <p:cNvPr id="28" name="矩形 27">
               <a:extLst>
                 <a:ext uri="{FF2B5EF4-FFF2-40B4-BE49-F238E27FC236}">
-                  <a16:creationId xmlns:a16="http://schemas.microsoft.com/office/drawing/2014/main" id="{880E84E0-F765-4187-8F0D-82989DE5FDAE}"/>
+                  <a16:creationId xmlns:a16="http://schemas.microsoft.com/office/drawing/2014/main" id="{0A952961-1362-4631-A2E8-647DC9E06E5A}"/>
                 </a:ext>
               </a:extLst>
             </p:cNvPr>
@@ -10810,7 +9893,7 @@
             <p:cNvPr id="29" name="矩形 28">
               <a:extLst>
                 <a:ext uri="{FF2B5EF4-FFF2-40B4-BE49-F238E27FC236}">
-                  <a16:creationId xmlns:a16="http://schemas.microsoft.com/office/drawing/2014/main" id="{BE1C832C-023D-442E-8871-27F1CD678ADA}"/>
+                  <a16:creationId xmlns:a16="http://schemas.microsoft.com/office/drawing/2014/main" id="{FFD4C619-B2D2-4753-95C1-A671F4A3A858}"/>
                 </a:ext>
               </a:extLst>
             </p:cNvPr>
@@ -10852,12 +9935,33 @@
             </a:p>
           </p:txBody>
         </p:sp>
+      </p:grpSp>
+      <p:grpSp>
+        <p:nvGrpSpPr>
+          <p:cNvPr id="30" name="组合 29">
+            <a:extLst>
+              <a:ext uri="{FF2B5EF4-FFF2-40B4-BE49-F238E27FC236}">
+                <a16:creationId xmlns:a16="http://schemas.microsoft.com/office/drawing/2014/main" id="{5A93C4D9-06B7-4E1A-B90D-4153723FC295}"/>
+              </a:ext>
+            </a:extLst>
+          </p:cNvPr>
+          <p:cNvGrpSpPr/>
+          <p:nvPr/>
+        </p:nvGrpSpPr>
+        <p:grpSpPr>
+          <a:xfrm>
+            <a:off x="3331636" y="2457837"/>
+            <a:ext cx="1837266" cy="3316429"/>
+            <a:chOff x="3331636" y="2457837"/>
+            <a:chExt cx="1837266" cy="3316429"/>
+          </a:xfrm>
+        </p:grpSpPr>
         <p:sp>
           <p:nvSpPr>
-            <p:cNvPr id="30" name="矩形 29">
+            <p:cNvPr id="31" name="矩形 30">
               <a:extLst>
                 <a:ext uri="{FF2B5EF4-FFF2-40B4-BE49-F238E27FC236}">
-                  <a16:creationId xmlns:a16="http://schemas.microsoft.com/office/drawing/2014/main" id="{F0F5E2D4-3AB3-4B56-A55E-2B1123784EE3}"/>
+                  <a16:creationId xmlns:a16="http://schemas.microsoft.com/office/drawing/2014/main" id="{84E947FE-4090-4C5A-9963-6B6365F991D5}"/>
                 </a:ext>
               </a:extLst>
             </p:cNvPr>
@@ -10866,165 +9970,8 @@
           </p:nvSpPr>
           <p:spPr>
             <a:xfrm>
-              <a:off x="8496300" y="2116670"/>
-              <a:ext cx="1837266" cy="3589864"/>
-            </a:xfrm>
-            <a:prstGeom prst="rect">
-              <a:avLst/>
-            </a:prstGeom>
-          </p:spPr>
-          <p:style>
-            <a:lnRef idx="2">
-              <a:schemeClr val="dk1"/>
-            </a:lnRef>
-            <a:fillRef idx="1">
-              <a:schemeClr val="lt1"/>
-            </a:fillRef>
-            <a:effectRef idx="0">
-              <a:schemeClr val="dk1"/>
-            </a:effectRef>
-            <a:fontRef idx="minor">
-              <a:schemeClr val="dk1"/>
-            </a:fontRef>
-          </p:style>
-          <p:txBody>
-            <a:bodyPr rtlCol="0" anchor="ctr"/>
-            <a:lstStyle/>
-            <a:p>
-              <a:pPr algn="ctr"/>
-              <a:r>
-                <a:rPr lang="zh-CN" altLang="en-US" dirty="0"/>
-                <a:t>子进程</a:t>
-              </a:r>
-            </a:p>
-          </p:txBody>
-        </p:sp>
-      </p:grpSp>
-      <p:sp>
-        <p:nvSpPr>
-          <p:cNvPr id="31" name="箭头: 五边形 30">
-            <a:extLst>
-              <a:ext uri="{FF2B5EF4-FFF2-40B4-BE49-F238E27FC236}">
-                <a16:creationId xmlns:a16="http://schemas.microsoft.com/office/drawing/2014/main" id="{9152919E-CE94-4808-B0CD-B3FED12C24A8}"/>
-              </a:ext>
-            </a:extLst>
-          </p:cNvPr>
-          <p:cNvSpPr/>
-          <p:nvPr/>
-        </p:nvSpPr>
-        <p:spPr>
-          <a:xfrm>
-            <a:off x="-1" y="2505591"/>
-            <a:ext cx="2024817" cy="484632"/>
-          </a:xfrm>
-          <a:prstGeom prst="homePlate">
-            <a:avLst/>
-          </a:prstGeom>
-        </p:spPr>
-        <p:style>
-          <a:lnRef idx="2">
-            <a:schemeClr val="dk1"/>
-          </a:lnRef>
-          <a:fillRef idx="1">
-            <a:schemeClr val="lt1"/>
-          </a:fillRef>
-          <a:effectRef idx="0">
-            <a:schemeClr val="dk1"/>
-          </a:effectRef>
-          <a:fontRef idx="minor">
-            <a:schemeClr val="dk1"/>
-          </a:fontRef>
-        </p:style>
-        <p:txBody>
-          <a:bodyPr rtlCol="0" anchor="ctr"/>
-          <a:lstStyle/>
-          <a:p>
-            <a:pPr algn="ctr"/>
-            <a:r>
-              <a:rPr lang="zh-CN" altLang="en-US" dirty="0"/>
-              <a:t>接口：任务启动</a:t>
-            </a:r>
-          </a:p>
-        </p:txBody>
-      </p:sp>
-      <p:cxnSp>
-        <p:nvCxnSpPr>
-          <p:cNvPr id="32" name="直接箭头连接符 31">
-            <a:extLst>
-              <a:ext uri="{FF2B5EF4-FFF2-40B4-BE49-F238E27FC236}">
-                <a16:creationId xmlns:a16="http://schemas.microsoft.com/office/drawing/2014/main" id="{7972FC90-1058-490B-9331-2ABDCB9CB0BA}"/>
-              </a:ext>
-            </a:extLst>
-          </p:cNvPr>
-          <p:cNvCxnSpPr>
-            <a:cxnSpLocks/>
-          </p:cNvCxnSpPr>
-          <p:nvPr/>
-        </p:nvCxnSpPr>
-        <p:spPr>
-          <a:xfrm>
-            <a:off x="5096427" y="2953819"/>
-            <a:ext cx="3402850" cy="0"/>
-          </a:xfrm>
-          <a:prstGeom prst="straightConnector1">
-            <a:avLst/>
-          </a:prstGeom>
-          <a:ln w="28575">
-            <a:headEnd type="none" w="med" len="med"/>
-            <a:tailEnd type="triangle" w="med" len="med"/>
-          </a:ln>
-        </p:spPr>
-        <p:style>
-          <a:lnRef idx="1">
-            <a:schemeClr val="dk1"/>
-          </a:lnRef>
-          <a:fillRef idx="0">
-            <a:schemeClr val="dk1"/>
-          </a:fillRef>
-          <a:effectRef idx="0">
-            <a:schemeClr val="dk1"/>
-          </a:effectRef>
-          <a:fontRef idx="minor">
-            <a:schemeClr val="tx1"/>
-          </a:fontRef>
-        </p:style>
-      </p:cxnSp>
-      <p:grpSp>
-        <p:nvGrpSpPr>
-          <p:cNvPr id="9" name="组合 8">
-            <a:extLst>
-              <a:ext uri="{FF2B5EF4-FFF2-40B4-BE49-F238E27FC236}">
-                <a16:creationId xmlns:a16="http://schemas.microsoft.com/office/drawing/2014/main" id="{6F54E8B1-A24A-4F36-A9E0-095EA12B29EE}"/>
-              </a:ext>
-            </a:extLst>
-          </p:cNvPr>
-          <p:cNvGrpSpPr/>
-          <p:nvPr/>
-        </p:nvGrpSpPr>
-        <p:grpSpPr>
-          <a:xfrm>
-            <a:off x="3331636" y="2040465"/>
-            <a:ext cx="1837266" cy="3733801"/>
-            <a:chOff x="3331636" y="2040465"/>
-            <a:chExt cx="1837266" cy="3733801"/>
-          </a:xfrm>
-        </p:grpSpPr>
-        <p:sp>
-          <p:nvSpPr>
-            <p:cNvPr id="10" name="矩形 9">
-              <a:extLst>
-                <a:ext uri="{FF2B5EF4-FFF2-40B4-BE49-F238E27FC236}">
-                  <a16:creationId xmlns:a16="http://schemas.microsoft.com/office/drawing/2014/main" id="{DED6AC24-F0FE-4921-8B28-335D0C5FE7DC}"/>
-                </a:ext>
-              </a:extLst>
-            </p:cNvPr>
-            <p:cNvSpPr/>
-            <p:nvPr/>
-          </p:nvSpPr>
-          <p:spPr>
-            <a:xfrm>
-              <a:off x="3331636" y="2040465"/>
-              <a:ext cx="1837266" cy="3733801"/>
+              <a:off x="3331636" y="2457837"/>
+              <a:ext cx="1837266" cy="3316429"/>
             </a:xfrm>
             <a:prstGeom prst="rect">
               <a:avLst/>
@@ -11064,10 +10011,10 @@
         </p:sp>
         <p:sp>
           <p:nvSpPr>
-            <p:cNvPr id="11" name="矩形 10">
+            <p:cNvPr id="32" name="矩形 31">
               <a:extLst>
                 <a:ext uri="{FF2B5EF4-FFF2-40B4-BE49-F238E27FC236}">
-                  <a16:creationId xmlns:a16="http://schemas.microsoft.com/office/drawing/2014/main" id="{FFCD8FCD-76EF-4789-8560-6B4547112A0D}"/>
+                  <a16:creationId xmlns:a16="http://schemas.microsoft.com/office/drawing/2014/main" id="{659357A3-A38B-4934-94E5-19CE12AB1BAD}"/>
                 </a:ext>
               </a:extLst>
             </p:cNvPr>
@@ -11076,8 +10023,8 @@
           </p:nvSpPr>
           <p:spPr>
             <a:xfrm>
-              <a:off x="3400226" y="4437702"/>
-              <a:ext cx="1699818" cy="422944"/>
+              <a:off x="3399958" y="4242598"/>
+              <a:ext cx="1699818" cy="482118"/>
             </a:xfrm>
             <a:prstGeom prst="rect">
               <a:avLst/>
@@ -11111,10 +10058,10 @@
         </p:sp>
         <p:sp>
           <p:nvSpPr>
-            <p:cNvPr id="12" name="矩形 11">
+            <p:cNvPr id="33" name="矩形 32">
               <a:extLst>
                 <a:ext uri="{FF2B5EF4-FFF2-40B4-BE49-F238E27FC236}">
-                  <a16:creationId xmlns:a16="http://schemas.microsoft.com/office/drawing/2014/main" id="{8ECA59A4-F521-42B4-80D5-0E64F67D8975}"/>
+                  <a16:creationId xmlns:a16="http://schemas.microsoft.com/office/drawing/2014/main" id="{AABFE99F-03CE-4C3F-937C-8B5448581746}"/>
                 </a:ext>
               </a:extLst>
             </p:cNvPr>
@@ -11123,8 +10070,8 @@
           </p:nvSpPr>
           <p:spPr>
             <a:xfrm>
-              <a:off x="3400226" y="4860646"/>
-              <a:ext cx="1699550" cy="422944"/>
+              <a:off x="3400226" y="4727589"/>
+              <a:ext cx="1699550" cy="482118"/>
             </a:xfrm>
             <a:prstGeom prst="rect">
               <a:avLst/>
@@ -11158,10 +10105,10 @@
         </p:sp>
         <p:sp>
           <p:nvSpPr>
-            <p:cNvPr id="13" name="矩形 12">
+            <p:cNvPr id="34" name="矩形 33">
               <a:extLst>
                 <a:ext uri="{FF2B5EF4-FFF2-40B4-BE49-F238E27FC236}">
-                  <a16:creationId xmlns:a16="http://schemas.microsoft.com/office/drawing/2014/main" id="{8E3B2ECB-2984-461B-AA05-E51488EF2FF6}"/>
+                  <a16:creationId xmlns:a16="http://schemas.microsoft.com/office/drawing/2014/main" id="{5283F520-1994-4C77-8E89-BC7DE127E617}"/>
                 </a:ext>
               </a:extLst>
             </p:cNvPr>
@@ -11170,8 +10117,8 @@
           </p:nvSpPr>
           <p:spPr>
             <a:xfrm>
-              <a:off x="3400226" y="5283590"/>
-              <a:ext cx="1699550" cy="422944"/>
+              <a:off x="3400226" y="5208998"/>
+              <a:ext cx="1699550" cy="482118"/>
             </a:xfrm>
             <a:prstGeom prst="rect">
               <a:avLst/>
@@ -11203,318 +10150,34 @@
             </a:p>
           </p:txBody>
         </p:sp>
-        <p:sp>
-          <p:nvSpPr>
-            <p:cNvPr id="14" name="矩形 13">
-              <a:extLst>
-                <a:ext uri="{FF2B5EF4-FFF2-40B4-BE49-F238E27FC236}">
-                  <a16:creationId xmlns:a16="http://schemas.microsoft.com/office/drawing/2014/main" id="{044D21A8-8814-438F-8A53-50FDD970AE63}"/>
-                </a:ext>
-              </a:extLst>
-            </p:cNvPr>
-            <p:cNvSpPr/>
-            <p:nvPr/>
-          </p:nvSpPr>
-          <p:spPr>
-            <a:xfrm>
-              <a:off x="3400226" y="2742347"/>
-              <a:ext cx="1696201" cy="422944"/>
-            </a:xfrm>
-            <a:prstGeom prst="rect">
-              <a:avLst/>
-            </a:prstGeom>
-          </p:spPr>
-          <p:style>
-            <a:lnRef idx="2">
-              <a:schemeClr val="dk1"/>
-            </a:lnRef>
-            <a:fillRef idx="1">
-              <a:schemeClr val="lt1"/>
-            </a:fillRef>
-            <a:effectRef idx="0">
-              <a:schemeClr val="dk1"/>
-            </a:effectRef>
-            <a:fontRef idx="minor">
-              <a:schemeClr val="dk1"/>
-            </a:fontRef>
-          </p:style>
-          <p:txBody>
-            <a:bodyPr rtlCol="0" anchor="ctr"/>
-            <a:lstStyle/>
-            <a:p>
-              <a:pPr algn="ctr"/>
-              <a:r>
-                <a:rPr lang="zh-CN" altLang="en-US" dirty="0"/>
-                <a:t>进程控制</a:t>
-              </a:r>
-            </a:p>
-          </p:txBody>
-        </p:sp>
-        <p:sp>
-          <p:nvSpPr>
-            <p:cNvPr id="15" name="矩形 14">
-              <a:extLst>
-                <a:ext uri="{FF2B5EF4-FFF2-40B4-BE49-F238E27FC236}">
-                  <a16:creationId xmlns:a16="http://schemas.microsoft.com/office/drawing/2014/main" id="{D46316E4-1EEF-4518-A777-020C9ABAFB72}"/>
-                </a:ext>
-              </a:extLst>
-            </p:cNvPr>
-            <p:cNvSpPr/>
-            <p:nvPr/>
-          </p:nvSpPr>
-          <p:spPr>
-            <a:xfrm>
-              <a:off x="3400462" y="3665909"/>
-              <a:ext cx="1696338" cy="422944"/>
-            </a:xfrm>
-            <a:prstGeom prst="rect">
-              <a:avLst/>
-            </a:prstGeom>
-          </p:spPr>
-          <p:style>
-            <a:lnRef idx="2">
-              <a:schemeClr val="dk1"/>
-            </a:lnRef>
-            <a:fillRef idx="1">
-              <a:schemeClr val="lt1"/>
-            </a:fillRef>
-            <a:effectRef idx="0">
-              <a:schemeClr val="dk1"/>
-            </a:effectRef>
-            <a:fontRef idx="minor">
-              <a:schemeClr val="dk1"/>
-            </a:fontRef>
-          </p:style>
-          <p:txBody>
-            <a:bodyPr rtlCol="0" anchor="ctr"/>
-            <a:lstStyle/>
-            <a:p>
-              <a:pPr algn="ctr"/>
-              <a:r>
-                <a:rPr lang="zh-CN" altLang="en-US" dirty="0"/>
-                <a:t>运行状态</a:t>
-              </a:r>
-            </a:p>
-          </p:txBody>
-        </p:sp>
       </p:grpSp>
-      <p:sp>
-        <p:nvSpPr>
-          <p:cNvPr id="39" name="文本框 38">
-            <a:extLst>
-              <a:ext uri="{FF2B5EF4-FFF2-40B4-BE49-F238E27FC236}">
-                <a16:creationId xmlns:a16="http://schemas.microsoft.com/office/drawing/2014/main" id="{D7CA9FD4-8DD2-4036-A4CA-6A5CEEF1E2F8}"/>
-              </a:ext>
-            </a:extLst>
-          </p:cNvPr>
-          <p:cNvSpPr txBox="1"/>
-          <p:nvPr/>
-        </p:nvSpPr>
-        <p:spPr>
-          <a:xfrm>
-            <a:off x="5096427" y="2670469"/>
-            <a:ext cx="4076757" cy="307777"/>
-          </a:xfrm>
-          <a:prstGeom prst="rect">
-            <a:avLst/>
-          </a:prstGeom>
-          <a:noFill/>
-        </p:spPr>
-        <p:txBody>
-          <a:bodyPr wrap="none" rtlCol="0">
-            <a:spAutoFit/>
-          </a:bodyPr>
-          <a:lstStyle/>
-          <a:p>
-            <a:r>
-              <a:rPr lang="zh-CN" altLang="en-US" sz="1400" dirty="0"/>
-              <a:t>指定</a:t>
-            </a:r>
-            <a:r>
-              <a:rPr lang="en-US" altLang="zh-CN" sz="1400" dirty="0" err="1"/>
-              <a:t>Jmeter</a:t>
-            </a:r>
-            <a:r>
-              <a:rPr lang="zh-CN" altLang="en-US" sz="1400" dirty="0"/>
-              <a:t>服务</a:t>
-            </a:r>
-            <a:r>
-              <a:rPr lang="en-US" altLang="zh-CN" sz="1400" dirty="0"/>
-              <a:t>IP</a:t>
-            </a:r>
-            <a:r>
-              <a:rPr lang="zh-CN" altLang="en-US" sz="1400" dirty="0"/>
-              <a:t>、配置和结果文件，创建子进程</a:t>
-            </a:r>
-          </a:p>
-        </p:txBody>
-      </p:sp>
-      <p:sp>
-        <p:nvSpPr>
-          <p:cNvPr id="40" name="文本框 39">
-            <a:extLst>
-              <a:ext uri="{FF2B5EF4-FFF2-40B4-BE49-F238E27FC236}">
-                <a16:creationId xmlns:a16="http://schemas.microsoft.com/office/drawing/2014/main" id="{6A0C7F66-FD91-4A4F-8AA9-9848C5E4D999}"/>
-              </a:ext>
-            </a:extLst>
-          </p:cNvPr>
-          <p:cNvSpPr txBox="1"/>
-          <p:nvPr/>
-        </p:nvSpPr>
-        <p:spPr>
-          <a:xfrm>
-            <a:off x="3447991" y="3396773"/>
-            <a:ext cx="1611339" cy="307777"/>
-          </a:xfrm>
-          <a:prstGeom prst="rect">
-            <a:avLst/>
-          </a:prstGeom>
-          <a:noFill/>
-        </p:spPr>
-        <p:txBody>
-          <a:bodyPr wrap="none" rtlCol="0">
-            <a:spAutoFit/>
-          </a:bodyPr>
-          <a:lstStyle/>
-          <a:p>
-            <a:r>
-              <a:rPr lang="zh-CN" altLang="en-US" sz="1400" dirty="0"/>
-              <a:t>设置为“运行”状态</a:t>
-            </a:r>
-          </a:p>
-        </p:txBody>
-      </p:sp>
-      <p:sp>
-        <p:nvSpPr>
-          <p:cNvPr id="41" name="箭头: 右 40">
-            <a:extLst>
-              <a:ext uri="{FF2B5EF4-FFF2-40B4-BE49-F238E27FC236}">
-                <a16:creationId xmlns:a16="http://schemas.microsoft.com/office/drawing/2014/main" id="{10C2D419-C11C-4C76-8FBA-6F8AB3D7B08F}"/>
-              </a:ext>
-            </a:extLst>
-          </p:cNvPr>
-          <p:cNvSpPr/>
-          <p:nvPr/>
-        </p:nvSpPr>
-        <p:spPr>
-          <a:xfrm>
-            <a:off x="7751100" y="4041081"/>
-            <a:ext cx="745066" cy="643464"/>
-          </a:xfrm>
-          <a:prstGeom prst="rightArrow">
-            <a:avLst/>
-          </a:prstGeom>
-        </p:spPr>
-        <p:style>
-          <a:lnRef idx="2">
-            <a:schemeClr val="dk1"/>
-          </a:lnRef>
-          <a:fillRef idx="1">
-            <a:schemeClr val="lt1"/>
-          </a:fillRef>
-          <a:effectRef idx="0">
-            <a:schemeClr val="dk1"/>
-          </a:effectRef>
-          <a:fontRef idx="minor">
-            <a:schemeClr val="dk1"/>
-          </a:fontRef>
-        </p:style>
-        <p:txBody>
-          <a:bodyPr rtlCol="0" anchor="ctr"/>
-          <a:lstStyle/>
-          <a:p>
-            <a:pPr algn="ctr"/>
-            <a:r>
-              <a:rPr lang="zh-CN" altLang="en-US" sz="1400" dirty="0"/>
-              <a:t>读入</a:t>
-            </a:r>
-          </a:p>
-        </p:txBody>
-      </p:sp>
-      <p:sp>
-        <p:nvSpPr>
-          <p:cNvPr id="42" name="箭头: 左 41">
-            <a:extLst>
-              <a:ext uri="{FF2B5EF4-FFF2-40B4-BE49-F238E27FC236}">
-                <a16:creationId xmlns:a16="http://schemas.microsoft.com/office/drawing/2014/main" id="{D0E2E7E5-80D7-4F32-9AF8-BC10B3C53F1C}"/>
-              </a:ext>
-            </a:extLst>
-          </p:cNvPr>
-          <p:cNvSpPr/>
-          <p:nvPr/>
-        </p:nvSpPr>
-        <p:spPr>
-          <a:xfrm>
-            <a:off x="7750966" y="4938079"/>
-            <a:ext cx="745066" cy="644400"/>
-          </a:xfrm>
-          <a:prstGeom prst="leftArrow">
-            <a:avLst/>
-          </a:prstGeom>
-        </p:spPr>
-        <p:style>
-          <a:lnRef idx="2">
-            <a:schemeClr val="dk1"/>
-          </a:lnRef>
-          <a:fillRef idx="1">
-            <a:schemeClr val="lt1"/>
-          </a:fillRef>
-          <a:effectRef idx="0">
-            <a:schemeClr val="dk1"/>
-          </a:effectRef>
-          <a:fontRef idx="minor">
-            <a:schemeClr val="dk1"/>
-          </a:fontRef>
-        </p:style>
-        <p:txBody>
-          <a:bodyPr rot="0" spcFirstLastPara="0" vertOverflow="overflow" horzOverflow="overflow" vert="horz" wrap="square" lIns="91440" tIns="45720" rIns="91440" bIns="45720" numCol="1" spcCol="0" rtlCol="0" fromWordArt="0" anchor="ctr" anchorCtr="0" forceAA="0" compatLnSpc="1">
-            <a:prstTxWarp prst="textNoShape">
-              <a:avLst/>
-            </a:prstTxWarp>
-            <a:noAutofit/>
-          </a:bodyPr>
-          <a:lstStyle/>
-          <a:p>
-            <a:pPr algn="ctr"/>
-            <a:r>
-              <a:rPr lang="zh-CN" altLang="en-US" sz="1400" dirty="0">
-                <a:solidFill>
-                  <a:schemeClr val="dk1"/>
-                </a:solidFill>
-              </a:rPr>
-              <a:t>写入</a:t>
-            </a:r>
-          </a:p>
-        </p:txBody>
-      </p:sp>
       <p:cxnSp>
         <p:nvCxnSpPr>
-          <p:cNvPr id="43" name="连接符: 肘形 42">
-            <a:extLst>
-              <a:ext uri="{FF2B5EF4-FFF2-40B4-BE49-F238E27FC236}">
-                <a16:creationId xmlns:a16="http://schemas.microsoft.com/office/drawing/2014/main" id="{2018FFD9-0B37-46DF-87F7-7A8F9F8A3DA3}"/>
+          <p:cNvPr id="17" name="直接箭头连接符 16">
+            <a:extLst>
+              <a:ext uri="{FF2B5EF4-FFF2-40B4-BE49-F238E27FC236}">
+                <a16:creationId xmlns:a16="http://schemas.microsoft.com/office/drawing/2014/main" id="{8587DD2C-128F-43A2-A7FA-8E42C5DBC856}"/>
               </a:ext>
             </a:extLst>
           </p:cNvPr>
           <p:cNvCxnSpPr>
             <a:cxnSpLocks/>
-            <a:stCxn id="12" idx="1"/>
-            <a:endCxn id="14" idx="1"/>
+            <a:stCxn id="32" idx="3"/>
+            <a:endCxn id="27" idx="1"/>
           </p:cNvCxnSpPr>
           <p:nvPr/>
         </p:nvCxnSpPr>
         <p:spPr>
-          <a:xfrm rot="10800000">
-            <a:off x="3400226" y="2953820"/>
-            <a:ext cx="12700" cy="2118299"/>
+          <a:xfrm flipV="1">
+            <a:off x="5099776" y="3468041"/>
+            <a:ext cx="814058" cy="1015616"/>
           </a:xfrm>
-          <a:prstGeom prst="bentConnector3">
-            <a:avLst>
-              <a:gd name="adj1" fmla="val 2840000"/>
-            </a:avLst>
+          <a:prstGeom prst="straightConnector1">
+            <a:avLst/>
           </a:prstGeom>
-          <a:ln>
-            <a:tailEnd type="triangle"/>
+          <a:ln w="6350">
+            <a:headEnd type="none" w="med" len="med"/>
+            <a:tailEnd type="triangle" w="med" len="med"/>
           </a:ln>
         </p:spPr>
         <p:style>
@@ -11534,32 +10197,31 @@
       </p:cxnSp>
       <p:cxnSp>
         <p:nvCxnSpPr>
-          <p:cNvPr id="45" name="连接符: 肘形 44">
-            <a:extLst>
-              <a:ext uri="{FF2B5EF4-FFF2-40B4-BE49-F238E27FC236}">
-                <a16:creationId xmlns:a16="http://schemas.microsoft.com/office/drawing/2014/main" id="{F777A7FA-AC1B-4EE9-B663-82FB9B32B66D}"/>
+          <p:cNvPr id="19" name="直接箭头连接符 18">
+            <a:extLst>
+              <a:ext uri="{FF2B5EF4-FFF2-40B4-BE49-F238E27FC236}">
+                <a16:creationId xmlns:a16="http://schemas.microsoft.com/office/drawing/2014/main" id="{3DBBCC21-E251-4737-8C31-1D6EEAC7EA3F}"/>
               </a:ext>
             </a:extLst>
           </p:cNvPr>
           <p:cNvCxnSpPr>
             <a:cxnSpLocks/>
-            <a:stCxn id="13" idx="1"/>
-            <a:endCxn id="14" idx="1"/>
+            <a:stCxn id="33" idx="3"/>
+            <a:endCxn id="29" idx="1"/>
           </p:cNvCxnSpPr>
           <p:nvPr/>
         </p:nvCxnSpPr>
         <p:spPr>
-          <a:xfrm rot="10800000">
-            <a:off x="3400226" y="2953820"/>
-            <a:ext cx="12700" cy="2541243"/>
+          <a:xfrm flipV="1">
+            <a:off x="5099776" y="4362813"/>
+            <a:ext cx="814058" cy="605835"/>
           </a:xfrm>
-          <a:prstGeom prst="bentConnector3">
-            <a:avLst>
-              <a:gd name="adj1" fmla="val 2840000"/>
-            </a:avLst>
+          <a:prstGeom prst="straightConnector1">
+            <a:avLst/>
           </a:prstGeom>
-          <a:ln>
-            <a:tailEnd type="triangle"/>
+          <a:ln w="6350">
+            <a:headEnd type="none" w="med" len="med"/>
+            <a:tailEnd type="triangle" w="med" len="med"/>
           </a:ln>
         </p:spPr>
         <p:style>
@@ -11577,103 +10239,43 @@
           </a:fontRef>
         </p:style>
       </p:cxnSp>
-      <p:sp>
-        <p:nvSpPr>
-          <p:cNvPr id="34" name="矩形 33">
-            <a:extLst>
-              <a:ext uri="{FF2B5EF4-FFF2-40B4-BE49-F238E27FC236}">
-                <a16:creationId xmlns:a16="http://schemas.microsoft.com/office/drawing/2014/main" id="{0F70B65E-8770-4D22-BEB3-65C7133BE0F6}"/>
-              </a:ext>
-            </a:extLst>
-          </p:cNvPr>
-          <p:cNvSpPr/>
-          <p:nvPr/>
-        </p:nvSpPr>
-        <p:spPr>
-          <a:xfrm>
-            <a:off x="2236820" y="1461414"/>
-            <a:ext cx="1640177" cy="540868"/>
-          </a:xfrm>
-          <a:prstGeom prst="rect">
-            <a:avLst/>
-          </a:prstGeom>
-        </p:spPr>
-        <p:style>
-          <a:lnRef idx="2">
-            <a:schemeClr val="dk1"/>
-          </a:lnRef>
-          <a:fillRef idx="1">
-            <a:schemeClr val="lt1"/>
-          </a:fillRef>
-          <a:effectRef idx="0">
-            <a:schemeClr val="dk1"/>
-          </a:effectRef>
-          <a:fontRef idx="minor">
-            <a:schemeClr val="dk1"/>
-          </a:fontRef>
-        </p:style>
-        <p:txBody>
-          <a:bodyPr rtlCol="0" anchor="ctr"/>
-          <a:lstStyle/>
-          <a:p>
-            <a:pPr algn="ctr"/>
-            <a:r>
-              <a:rPr lang="en-US" altLang="zh-CN" sz="1400" dirty="0" err="1"/>
-              <a:t>Jmeter</a:t>
-            </a:r>
-            <a:r>
-              <a:rPr lang="zh-CN" altLang="en-US" sz="1400" dirty="0"/>
-              <a:t>服务</a:t>
-            </a:r>
-            <a:r>
-              <a:rPr lang="en-US" altLang="zh-CN" sz="1400" dirty="0"/>
-              <a:t>IP</a:t>
-            </a:r>
-            <a:r>
-              <a:rPr lang="zh-CN" altLang="en-US" sz="1400" dirty="0"/>
-              <a:t>列表</a:t>
-            </a:r>
-          </a:p>
-        </p:txBody>
-      </p:sp>
       <p:cxnSp>
         <p:nvCxnSpPr>
-          <p:cNvPr id="44" name="连接符: 肘形 43">
-            <a:extLst>
-              <a:ext uri="{FF2B5EF4-FFF2-40B4-BE49-F238E27FC236}">
-                <a16:creationId xmlns:a16="http://schemas.microsoft.com/office/drawing/2014/main" id="{3ED0AF03-CA70-4FA1-9B83-34D3BA5B9B0D}"/>
+          <p:cNvPr id="18" name="直接箭头连接符 17">
+            <a:extLst>
+              <a:ext uri="{FF2B5EF4-FFF2-40B4-BE49-F238E27FC236}">
+                <a16:creationId xmlns:a16="http://schemas.microsoft.com/office/drawing/2014/main" id="{A7CEB005-9F49-466E-AB2E-5E3FF1552748}"/>
               </a:ext>
             </a:extLst>
           </p:cNvPr>
           <p:cNvCxnSpPr>
             <a:cxnSpLocks/>
-            <a:stCxn id="34" idx="2"/>
-            <a:endCxn id="14" idx="0"/>
+            <a:stCxn id="34" idx="3"/>
+            <a:endCxn id="28" idx="1"/>
           </p:cNvCxnSpPr>
           <p:nvPr/>
         </p:nvCxnSpPr>
         <p:spPr>
-          <a:xfrm rot="16200000" flipH="1">
-            <a:off x="3282586" y="1776605"/>
-            <a:ext cx="740065" cy="1191418"/>
+          <a:xfrm flipV="1">
+            <a:off x="5099776" y="5260279"/>
+            <a:ext cx="814058" cy="189778"/>
           </a:xfrm>
-          <a:prstGeom prst="bentConnector3">
-            <a:avLst>
-              <a:gd name="adj1" fmla="val 65102"/>
-            </a:avLst>
+          <a:prstGeom prst="straightConnector1">
+            <a:avLst/>
           </a:prstGeom>
-          <a:ln>
-            <a:tailEnd type="triangle"/>
+          <a:ln w="6350">
+            <a:headEnd type="none" w="med" len="med"/>
+            <a:tailEnd type="triangle" w="med" len="med"/>
           </a:ln>
         </p:spPr>
         <p:style>
-          <a:lnRef idx="3">
+          <a:lnRef idx="1">
             <a:schemeClr val="dk1"/>
           </a:lnRef>
           <a:fillRef idx="0">
             <a:schemeClr val="dk1"/>
           </a:fillRef>
-          <a:effectRef idx="2">
+          <a:effectRef idx="0">
             <a:schemeClr val="dk1"/>
           </a:effectRef>
           <a:fontRef idx="minor">
@@ -11681,66 +10283,10 @@
           </a:fontRef>
         </p:style>
       </p:cxnSp>
-      <p:sp>
-        <p:nvSpPr>
-          <p:cNvPr id="33" name="箭头: 左 32">
-            <a:extLst>
-              <a:ext uri="{FF2B5EF4-FFF2-40B4-BE49-F238E27FC236}">
-                <a16:creationId xmlns:a16="http://schemas.microsoft.com/office/drawing/2014/main" id="{9E8D782C-AB68-4BE5-B7FF-4F2F941BCAE2}"/>
-              </a:ext>
-            </a:extLst>
-          </p:cNvPr>
-          <p:cNvSpPr/>
-          <p:nvPr/>
-        </p:nvSpPr>
-        <p:spPr>
-          <a:xfrm>
-            <a:off x="7750966" y="3142614"/>
-            <a:ext cx="745066" cy="644400"/>
-          </a:xfrm>
-          <a:prstGeom prst="leftArrow">
-            <a:avLst/>
-          </a:prstGeom>
-        </p:spPr>
-        <p:style>
-          <a:lnRef idx="2">
-            <a:schemeClr val="dk1"/>
-          </a:lnRef>
-          <a:fillRef idx="1">
-            <a:schemeClr val="lt1"/>
-          </a:fillRef>
-          <a:effectRef idx="0">
-            <a:schemeClr val="dk1"/>
-          </a:effectRef>
-          <a:fontRef idx="minor">
-            <a:schemeClr val="dk1"/>
-          </a:fontRef>
-        </p:style>
-        <p:txBody>
-          <a:bodyPr rot="0" spcFirstLastPara="0" vertOverflow="overflow" horzOverflow="overflow" vert="horz" wrap="square" lIns="91440" tIns="45720" rIns="91440" bIns="45720" numCol="1" spcCol="0" rtlCol="0" fromWordArt="0" anchor="ctr" anchorCtr="0" forceAA="0" compatLnSpc="1">
-            <a:prstTxWarp prst="textNoShape">
-              <a:avLst/>
-            </a:prstTxWarp>
-            <a:noAutofit/>
-          </a:bodyPr>
-          <a:lstStyle/>
-          <a:p>
-            <a:pPr algn="ctr"/>
-            <a:r>
-              <a:rPr lang="zh-CN" altLang="en-US" sz="1400" dirty="0">
-                <a:solidFill>
-                  <a:schemeClr val="dk1"/>
-                </a:solidFill>
-              </a:rPr>
-              <a:t>写入</a:t>
-            </a:r>
-          </a:p>
-        </p:txBody>
-      </p:sp>
     </p:spTree>
     <p:extLst>
       <p:ext uri="{BB962C8B-B14F-4D97-AF65-F5344CB8AC3E}">
-        <p14:creationId xmlns:p14="http://schemas.microsoft.com/office/powerpoint/2010/main" val="3045766586"/>
+        <p14:creationId xmlns:p14="http://schemas.microsoft.com/office/powerpoint/2010/main" val="1412769116"/>
       </p:ext>
     </p:extLst>
   </p:cSld>
@@ -11750,7 +10296,7 @@
 </p:sld>
 </file>
 
-<file path=ppt/slides/slide16.xml><?xml version="1.0" encoding="utf-8"?>
+<file path=ppt/slides/slide15.xml><?xml version="1.0" encoding="utf-8"?>
 <p:sld xmlns:a="http://schemas.openxmlformats.org/drawingml/2006/main" xmlns:r="http://schemas.openxmlformats.org/officeDocument/2006/relationships" xmlns:p="http://schemas.openxmlformats.org/presentationml/2006/main">
   <p:cSld>
     <p:spTree>
@@ -11799,12 +10345,253 @@
           </a:p>
         </p:txBody>
       </p:sp>
+      <p:cxnSp>
+        <p:nvCxnSpPr>
+          <p:cNvPr id="43" name="连接符: 肘形 42">
+            <a:extLst>
+              <a:ext uri="{FF2B5EF4-FFF2-40B4-BE49-F238E27FC236}">
+                <a16:creationId xmlns:a16="http://schemas.microsoft.com/office/drawing/2014/main" id="{2018FFD9-0B37-46DF-87F7-7A8F9F8A3DA3}"/>
+              </a:ext>
+            </a:extLst>
+          </p:cNvPr>
+          <p:cNvCxnSpPr>
+            <a:cxnSpLocks/>
+            <a:stCxn id="55" idx="1"/>
+            <a:endCxn id="57" idx="2"/>
+          </p:cNvCxnSpPr>
+          <p:nvPr/>
+        </p:nvCxnSpPr>
+        <p:spPr>
+          <a:xfrm rot="10800000" flipH="1">
+            <a:off x="3400225" y="3165292"/>
+            <a:ext cx="848101" cy="1803357"/>
+          </a:xfrm>
+          <a:prstGeom prst="bentConnector4">
+            <a:avLst>
+              <a:gd name="adj1" fmla="val -26954"/>
+              <a:gd name="adj2" fmla="val 70205"/>
+            </a:avLst>
+          </a:prstGeom>
+          <a:ln>
+            <a:tailEnd type="triangle"/>
+          </a:ln>
+        </p:spPr>
+        <p:style>
+          <a:lnRef idx="1">
+            <a:schemeClr val="dk1"/>
+          </a:lnRef>
+          <a:fillRef idx="0">
+            <a:schemeClr val="dk1"/>
+          </a:fillRef>
+          <a:effectRef idx="0">
+            <a:schemeClr val="dk1"/>
+          </a:effectRef>
+          <a:fontRef idx="minor">
+            <a:schemeClr val="tx1"/>
+          </a:fontRef>
+        </p:style>
+      </p:cxnSp>
+      <p:cxnSp>
+        <p:nvCxnSpPr>
+          <p:cNvPr id="45" name="连接符: 肘形 44">
+            <a:extLst>
+              <a:ext uri="{FF2B5EF4-FFF2-40B4-BE49-F238E27FC236}">
+                <a16:creationId xmlns:a16="http://schemas.microsoft.com/office/drawing/2014/main" id="{F777A7FA-AC1B-4EE9-B663-82FB9B32B66D}"/>
+              </a:ext>
+            </a:extLst>
+          </p:cNvPr>
+          <p:cNvCxnSpPr>
+            <a:cxnSpLocks/>
+            <a:stCxn id="56" idx="1"/>
+            <a:endCxn id="57" idx="2"/>
+          </p:cNvCxnSpPr>
+          <p:nvPr/>
+        </p:nvCxnSpPr>
+        <p:spPr>
+          <a:xfrm rot="10800000" flipH="1">
+            <a:off x="3400225" y="3165291"/>
+            <a:ext cx="848101" cy="2284766"/>
+          </a:xfrm>
+          <a:prstGeom prst="bentConnector4">
+            <a:avLst>
+              <a:gd name="adj1" fmla="val -26954"/>
+              <a:gd name="adj2" fmla="val 76175"/>
+            </a:avLst>
+          </a:prstGeom>
+          <a:ln>
+            <a:tailEnd type="triangle"/>
+          </a:ln>
+        </p:spPr>
+        <p:style>
+          <a:lnRef idx="1">
+            <a:schemeClr val="dk1"/>
+          </a:lnRef>
+          <a:fillRef idx="0">
+            <a:schemeClr val="dk1"/>
+          </a:fillRef>
+          <a:effectRef idx="0">
+            <a:schemeClr val="dk1"/>
+          </a:effectRef>
+          <a:fontRef idx="minor">
+            <a:schemeClr val="tx1"/>
+          </a:fontRef>
+        </p:style>
+      </p:cxnSp>
+      <p:cxnSp>
+        <p:nvCxnSpPr>
+          <p:cNvPr id="44" name="连接符: 肘形 43">
+            <a:extLst>
+              <a:ext uri="{FF2B5EF4-FFF2-40B4-BE49-F238E27FC236}">
+                <a16:creationId xmlns:a16="http://schemas.microsoft.com/office/drawing/2014/main" id="{3ED0AF03-CA70-4FA1-9B83-34D3BA5B9B0D}"/>
+              </a:ext>
+            </a:extLst>
+          </p:cNvPr>
+          <p:cNvCxnSpPr>
+            <a:cxnSpLocks/>
+            <a:stCxn id="36" idx="2"/>
+            <a:endCxn id="57" idx="1"/>
+          </p:cNvCxnSpPr>
+          <p:nvPr/>
+        </p:nvCxnSpPr>
+        <p:spPr>
+          <a:xfrm rot="16200000" flipH="1">
+            <a:off x="2762210" y="2315803"/>
+            <a:ext cx="950960" cy="325071"/>
+          </a:xfrm>
+          <a:prstGeom prst="bentConnector2">
+            <a:avLst/>
+          </a:prstGeom>
+          <a:ln>
+            <a:tailEnd type="triangle"/>
+          </a:ln>
+        </p:spPr>
+        <p:style>
+          <a:lnRef idx="3">
+            <a:schemeClr val="dk1"/>
+          </a:lnRef>
+          <a:fillRef idx="0">
+            <a:schemeClr val="dk1"/>
+          </a:fillRef>
+          <a:effectRef idx="2">
+            <a:schemeClr val="dk1"/>
+          </a:effectRef>
+          <a:fontRef idx="minor">
+            <a:schemeClr val="tx1"/>
+          </a:fontRef>
+        </p:style>
+      </p:cxnSp>
+      <p:sp>
+        <p:nvSpPr>
+          <p:cNvPr id="36" name="矩形 35">
+            <a:extLst>
+              <a:ext uri="{FF2B5EF4-FFF2-40B4-BE49-F238E27FC236}">
+                <a16:creationId xmlns:a16="http://schemas.microsoft.com/office/drawing/2014/main" id="{C9A27DF0-19DE-4FAB-B29F-25FB51F92543}"/>
+              </a:ext>
+            </a:extLst>
+          </p:cNvPr>
+          <p:cNvSpPr/>
+          <p:nvPr/>
+        </p:nvSpPr>
+        <p:spPr>
+          <a:xfrm>
+            <a:off x="2255066" y="1461991"/>
+            <a:ext cx="1640177" cy="540868"/>
+          </a:xfrm>
+          <a:prstGeom prst="rect">
+            <a:avLst/>
+          </a:prstGeom>
+        </p:spPr>
+        <p:style>
+          <a:lnRef idx="2">
+            <a:schemeClr val="dk1"/>
+          </a:lnRef>
+          <a:fillRef idx="1">
+            <a:schemeClr val="lt1"/>
+          </a:fillRef>
+          <a:effectRef idx="0">
+            <a:schemeClr val="dk1"/>
+          </a:effectRef>
+          <a:fontRef idx="minor">
+            <a:schemeClr val="dk1"/>
+          </a:fontRef>
+        </p:style>
+        <p:txBody>
+          <a:bodyPr rtlCol="0" anchor="ctr"/>
+          <a:lstStyle/>
+          <a:p>
+            <a:pPr algn="ctr"/>
+            <a:r>
+              <a:rPr lang="en-US" altLang="zh-CN" sz="1400" dirty="0" err="1"/>
+              <a:t>Jmeter</a:t>
+            </a:r>
+            <a:r>
+              <a:rPr lang="zh-CN" altLang="en-US" sz="1400" dirty="0"/>
+              <a:t>服务</a:t>
+            </a:r>
+            <a:r>
+              <a:rPr lang="en-US" altLang="zh-CN" sz="1400" dirty="0"/>
+              <a:t>IP</a:t>
+            </a:r>
+            <a:r>
+              <a:rPr lang="zh-CN" altLang="en-US" sz="1400" dirty="0"/>
+              <a:t>列表</a:t>
+            </a:r>
+          </a:p>
+        </p:txBody>
+      </p:sp>
+      <p:sp>
+        <p:nvSpPr>
+          <p:cNvPr id="37" name="箭头: 五边形 36">
+            <a:extLst>
+              <a:ext uri="{FF2B5EF4-FFF2-40B4-BE49-F238E27FC236}">
+                <a16:creationId xmlns:a16="http://schemas.microsoft.com/office/drawing/2014/main" id="{B2072B5C-C81B-4D21-89F4-49CCB5B205E8}"/>
+              </a:ext>
+            </a:extLst>
+          </p:cNvPr>
+          <p:cNvSpPr/>
+          <p:nvPr/>
+        </p:nvSpPr>
+        <p:spPr>
+          <a:xfrm>
+            <a:off x="-1" y="2942471"/>
+            <a:ext cx="2024817" cy="484632"/>
+          </a:xfrm>
+          <a:prstGeom prst="homePlate">
+            <a:avLst/>
+          </a:prstGeom>
+        </p:spPr>
+        <p:style>
+          <a:lnRef idx="2">
+            <a:schemeClr val="dk1"/>
+          </a:lnRef>
+          <a:fillRef idx="1">
+            <a:schemeClr val="lt1"/>
+          </a:fillRef>
+          <a:effectRef idx="0">
+            <a:schemeClr val="dk1"/>
+          </a:effectRef>
+          <a:fontRef idx="minor">
+            <a:schemeClr val="dk1"/>
+          </a:fontRef>
+        </p:style>
+        <p:txBody>
+          <a:bodyPr rtlCol="0" anchor="ctr"/>
+          <a:lstStyle/>
+          <a:p>
+            <a:pPr algn="ctr"/>
+            <a:r>
+              <a:rPr lang="zh-CN" altLang="en-US" dirty="0"/>
+              <a:t>接口：任务启动</a:t>
+            </a:r>
+          </a:p>
+        </p:txBody>
+      </p:sp>
       <p:grpSp>
         <p:nvGrpSpPr>
-          <p:cNvPr id="25" name="组合 24">
-            <a:extLst>
-              <a:ext uri="{FF2B5EF4-FFF2-40B4-BE49-F238E27FC236}">
-                <a16:creationId xmlns:a16="http://schemas.microsoft.com/office/drawing/2014/main" id="{C53EB295-56D6-4805-88E3-4CF210D83EEF}"/>
+          <p:cNvPr id="38" name="组合 37">
+            <a:extLst>
+              <a:ext uri="{FF2B5EF4-FFF2-40B4-BE49-F238E27FC236}">
+                <a16:creationId xmlns:a16="http://schemas.microsoft.com/office/drawing/2014/main" id="{4F01A4ED-90A1-41DC-8466-DA171CF7AD48}"/>
               </a:ext>
             </a:extLst>
           </p:cNvPr>
@@ -11813,18 +10600,18 @@
         </p:nvGrpSpPr>
         <p:grpSpPr>
           <a:xfrm>
-            <a:off x="5842001" y="2040467"/>
-            <a:ext cx="5048250" cy="3733800"/>
-            <a:chOff x="5842001" y="2040467"/>
-            <a:chExt cx="5048250" cy="3733800"/>
+            <a:off x="5842001" y="2457839"/>
+            <a:ext cx="4117667" cy="3316428"/>
+            <a:chOff x="5842001" y="2457839"/>
+            <a:chExt cx="4117667" cy="3316428"/>
           </a:xfrm>
         </p:grpSpPr>
         <p:sp>
           <p:nvSpPr>
-            <p:cNvPr id="26" name="矩形 25">
+            <p:cNvPr id="46" name="矩形 45">
               <a:extLst>
                 <a:ext uri="{FF2B5EF4-FFF2-40B4-BE49-F238E27FC236}">
-                  <a16:creationId xmlns:a16="http://schemas.microsoft.com/office/drawing/2014/main" id="{E3A3127C-24FA-43F5-B4E2-A45FFC3A0A7A}"/>
+                  <a16:creationId xmlns:a16="http://schemas.microsoft.com/office/drawing/2014/main" id="{ABFE0922-1638-4254-9C3D-8155F172567E}"/>
                 </a:ext>
               </a:extLst>
             </p:cNvPr>
@@ -11833,8 +10620,8 @@
           </p:nvSpPr>
           <p:spPr>
             <a:xfrm>
-              <a:off x="5842001" y="2040467"/>
-              <a:ext cx="5048250" cy="3733800"/>
+              <a:off x="5842001" y="2457839"/>
+              <a:ext cx="4117667" cy="3316428"/>
             </a:xfrm>
             <a:prstGeom prst="rect">
               <a:avLst/>
@@ -11909,10 +10696,10 @@
         </p:sp>
         <p:sp>
           <p:nvSpPr>
-            <p:cNvPr id="30" name="矩形 29">
+            <p:cNvPr id="47" name="矩形 46">
               <a:extLst>
                 <a:ext uri="{FF2B5EF4-FFF2-40B4-BE49-F238E27FC236}">
-                  <a16:creationId xmlns:a16="http://schemas.microsoft.com/office/drawing/2014/main" id="{F0F5E2D4-3AB3-4B56-A55E-2B1123784EE3}"/>
+                  <a16:creationId xmlns:a16="http://schemas.microsoft.com/office/drawing/2014/main" id="{435ED99B-7FD3-41B4-92AE-9C41F6215BBF}"/>
                 </a:ext>
               </a:extLst>
             </p:cNvPr>
@@ -11921,8 +10708,149 @@
           </p:nvSpPr>
           <p:spPr>
             <a:xfrm>
-              <a:off x="8496300" y="2116670"/>
-              <a:ext cx="1837266" cy="3589864"/>
+              <a:off x="5913834" y="3019308"/>
+              <a:ext cx="1837266" cy="897466"/>
+            </a:xfrm>
+            <a:prstGeom prst="rect">
+              <a:avLst/>
+            </a:prstGeom>
+          </p:spPr>
+          <p:style>
+            <a:lnRef idx="2">
+              <a:schemeClr val="dk1"/>
+            </a:lnRef>
+            <a:fillRef idx="1">
+              <a:schemeClr val="lt1"/>
+            </a:fillRef>
+            <a:effectRef idx="0">
+              <a:schemeClr val="dk1"/>
+            </a:effectRef>
+            <a:fontRef idx="minor">
+              <a:schemeClr val="dk1"/>
+            </a:fontRef>
+          </p:style>
+          <p:txBody>
+            <a:bodyPr rtlCol="0" anchor="ctr"/>
+            <a:lstStyle/>
+            <a:p>
+              <a:pPr algn="ctr"/>
+              <a:r>
+                <a:rPr lang="zh-CN" altLang="en-US" dirty="0"/>
+                <a:t>日志文件</a:t>
+              </a:r>
+            </a:p>
+          </p:txBody>
+        </p:sp>
+        <p:sp>
+          <p:nvSpPr>
+            <p:cNvPr id="48" name="矩形 47">
+              <a:extLst>
+                <a:ext uri="{FF2B5EF4-FFF2-40B4-BE49-F238E27FC236}">
+                  <a16:creationId xmlns:a16="http://schemas.microsoft.com/office/drawing/2014/main" id="{2EE1361E-8CFE-4598-A73C-6E10C63F0A58}"/>
+                </a:ext>
+              </a:extLst>
+            </p:cNvPr>
+            <p:cNvSpPr/>
+            <p:nvPr/>
+          </p:nvSpPr>
+          <p:spPr>
+            <a:xfrm>
+              <a:off x="5913834" y="4811546"/>
+              <a:ext cx="1837266" cy="897466"/>
+            </a:xfrm>
+            <a:prstGeom prst="rect">
+              <a:avLst/>
+            </a:prstGeom>
+          </p:spPr>
+          <p:style>
+            <a:lnRef idx="2">
+              <a:schemeClr val="dk1"/>
+            </a:lnRef>
+            <a:fillRef idx="1">
+              <a:schemeClr val="lt1"/>
+            </a:fillRef>
+            <a:effectRef idx="0">
+              <a:schemeClr val="dk1"/>
+            </a:effectRef>
+            <a:fontRef idx="minor">
+              <a:schemeClr val="dk1"/>
+            </a:fontRef>
+          </p:style>
+          <p:txBody>
+            <a:bodyPr rtlCol="0" anchor="ctr"/>
+            <a:lstStyle/>
+            <a:p>
+              <a:pPr algn="ctr"/>
+              <a:r>
+                <a:rPr lang="zh-CN" altLang="en-US" dirty="0"/>
+                <a:t>结果文件</a:t>
+              </a:r>
+            </a:p>
+          </p:txBody>
+        </p:sp>
+        <p:sp>
+          <p:nvSpPr>
+            <p:cNvPr id="49" name="矩形 48">
+              <a:extLst>
+                <a:ext uri="{FF2B5EF4-FFF2-40B4-BE49-F238E27FC236}">
+                  <a16:creationId xmlns:a16="http://schemas.microsoft.com/office/drawing/2014/main" id="{BBE8056F-D498-45D3-BE04-C678D0FC7338}"/>
+                </a:ext>
+              </a:extLst>
+            </p:cNvPr>
+            <p:cNvSpPr/>
+            <p:nvPr/>
+          </p:nvSpPr>
+          <p:spPr>
+            <a:xfrm>
+              <a:off x="5913834" y="3914080"/>
+              <a:ext cx="1837266" cy="897466"/>
+            </a:xfrm>
+            <a:prstGeom prst="rect">
+              <a:avLst/>
+            </a:prstGeom>
+          </p:spPr>
+          <p:style>
+            <a:lnRef idx="2">
+              <a:schemeClr val="dk1"/>
+            </a:lnRef>
+            <a:fillRef idx="1">
+              <a:schemeClr val="lt1"/>
+            </a:fillRef>
+            <a:effectRef idx="0">
+              <a:schemeClr val="dk1"/>
+            </a:effectRef>
+            <a:fontRef idx="minor">
+              <a:schemeClr val="dk1"/>
+            </a:fontRef>
+          </p:style>
+          <p:txBody>
+            <a:bodyPr rtlCol="0" anchor="ctr"/>
+            <a:lstStyle/>
+            <a:p>
+              <a:pPr algn="ctr"/>
+              <a:r>
+                <a:rPr lang="zh-CN" altLang="en-US" dirty="0"/>
+                <a:t>配置文件</a:t>
+              </a:r>
+            </a:p>
+          </p:txBody>
+        </p:sp>
+        <p:sp>
+          <p:nvSpPr>
+            <p:cNvPr id="50" name="矩形 49">
+              <a:extLst>
+                <a:ext uri="{FF2B5EF4-FFF2-40B4-BE49-F238E27FC236}">
+                  <a16:creationId xmlns:a16="http://schemas.microsoft.com/office/drawing/2014/main" id="{ECB2655A-22AC-4C70-A9FD-EC58BBBBD287}"/>
+                </a:ext>
+              </a:extLst>
+            </p:cNvPr>
+            <p:cNvSpPr/>
+            <p:nvPr/>
+          </p:nvSpPr>
+          <p:spPr>
+            <a:xfrm>
+              <a:off x="8496300" y="2547976"/>
+              <a:ext cx="1091932" cy="3158557"/>
             </a:xfrm>
             <a:prstGeom prst="rect">
               <a:avLst/>
@@ -11954,7 +10882,105 @@
             </a:p>
           </p:txBody>
         </p:sp>
+        <p:sp>
+          <p:nvSpPr>
+            <p:cNvPr id="51" name="矩形 50">
+              <a:extLst>
+                <a:ext uri="{FF2B5EF4-FFF2-40B4-BE49-F238E27FC236}">
+                  <a16:creationId xmlns:a16="http://schemas.microsoft.com/office/drawing/2014/main" id="{851F88AC-7DB0-4CC6-8B25-D9759D70B4ED}"/>
+                </a:ext>
+              </a:extLst>
+            </p:cNvPr>
+            <p:cNvSpPr/>
+            <p:nvPr/>
+          </p:nvSpPr>
+          <p:spPr>
+            <a:xfrm>
+              <a:off x="8586108" y="2639790"/>
+              <a:ext cx="655006" cy="605362"/>
+            </a:xfrm>
+            <a:prstGeom prst="rect">
+              <a:avLst/>
+            </a:prstGeom>
+          </p:spPr>
+          <p:style>
+            <a:lnRef idx="2">
+              <a:schemeClr val="dk1"/>
+            </a:lnRef>
+            <a:fillRef idx="1">
+              <a:schemeClr val="lt1"/>
+            </a:fillRef>
+            <a:effectRef idx="0">
+              <a:schemeClr val="dk1"/>
+            </a:effectRef>
+            <a:fontRef idx="minor">
+              <a:schemeClr val="dk1"/>
+            </a:fontRef>
+          </p:style>
+          <p:txBody>
+            <a:bodyPr rtlCol="0" anchor="ctr"/>
+            <a:lstStyle/>
+            <a:p>
+              <a:pPr algn="ctr"/>
+              <a:r>
+                <a:rPr lang="zh-CN" altLang="en-US" sz="1200" dirty="0"/>
+                <a:t>端口监听控制信号</a:t>
+              </a:r>
+            </a:p>
+          </p:txBody>
+        </p:sp>
       </p:grpSp>
+      <p:sp>
+        <p:nvSpPr>
+          <p:cNvPr id="39" name="文本框 38">
+            <a:extLst>
+              <a:ext uri="{FF2B5EF4-FFF2-40B4-BE49-F238E27FC236}">
+                <a16:creationId xmlns:a16="http://schemas.microsoft.com/office/drawing/2014/main" id="{D7CA9FD4-8DD2-4036-A4CA-6A5CEEF1E2F8}"/>
+              </a:ext>
+            </a:extLst>
+          </p:cNvPr>
+          <p:cNvSpPr txBox="1"/>
+          <p:nvPr/>
+        </p:nvSpPr>
+        <p:spPr>
+          <a:xfrm>
+            <a:off x="5841627" y="2463344"/>
+            <a:ext cx="1981574" cy="523220"/>
+          </a:xfrm>
+          <a:prstGeom prst="rect">
+            <a:avLst/>
+          </a:prstGeom>
+          <a:noFill/>
+        </p:spPr>
+        <p:txBody>
+          <a:bodyPr wrap="square" rtlCol="0">
+            <a:spAutoFit/>
+          </a:bodyPr>
+          <a:lstStyle/>
+          <a:p>
+            <a:r>
+              <a:rPr lang="zh-CN" altLang="en-US" sz="1400" dirty="0"/>
+              <a:t>指定</a:t>
+            </a:r>
+            <a:r>
+              <a:rPr lang="en-US" altLang="zh-CN" sz="1400" dirty="0" err="1"/>
+              <a:t>Jmeter</a:t>
+            </a:r>
+            <a:r>
+              <a:rPr lang="zh-CN" altLang="en-US" sz="1400" dirty="0"/>
+              <a:t>服务</a:t>
+            </a:r>
+            <a:r>
+              <a:rPr lang="en-US" altLang="zh-CN" sz="1400" dirty="0"/>
+              <a:t>IP</a:t>
+            </a:r>
+            <a:r>
+              <a:rPr lang="zh-CN" altLang="en-US" sz="1400" dirty="0"/>
+              <a:t>、各文件路径，创建子进程</a:t>
+            </a:r>
+          </a:p>
+        </p:txBody>
+      </p:sp>
       <p:cxnSp>
         <p:nvCxnSpPr>
           <p:cNvPr id="32" name="直接箭头连接符 31">
@@ -11966,13 +10992,14 @@
           </p:cNvPr>
           <p:cNvCxnSpPr>
             <a:cxnSpLocks/>
+            <a:endCxn id="51" idx="1"/>
           </p:cNvCxnSpPr>
           <p:nvPr/>
         </p:nvCxnSpPr>
         <p:spPr>
-          <a:xfrm>
-            <a:off x="5096427" y="2953819"/>
-            <a:ext cx="3402850" cy="0"/>
+          <a:xfrm flipV="1">
+            <a:off x="5096427" y="2942471"/>
+            <a:ext cx="3489681" cy="11348"/>
           </a:xfrm>
           <a:prstGeom prst="straightConnector1">
             <a:avLst/>
@@ -11999,10 +11026,10 @@
       </p:cxnSp>
       <p:grpSp>
         <p:nvGrpSpPr>
-          <p:cNvPr id="9" name="组合 8">
-            <a:extLst>
-              <a:ext uri="{FF2B5EF4-FFF2-40B4-BE49-F238E27FC236}">
-                <a16:creationId xmlns:a16="http://schemas.microsoft.com/office/drawing/2014/main" id="{6F54E8B1-A24A-4F36-A9E0-095EA12B29EE}"/>
+          <p:cNvPr id="52" name="组合 51">
+            <a:extLst>
+              <a:ext uri="{FF2B5EF4-FFF2-40B4-BE49-F238E27FC236}">
+                <a16:creationId xmlns:a16="http://schemas.microsoft.com/office/drawing/2014/main" id="{DE98B88D-D234-4F3E-AD9F-D34B464857FC}"/>
               </a:ext>
             </a:extLst>
           </p:cNvPr>
@@ -12011,18 +11038,18 @@
         </p:nvGrpSpPr>
         <p:grpSpPr>
           <a:xfrm>
-            <a:off x="3331636" y="2040465"/>
-            <a:ext cx="1837266" cy="3733801"/>
-            <a:chOff x="3331636" y="2040465"/>
-            <a:chExt cx="1837266" cy="3733801"/>
+            <a:off x="3331636" y="2457837"/>
+            <a:ext cx="1837266" cy="3316429"/>
+            <a:chOff x="3331636" y="2457837"/>
+            <a:chExt cx="1837266" cy="3316429"/>
           </a:xfrm>
         </p:grpSpPr>
         <p:sp>
           <p:nvSpPr>
-            <p:cNvPr id="10" name="矩形 9">
+            <p:cNvPr id="53" name="矩形 52">
               <a:extLst>
                 <a:ext uri="{FF2B5EF4-FFF2-40B4-BE49-F238E27FC236}">
-                  <a16:creationId xmlns:a16="http://schemas.microsoft.com/office/drawing/2014/main" id="{DED6AC24-F0FE-4921-8B28-335D0C5FE7DC}"/>
+                  <a16:creationId xmlns:a16="http://schemas.microsoft.com/office/drawing/2014/main" id="{8C104365-3A9D-42A5-ACE8-47DFEFEDF693}"/>
                 </a:ext>
               </a:extLst>
             </p:cNvPr>
@@ -12031,8 +11058,8 @@
           </p:nvSpPr>
           <p:spPr>
             <a:xfrm>
-              <a:off x="3331636" y="2040465"/>
-              <a:ext cx="1837266" cy="3733801"/>
+              <a:off x="3331636" y="2457837"/>
+              <a:ext cx="1837266" cy="3316429"/>
             </a:xfrm>
             <a:prstGeom prst="rect">
               <a:avLst/>
@@ -12072,10 +11099,151 @@
         </p:sp>
         <p:sp>
           <p:nvSpPr>
-            <p:cNvPr id="14" name="矩形 13">
+            <p:cNvPr id="54" name="矩形 53">
               <a:extLst>
                 <a:ext uri="{FF2B5EF4-FFF2-40B4-BE49-F238E27FC236}">
-                  <a16:creationId xmlns:a16="http://schemas.microsoft.com/office/drawing/2014/main" id="{044D21A8-8814-438F-8A53-50FDD970AE63}"/>
+                  <a16:creationId xmlns:a16="http://schemas.microsoft.com/office/drawing/2014/main" id="{4F031250-C08D-4FF1-9CA5-61C3AB79A8AD}"/>
+                </a:ext>
+              </a:extLst>
+            </p:cNvPr>
+            <p:cNvSpPr/>
+            <p:nvPr/>
+          </p:nvSpPr>
+          <p:spPr>
+            <a:xfrm>
+              <a:off x="3399958" y="4242598"/>
+              <a:ext cx="1699818" cy="482118"/>
+            </a:xfrm>
+            <a:prstGeom prst="rect">
+              <a:avLst/>
+            </a:prstGeom>
+          </p:spPr>
+          <p:style>
+            <a:lnRef idx="2">
+              <a:schemeClr val="dk1"/>
+            </a:lnRef>
+            <a:fillRef idx="1">
+              <a:schemeClr val="lt1"/>
+            </a:fillRef>
+            <a:effectRef idx="0">
+              <a:schemeClr val="dk1"/>
+            </a:effectRef>
+            <a:fontRef idx="minor">
+              <a:schemeClr val="dk1"/>
+            </a:fontRef>
+          </p:style>
+          <p:txBody>
+            <a:bodyPr rtlCol="0" anchor="ctr"/>
+            <a:lstStyle/>
+            <a:p>
+              <a:pPr algn="ctr"/>
+              <a:r>
+                <a:rPr lang="zh-CN" altLang="en-US" dirty="0"/>
+                <a:t>日志文件路径</a:t>
+              </a:r>
+            </a:p>
+          </p:txBody>
+        </p:sp>
+        <p:sp>
+          <p:nvSpPr>
+            <p:cNvPr id="55" name="矩形 54">
+              <a:extLst>
+                <a:ext uri="{FF2B5EF4-FFF2-40B4-BE49-F238E27FC236}">
+                  <a16:creationId xmlns:a16="http://schemas.microsoft.com/office/drawing/2014/main" id="{EBCF4917-819B-4C18-BFB8-6DC68A1B9902}"/>
+                </a:ext>
+              </a:extLst>
+            </p:cNvPr>
+            <p:cNvSpPr/>
+            <p:nvPr/>
+          </p:nvSpPr>
+          <p:spPr>
+            <a:xfrm>
+              <a:off x="3400226" y="4727589"/>
+              <a:ext cx="1699550" cy="482118"/>
+            </a:xfrm>
+            <a:prstGeom prst="rect">
+              <a:avLst/>
+            </a:prstGeom>
+          </p:spPr>
+          <p:style>
+            <a:lnRef idx="2">
+              <a:schemeClr val="dk1"/>
+            </a:lnRef>
+            <a:fillRef idx="1">
+              <a:schemeClr val="lt1"/>
+            </a:fillRef>
+            <a:effectRef idx="0">
+              <a:schemeClr val="dk1"/>
+            </a:effectRef>
+            <a:fontRef idx="minor">
+              <a:schemeClr val="dk1"/>
+            </a:fontRef>
+          </p:style>
+          <p:txBody>
+            <a:bodyPr rtlCol="0" anchor="ctr"/>
+            <a:lstStyle/>
+            <a:p>
+              <a:pPr algn="ctr"/>
+              <a:r>
+                <a:rPr lang="zh-CN" altLang="en-US" dirty="0"/>
+                <a:t>配置文件路径</a:t>
+              </a:r>
+            </a:p>
+          </p:txBody>
+        </p:sp>
+        <p:sp>
+          <p:nvSpPr>
+            <p:cNvPr id="56" name="矩形 55">
+              <a:extLst>
+                <a:ext uri="{FF2B5EF4-FFF2-40B4-BE49-F238E27FC236}">
+                  <a16:creationId xmlns:a16="http://schemas.microsoft.com/office/drawing/2014/main" id="{94C3D7B6-D490-4562-A468-062AF5663E1E}"/>
+                </a:ext>
+              </a:extLst>
+            </p:cNvPr>
+            <p:cNvSpPr/>
+            <p:nvPr/>
+          </p:nvSpPr>
+          <p:spPr>
+            <a:xfrm>
+              <a:off x="3400226" y="5208998"/>
+              <a:ext cx="1699550" cy="482118"/>
+            </a:xfrm>
+            <a:prstGeom prst="rect">
+              <a:avLst/>
+            </a:prstGeom>
+          </p:spPr>
+          <p:style>
+            <a:lnRef idx="2">
+              <a:schemeClr val="dk1"/>
+            </a:lnRef>
+            <a:fillRef idx="1">
+              <a:schemeClr val="lt1"/>
+            </a:fillRef>
+            <a:effectRef idx="0">
+              <a:schemeClr val="dk1"/>
+            </a:effectRef>
+            <a:fontRef idx="minor">
+              <a:schemeClr val="dk1"/>
+            </a:fontRef>
+          </p:style>
+          <p:txBody>
+            <a:bodyPr rtlCol="0" anchor="ctr"/>
+            <a:lstStyle/>
+            <a:p>
+              <a:pPr algn="ctr"/>
+              <a:r>
+                <a:rPr lang="zh-CN" altLang="en-US" dirty="0"/>
+                <a:t>结果文件路径</a:t>
+              </a:r>
+            </a:p>
+          </p:txBody>
+        </p:sp>
+        <p:sp>
+          <p:nvSpPr>
+            <p:cNvPr id="57" name="矩形 56">
+              <a:extLst>
+                <a:ext uri="{FF2B5EF4-FFF2-40B4-BE49-F238E27FC236}">
+                  <a16:creationId xmlns:a16="http://schemas.microsoft.com/office/drawing/2014/main" id="{8BCCD390-77CA-4C1C-BC09-0DCC7987F792}"/>
                 </a:ext>
               </a:extLst>
             </p:cNvPr>
@@ -12117,238 +11285,32 @@
             </a:p>
           </p:txBody>
         </p:sp>
-        <p:sp>
-          <p:nvSpPr>
-            <p:cNvPr id="15" name="矩形 14">
-              <a:extLst>
-                <a:ext uri="{FF2B5EF4-FFF2-40B4-BE49-F238E27FC236}">
-                  <a16:creationId xmlns:a16="http://schemas.microsoft.com/office/drawing/2014/main" id="{D46316E4-1EEF-4518-A777-020C9ABAFB72}"/>
-                </a:ext>
-              </a:extLst>
-            </p:cNvPr>
-            <p:cNvSpPr/>
-            <p:nvPr/>
-          </p:nvSpPr>
-          <p:spPr>
-            <a:xfrm>
-              <a:off x="3400462" y="3665909"/>
-              <a:ext cx="1696338" cy="422944"/>
-            </a:xfrm>
-            <a:prstGeom prst="rect">
-              <a:avLst/>
-            </a:prstGeom>
-          </p:spPr>
-          <p:style>
-            <a:lnRef idx="2">
-              <a:schemeClr val="dk1"/>
-            </a:lnRef>
-            <a:fillRef idx="1">
-              <a:schemeClr val="lt1"/>
-            </a:fillRef>
-            <a:effectRef idx="0">
-              <a:schemeClr val="dk1"/>
-            </a:effectRef>
-            <a:fontRef idx="minor">
-              <a:schemeClr val="dk1"/>
-            </a:fontRef>
-          </p:style>
-          <p:txBody>
-            <a:bodyPr rtlCol="0" anchor="ctr"/>
-            <a:lstStyle/>
-            <a:p>
-              <a:pPr algn="ctr"/>
-              <a:r>
-                <a:rPr lang="zh-CN" altLang="en-US" dirty="0"/>
-                <a:t>运行状态</a:t>
-              </a:r>
-            </a:p>
-          </p:txBody>
-        </p:sp>
       </p:grpSp>
-      <p:sp>
-        <p:nvSpPr>
-          <p:cNvPr id="33" name="箭头: 五边形 32">
-            <a:extLst>
-              <a:ext uri="{FF2B5EF4-FFF2-40B4-BE49-F238E27FC236}">
-                <a16:creationId xmlns:a16="http://schemas.microsoft.com/office/drawing/2014/main" id="{E72E39CA-5A68-49BF-B547-1813D4458EC3}"/>
-              </a:ext>
-            </a:extLst>
-          </p:cNvPr>
-          <p:cNvSpPr/>
-          <p:nvPr/>
-        </p:nvSpPr>
-        <p:spPr>
-          <a:xfrm>
-            <a:off x="-135" y="2990223"/>
-            <a:ext cx="2024817" cy="484632"/>
-          </a:xfrm>
-          <a:prstGeom prst="homePlate">
-            <a:avLst/>
-          </a:prstGeom>
-        </p:spPr>
-        <p:style>
-          <a:lnRef idx="2">
-            <a:schemeClr val="dk1"/>
-          </a:lnRef>
-          <a:fillRef idx="1">
-            <a:schemeClr val="lt1"/>
-          </a:fillRef>
-          <a:effectRef idx="0">
-            <a:schemeClr val="dk1"/>
-          </a:effectRef>
-          <a:fontRef idx="minor">
-            <a:schemeClr val="dk1"/>
-          </a:fontRef>
-        </p:style>
-        <p:txBody>
-          <a:bodyPr rtlCol="0" anchor="ctr"/>
-          <a:lstStyle/>
-          <a:p>
-            <a:pPr algn="ctr"/>
-            <a:r>
-              <a:rPr lang="zh-CN" altLang="en-US" dirty="0"/>
-              <a:t>接口：等待完成</a:t>
-            </a:r>
-          </a:p>
-        </p:txBody>
-      </p:sp>
-      <p:sp>
-        <p:nvSpPr>
-          <p:cNvPr id="34" name="文本框 33">
-            <a:extLst>
-              <a:ext uri="{FF2B5EF4-FFF2-40B4-BE49-F238E27FC236}">
-                <a16:creationId xmlns:a16="http://schemas.microsoft.com/office/drawing/2014/main" id="{239C5FC1-C545-4441-923B-84EA094C3CBE}"/>
-              </a:ext>
-            </a:extLst>
-          </p:cNvPr>
-          <p:cNvSpPr txBox="1"/>
-          <p:nvPr/>
-        </p:nvSpPr>
-        <p:spPr>
-          <a:xfrm>
-            <a:off x="1279132" y="2588458"/>
-            <a:ext cx="1980029" cy="307777"/>
-          </a:xfrm>
-          <a:prstGeom prst="rect">
-            <a:avLst/>
-          </a:prstGeom>
-          <a:noFill/>
-        </p:spPr>
-        <p:txBody>
-          <a:bodyPr wrap="none" rtlCol="0">
-            <a:spAutoFit/>
-          </a:bodyPr>
-          <a:lstStyle/>
-          <a:p>
-            <a:r>
-              <a:rPr lang="zh-CN" altLang="en-US" sz="1400" dirty="0"/>
-              <a:t>阻塞式地等待进程退出</a:t>
-            </a:r>
-          </a:p>
-        </p:txBody>
-      </p:sp>
-      <p:sp>
-        <p:nvSpPr>
-          <p:cNvPr id="44" name="文本框 43">
-            <a:extLst>
-              <a:ext uri="{FF2B5EF4-FFF2-40B4-BE49-F238E27FC236}">
-                <a16:creationId xmlns:a16="http://schemas.microsoft.com/office/drawing/2014/main" id="{BB4A0A05-8522-4EDE-9B6F-79C7CD1CAF86}"/>
-              </a:ext>
-            </a:extLst>
-          </p:cNvPr>
-          <p:cNvSpPr txBox="1"/>
-          <p:nvPr/>
-        </p:nvSpPr>
-        <p:spPr>
-          <a:xfrm>
-            <a:off x="5769526" y="2646042"/>
-            <a:ext cx="2763898" cy="307777"/>
-          </a:xfrm>
-          <a:prstGeom prst="rect">
-            <a:avLst/>
-          </a:prstGeom>
-          <a:noFill/>
-        </p:spPr>
-        <p:txBody>
-          <a:bodyPr wrap="none" rtlCol="0">
-            <a:spAutoFit/>
-          </a:bodyPr>
-          <a:lstStyle/>
-          <a:p>
-            <a:r>
-              <a:rPr lang="zh-CN" altLang="en-US" sz="1400" dirty="0"/>
-              <a:t>等待进程退出</a:t>
-            </a:r>
-            <a:r>
-              <a:rPr lang="en-US" altLang="zh-CN" sz="1400" dirty="0"/>
-              <a:t>/</a:t>
-            </a:r>
-            <a:r>
-              <a:rPr lang="zh-CN" altLang="en-US" sz="1400" dirty="0"/>
-              <a:t>定时发送退出信号</a:t>
-            </a:r>
-          </a:p>
-        </p:txBody>
-      </p:sp>
-      <p:sp>
-        <p:nvSpPr>
-          <p:cNvPr id="51" name="文本框 50">
-            <a:extLst>
-              <a:ext uri="{FF2B5EF4-FFF2-40B4-BE49-F238E27FC236}">
-                <a16:creationId xmlns:a16="http://schemas.microsoft.com/office/drawing/2014/main" id="{FFF4E713-3AD7-4103-84F8-BB4B0CF398E7}"/>
-              </a:ext>
-            </a:extLst>
-          </p:cNvPr>
-          <p:cNvSpPr txBox="1"/>
-          <p:nvPr/>
-        </p:nvSpPr>
-        <p:spPr>
-          <a:xfrm>
-            <a:off x="2892584" y="3160392"/>
-            <a:ext cx="1136578" cy="738664"/>
-          </a:xfrm>
-          <a:prstGeom prst="rect">
-            <a:avLst/>
-          </a:prstGeom>
-          <a:noFill/>
-        </p:spPr>
-        <p:txBody>
-          <a:bodyPr wrap="square" rtlCol="0">
-            <a:spAutoFit/>
-          </a:bodyPr>
-          <a:lstStyle/>
-          <a:p>
-            <a:r>
-              <a:rPr lang="zh-CN" altLang="en-US" sz="1400" dirty="0"/>
-              <a:t>进程退出后设置为“停止”状态</a:t>
-            </a:r>
-          </a:p>
-        </p:txBody>
-      </p:sp>
       <p:cxnSp>
         <p:nvCxnSpPr>
-          <p:cNvPr id="52" name="连接符: 肘形 51">
-            <a:extLst>
-              <a:ext uri="{FF2B5EF4-FFF2-40B4-BE49-F238E27FC236}">
-                <a16:creationId xmlns:a16="http://schemas.microsoft.com/office/drawing/2014/main" id="{32BF114F-0587-440D-8CE8-ED0A6B73BBD3}"/>
+          <p:cNvPr id="59" name="连接符: 肘形 58">
+            <a:extLst>
+              <a:ext uri="{FF2B5EF4-FFF2-40B4-BE49-F238E27FC236}">
+                <a16:creationId xmlns:a16="http://schemas.microsoft.com/office/drawing/2014/main" id="{03B0511E-24D9-4126-987E-337BFE56531B}"/>
               </a:ext>
             </a:extLst>
           </p:cNvPr>
           <p:cNvCxnSpPr>
             <a:cxnSpLocks/>
-            <a:stCxn id="14" idx="2"/>
-            <a:endCxn id="15" idx="0"/>
+            <a:stCxn id="54" idx="1"/>
+            <a:endCxn id="57" idx="2"/>
           </p:cNvCxnSpPr>
           <p:nvPr/>
         </p:nvCxnSpPr>
         <p:spPr>
-          <a:xfrm rot="16200000" flipH="1">
-            <a:off x="3998170" y="3415448"/>
-            <a:ext cx="500618" cy="304"/>
+          <a:xfrm rot="10800000" flipH="1">
+            <a:off x="3399957" y="3165291"/>
+            <a:ext cx="848369" cy="1318366"/>
           </a:xfrm>
-          <a:prstGeom prst="bentConnector3">
+          <a:prstGeom prst="bentConnector4">
             <a:avLst>
-              <a:gd name="adj1" fmla="val 50000"/>
+              <a:gd name="adj1" fmla="val -26946"/>
+              <a:gd name="adj2" fmla="val 59142"/>
             </a:avLst>
           </a:prstGeom>
           <a:ln>
@@ -12370,57 +11332,10 @@
           </a:fontRef>
         </p:style>
       </p:cxnSp>
-      <p:sp>
-        <p:nvSpPr>
-          <p:cNvPr id="21" name="矩形 20">
-            <a:extLst>
-              <a:ext uri="{FF2B5EF4-FFF2-40B4-BE49-F238E27FC236}">
-                <a16:creationId xmlns:a16="http://schemas.microsoft.com/office/drawing/2014/main" id="{2BCFD20A-1EEC-46DE-B5D8-6D0A3E360D30}"/>
-              </a:ext>
-            </a:extLst>
-          </p:cNvPr>
-          <p:cNvSpPr/>
-          <p:nvPr/>
-        </p:nvSpPr>
-        <p:spPr>
-          <a:xfrm>
-            <a:off x="8514192" y="2651138"/>
-            <a:ext cx="655006" cy="605362"/>
-          </a:xfrm>
-          <a:prstGeom prst="rect">
-            <a:avLst/>
-          </a:prstGeom>
-        </p:spPr>
-        <p:style>
-          <a:lnRef idx="2">
-            <a:schemeClr val="dk1"/>
-          </a:lnRef>
-          <a:fillRef idx="1">
-            <a:schemeClr val="lt1"/>
-          </a:fillRef>
-          <a:effectRef idx="0">
-            <a:schemeClr val="dk1"/>
-          </a:effectRef>
-          <a:fontRef idx="minor">
-            <a:schemeClr val="dk1"/>
-          </a:fontRef>
-        </p:style>
-        <p:txBody>
-          <a:bodyPr rtlCol="0" anchor="ctr"/>
-          <a:lstStyle/>
-          <a:p>
-            <a:pPr algn="ctr"/>
-            <a:r>
-              <a:rPr lang="zh-CN" altLang="en-US" sz="1200" dirty="0"/>
-              <a:t>端口监听控制信号</a:t>
-            </a:r>
-          </a:p>
-        </p:txBody>
-      </p:sp>
     </p:spTree>
     <p:extLst>
       <p:ext uri="{BB962C8B-B14F-4D97-AF65-F5344CB8AC3E}">
-        <p14:creationId xmlns:p14="http://schemas.microsoft.com/office/powerpoint/2010/main" val="3768849915"/>
+        <p14:creationId xmlns:p14="http://schemas.microsoft.com/office/powerpoint/2010/main" val="3045766586"/>
       </p:ext>
     </p:extLst>
   </p:cSld>
@@ -12430,7 +11345,7 @@
 </p:sld>
 </file>
 
-<file path=ppt/slides/slide17.xml><?xml version="1.0" encoding="utf-8"?>
+<file path=ppt/slides/slide16.xml><?xml version="1.0" encoding="utf-8"?>
 <p:sld xmlns:a="http://schemas.openxmlformats.org/drawingml/2006/main" xmlns:r="http://schemas.openxmlformats.org/officeDocument/2006/relationships" xmlns:p="http://schemas.openxmlformats.org/presentationml/2006/main">
   <p:cSld>
     <p:spTree>
@@ -12447,12 +11362,126 @@
           <a:chExt cx="0" cy="0"/>
         </a:xfrm>
       </p:grpSpPr>
+      <p:sp>
+        <p:nvSpPr>
+          <p:cNvPr id="2" name="标题 1">
+            <a:extLst>
+              <a:ext uri="{FF2B5EF4-FFF2-40B4-BE49-F238E27FC236}">
+                <a16:creationId xmlns:a16="http://schemas.microsoft.com/office/drawing/2014/main" id="{A3E9E3D6-F36F-411B-BF8C-7A09DEB6B3BB}"/>
+              </a:ext>
+            </a:extLst>
+          </p:cNvPr>
+          <p:cNvSpPr>
+            <a:spLocks noGrp="1"/>
+          </p:cNvSpPr>
+          <p:nvPr>
+            <p:ph type="title"/>
+          </p:nvPr>
+        </p:nvSpPr>
+        <p:spPr/>
+        <p:txBody>
+          <a:bodyPr/>
+          <a:lstStyle/>
+          <a:p>
+            <a:r>
+              <a:rPr lang="en-US" altLang="zh-CN" dirty="0"/>
+              <a:t>Task</a:t>
+            </a:r>
+            <a:r>
+              <a:rPr lang="zh-CN" altLang="en-US" dirty="0"/>
+              <a:t>接口详解</a:t>
+            </a:r>
+          </a:p>
+        </p:txBody>
+      </p:sp>
+      <p:sp>
+        <p:nvSpPr>
+          <p:cNvPr id="34" name="文本框 33">
+            <a:extLst>
+              <a:ext uri="{FF2B5EF4-FFF2-40B4-BE49-F238E27FC236}">
+                <a16:creationId xmlns:a16="http://schemas.microsoft.com/office/drawing/2014/main" id="{239C5FC1-C545-4441-923B-84EA094C3CBE}"/>
+              </a:ext>
+            </a:extLst>
+          </p:cNvPr>
+          <p:cNvSpPr txBox="1"/>
+          <p:nvPr/>
+        </p:nvSpPr>
+        <p:spPr>
+          <a:xfrm>
+            <a:off x="1379316" y="2678773"/>
+            <a:ext cx="1980029" cy="307777"/>
+          </a:xfrm>
+          <a:prstGeom prst="rect">
+            <a:avLst/>
+          </a:prstGeom>
+          <a:noFill/>
+        </p:spPr>
+        <p:txBody>
+          <a:bodyPr wrap="none" rtlCol="0">
+            <a:spAutoFit/>
+          </a:bodyPr>
+          <a:lstStyle/>
+          <a:p>
+            <a:r>
+              <a:rPr lang="zh-CN" altLang="en-US" sz="1400" dirty="0"/>
+              <a:t>阻塞式地等待进程退出</a:t>
+            </a:r>
+          </a:p>
+        </p:txBody>
+      </p:sp>
+      <p:sp>
+        <p:nvSpPr>
+          <p:cNvPr id="17" name="箭头: 五边形 16">
+            <a:extLst>
+              <a:ext uri="{FF2B5EF4-FFF2-40B4-BE49-F238E27FC236}">
+                <a16:creationId xmlns:a16="http://schemas.microsoft.com/office/drawing/2014/main" id="{B5E652BC-AE1C-4C1B-A63D-80C58015EC95}"/>
+              </a:ext>
+            </a:extLst>
+          </p:cNvPr>
+          <p:cNvSpPr/>
+          <p:nvPr/>
+        </p:nvSpPr>
+        <p:spPr>
+          <a:xfrm>
+            <a:off x="-135" y="3427103"/>
+            <a:ext cx="2024817" cy="484632"/>
+          </a:xfrm>
+          <a:prstGeom prst="homePlate">
+            <a:avLst/>
+          </a:prstGeom>
+        </p:spPr>
+        <p:style>
+          <a:lnRef idx="2">
+            <a:schemeClr val="dk1"/>
+          </a:lnRef>
+          <a:fillRef idx="1">
+            <a:schemeClr val="lt1"/>
+          </a:fillRef>
+          <a:effectRef idx="0">
+            <a:schemeClr val="dk1"/>
+          </a:effectRef>
+          <a:fontRef idx="minor">
+            <a:schemeClr val="dk1"/>
+          </a:fontRef>
+        </p:style>
+        <p:txBody>
+          <a:bodyPr rtlCol="0" anchor="ctr"/>
+          <a:lstStyle/>
+          <a:p>
+            <a:pPr algn="ctr"/>
+            <a:r>
+              <a:rPr lang="zh-CN" altLang="en-US" dirty="0"/>
+              <a:t>接口：等待完成</a:t>
+            </a:r>
+          </a:p>
+        </p:txBody>
+      </p:sp>
       <p:grpSp>
         <p:nvGrpSpPr>
-          <p:cNvPr id="13" name="组合 12">
-            <a:extLst>
-              <a:ext uri="{FF2B5EF4-FFF2-40B4-BE49-F238E27FC236}">
-                <a16:creationId xmlns:a16="http://schemas.microsoft.com/office/drawing/2014/main" id="{573C729E-3E0E-4D6A-ABE5-FDE13B9D0DE9}"/>
+          <p:cNvPr id="38" name="组合 37">
+            <a:extLst>
+              <a:ext uri="{FF2B5EF4-FFF2-40B4-BE49-F238E27FC236}">
+                <a16:creationId xmlns:a16="http://schemas.microsoft.com/office/drawing/2014/main" id="{786F3CCE-E569-4FA8-A977-CDCEBA38A88B}"/>
               </a:ext>
             </a:extLst>
           </p:cNvPr>
@@ -12461,18 +11490,18 @@
         </p:nvGrpSpPr>
         <p:grpSpPr>
           <a:xfrm>
-            <a:off x="5842001" y="2040467"/>
-            <a:ext cx="5048250" cy="3733800"/>
-            <a:chOff x="5842001" y="2040467"/>
-            <a:chExt cx="5048250" cy="3733800"/>
+            <a:off x="5842001" y="2457839"/>
+            <a:ext cx="4117667" cy="3316428"/>
+            <a:chOff x="5842001" y="2457839"/>
+            <a:chExt cx="4117667" cy="3316428"/>
           </a:xfrm>
         </p:grpSpPr>
         <p:sp>
           <p:nvSpPr>
-            <p:cNvPr id="15" name="矩形 14">
+            <p:cNvPr id="39" name="矩形 38">
               <a:extLst>
                 <a:ext uri="{FF2B5EF4-FFF2-40B4-BE49-F238E27FC236}">
-                  <a16:creationId xmlns:a16="http://schemas.microsoft.com/office/drawing/2014/main" id="{74791005-34BC-4715-AC48-052446B99417}"/>
+                  <a16:creationId xmlns:a16="http://schemas.microsoft.com/office/drawing/2014/main" id="{6DAE7616-7BD1-442A-A29B-1A5C22F48E2D}"/>
                 </a:ext>
               </a:extLst>
             </p:cNvPr>
@@ -12481,8 +11510,8 @@
           </p:nvSpPr>
           <p:spPr>
             <a:xfrm>
-              <a:off x="5842001" y="2040467"/>
-              <a:ext cx="5048250" cy="3733800"/>
+              <a:off x="5842001" y="2457839"/>
+              <a:ext cx="4117667" cy="3316428"/>
             </a:xfrm>
             <a:prstGeom prst="rect">
               <a:avLst/>
@@ -12557,10 +11586,10 @@
         </p:sp>
         <p:sp>
           <p:nvSpPr>
-            <p:cNvPr id="21" name="矩形 20">
+            <p:cNvPr id="43" name="矩形 42">
               <a:extLst>
                 <a:ext uri="{FF2B5EF4-FFF2-40B4-BE49-F238E27FC236}">
-                  <a16:creationId xmlns:a16="http://schemas.microsoft.com/office/drawing/2014/main" id="{F6728463-6253-429A-A723-EC1D66AE38EE}"/>
+                  <a16:creationId xmlns:a16="http://schemas.microsoft.com/office/drawing/2014/main" id="{013FAB89-B744-4BC5-9157-CCA644F48C42}"/>
                 </a:ext>
               </a:extLst>
             </p:cNvPr>
@@ -12569,8 +11598,8 @@
           </p:nvSpPr>
           <p:spPr>
             <a:xfrm>
-              <a:off x="8496300" y="2116670"/>
-              <a:ext cx="1837266" cy="3589864"/>
+              <a:off x="8496300" y="2547976"/>
+              <a:ext cx="1091932" cy="3158557"/>
             </a:xfrm>
             <a:prstGeom prst="rect">
               <a:avLst/>
@@ -12604,10 +11633,10 @@
         </p:sp>
         <p:sp>
           <p:nvSpPr>
-            <p:cNvPr id="22" name="矩形 21">
+            <p:cNvPr id="45" name="矩形 44">
               <a:extLst>
                 <a:ext uri="{FF2B5EF4-FFF2-40B4-BE49-F238E27FC236}">
-                  <a16:creationId xmlns:a16="http://schemas.microsoft.com/office/drawing/2014/main" id="{AC306B0C-D35D-4EC9-87AF-9499C70ED5EA}"/>
+                  <a16:creationId xmlns:a16="http://schemas.microsoft.com/office/drawing/2014/main" id="{C9646E1A-4B81-471A-A1CE-FDDEBF28DE63}"/>
                 </a:ext>
               </a:extLst>
             </p:cNvPr>
@@ -12616,7 +11645,7 @@
           </p:nvSpPr>
           <p:spPr>
             <a:xfrm>
-              <a:off x="8514192" y="2651138"/>
+              <a:off x="8586108" y="2639790"/>
               <a:ext cx="655006" cy="605362"/>
             </a:xfrm>
             <a:prstGeom prst="rect">
@@ -12650,86 +11679,12 @@
           </p:txBody>
         </p:sp>
       </p:grpSp>
-      <p:sp>
-        <p:nvSpPr>
-          <p:cNvPr id="2" name="标题 1">
-            <a:extLst>
-              <a:ext uri="{FF2B5EF4-FFF2-40B4-BE49-F238E27FC236}">
-                <a16:creationId xmlns:a16="http://schemas.microsoft.com/office/drawing/2014/main" id="{A3E9E3D6-F36F-411B-BF8C-7A09DEB6B3BB}"/>
-              </a:ext>
-            </a:extLst>
-          </p:cNvPr>
-          <p:cNvSpPr>
-            <a:spLocks noGrp="1"/>
-          </p:cNvSpPr>
-          <p:nvPr>
-            <p:ph type="title"/>
-          </p:nvPr>
-        </p:nvSpPr>
-        <p:spPr/>
-        <p:txBody>
-          <a:bodyPr/>
-          <a:lstStyle/>
-          <a:p>
-            <a:r>
-              <a:rPr lang="en-US" altLang="zh-CN" dirty="0"/>
-              <a:t>Task</a:t>
-            </a:r>
-            <a:r>
-              <a:rPr lang="zh-CN" altLang="en-US" dirty="0"/>
-              <a:t>接口详解</a:t>
-            </a:r>
-          </a:p>
-        </p:txBody>
-      </p:sp>
-      <p:cxnSp>
-        <p:nvCxnSpPr>
-          <p:cNvPr id="32" name="直接箭头连接符 31">
-            <a:extLst>
-              <a:ext uri="{FF2B5EF4-FFF2-40B4-BE49-F238E27FC236}">
-                <a16:creationId xmlns:a16="http://schemas.microsoft.com/office/drawing/2014/main" id="{7972FC90-1058-490B-9331-2ABDCB9CB0BA}"/>
-              </a:ext>
-            </a:extLst>
-          </p:cNvPr>
-          <p:cNvCxnSpPr>
-            <a:cxnSpLocks/>
-          </p:cNvCxnSpPr>
-          <p:nvPr/>
-        </p:nvCxnSpPr>
-        <p:spPr>
-          <a:xfrm>
-            <a:off x="5096427" y="2953819"/>
-            <a:ext cx="3402850" cy="0"/>
-          </a:xfrm>
-          <a:prstGeom prst="straightConnector1">
-            <a:avLst/>
-          </a:prstGeom>
-          <a:ln w="28575">
-            <a:headEnd type="none" w="med" len="med"/>
-            <a:tailEnd type="triangle" w="med" len="med"/>
-          </a:ln>
-        </p:spPr>
-        <p:style>
-          <a:lnRef idx="1">
-            <a:schemeClr val="dk1"/>
-          </a:lnRef>
-          <a:fillRef idx="0">
-            <a:schemeClr val="dk1"/>
-          </a:fillRef>
-          <a:effectRef idx="0">
-            <a:schemeClr val="dk1"/>
-          </a:effectRef>
-          <a:fontRef idx="minor">
-            <a:schemeClr val="tx1"/>
-          </a:fontRef>
-        </p:style>
-      </p:cxnSp>
       <p:grpSp>
         <p:nvGrpSpPr>
-          <p:cNvPr id="9" name="组合 8">
-            <a:extLst>
-              <a:ext uri="{FF2B5EF4-FFF2-40B4-BE49-F238E27FC236}">
-                <a16:creationId xmlns:a16="http://schemas.microsoft.com/office/drawing/2014/main" id="{6F54E8B1-A24A-4F36-A9E0-095EA12B29EE}"/>
+          <p:cNvPr id="46" name="组合 45">
+            <a:extLst>
+              <a:ext uri="{FF2B5EF4-FFF2-40B4-BE49-F238E27FC236}">
+                <a16:creationId xmlns:a16="http://schemas.microsoft.com/office/drawing/2014/main" id="{65500842-151B-49DB-A0C0-6F545EC1D3CC}"/>
               </a:ext>
             </a:extLst>
           </p:cNvPr>
@@ -12738,18 +11693,18 @@
         </p:nvGrpSpPr>
         <p:grpSpPr>
           <a:xfrm>
-            <a:off x="3331636" y="2040465"/>
-            <a:ext cx="1837266" cy="3733801"/>
-            <a:chOff x="3331636" y="2040465"/>
-            <a:chExt cx="1837266" cy="3733801"/>
+            <a:off x="3331636" y="2457837"/>
+            <a:ext cx="1837266" cy="3316429"/>
+            <a:chOff x="3331636" y="2457837"/>
+            <a:chExt cx="1837266" cy="3316429"/>
           </a:xfrm>
         </p:grpSpPr>
         <p:sp>
           <p:nvSpPr>
-            <p:cNvPr id="10" name="矩形 9">
+            <p:cNvPr id="47" name="矩形 46">
               <a:extLst>
                 <a:ext uri="{FF2B5EF4-FFF2-40B4-BE49-F238E27FC236}">
-                  <a16:creationId xmlns:a16="http://schemas.microsoft.com/office/drawing/2014/main" id="{DED6AC24-F0FE-4921-8B28-335D0C5FE7DC}"/>
+                  <a16:creationId xmlns:a16="http://schemas.microsoft.com/office/drawing/2014/main" id="{26CC578C-4A31-48E9-A9DE-4312BAB86470}"/>
                 </a:ext>
               </a:extLst>
             </p:cNvPr>
@@ -12758,8 +11713,8 @@
           </p:nvSpPr>
           <p:spPr>
             <a:xfrm>
-              <a:off x="3331636" y="2040465"/>
-              <a:ext cx="1837266" cy="3733801"/>
+              <a:off x="3331636" y="2457837"/>
+              <a:ext cx="1837266" cy="3316429"/>
             </a:xfrm>
             <a:prstGeom prst="rect">
               <a:avLst/>
@@ -12799,10 +11754,10 @@
         </p:sp>
         <p:sp>
           <p:nvSpPr>
-            <p:cNvPr id="14" name="矩形 13">
+            <p:cNvPr id="53" name="矩形 52">
               <a:extLst>
                 <a:ext uri="{FF2B5EF4-FFF2-40B4-BE49-F238E27FC236}">
-                  <a16:creationId xmlns:a16="http://schemas.microsoft.com/office/drawing/2014/main" id="{044D21A8-8814-438F-8A53-50FDD970AE63}"/>
+                  <a16:creationId xmlns:a16="http://schemas.microsoft.com/office/drawing/2014/main" id="{ADA901B4-EC14-4CEC-B93C-F19747AED752}"/>
                 </a:ext>
               </a:extLst>
             </p:cNvPr>
@@ -12845,6 +11800,48 @@
           </p:txBody>
         </p:sp>
       </p:grpSp>
+      <p:cxnSp>
+        <p:nvCxnSpPr>
+          <p:cNvPr id="54" name="直接箭头连接符 53">
+            <a:extLst>
+              <a:ext uri="{FF2B5EF4-FFF2-40B4-BE49-F238E27FC236}">
+                <a16:creationId xmlns:a16="http://schemas.microsoft.com/office/drawing/2014/main" id="{4619BB33-F400-4E75-8FF0-7BA56C10F84E}"/>
+              </a:ext>
+            </a:extLst>
+          </p:cNvPr>
+          <p:cNvCxnSpPr>
+            <a:cxnSpLocks/>
+          </p:cNvCxnSpPr>
+          <p:nvPr/>
+        </p:nvCxnSpPr>
+        <p:spPr>
+          <a:xfrm flipV="1">
+            <a:off x="5096427" y="2942471"/>
+            <a:ext cx="3489681" cy="11348"/>
+          </a:xfrm>
+          <a:prstGeom prst="straightConnector1">
+            <a:avLst/>
+          </a:prstGeom>
+          <a:ln w="28575">
+            <a:headEnd type="none" w="med" len="med"/>
+            <a:tailEnd type="triangle" w="med" len="med"/>
+          </a:ln>
+        </p:spPr>
+        <p:style>
+          <a:lnRef idx="1">
+            <a:schemeClr val="dk1"/>
+          </a:lnRef>
+          <a:fillRef idx="0">
+            <a:schemeClr val="dk1"/>
+          </a:fillRef>
+          <a:effectRef idx="0">
+            <a:schemeClr val="dk1"/>
+          </a:effectRef>
+          <a:fontRef idx="minor">
+            <a:schemeClr val="tx1"/>
+          </a:fontRef>
+        </p:style>
+      </p:cxnSp>
       <p:sp>
         <p:nvSpPr>
           <p:cNvPr id="44" name="文本框 43">
@@ -12859,8 +11856,8 @@
         </p:nvSpPr>
         <p:spPr>
           <a:xfrm>
-            <a:off x="5844914" y="2646042"/>
-            <a:ext cx="1261884" cy="307777"/>
+            <a:off x="5842001" y="2637242"/>
+            <a:ext cx="902811" cy="307777"/>
           </a:xfrm>
           <a:prstGeom prst="rect">
             <a:avLst/>
@@ -12875,17 +11872,18 @@
           <a:p>
             <a:r>
               <a:rPr lang="zh-CN" altLang="en-US" sz="1400" dirty="0"/>
-              <a:t>发送退出信号</a:t>
-            </a:r>
+              <a:t>退出信号</a:t>
+            </a:r>
+            <a:endParaRPr lang="en-US" altLang="zh-CN" sz="1400" dirty="0"/>
           </a:p>
         </p:txBody>
       </p:sp>
       <p:sp>
         <p:nvSpPr>
-          <p:cNvPr id="16" name="箭头: 五边形 15">
-            <a:extLst>
-              <a:ext uri="{FF2B5EF4-FFF2-40B4-BE49-F238E27FC236}">
-                <a16:creationId xmlns:a16="http://schemas.microsoft.com/office/drawing/2014/main" id="{5A23A350-98F2-46F0-A4CB-EAB32F56FF29}"/>
+          <p:cNvPr id="55" name="箭头: 五边形 54">
+            <a:extLst>
+              <a:ext uri="{FF2B5EF4-FFF2-40B4-BE49-F238E27FC236}">
+                <a16:creationId xmlns:a16="http://schemas.microsoft.com/office/drawing/2014/main" id="{9F2D2638-CEC4-490D-930E-1B2080D656D0}"/>
               </a:ext>
             </a:extLst>
           </p:cNvPr>
@@ -12894,7 +11892,7 @@
         </p:nvSpPr>
         <p:spPr>
           <a:xfrm>
-            <a:off x="0" y="3474855"/>
+            <a:off x="0" y="3911735"/>
             <a:ext cx="2024817" cy="484632"/>
           </a:xfrm>
           <a:prstGeom prst="homePlate">
@@ -12929,10 +11927,10 @@
       </p:sp>
       <p:sp>
         <p:nvSpPr>
-          <p:cNvPr id="17" name="文本框 16">
-            <a:extLst>
-              <a:ext uri="{FF2B5EF4-FFF2-40B4-BE49-F238E27FC236}">
-                <a16:creationId xmlns:a16="http://schemas.microsoft.com/office/drawing/2014/main" id="{0D2197BE-3261-4D27-B2BB-FB0F55C5E9FD}"/>
+          <p:cNvPr id="56" name="文本框 55">
+            <a:extLst>
+              <a:ext uri="{FF2B5EF4-FFF2-40B4-BE49-F238E27FC236}">
+                <a16:creationId xmlns:a16="http://schemas.microsoft.com/office/drawing/2014/main" id="{3C9A1235-27CA-4F29-9FC8-EAB1E68D9380}"/>
               </a:ext>
             </a:extLst>
           </p:cNvPr>
@@ -12941,8 +11939,8 @@
         </p:nvSpPr>
         <p:spPr>
           <a:xfrm>
-            <a:off x="81651" y="4100192"/>
-            <a:ext cx="1136578" cy="1384995"/>
+            <a:off x="1901974" y="4198399"/>
+            <a:ext cx="1620957" cy="307777"/>
           </a:xfrm>
           <a:prstGeom prst="rect">
             <a:avLst/>
@@ -12950,22 +11948,194 @@
           <a:noFill/>
         </p:spPr>
         <p:txBody>
-          <a:bodyPr wrap="square" rtlCol="0">
+          <a:bodyPr wrap="none" rtlCol="0">
             <a:spAutoFit/>
           </a:bodyPr>
           <a:lstStyle/>
           <a:p>
             <a:r>
               <a:rPr lang="zh-CN" altLang="en-US" sz="1400" dirty="0"/>
-              <a:t>需要另外一个线程调用“等待完成”接口执行进程停止后的操作</a:t>
-            </a:r>
+              <a:t>主动发送退出信号</a:t>
+            </a:r>
+            <a:endParaRPr lang="en-US" altLang="zh-CN" sz="1400" dirty="0"/>
+          </a:p>
+        </p:txBody>
+      </p:sp>
+      <p:cxnSp>
+        <p:nvCxnSpPr>
+          <p:cNvPr id="58" name="连接符: 肘形 57">
+            <a:extLst>
+              <a:ext uri="{FF2B5EF4-FFF2-40B4-BE49-F238E27FC236}">
+                <a16:creationId xmlns:a16="http://schemas.microsoft.com/office/drawing/2014/main" id="{0B99F94C-747F-4DDB-BD99-76161B6BE2FB}"/>
+              </a:ext>
+            </a:extLst>
+          </p:cNvPr>
+          <p:cNvCxnSpPr>
+            <a:cxnSpLocks/>
+            <a:stCxn id="55" idx="3"/>
+            <a:endCxn id="53" idx="2"/>
+          </p:cNvCxnSpPr>
+          <p:nvPr/>
+        </p:nvCxnSpPr>
+        <p:spPr>
+          <a:xfrm flipV="1">
+            <a:off x="2024817" y="3165291"/>
+            <a:ext cx="2223510" cy="988760"/>
+          </a:xfrm>
+          <a:prstGeom prst="bentConnector2">
+            <a:avLst/>
+          </a:prstGeom>
+          <a:ln>
+            <a:tailEnd type="triangle"/>
+          </a:ln>
+        </p:spPr>
+        <p:style>
+          <a:lnRef idx="1">
+            <a:schemeClr val="dk1"/>
+          </a:lnRef>
+          <a:fillRef idx="0">
+            <a:schemeClr val="dk1"/>
+          </a:fillRef>
+          <a:effectRef idx="0">
+            <a:schemeClr val="dk1"/>
+          </a:effectRef>
+          <a:fontRef idx="minor">
+            <a:schemeClr val="tx1"/>
+          </a:fontRef>
+        </p:style>
+      </p:cxnSp>
+      <p:cxnSp>
+        <p:nvCxnSpPr>
+          <p:cNvPr id="59" name="连接符: 肘形 58">
+            <a:extLst>
+              <a:ext uri="{FF2B5EF4-FFF2-40B4-BE49-F238E27FC236}">
+                <a16:creationId xmlns:a16="http://schemas.microsoft.com/office/drawing/2014/main" id="{33CD911E-35DF-4DDD-B78C-838F2F2F79F9}"/>
+              </a:ext>
+            </a:extLst>
+          </p:cNvPr>
+          <p:cNvCxnSpPr>
+            <a:cxnSpLocks/>
+            <a:stCxn id="53" idx="1"/>
+            <a:endCxn id="17" idx="3"/>
+          </p:cNvCxnSpPr>
+          <p:nvPr/>
+        </p:nvCxnSpPr>
+        <p:spPr>
+          <a:xfrm rot="10800000" flipV="1">
+            <a:off x="2024682" y="2953819"/>
+            <a:ext cx="1375544" cy="715600"/>
+          </a:xfrm>
+          <a:prstGeom prst="bentConnector3">
+            <a:avLst>
+              <a:gd name="adj1" fmla="val 50000"/>
+            </a:avLst>
+          </a:prstGeom>
+          <a:ln>
+            <a:tailEnd type="triangle"/>
+          </a:ln>
+        </p:spPr>
+        <p:style>
+          <a:lnRef idx="1">
+            <a:schemeClr val="dk1"/>
+          </a:lnRef>
+          <a:fillRef idx="0">
+            <a:schemeClr val="dk1"/>
+          </a:fillRef>
+          <a:effectRef idx="0">
+            <a:schemeClr val="dk1"/>
+          </a:effectRef>
+          <a:fontRef idx="minor">
+            <a:schemeClr val="tx1"/>
+          </a:fontRef>
+        </p:style>
+      </p:cxnSp>
+    </p:spTree>
+    <p:extLst>
+      <p:ext uri="{BB962C8B-B14F-4D97-AF65-F5344CB8AC3E}">
+        <p14:creationId xmlns:p14="http://schemas.microsoft.com/office/powerpoint/2010/main" val="3768849915"/>
+      </p:ext>
+    </p:extLst>
+  </p:cSld>
+  <p:clrMapOvr>
+    <a:masterClrMapping/>
+  </p:clrMapOvr>
+</p:sld>
+</file>
+
+<file path=ppt/slides/slide17.xml><?xml version="1.0" encoding="utf-8"?>
+<p:sld xmlns:a="http://schemas.openxmlformats.org/drawingml/2006/main" xmlns:r="http://schemas.openxmlformats.org/officeDocument/2006/relationships" xmlns:p="http://schemas.openxmlformats.org/presentationml/2006/main">
+  <p:cSld>
+    <p:spTree>
+      <p:nvGrpSpPr>
+        <p:cNvPr id="1" name=""/>
+        <p:cNvGrpSpPr/>
+        <p:nvPr/>
+      </p:nvGrpSpPr>
+      <p:grpSpPr>
+        <a:xfrm>
+          <a:off x="0" y="0"/>
+          <a:ext cx="0" cy="0"/>
+          <a:chOff x="0" y="0"/>
+          <a:chExt cx="0" cy="0"/>
+        </a:xfrm>
+      </p:grpSpPr>
+      <p:sp>
+        <p:nvSpPr>
+          <p:cNvPr id="2" name="标题 1">
+            <a:extLst>
+              <a:ext uri="{FF2B5EF4-FFF2-40B4-BE49-F238E27FC236}">
+                <a16:creationId xmlns:a16="http://schemas.microsoft.com/office/drawing/2014/main" id="{9694344C-A7FD-4578-B46E-DF8BFFAF2DBF}"/>
+              </a:ext>
+            </a:extLst>
+          </p:cNvPr>
+          <p:cNvSpPr>
+            <a:spLocks noGrp="1"/>
+          </p:cNvSpPr>
+          <p:nvPr>
+            <p:ph type="title"/>
+          </p:nvPr>
+        </p:nvSpPr>
+        <p:spPr/>
+        <p:txBody>
+          <a:bodyPr/>
+          <a:lstStyle/>
+          <a:p>
+            <a:r>
+              <a:rPr lang="zh-CN" altLang="en-US" dirty="0"/>
+              <a:t>组件设置</a:t>
+            </a:r>
+          </a:p>
+        </p:txBody>
+      </p:sp>
+      <p:sp>
+        <p:nvSpPr>
+          <p:cNvPr id="3" name="文本占位符 2">
+            <a:extLst>
+              <a:ext uri="{FF2B5EF4-FFF2-40B4-BE49-F238E27FC236}">
+                <a16:creationId xmlns:a16="http://schemas.microsoft.com/office/drawing/2014/main" id="{14E1B14D-7B00-4CC4-A5D7-9CC3A052F1C8}"/>
+              </a:ext>
+            </a:extLst>
+          </p:cNvPr>
+          <p:cNvSpPr>
+            <a:spLocks noGrp="1"/>
+          </p:cNvSpPr>
+          <p:nvPr>
+            <p:ph type="body" idx="1"/>
+          </p:nvPr>
+        </p:nvSpPr>
+        <p:spPr/>
+        <p:txBody>
+          <a:bodyPr/>
+          <a:lstStyle/>
+          <a:p>
+            <a:endParaRPr lang="zh-CN" altLang="en-US"/>
           </a:p>
         </p:txBody>
       </p:sp>
     </p:spTree>
     <p:extLst>
       <p:ext uri="{BB962C8B-B14F-4D97-AF65-F5344CB8AC3E}">
-        <p14:creationId xmlns:p14="http://schemas.microsoft.com/office/powerpoint/2010/main" val="1900447476"/>
+        <p14:creationId xmlns:p14="http://schemas.microsoft.com/office/powerpoint/2010/main" val="1758697077"/>
       </p:ext>
     </p:extLst>
   </p:cSld>
@@ -12997,7 +12167,7 @@
           <p:cNvPr id="2" name="标题 1">
             <a:extLst>
               <a:ext uri="{FF2B5EF4-FFF2-40B4-BE49-F238E27FC236}">
-                <a16:creationId xmlns:a16="http://schemas.microsoft.com/office/drawing/2014/main" id="{9694344C-A7FD-4578-B46E-DF8BFFAF2DBF}"/>
+                <a16:creationId xmlns:a16="http://schemas.microsoft.com/office/drawing/2014/main" id="{59E991E7-E82A-4499-B35F-38FA6A3A533E}"/>
               </a:ext>
             </a:extLst>
           </p:cNvPr>
@@ -13022,10 +12192,10 @@
       </p:sp>
       <p:sp>
         <p:nvSpPr>
-          <p:cNvPr id="3" name="文本占位符 2">
-            <a:extLst>
-              <a:ext uri="{FF2B5EF4-FFF2-40B4-BE49-F238E27FC236}">
-                <a16:creationId xmlns:a16="http://schemas.microsoft.com/office/drawing/2014/main" id="{14E1B14D-7B00-4CC4-A5D7-9CC3A052F1C8}"/>
+          <p:cNvPr id="3" name="内容占位符 2">
+            <a:extLst>
+              <a:ext uri="{FF2B5EF4-FFF2-40B4-BE49-F238E27FC236}">
+                <a16:creationId xmlns:a16="http://schemas.microsoft.com/office/drawing/2014/main" id="{1AD9D943-F9D0-48F6-86F5-20B99D1810C9}"/>
               </a:ext>
             </a:extLst>
           </p:cNvPr>
@@ -13033,7 +12203,7 @@
             <a:spLocks noGrp="1"/>
           </p:cNvSpPr>
           <p:nvPr>
-            <p:ph type="body" idx="1"/>
+            <p:ph idx="1"/>
           </p:nvPr>
         </p:nvSpPr>
         <p:spPr/>
@@ -13041,14 +12211,73 @@
           <a:bodyPr/>
           <a:lstStyle/>
           <a:p>
-            <a:endParaRPr lang="zh-CN" altLang="en-US"/>
+            <a:r>
+              <a:rPr lang="zh-CN" altLang="en-US" dirty="0"/>
+              <a:t>载入配置</a:t>
+            </a:r>
+            <a:endParaRPr lang="en-US" altLang="zh-CN" dirty="0"/>
+          </a:p>
+          <a:p>
+            <a:r>
+              <a:rPr lang="zh-CN" altLang="en-US" dirty="0"/>
+              <a:t>创建</a:t>
+            </a:r>
+            <a:r>
+              <a:rPr lang="en-US" altLang="zh-CN" dirty="0" err="1"/>
+              <a:t>TaskList</a:t>
+            </a:r>
+            <a:r>
+              <a:rPr lang="zh-CN" altLang="en-US" dirty="0"/>
+              <a:t>组件和</a:t>
+            </a:r>
+            <a:r>
+              <a:rPr lang="en-US" altLang="zh-CN" dirty="0"/>
+              <a:t>Daemon</a:t>
+            </a:r>
+            <a:r>
+              <a:rPr lang="zh-CN" altLang="en-US" dirty="0"/>
+              <a:t>组件各一个</a:t>
+            </a:r>
+            <a:endParaRPr lang="en-US" altLang="zh-CN" dirty="0"/>
+          </a:p>
+          <a:p>
+            <a:r>
+              <a:rPr lang="zh-CN" altLang="en-US" dirty="0"/>
+              <a:t>启动</a:t>
+            </a:r>
+            <a:r>
+              <a:rPr lang="en-US" altLang="zh-CN" dirty="0"/>
+              <a:t>Daemon</a:t>
+            </a:r>
+            <a:r>
+              <a:rPr lang="zh-CN" altLang="en-US" dirty="0"/>
+              <a:t>组件中的后台</a:t>
+            </a:r>
+            <a:r>
+              <a:rPr lang="en-US" altLang="zh-CN" dirty="0"/>
+              <a:t>goroutine</a:t>
+            </a:r>
+          </a:p>
+          <a:p>
+            <a:r>
+              <a:rPr lang="zh-CN" altLang="en-US" dirty="0"/>
+              <a:t>注册服务器停止程序（监听</a:t>
+            </a:r>
+            <a:r>
+              <a:rPr lang="en-US" altLang="zh-CN" dirty="0"/>
+              <a:t>SIGINT</a:t>
+            </a:r>
+            <a:r>
+              <a:rPr lang="zh-CN" altLang="en-US" dirty="0"/>
+              <a:t>信号）</a:t>
+            </a:r>
           </a:p>
         </p:txBody>
       </p:sp>
     </p:spTree>
     <p:extLst>
       <p:ext uri="{BB962C8B-B14F-4D97-AF65-F5344CB8AC3E}">
-        <p14:creationId xmlns:p14="http://schemas.microsoft.com/office/powerpoint/2010/main" val="1758697077"/>
+        <p14:creationId xmlns:p14="http://schemas.microsoft.com/office/powerpoint/2010/main" val="520775075"/>
       </p:ext>
     </p:extLst>
   </p:cSld>
@@ -13080,7 +12309,7 @@
           <p:cNvPr id="2" name="标题 1">
             <a:extLst>
               <a:ext uri="{FF2B5EF4-FFF2-40B4-BE49-F238E27FC236}">
-                <a16:creationId xmlns:a16="http://schemas.microsoft.com/office/drawing/2014/main" id="{59E991E7-E82A-4499-B35F-38FA6A3A533E}"/>
+                <a16:creationId xmlns:a16="http://schemas.microsoft.com/office/drawing/2014/main" id="{9694344C-A7FD-4578-B46E-DF8BFFAF2DBF}"/>
               </a:ext>
             </a:extLst>
           </p:cNvPr>
@@ -13098,17 +12327,17 @@
           <a:p>
             <a:r>
               <a:rPr lang="zh-CN" altLang="en-US" dirty="0"/>
-              <a:t>组件设置</a:t>
+              <a:t>启停流程</a:t>
             </a:r>
           </a:p>
         </p:txBody>
       </p:sp>
       <p:sp>
         <p:nvSpPr>
-          <p:cNvPr id="3" name="内容占位符 2">
-            <a:extLst>
-              <a:ext uri="{FF2B5EF4-FFF2-40B4-BE49-F238E27FC236}">
-                <a16:creationId xmlns:a16="http://schemas.microsoft.com/office/drawing/2014/main" id="{1AD9D943-F9D0-48F6-86F5-20B99D1810C9}"/>
+          <p:cNvPr id="3" name="文本占位符 2">
+            <a:extLst>
+              <a:ext uri="{FF2B5EF4-FFF2-40B4-BE49-F238E27FC236}">
+                <a16:creationId xmlns:a16="http://schemas.microsoft.com/office/drawing/2014/main" id="{14E1B14D-7B00-4CC4-A5D7-9CC3A052F1C8}"/>
               </a:ext>
             </a:extLst>
           </p:cNvPr>
@@ -13116,7 +12345,7 @@
             <a:spLocks noGrp="1"/>
           </p:cNvSpPr>
           <p:nvPr>
-            <p:ph idx="1"/>
+            <p:ph type="body" idx="1"/>
           </p:nvPr>
         </p:nvSpPr>
         <p:spPr/>
@@ -13124,73 +12353,14 @@
           <a:bodyPr/>
           <a:lstStyle/>
           <a:p>
-            <a:r>
-              <a:rPr lang="zh-CN" altLang="en-US" dirty="0"/>
-              <a:t>载入配置</a:t>
-            </a:r>
-            <a:endParaRPr lang="en-US" altLang="zh-CN" dirty="0"/>
-          </a:p>
-          <a:p>
-            <a:r>
-              <a:rPr lang="zh-CN" altLang="en-US" dirty="0"/>
-              <a:t>创建</a:t>
-            </a:r>
-            <a:r>
-              <a:rPr lang="en-US" altLang="zh-CN" dirty="0" err="1"/>
-              <a:t>TaskList</a:t>
-            </a:r>
-            <a:r>
-              <a:rPr lang="zh-CN" altLang="en-US" dirty="0"/>
-              <a:t>组件和</a:t>
-            </a:r>
-            <a:r>
-              <a:rPr lang="en-US" altLang="zh-CN" dirty="0"/>
-              <a:t>Daemon</a:t>
-            </a:r>
-            <a:r>
-              <a:rPr lang="zh-CN" altLang="en-US" dirty="0"/>
-              <a:t>组件各一个</a:t>
-            </a:r>
-            <a:endParaRPr lang="en-US" altLang="zh-CN" dirty="0"/>
-          </a:p>
-          <a:p>
-            <a:r>
-              <a:rPr lang="zh-CN" altLang="en-US" dirty="0"/>
-              <a:t>启动</a:t>
-            </a:r>
-            <a:r>
-              <a:rPr lang="en-US" altLang="zh-CN" dirty="0"/>
-              <a:t>Daemon</a:t>
-            </a:r>
-            <a:r>
-              <a:rPr lang="zh-CN" altLang="en-US" dirty="0"/>
-              <a:t>组件中的后台</a:t>
-            </a:r>
-            <a:r>
-              <a:rPr lang="en-US" altLang="zh-CN" dirty="0"/>
-              <a:t>goroutine</a:t>
-            </a:r>
-          </a:p>
-          <a:p>
-            <a:r>
-              <a:rPr lang="zh-CN" altLang="en-US" dirty="0"/>
-              <a:t>注册服务器停止程序（监听</a:t>
-            </a:r>
-            <a:r>
-              <a:rPr lang="en-US" altLang="zh-CN" dirty="0"/>
-              <a:t>SIGINT</a:t>
-            </a:r>
-            <a:r>
-              <a:rPr lang="zh-CN" altLang="en-US" dirty="0"/>
-              <a:t>信号）</a:t>
-            </a:r>
+            <a:endParaRPr lang="zh-CN" altLang="en-US"/>
           </a:p>
         </p:txBody>
       </p:sp>
     </p:spTree>
     <p:extLst>
       <p:ext uri="{BB962C8B-B14F-4D97-AF65-F5344CB8AC3E}">
-        <p14:creationId xmlns:p14="http://schemas.microsoft.com/office/powerpoint/2010/main" val="520775075"/>
+        <p14:creationId xmlns:p14="http://schemas.microsoft.com/office/powerpoint/2010/main" val="989520299"/>
       </p:ext>
     </p:extLst>
   </p:cSld>
@@ -13305,89 +12475,6 @@
           <p:cNvPr id="2" name="标题 1">
             <a:extLst>
               <a:ext uri="{FF2B5EF4-FFF2-40B4-BE49-F238E27FC236}">
-                <a16:creationId xmlns:a16="http://schemas.microsoft.com/office/drawing/2014/main" id="{9694344C-A7FD-4578-B46E-DF8BFFAF2DBF}"/>
-              </a:ext>
-            </a:extLst>
-          </p:cNvPr>
-          <p:cNvSpPr>
-            <a:spLocks noGrp="1"/>
-          </p:cNvSpPr>
-          <p:nvPr>
-            <p:ph type="title"/>
-          </p:nvPr>
-        </p:nvSpPr>
-        <p:spPr/>
-        <p:txBody>
-          <a:bodyPr/>
-          <a:lstStyle/>
-          <a:p>
-            <a:r>
-              <a:rPr lang="zh-CN" altLang="en-US" dirty="0"/>
-              <a:t>启停流程</a:t>
-            </a:r>
-          </a:p>
-        </p:txBody>
-      </p:sp>
-      <p:sp>
-        <p:nvSpPr>
-          <p:cNvPr id="3" name="文本占位符 2">
-            <a:extLst>
-              <a:ext uri="{FF2B5EF4-FFF2-40B4-BE49-F238E27FC236}">
-                <a16:creationId xmlns:a16="http://schemas.microsoft.com/office/drawing/2014/main" id="{14E1B14D-7B00-4CC4-A5D7-9CC3A052F1C8}"/>
-              </a:ext>
-            </a:extLst>
-          </p:cNvPr>
-          <p:cNvSpPr>
-            <a:spLocks noGrp="1"/>
-          </p:cNvSpPr>
-          <p:nvPr>
-            <p:ph type="body" idx="1"/>
-          </p:nvPr>
-        </p:nvSpPr>
-        <p:spPr/>
-        <p:txBody>
-          <a:bodyPr/>
-          <a:lstStyle/>
-          <a:p>
-            <a:endParaRPr lang="zh-CN" altLang="en-US"/>
-          </a:p>
-        </p:txBody>
-      </p:sp>
-    </p:spTree>
-    <p:extLst>
-      <p:ext uri="{BB962C8B-B14F-4D97-AF65-F5344CB8AC3E}">
-        <p14:creationId xmlns:p14="http://schemas.microsoft.com/office/powerpoint/2010/main" val="989520299"/>
-      </p:ext>
-    </p:extLst>
-  </p:cSld>
-  <p:clrMapOvr>
-    <a:masterClrMapping/>
-  </p:clrMapOvr>
-</p:sld>
-</file>
-
-<file path=ppt/slides/slide21.xml><?xml version="1.0" encoding="utf-8"?>
-<p:sld xmlns:a="http://schemas.openxmlformats.org/drawingml/2006/main" xmlns:r="http://schemas.openxmlformats.org/officeDocument/2006/relationships" xmlns:p="http://schemas.openxmlformats.org/presentationml/2006/main">
-  <p:cSld>
-    <p:spTree>
-      <p:nvGrpSpPr>
-        <p:cNvPr id="1" name=""/>
-        <p:cNvGrpSpPr/>
-        <p:nvPr/>
-      </p:nvGrpSpPr>
-      <p:grpSpPr>
-        <a:xfrm>
-          <a:off x="0" y="0"/>
-          <a:ext cx="0" cy="0"/>
-          <a:chOff x="0" y="0"/>
-          <a:chExt cx="0" cy="0"/>
-        </a:xfrm>
-      </p:grpSpPr>
-      <p:sp>
-        <p:nvSpPr>
-          <p:cNvPr id="2" name="标题 1">
-            <a:extLst>
-              <a:ext uri="{FF2B5EF4-FFF2-40B4-BE49-F238E27FC236}">
                 <a16:creationId xmlns:a16="http://schemas.microsoft.com/office/drawing/2014/main" id="{59E991E7-E82A-4499-B35F-38FA6A3A533E}"/>
               </a:ext>
             </a:extLst>
@@ -13508,7 +12595,7 @@
 </p:sld>
 </file>
 
-<file path=ppt/slides/slide22.xml><?xml version="1.0" encoding="utf-8"?>
+<file path=ppt/slides/slide21.xml><?xml version="1.0" encoding="utf-8"?>
 <p:sld xmlns:a="http://schemas.openxmlformats.org/drawingml/2006/main" xmlns:r="http://schemas.openxmlformats.org/officeDocument/2006/relationships" xmlns:p="http://schemas.openxmlformats.org/presentationml/2006/main">
   <p:cSld>
     <p:spTree>
@@ -16589,6 +15676,52 @@
       </p:grpSpPr>
       <p:sp>
         <p:nvSpPr>
+          <p:cNvPr id="75" name="流程图: 顺序访问存储器 74">
+            <a:extLst>
+              <a:ext uri="{FF2B5EF4-FFF2-40B4-BE49-F238E27FC236}">
+                <a16:creationId xmlns:a16="http://schemas.microsoft.com/office/drawing/2014/main" id="{A088C78F-F45C-4879-90B2-34F1940BB5E0}"/>
+              </a:ext>
+            </a:extLst>
+          </p:cNvPr>
+          <p:cNvSpPr>
+            <a:spLocks noChangeAspect="1"/>
+          </p:cNvSpPr>
+          <p:nvPr/>
+        </p:nvSpPr>
+        <p:spPr>
+          <a:xfrm>
+            <a:off x="7536728" y="2678035"/>
+            <a:ext cx="3476059" cy="3476059"/>
+          </a:xfrm>
+          <a:prstGeom prst="flowChartMagneticTape">
+            <a:avLst/>
+          </a:prstGeom>
+        </p:spPr>
+        <p:style>
+          <a:lnRef idx="2">
+            <a:schemeClr val="dk1"/>
+          </a:lnRef>
+          <a:fillRef idx="1">
+            <a:schemeClr val="lt1"/>
+          </a:fillRef>
+          <a:effectRef idx="0">
+            <a:schemeClr val="dk1"/>
+          </a:effectRef>
+          <a:fontRef idx="minor">
+            <a:schemeClr val="dk1"/>
+          </a:fontRef>
+        </p:style>
+        <p:txBody>
+          <a:bodyPr rtlCol="0" anchor="ctr"/>
+          <a:lstStyle/>
+          <a:p>
+            <a:pPr algn="ctr"/>
+            <a:endParaRPr lang="zh-CN" altLang="en-US"/>
+          </a:p>
+        </p:txBody>
+      </p:sp>
+      <p:sp>
+        <p:nvSpPr>
           <p:cNvPr id="2" name="标题 1">
             <a:extLst>
               <a:ext uri="{FF2B5EF4-FFF2-40B4-BE49-F238E27FC236}">
@@ -16782,12 +15915,310 @@
           </p:txBody>
         </p:sp>
       </p:grpSp>
+      <p:sp>
+        <p:nvSpPr>
+          <p:cNvPr id="130" name="矩形 129">
+            <a:extLst>
+              <a:ext uri="{FF2B5EF4-FFF2-40B4-BE49-F238E27FC236}">
+                <a16:creationId xmlns:a16="http://schemas.microsoft.com/office/drawing/2014/main" id="{5DBE1761-A422-4F36-9D0A-8F1F08E11C39}"/>
+              </a:ext>
+            </a:extLst>
+          </p:cNvPr>
+          <p:cNvSpPr/>
+          <p:nvPr/>
+        </p:nvSpPr>
+        <p:spPr>
+          <a:xfrm>
+            <a:off x="1723667" y="3099957"/>
+            <a:ext cx="579964" cy="297447"/>
+          </a:xfrm>
+          <a:prstGeom prst="rect">
+            <a:avLst/>
+          </a:prstGeom>
+        </p:spPr>
+        <p:style>
+          <a:lnRef idx="2">
+            <a:schemeClr val="dk1"/>
+          </a:lnRef>
+          <a:fillRef idx="1">
+            <a:schemeClr val="lt1"/>
+          </a:fillRef>
+          <a:effectRef idx="0">
+            <a:schemeClr val="dk1"/>
+          </a:effectRef>
+          <a:fontRef idx="minor">
+            <a:schemeClr val="dk1"/>
+          </a:fontRef>
+        </p:style>
+        <p:txBody>
+          <a:bodyPr rtlCol="0" anchor="ctr"/>
+          <a:lstStyle/>
+          <a:p>
+            <a:pPr algn="ctr"/>
+            <a:r>
+              <a:rPr lang="en-US" altLang="zh-CN" sz="1400" dirty="0"/>
+              <a:t>Task</a:t>
+            </a:r>
+            <a:endParaRPr lang="zh-CN" altLang="en-US" sz="1400" dirty="0"/>
+          </a:p>
+        </p:txBody>
+      </p:sp>
+      <p:sp>
+        <p:nvSpPr>
+          <p:cNvPr id="8" name="箭头: 五边形 7">
+            <a:extLst>
+              <a:ext uri="{FF2B5EF4-FFF2-40B4-BE49-F238E27FC236}">
+                <a16:creationId xmlns:a16="http://schemas.microsoft.com/office/drawing/2014/main" id="{64A3BBE0-3B74-4181-8250-829674FC9E81}"/>
+              </a:ext>
+            </a:extLst>
+          </p:cNvPr>
+          <p:cNvSpPr/>
+          <p:nvPr/>
+        </p:nvSpPr>
+        <p:spPr>
+          <a:xfrm>
+            <a:off x="0" y="3229918"/>
+            <a:ext cx="2024817" cy="484632"/>
+          </a:xfrm>
+          <a:prstGeom prst="homePlate">
+            <a:avLst/>
+          </a:prstGeom>
+        </p:spPr>
+        <p:style>
+          <a:lnRef idx="2">
+            <a:schemeClr val="dk1"/>
+          </a:lnRef>
+          <a:fillRef idx="1">
+            <a:schemeClr val="lt1"/>
+          </a:fillRef>
+          <a:effectRef idx="0">
+            <a:schemeClr val="dk1"/>
+          </a:effectRef>
+          <a:fontRef idx="minor">
+            <a:schemeClr val="dk1"/>
+          </a:fontRef>
+        </p:style>
+        <p:txBody>
+          <a:bodyPr rtlCol="0" anchor="ctr"/>
+          <a:lstStyle/>
+          <a:p>
+            <a:pPr algn="ctr"/>
+            <a:r>
+              <a:rPr lang="zh-CN" altLang="en-US" dirty="0"/>
+              <a:t>接口：任务运行</a:t>
+            </a:r>
+          </a:p>
+        </p:txBody>
+      </p:sp>
+      <p:sp>
+        <p:nvSpPr>
+          <p:cNvPr id="10" name="箭头: 五边形 9">
+            <a:extLst>
+              <a:ext uri="{FF2B5EF4-FFF2-40B4-BE49-F238E27FC236}">
+                <a16:creationId xmlns:a16="http://schemas.microsoft.com/office/drawing/2014/main" id="{8A968FBE-89A3-413F-AE80-DE501451700D}"/>
+              </a:ext>
+            </a:extLst>
+          </p:cNvPr>
+          <p:cNvSpPr/>
+          <p:nvPr/>
+        </p:nvSpPr>
+        <p:spPr>
+          <a:xfrm>
+            <a:off x="0" y="4660964"/>
+            <a:ext cx="2024817" cy="484632"/>
+          </a:xfrm>
+          <a:prstGeom prst="homePlate">
+            <a:avLst/>
+          </a:prstGeom>
+        </p:spPr>
+        <p:style>
+          <a:lnRef idx="2">
+            <a:schemeClr val="dk1"/>
+          </a:lnRef>
+          <a:fillRef idx="1">
+            <a:schemeClr val="lt1"/>
+          </a:fillRef>
+          <a:effectRef idx="0">
+            <a:schemeClr val="dk1"/>
+          </a:effectRef>
+          <a:fontRef idx="minor">
+            <a:schemeClr val="dk1"/>
+          </a:fontRef>
+        </p:style>
+        <p:txBody>
+          <a:bodyPr rtlCol="0" anchor="ctr"/>
+          <a:lstStyle/>
+          <a:p>
+            <a:pPr algn="ctr"/>
+            <a:r>
+              <a:rPr lang="zh-CN" altLang="en-US" dirty="0"/>
+              <a:t>接口：任务取消</a:t>
+            </a:r>
+          </a:p>
+        </p:txBody>
+      </p:sp>
+      <p:cxnSp>
+        <p:nvCxnSpPr>
+          <p:cNvPr id="19" name="直接箭头连接符 18">
+            <a:extLst>
+              <a:ext uri="{FF2B5EF4-FFF2-40B4-BE49-F238E27FC236}">
+                <a16:creationId xmlns:a16="http://schemas.microsoft.com/office/drawing/2014/main" id="{5DB9447F-A7F8-40F2-B95B-9AB6B0A47CFF}"/>
+              </a:ext>
+            </a:extLst>
+          </p:cNvPr>
+          <p:cNvCxnSpPr>
+            <a:cxnSpLocks/>
+            <a:stCxn id="8" idx="3"/>
+            <a:endCxn id="4" idx="1"/>
+          </p:cNvCxnSpPr>
+          <p:nvPr/>
+        </p:nvCxnSpPr>
+        <p:spPr>
+          <a:xfrm>
+            <a:off x="2024817" y="3472234"/>
+            <a:ext cx="817033" cy="0"/>
+          </a:xfrm>
+          <a:prstGeom prst="straightConnector1">
+            <a:avLst/>
+          </a:prstGeom>
+          <a:ln>
+            <a:tailEnd type="triangle"/>
+          </a:ln>
+        </p:spPr>
+        <p:style>
+          <a:lnRef idx="1">
+            <a:schemeClr val="dk1"/>
+          </a:lnRef>
+          <a:fillRef idx="0">
+            <a:schemeClr val="dk1"/>
+          </a:fillRef>
+          <a:effectRef idx="0">
+            <a:schemeClr val="dk1"/>
+          </a:effectRef>
+          <a:fontRef idx="minor">
+            <a:schemeClr val="tx1"/>
+          </a:fontRef>
+        </p:style>
+      </p:cxnSp>
+      <p:sp>
+        <p:nvSpPr>
+          <p:cNvPr id="20" name="文本框 19">
+            <a:extLst>
+              <a:ext uri="{FF2B5EF4-FFF2-40B4-BE49-F238E27FC236}">
+                <a16:creationId xmlns:a16="http://schemas.microsoft.com/office/drawing/2014/main" id="{4D4A4A03-9FA5-42ED-BF8D-999852C5FFF7}"/>
+              </a:ext>
+            </a:extLst>
+          </p:cNvPr>
+          <p:cNvSpPr txBox="1"/>
+          <p:nvPr/>
+        </p:nvSpPr>
+        <p:spPr>
+          <a:xfrm>
+            <a:off x="2201753" y="3171116"/>
+            <a:ext cx="723275" cy="307777"/>
+          </a:xfrm>
+          <a:prstGeom prst="rect">
+            <a:avLst/>
+          </a:prstGeom>
+          <a:noFill/>
+        </p:spPr>
+        <p:txBody>
+          <a:bodyPr wrap="none" rtlCol="0">
+            <a:spAutoFit/>
+          </a:bodyPr>
+          <a:lstStyle/>
+          <a:p>
+            <a:r>
+              <a:rPr lang="zh-CN" altLang="en-US" sz="1400" dirty="0"/>
+              <a:t>入队列</a:t>
+            </a:r>
+          </a:p>
+        </p:txBody>
+      </p:sp>
+      <p:cxnSp>
+        <p:nvCxnSpPr>
+          <p:cNvPr id="99" name="直接箭头连接符 98">
+            <a:extLst>
+              <a:ext uri="{FF2B5EF4-FFF2-40B4-BE49-F238E27FC236}">
+                <a16:creationId xmlns:a16="http://schemas.microsoft.com/office/drawing/2014/main" id="{1F8A144D-B229-4DE3-A53D-F88E9515377F}"/>
+              </a:ext>
+            </a:extLst>
+          </p:cNvPr>
+          <p:cNvCxnSpPr>
+            <a:cxnSpLocks/>
+            <a:stCxn id="4" idx="3"/>
+            <a:endCxn id="45" idx="1"/>
+          </p:cNvCxnSpPr>
+          <p:nvPr/>
+        </p:nvCxnSpPr>
+        <p:spPr>
+          <a:xfrm>
+            <a:off x="7481582" y="3472234"/>
+            <a:ext cx="1138991" cy="4217"/>
+          </a:xfrm>
+          <a:prstGeom prst="straightConnector1">
+            <a:avLst/>
+          </a:prstGeom>
+          <a:ln>
+            <a:tailEnd type="triangle"/>
+          </a:ln>
+        </p:spPr>
+        <p:style>
+          <a:lnRef idx="1">
+            <a:schemeClr val="dk1"/>
+          </a:lnRef>
+          <a:fillRef idx="0">
+            <a:schemeClr val="dk1"/>
+          </a:fillRef>
+          <a:effectRef idx="0">
+            <a:schemeClr val="dk1"/>
+          </a:effectRef>
+          <a:fontRef idx="minor">
+            <a:schemeClr val="tx1"/>
+          </a:fontRef>
+        </p:style>
+      </p:cxnSp>
+      <p:sp>
+        <p:nvSpPr>
+          <p:cNvPr id="124" name="文本框 123">
+            <a:extLst>
+              <a:ext uri="{FF2B5EF4-FFF2-40B4-BE49-F238E27FC236}">
+                <a16:creationId xmlns:a16="http://schemas.microsoft.com/office/drawing/2014/main" id="{9FEE72BF-BF5F-43CE-A52A-82F5BFDF4219}"/>
+              </a:ext>
+            </a:extLst>
+          </p:cNvPr>
+          <p:cNvSpPr txBox="1"/>
+          <p:nvPr/>
+        </p:nvSpPr>
+        <p:spPr>
+          <a:xfrm>
+            <a:off x="7689439" y="3123579"/>
+            <a:ext cx="723275" cy="307777"/>
+          </a:xfrm>
+          <a:prstGeom prst="rect">
+            <a:avLst/>
+          </a:prstGeom>
+          <a:noFill/>
+        </p:spPr>
+        <p:txBody>
+          <a:bodyPr wrap="none" rtlCol="0">
+            <a:spAutoFit/>
+          </a:bodyPr>
+          <a:lstStyle/>
+          <a:p>
+            <a:r>
+              <a:rPr lang="zh-CN" altLang="en-US" sz="1400" dirty="0"/>
+              <a:t>出队列</a:t>
+            </a:r>
+          </a:p>
+        </p:txBody>
+      </p:sp>
       <p:grpSp>
         <p:nvGrpSpPr>
-          <p:cNvPr id="131" name="组合 130">
-            <a:extLst>
-              <a:ext uri="{FF2B5EF4-FFF2-40B4-BE49-F238E27FC236}">
-                <a16:creationId xmlns:a16="http://schemas.microsoft.com/office/drawing/2014/main" id="{24A2818B-5987-4179-9423-311DAF722AA4}"/>
+          <p:cNvPr id="9" name="组合 8">
+            <a:extLst>
+              <a:ext uri="{FF2B5EF4-FFF2-40B4-BE49-F238E27FC236}">
+                <a16:creationId xmlns:a16="http://schemas.microsoft.com/office/drawing/2014/main" id="{CAA23A1A-52C7-47AD-9217-BCC7E9AEBBA9}"/>
               </a:ext>
             </a:extLst>
           </p:cNvPr>
@@ -16796,60 +16227,12 @@
         </p:nvGrpSpPr>
         <p:grpSpPr>
           <a:xfrm>
-            <a:off x="0" y="2239881"/>
-            <a:ext cx="12192000" cy="3628339"/>
-            <a:chOff x="0" y="2239881"/>
-            <a:chExt cx="12192000" cy="3628339"/>
+            <a:off x="2840736" y="3287250"/>
+            <a:ext cx="4640846" cy="369967"/>
+            <a:chOff x="2840736" y="2469101"/>
+            <a:chExt cx="4640846" cy="369967"/>
           </a:xfrm>
         </p:grpSpPr>
-        <p:sp>
-          <p:nvSpPr>
-            <p:cNvPr id="130" name="矩形 129">
-              <a:extLst>
-                <a:ext uri="{FF2B5EF4-FFF2-40B4-BE49-F238E27FC236}">
-                  <a16:creationId xmlns:a16="http://schemas.microsoft.com/office/drawing/2014/main" id="{5DBE1761-A422-4F36-9D0A-8F1F08E11C39}"/>
-                </a:ext>
-              </a:extLst>
-            </p:cNvPr>
-            <p:cNvSpPr/>
-            <p:nvPr/>
-          </p:nvSpPr>
-          <p:spPr>
-            <a:xfrm>
-              <a:off x="1723667" y="2281808"/>
-              <a:ext cx="579964" cy="297447"/>
-            </a:xfrm>
-            <a:prstGeom prst="rect">
-              <a:avLst/>
-            </a:prstGeom>
-          </p:spPr>
-          <p:style>
-            <a:lnRef idx="2">
-              <a:schemeClr val="dk1"/>
-            </a:lnRef>
-            <a:fillRef idx="1">
-              <a:schemeClr val="lt1"/>
-            </a:fillRef>
-            <a:effectRef idx="0">
-              <a:schemeClr val="dk1"/>
-            </a:effectRef>
-            <a:fontRef idx="minor">
-              <a:schemeClr val="dk1"/>
-            </a:fontRef>
-          </p:style>
-          <p:txBody>
-            <a:bodyPr rtlCol="0" anchor="ctr"/>
-            <a:lstStyle/>
-            <a:p>
-              <a:pPr algn="ctr"/>
-              <a:r>
-                <a:rPr lang="en-US" altLang="zh-CN" sz="1400" dirty="0"/>
-                <a:t>Task</a:t>
-              </a:r>
-              <a:endParaRPr lang="zh-CN" altLang="en-US" sz="1400" dirty="0"/>
-            </a:p>
-          </p:txBody>
-        </p:sp>
         <p:sp>
           <p:nvSpPr>
             <p:cNvPr id="4" name="矩形 3">
@@ -16891,1927 +16274,18 @@
             <a:p>
               <a:pPr algn="ctr"/>
               <a:r>
-                <a:rPr lang="zh-CN" altLang="en-US" dirty="0"/>
-                <a:t>任务队列</a:t>
+                <a:rPr lang="en-US" altLang="zh-CN" dirty="0"/>
+                <a:t>······   </a:t>
               </a:r>
-            </a:p>
-          </p:txBody>
-        </p:sp>
-        <p:sp>
-          <p:nvSpPr>
-            <p:cNvPr id="8" name="箭头: 五边形 7">
-              <a:extLst>
-                <a:ext uri="{FF2B5EF4-FFF2-40B4-BE49-F238E27FC236}">
-                  <a16:creationId xmlns:a16="http://schemas.microsoft.com/office/drawing/2014/main" id="{64A3BBE0-3B74-4181-8250-829674FC9E81}"/>
-                </a:ext>
-              </a:extLst>
-            </p:cNvPr>
-            <p:cNvSpPr/>
-            <p:nvPr/>
-          </p:nvSpPr>
-          <p:spPr>
-            <a:xfrm>
-              <a:off x="0" y="2411769"/>
-              <a:ext cx="2024817" cy="484632"/>
-            </a:xfrm>
-            <a:prstGeom prst="homePlate">
-              <a:avLst/>
-            </a:prstGeom>
-          </p:spPr>
-          <p:style>
-            <a:lnRef idx="2">
-              <a:schemeClr val="dk1"/>
-            </a:lnRef>
-            <a:fillRef idx="1">
-              <a:schemeClr val="lt1"/>
-            </a:fillRef>
-            <a:effectRef idx="0">
-              <a:schemeClr val="dk1"/>
-            </a:effectRef>
-            <a:fontRef idx="minor">
-              <a:schemeClr val="dk1"/>
-            </a:fontRef>
-          </p:style>
-          <p:txBody>
-            <a:bodyPr rtlCol="0" anchor="ctr"/>
-            <a:lstStyle/>
-            <a:p>
-              <a:pPr algn="ctr"/>
               <a:r>
                 <a:rPr lang="zh-CN" altLang="en-US" dirty="0"/>
-                <a:t>接口：任务运行</a:t>
-              </a:r>
-            </a:p>
-          </p:txBody>
-        </p:sp>
-        <p:sp>
-          <p:nvSpPr>
-            <p:cNvPr id="10" name="箭头: 五边形 9">
-              <a:extLst>
-                <a:ext uri="{FF2B5EF4-FFF2-40B4-BE49-F238E27FC236}">
-                  <a16:creationId xmlns:a16="http://schemas.microsoft.com/office/drawing/2014/main" id="{8A968FBE-89A3-413F-AE80-DE501451700D}"/>
-                </a:ext>
-              </a:extLst>
-            </p:cNvPr>
-            <p:cNvSpPr/>
-            <p:nvPr/>
-          </p:nvSpPr>
-          <p:spPr>
-            <a:xfrm>
-              <a:off x="0" y="4362943"/>
-              <a:ext cx="2024817" cy="484632"/>
-            </a:xfrm>
-            <a:prstGeom prst="homePlate">
-              <a:avLst/>
-            </a:prstGeom>
-          </p:spPr>
-          <p:style>
-            <a:lnRef idx="2">
-              <a:schemeClr val="dk1"/>
-            </a:lnRef>
-            <a:fillRef idx="1">
-              <a:schemeClr val="lt1"/>
-            </a:fillRef>
-            <a:effectRef idx="0">
-              <a:schemeClr val="dk1"/>
-            </a:effectRef>
-            <a:fontRef idx="minor">
-              <a:schemeClr val="dk1"/>
-            </a:fontRef>
-          </p:style>
-          <p:txBody>
-            <a:bodyPr rtlCol="0" anchor="ctr"/>
-            <a:lstStyle/>
-            <a:p>
-              <a:pPr algn="ctr"/>
-              <a:r>
-                <a:rPr lang="zh-CN" altLang="en-US" dirty="0"/>
-                <a:t>接口：任务取消</a:t>
-              </a:r>
-            </a:p>
-          </p:txBody>
-        </p:sp>
-        <p:grpSp>
-          <p:nvGrpSpPr>
-            <p:cNvPr id="15" name="组合 14">
-              <a:extLst>
-                <a:ext uri="{FF2B5EF4-FFF2-40B4-BE49-F238E27FC236}">
-                  <a16:creationId xmlns:a16="http://schemas.microsoft.com/office/drawing/2014/main" id="{ABB38209-3CB3-407B-BD25-7DFD1632D377}"/>
-                </a:ext>
-              </a:extLst>
-            </p:cNvPr>
-            <p:cNvGrpSpPr/>
-            <p:nvPr/>
-          </p:nvGrpSpPr>
-          <p:grpSpPr>
-            <a:xfrm>
-              <a:off x="2841849" y="3988181"/>
-              <a:ext cx="4639732" cy="1333406"/>
-              <a:chOff x="3421817" y="3895687"/>
-              <a:chExt cx="4639732" cy="1333406"/>
-            </a:xfrm>
-          </p:grpSpPr>
-          <p:sp>
-            <p:nvSpPr>
-              <p:cNvPr id="6" name="矩形 5">
-                <a:extLst>
-                  <a:ext uri="{FF2B5EF4-FFF2-40B4-BE49-F238E27FC236}">
-                    <a16:creationId xmlns:a16="http://schemas.microsoft.com/office/drawing/2014/main" id="{CD15826E-6F46-4F25-9A7A-013E26FE8288}"/>
-                  </a:ext>
-                </a:extLst>
-              </p:cNvPr>
-              <p:cNvSpPr/>
-              <p:nvPr/>
-            </p:nvSpPr>
-            <p:spPr>
-              <a:xfrm>
-                <a:off x="3421817" y="3895687"/>
-                <a:ext cx="4639732" cy="369967"/>
-              </a:xfrm>
-              <a:prstGeom prst="rect">
-                <a:avLst/>
-              </a:prstGeom>
-            </p:spPr>
-            <p:style>
-              <a:lnRef idx="2">
-                <a:schemeClr val="dk1"/>
-              </a:lnRef>
-              <a:fillRef idx="1">
-                <a:schemeClr val="lt1"/>
-              </a:fillRef>
-              <a:effectRef idx="0">
-                <a:schemeClr val="dk1"/>
-              </a:effectRef>
-              <a:fontRef idx="minor">
-                <a:schemeClr val="dk1"/>
-              </a:fontRef>
-            </p:style>
-            <p:txBody>
-              <a:bodyPr rtlCol="0" anchor="ctr"/>
-              <a:lstStyle/>
-              <a:p>
-                <a:pPr algn="ctr"/>
-                <a:r>
-                  <a:rPr lang="zh-CN" altLang="en-US" dirty="0"/>
-                  <a:t>任务取消计数表</a:t>
-                </a:r>
-              </a:p>
-            </p:txBody>
-          </p:sp>
-          <p:sp>
-            <p:nvSpPr>
-              <p:cNvPr id="11" name="矩形 10">
-                <a:extLst>
-                  <a:ext uri="{FF2B5EF4-FFF2-40B4-BE49-F238E27FC236}">
-                    <a16:creationId xmlns:a16="http://schemas.microsoft.com/office/drawing/2014/main" id="{B349BCAC-4A74-4599-AD61-266989D5FC05}"/>
-                  </a:ext>
-                </a:extLst>
-              </p:cNvPr>
-              <p:cNvSpPr/>
-              <p:nvPr/>
-            </p:nvSpPr>
-            <p:spPr>
-              <a:xfrm>
-                <a:off x="3421817" y="4265654"/>
-                <a:ext cx="1159933" cy="963439"/>
-              </a:xfrm>
-              <a:prstGeom prst="rect">
-                <a:avLst/>
-              </a:prstGeom>
-            </p:spPr>
-            <p:style>
-              <a:lnRef idx="2">
-                <a:schemeClr val="dk1"/>
-              </a:lnRef>
-              <a:fillRef idx="1">
-                <a:schemeClr val="lt1"/>
-              </a:fillRef>
-              <a:effectRef idx="0">
-                <a:schemeClr val="dk1"/>
-              </a:effectRef>
-              <a:fontRef idx="minor">
-                <a:schemeClr val="dk1"/>
-              </a:fontRef>
-            </p:style>
-            <p:txBody>
-              <a:bodyPr rtlCol="0" anchor="ctr"/>
-              <a:lstStyle/>
-              <a:p>
-                <a:pPr algn="ctr"/>
-                <a:r>
-                  <a:rPr lang="zh-CN" altLang="en-US" dirty="0"/>
-                  <a:t>任务</a:t>
-                </a:r>
-                <a:r>
-                  <a:rPr lang="en-US" altLang="zh-CN" dirty="0"/>
-                  <a:t>ID</a:t>
-                </a:r>
-              </a:p>
-              <a:p>
-                <a:pPr algn="ctr"/>
-                <a:r>
-                  <a:rPr lang="zh-CN" altLang="en-US" dirty="0"/>
-                  <a:t>线程锁</a:t>
-                </a:r>
-                <a:endParaRPr lang="en-US" altLang="zh-CN" dirty="0"/>
-              </a:p>
-              <a:p>
-                <a:pPr algn="ctr"/>
-                <a:r>
-                  <a:rPr lang="zh-CN" altLang="en-US" dirty="0"/>
-                  <a:t>取消次数</a:t>
-                </a:r>
-              </a:p>
-            </p:txBody>
-          </p:sp>
-          <p:sp>
-            <p:nvSpPr>
-              <p:cNvPr id="12" name="矩形 11">
-                <a:extLst>
-                  <a:ext uri="{FF2B5EF4-FFF2-40B4-BE49-F238E27FC236}">
-                    <a16:creationId xmlns:a16="http://schemas.microsoft.com/office/drawing/2014/main" id="{F1356AFA-D92C-41DB-9375-A76AF3C7B22F}"/>
-                  </a:ext>
-                </a:extLst>
-              </p:cNvPr>
-              <p:cNvSpPr/>
-              <p:nvPr/>
-            </p:nvSpPr>
-            <p:spPr>
-              <a:xfrm>
-                <a:off x="4581750" y="4265654"/>
-                <a:ext cx="1159933" cy="963439"/>
-              </a:xfrm>
-              <a:prstGeom prst="rect">
-                <a:avLst/>
-              </a:prstGeom>
-            </p:spPr>
-            <p:style>
-              <a:lnRef idx="2">
-                <a:schemeClr val="dk1"/>
-              </a:lnRef>
-              <a:fillRef idx="1">
-                <a:schemeClr val="lt1"/>
-              </a:fillRef>
-              <a:effectRef idx="0">
-                <a:schemeClr val="dk1"/>
-              </a:effectRef>
-              <a:fontRef idx="minor">
-                <a:schemeClr val="dk1"/>
-              </a:fontRef>
-            </p:style>
-            <p:txBody>
-              <a:bodyPr rtlCol="0" anchor="ctr"/>
-              <a:lstStyle/>
-              <a:p>
-                <a:pPr algn="ctr"/>
-                <a:r>
-                  <a:rPr lang="zh-CN" altLang="en-US" dirty="0"/>
-                  <a:t>任务</a:t>
-                </a:r>
-                <a:r>
-                  <a:rPr lang="en-US" altLang="zh-CN" dirty="0"/>
-                  <a:t>ID</a:t>
-                </a:r>
-              </a:p>
-              <a:p>
-                <a:pPr algn="ctr"/>
-                <a:r>
-                  <a:rPr lang="zh-CN" altLang="en-US" dirty="0"/>
-                  <a:t>线程锁</a:t>
-                </a:r>
-                <a:endParaRPr lang="en-US" altLang="zh-CN" dirty="0"/>
-              </a:p>
-              <a:p>
-                <a:pPr algn="ctr"/>
-                <a:r>
-                  <a:rPr lang="zh-CN" altLang="en-US" dirty="0"/>
-                  <a:t>取消次数</a:t>
-                </a:r>
-              </a:p>
-            </p:txBody>
-          </p:sp>
-          <p:sp>
-            <p:nvSpPr>
-              <p:cNvPr id="13" name="矩形 12">
-                <a:extLst>
-                  <a:ext uri="{FF2B5EF4-FFF2-40B4-BE49-F238E27FC236}">
-                    <a16:creationId xmlns:a16="http://schemas.microsoft.com/office/drawing/2014/main" id="{D7428F0A-B222-4536-AEAA-EEA2FB1E9697}"/>
-                  </a:ext>
-                </a:extLst>
-              </p:cNvPr>
-              <p:cNvSpPr/>
-              <p:nvPr/>
-            </p:nvSpPr>
-            <p:spPr>
-              <a:xfrm>
-                <a:off x="5741683" y="4265653"/>
-                <a:ext cx="1159933" cy="963439"/>
-              </a:xfrm>
-              <a:prstGeom prst="rect">
-                <a:avLst/>
-              </a:prstGeom>
-            </p:spPr>
-            <p:style>
-              <a:lnRef idx="2">
-                <a:schemeClr val="dk1"/>
-              </a:lnRef>
-              <a:fillRef idx="1">
-                <a:schemeClr val="lt1"/>
-              </a:fillRef>
-              <a:effectRef idx="0">
-                <a:schemeClr val="dk1"/>
-              </a:effectRef>
-              <a:fontRef idx="minor">
-                <a:schemeClr val="dk1"/>
-              </a:fontRef>
-            </p:style>
-            <p:txBody>
-              <a:bodyPr rtlCol="0" anchor="ctr"/>
-              <a:lstStyle/>
-              <a:p>
-                <a:pPr algn="ctr"/>
-                <a:r>
-                  <a:rPr lang="zh-CN" altLang="en-US" dirty="0"/>
-                  <a:t>任务</a:t>
-                </a:r>
-                <a:r>
-                  <a:rPr lang="en-US" altLang="zh-CN" dirty="0"/>
-                  <a:t>ID</a:t>
-                </a:r>
-              </a:p>
-              <a:p>
-                <a:pPr algn="ctr"/>
-                <a:r>
-                  <a:rPr lang="zh-CN" altLang="en-US" dirty="0"/>
-                  <a:t>线程锁</a:t>
-                </a:r>
-                <a:endParaRPr lang="en-US" altLang="zh-CN" dirty="0"/>
-              </a:p>
-              <a:p>
-                <a:pPr algn="ctr"/>
-                <a:r>
-                  <a:rPr lang="zh-CN" altLang="en-US" dirty="0"/>
-                  <a:t>取消次数</a:t>
-                </a:r>
-              </a:p>
-            </p:txBody>
-          </p:sp>
-          <p:sp>
-            <p:nvSpPr>
-              <p:cNvPr id="14" name="矩形 13">
-                <a:extLst>
-                  <a:ext uri="{FF2B5EF4-FFF2-40B4-BE49-F238E27FC236}">
-                    <a16:creationId xmlns:a16="http://schemas.microsoft.com/office/drawing/2014/main" id="{9EDB438B-C4AC-41F6-A6A2-85CC6436DDE0}"/>
-                  </a:ext>
-                </a:extLst>
-              </p:cNvPr>
-              <p:cNvSpPr/>
-              <p:nvPr/>
-            </p:nvSpPr>
-            <p:spPr>
-              <a:xfrm>
-                <a:off x="6901616" y="4265653"/>
-                <a:ext cx="1159933" cy="963439"/>
-              </a:xfrm>
-              <a:prstGeom prst="rect">
-                <a:avLst/>
-              </a:prstGeom>
-            </p:spPr>
-            <p:style>
-              <a:lnRef idx="2">
-                <a:schemeClr val="dk1"/>
-              </a:lnRef>
-              <a:fillRef idx="1">
-                <a:schemeClr val="lt1"/>
-              </a:fillRef>
-              <a:effectRef idx="0">
-                <a:schemeClr val="dk1"/>
-              </a:effectRef>
-              <a:fontRef idx="minor">
-                <a:schemeClr val="dk1"/>
-              </a:fontRef>
-            </p:style>
-            <p:txBody>
-              <a:bodyPr rtlCol="0" anchor="ctr"/>
-              <a:lstStyle/>
-              <a:p>
-                <a:pPr algn="ctr"/>
-                <a:r>
-                  <a:rPr lang="zh-CN" altLang="en-US" dirty="0"/>
-                  <a:t>任务</a:t>
-                </a:r>
-                <a:r>
-                  <a:rPr lang="en-US" altLang="zh-CN" dirty="0"/>
-                  <a:t>ID</a:t>
-                </a:r>
-              </a:p>
-              <a:p>
-                <a:pPr algn="ctr"/>
-                <a:r>
-                  <a:rPr lang="zh-CN" altLang="en-US" dirty="0"/>
-                  <a:t>线程锁</a:t>
-                </a:r>
-                <a:endParaRPr lang="en-US" altLang="zh-CN" dirty="0"/>
-              </a:p>
-              <a:p>
-                <a:pPr algn="ctr"/>
-                <a:r>
-                  <a:rPr lang="zh-CN" altLang="en-US" dirty="0"/>
-                  <a:t>取消次数</a:t>
-                </a:r>
-              </a:p>
-            </p:txBody>
-          </p:sp>
-        </p:grpSp>
-        <p:grpSp>
-          <p:nvGrpSpPr>
-            <p:cNvPr id="17" name="组合 16">
-              <a:extLst>
-                <a:ext uri="{FF2B5EF4-FFF2-40B4-BE49-F238E27FC236}">
-                  <a16:creationId xmlns:a16="http://schemas.microsoft.com/office/drawing/2014/main" id="{9B6C06A3-9A22-4177-8374-55E79A81401A}"/>
-                </a:ext>
-              </a:extLst>
-            </p:cNvPr>
-            <p:cNvGrpSpPr/>
-            <p:nvPr/>
-          </p:nvGrpSpPr>
-          <p:grpSpPr>
-            <a:xfrm>
-              <a:off x="4137891" y="2839068"/>
-              <a:ext cx="2047650" cy="992556"/>
-              <a:chOff x="9118598" y="4259753"/>
-              <a:chExt cx="2047650" cy="992556"/>
-            </a:xfrm>
-          </p:grpSpPr>
-          <p:sp>
-            <p:nvSpPr>
-              <p:cNvPr id="7" name="矩形 6">
-                <a:extLst>
-                  <a:ext uri="{FF2B5EF4-FFF2-40B4-BE49-F238E27FC236}">
-                    <a16:creationId xmlns:a16="http://schemas.microsoft.com/office/drawing/2014/main" id="{11201209-59D1-4B64-936F-93AE3A32B88A}"/>
-                  </a:ext>
-                </a:extLst>
-              </p:cNvPr>
-              <p:cNvSpPr/>
-              <p:nvPr/>
-            </p:nvSpPr>
-            <p:spPr>
-              <a:xfrm>
-                <a:off x="9118599" y="4259753"/>
-                <a:ext cx="2047649" cy="369967"/>
-              </a:xfrm>
-              <a:prstGeom prst="rect">
-                <a:avLst/>
-              </a:prstGeom>
-            </p:spPr>
-            <p:style>
-              <a:lnRef idx="2">
-                <a:schemeClr val="dk1"/>
-              </a:lnRef>
-              <a:fillRef idx="1">
-                <a:schemeClr val="lt1"/>
-              </a:fillRef>
-              <a:effectRef idx="0">
-                <a:schemeClr val="dk1"/>
-              </a:effectRef>
-              <a:fontRef idx="minor">
-                <a:schemeClr val="dk1"/>
-              </a:fontRef>
-            </p:style>
-            <p:txBody>
-              <a:bodyPr rtlCol="0" anchor="ctr"/>
-              <a:lstStyle/>
-              <a:p>
-                <a:pPr algn="ctr"/>
-                <a:r>
-                  <a:rPr lang="zh-CN" altLang="en-US" dirty="0"/>
-                  <a:t>任务队列长度计数</a:t>
-                </a:r>
-                <a:endParaRPr lang="en-US" altLang="zh-CN" dirty="0"/>
-              </a:p>
-            </p:txBody>
-          </p:sp>
-          <p:sp>
-            <p:nvSpPr>
-              <p:cNvPr id="16" name="矩形 15">
-                <a:extLst>
-                  <a:ext uri="{FF2B5EF4-FFF2-40B4-BE49-F238E27FC236}">
-                    <a16:creationId xmlns:a16="http://schemas.microsoft.com/office/drawing/2014/main" id="{31FE1745-D082-4333-A389-9D7E2B2B72C4}"/>
-                  </a:ext>
-                </a:extLst>
-              </p:cNvPr>
-              <p:cNvSpPr/>
-              <p:nvPr/>
-            </p:nvSpPr>
-            <p:spPr>
-              <a:xfrm>
-                <a:off x="9118598" y="4631049"/>
-                <a:ext cx="2047649" cy="621260"/>
-              </a:xfrm>
-              <a:prstGeom prst="rect">
-                <a:avLst/>
-              </a:prstGeom>
-            </p:spPr>
-            <p:style>
-              <a:lnRef idx="2">
-                <a:schemeClr val="dk1"/>
-              </a:lnRef>
-              <a:fillRef idx="1">
-                <a:schemeClr val="lt1"/>
-              </a:fillRef>
-              <a:effectRef idx="0">
-                <a:schemeClr val="dk1"/>
-              </a:effectRef>
-              <a:fontRef idx="minor">
-                <a:schemeClr val="dk1"/>
-              </a:fontRef>
-            </p:style>
-            <p:txBody>
-              <a:bodyPr rtlCol="0" anchor="ctr"/>
-              <a:lstStyle/>
-              <a:p>
-                <a:pPr algn="ctr"/>
-                <a:r>
-                  <a:rPr lang="zh-CN" altLang="en-US" dirty="0"/>
-                  <a:t>线程锁</a:t>
-                </a:r>
-                <a:endParaRPr lang="en-US" altLang="zh-CN" dirty="0"/>
-              </a:p>
-              <a:p>
-                <a:pPr algn="ctr"/>
-                <a:r>
-                  <a:rPr lang="zh-CN" altLang="en-US" dirty="0"/>
-                  <a:t>任务队列长度</a:t>
-                </a:r>
-                <a:r>
-                  <a:rPr lang="en-US" altLang="zh-CN" dirty="0"/>
-                  <a:t>N</a:t>
-                </a:r>
-                <a:endParaRPr lang="zh-CN" altLang="en-US" dirty="0"/>
-              </a:p>
-            </p:txBody>
-          </p:sp>
-        </p:grpSp>
-        <p:cxnSp>
-          <p:nvCxnSpPr>
-            <p:cNvPr id="19" name="直接箭头连接符 18">
-              <a:extLst>
-                <a:ext uri="{FF2B5EF4-FFF2-40B4-BE49-F238E27FC236}">
-                  <a16:creationId xmlns:a16="http://schemas.microsoft.com/office/drawing/2014/main" id="{5DB9447F-A7F8-40F2-B95B-9AB6B0A47CFF}"/>
-                </a:ext>
-              </a:extLst>
-            </p:cNvPr>
-            <p:cNvCxnSpPr>
-              <a:cxnSpLocks/>
-              <a:stCxn id="8" idx="3"/>
-              <a:endCxn id="4" idx="1"/>
-            </p:cNvCxnSpPr>
-            <p:nvPr/>
-          </p:nvCxnSpPr>
-          <p:spPr>
-            <a:xfrm>
-              <a:off x="2024817" y="2654085"/>
-              <a:ext cx="817033" cy="0"/>
-            </a:xfrm>
-            <a:prstGeom prst="straightConnector1">
-              <a:avLst/>
-            </a:prstGeom>
-            <a:ln>
-              <a:tailEnd type="triangle"/>
-            </a:ln>
-          </p:spPr>
-          <p:style>
-            <a:lnRef idx="1">
-              <a:schemeClr val="dk1"/>
-            </a:lnRef>
-            <a:fillRef idx="0">
-              <a:schemeClr val="dk1"/>
-            </a:fillRef>
-            <a:effectRef idx="0">
-              <a:schemeClr val="dk1"/>
-            </a:effectRef>
-            <a:fontRef idx="minor">
-              <a:schemeClr val="tx1"/>
-            </a:fontRef>
-          </p:style>
-        </p:cxnSp>
-        <p:sp>
-          <p:nvSpPr>
-            <p:cNvPr id="20" name="文本框 19">
-              <a:extLst>
-                <a:ext uri="{FF2B5EF4-FFF2-40B4-BE49-F238E27FC236}">
-                  <a16:creationId xmlns:a16="http://schemas.microsoft.com/office/drawing/2014/main" id="{4D4A4A03-9FA5-42ED-BF8D-999852C5FFF7}"/>
-                </a:ext>
-              </a:extLst>
-            </p:cNvPr>
-            <p:cNvSpPr txBox="1"/>
-            <p:nvPr/>
-          </p:nvSpPr>
-          <p:spPr>
-            <a:xfrm>
-              <a:off x="2201753" y="2352967"/>
-              <a:ext cx="723275" cy="307777"/>
-            </a:xfrm>
-            <a:prstGeom prst="rect">
-              <a:avLst/>
-            </a:prstGeom>
-            <a:noFill/>
-          </p:spPr>
-          <p:txBody>
-            <a:bodyPr wrap="none" rtlCol="0">
-              <a:spAutoFit/>
-            </a:bodyPr>
-            <a:lstStyle/>
-            <a:p>
-              <a:r>
-                <a:rPr lang="zh-CN" altLang="en-US" sz="1400" dirty="0"/>
-                <a:t>入队列</a:t>
-              </a:r>
-            </a:p>
-          </p:txBody>
-        </p:sp>
-        <p:sp>
-          <p:nvSpPr>
-            <p:cNvPr id="21" name="文本框 20">
-              <a:extLst>
-                <a:ext uri="{FF2B5EF4-FFF2-40B4-BE49-F238E27FC236}">
-                  <a16:creationId xmlns:a16="http://schemas.microsoft.com/office/drawing/2014/main" id="{CC9A699C-6EE1-43C8-8864-4D5866E62D8E}"/>
-                </a:ext>
-              </a:extLst>
-            </p:cNvPr>
-            <p:cNvSpPr txBox="1"/>
-            <p:nvPr/>
-          </p:nvSpPr>
-          <p:spPr>
-            <a:xfrm>
-              <a:off x="2290432" y="3159373"/>
-              <a:ext cx="1095172" cy="307777"/>
-            </a:xfrm>
-            <a:prstGeom prst="rect">
-              <a:avLst/>
-            </a:prstGeom>
-            <a:noFill/>
-          </p:spPr>
-          <p:txBody>
-            <a:bodyPr wrap="none" rtlCol="0">
-              <a:spAutoFit/>
-            </a:bodyPr>
-            <a:lstStyle/>
-            <a:p>
-              <a:r>
-                <a:rPr lang="zh-CN" altLang="en-US" sz="1400" dirty="0"/>
-                <a:t>取锁</a:t>
+                <a:t>任务队列   </a:t>
               </a:r>
               <a:r>
-                <a:rPr lang="en-US" altLang="zh-CN" sz="1400" dirty="0"/>
-                <a:t>→N++</a:t>
+                <a:rPr lang="en-US" altLang="zh-CN" dirty="0"/>
+                <a:t>······</a:t>
               </a:r>
-              <a:endParaRPr lang="zh-CN" altLang="en-US" sz="1400" dirty="0"/>
-            </a:p>
-          </p:txBody>
-        </p:sp>
-        <p:cxnSp>
-          <p:nvCxnSpPr>
-            <p:cNvPr id="36" name="直接箭头连接符 35">
-              <a:extLst>
-                <a:ext uri="{FF2B5EF4-FFF2-40B4-BE49-F238E27FC236}">
-                  <a16:creationId xmlns:a16="http://schemas.microsoft.com/office/drawing/2014/main" id="{43549C21-9BBB-4D36-AADA-4D2CD74D5AFF}"/>
-                </a:ext>
-              </a:extLst>
-            </p:cNvPr>
-            <p:cNvCxnSpPr>
-              <a:cxnSpLocks/>
-              <a:stCxn id="10" idx="3"/>
-              <a:endCxn id="6" idx="1"/>
-            </p:cNvCxnSpPr>
-            <p:nvPr/>
-          </p:nvCxnSpPr>
-          <p:spPr>
-            <a:xfrm flipV="1">
-              <a:off x="2024817" y="4173165"/>
-              <a:ext cx="817032" cy="432094"/>
-            </a:xfrm>
-            <a:prstGeom prst="straightConnector1">
-              <a:avLst/>
-            </a:prstGeom>
-            <a:ln>
-              <a:tailEnd type="triangle"/>
-            </a:ln>
-          </p:spPr>
-          <p:style>
-            <a:lnRef idx="1">
-              <a:schemeClr val="dk1"/>
-            </a:lnRef>
-            <a:fillRef idx="0">
-              <a:schemeClr val="dk1"/>
-            </a:fillRef>
-            <a:effectRef idx="0">
-              <a:schemeClr val="dk1"/>
-            </a:effectRef>
-            <a:fontRef idx="minor">
-              <a:schemeClr val="tx1"/>
-            </a:fontRef>
-          </p:style>
-        </p:cxnSp>
-        <p:sp>
-          <p:nvSpPr>
-            <p:cNvPr id="39" name="文本框 38">
-              <a:extLst>
-                <a:ext uri="{FF2B5EF4-FFF2-40B4-BE49-F238E27FC236}">
-                  <a16:creationId xmlns:a16="http://schemas.microsoft.com/office/drawing/2014/main" id="{EB949CB8-58FB-4733-8D2C-FC7D2B7252F8}"/>
-                </a:ext>
-              </a:extLst>
-            </p:cNvPr>
-            <p:cNvSpPr txBox="1"/>
-            <p:nvPr/>
-          </p:nvSpPr>
-          <p:spPr>
-            <a:xfrm>
-              <a:off x="1212435" y="4856777"/>
-              <a:ext cx="1681871" cy="307777"/>
-            </a:xfrm>
-            <a:prstGeom prst="rect">
-              <a:avLst/>
-            </a:prstGeom>
-            <a:noFill/>
-          </p:spPr>
-          <p:txBody>
-            <a:bodyPr wrap="none" rtlCol="0">
-              <a:spAutoFit/>
-            </a:bodyPr>
-            <a:lstStyle/>
-            <a:p>
-              <a:r>
-                <a:rPr lang="zh-CN" altLang="en-US" sz="1400" dirty="0"/>
-                <a:t>取锁</a:t>
-              </a:r>
-              <a:r>
-                <a:rPr lang="en-US" altLang="zh-CN" sz="1400" dirty="0"/>
-                <a:t>→</a:t>
-              </a:r>
-              <a:r>
-                <a:rPr lang="zh-CN" altLang="en-US" sz="1400" dirty="0"/>
-                <a:t>取消次数</a:t>
-              </a:r>
-              <a:r>
-                <a:rPr lang="en-US" altLang="zh-CN" sz="1400" dirty="0"/>
-                <a:t>++</a:t>
-              </a:r>
-              <a:endParaRPr lang="zh-CN" altLang="en-US" sz="1400" dirty="0"/>
-            </a:p>
-          </p:txBody>
-        </p:sp>
-        <p:cxnSp>
-          <p:nvCxnSpPr>
-            <p:cNvPr id="41" name="直接箭头连接符 40">
-              <a:extLst>
-                <a:ext uri="{FF2B5EF4-FFF2-40B4-BE49-F238E27FC236}">
-                  <a16:creationId xmlns:a16="http://schemas.microsoft.com/office/drawing/2014/main" id="{2B814905-688F-4DE8-9357-AB9C779E4B57}"/>
-                </a:ext>
-              </a:extLst>
-            </p:cNvPr>
-            <p:cNvCxnSpPr>
-              <a:cxnSpLocks/>
-              <a:stCxn id="10" idx="3"/>
-              <a:endCxn id="11" idx="1"/>
-            </p:cNvCxnSpPr>
-            <p:nvPr/>
-          </p:nvCxnSpPr>
-          <p:spPr>
-            <a:xfrm>
-              <a:off x="2024817" y="4605259"/>
-              <a:ext cx="817032" cy="234609"/>
-            </a:xfrm>
-            <a:prstGeom prst="straightConnector1">
-              <a:avLst/>
-            </a:prstGeom>
-            <a:ln>
-              <a:tailEnd type="triangle"/>
-            </a:ln>
-          </p:spPr>
-          <p:style>
-            <a:lnRef idx="1">
-              <a:schemeClr val="dk1"/>
-            </a:lnRef>
-            <a:fillRef idx="0">
-              <a:schemeClr val="dk1"/>
-            </a:fillRef>
-            <a:effectRef idx="0">
-              <a:schemeClr val="dk1"/>
-            </a:effectRef>
-            <a:fontRef idx="minor">
-              <a:schemeClr val="tx1"/>
-            </a:fontRef>
-          </p:style>
-        </p:cxnSp>
-        <p:cxnSp>
-          <p:nvCxnSpPr>
-            <p:cNvPr id="43" name="连接符: 肘形 42">
-              <a:extLst>
-                <a:ext uri="{FF2B5EF4-FFF2-40B4-BE49-F238E27FC236}">
-                  <a16:creationId xmlns:a16="http://schemas.microsoft.com/office/drawing/2014/main" id="{7223783D-144D-4CEF-A84F-B4B4B173EC02}"/>
-                </a:ext>
-              </a:extLst>
-            </p:cNvPr>
-            <p:cNvCxnSpPr>
-              <a:cxnSpLocks/>
-              <a:stCxn id="8" idx="3"/>
-              <a:endCxn id="16" idx="1"/>
-            </p:cNvCxnSpPr>
-            <p:nvPr/>
-          </p:nvCxnSpPr>
-          <p:spPr>
-            <a:xfrm>
-              <a:off x="2024817" y="2654085"/>
-              <a:ext cx="2113074" cy="866909"/>
-            </a:xfrm>
-            <a:prstGeom prst="bentConnector3">
-              <a:avLst>
-                <a:gd name="adj1" fmla="val 11935"/>
-              </a:avLst>
-            </a:prstGeom>
-            <a:ln>
-              <a:tailEnd type="triangle"/>
-            </a:ln>
-          </p:spPr>
-          <p:style>
-            <a:lnRef idx="1">
-              <a:schemeClr val="dk1"/>
-            </a:lnRef>
-            <a:fillRef idx="0">
-              <a:schemeClr val="dk1"/>
-            </a:fillRef>
-            <a:effectRef idx="0">
-              <a:schemeClr val="dk1"/>
-            </a:effectRef>
-            <a:fontRef idx="minor">
-              <a:schemeClr val="tx1"/>
-            </a:fontRef>
-          </p:style>
-        </p:cxnSp>
-        <p:sp>
-          <p:nvSpPr>
-            <p:cNvPr id="52" name="矩形 51">
-              <a:extLst>
-                <a:ext uri="{FF2B5EF4-FFF2-40B4-BE49-F238E27FC236}">
-                  <a16:creationId xmlns:a16="http://schemas.microsoft.com/office/drawing/2014/main" id="{E05D8D13-D8EA-43A8-BE55-2125EB277579}"/>
-                </a:ext>
-              </a:extLst>
-            </p:cNvPr>
-            <p:cNvSpPr/>
-            <p:nvPr/>
-          </p:nvSpPr>
-          <p:spPr>
-            <a:xfrm>
-              <a:off x="1642659" y="3971229"/>
-              <a:ext cx="1295547" cy="307777"/>
-            </a:xfrm>
-            <a:prstGeom prst="rect">
-              <a:avLst/>
-            </a:prstGeom>
-          </p:spPr>
-          <p:txBody>
-            <a:bodyPr wrap="none">
-              <a:spAutoFit/>
-            </a:bodyPr>
-            <a:lstStyle/>
-            <a:p>
-              <a:r>
-                <a:rPr lang="zh-CN" altLang="en-US" sz="1400" dirty="0"/>
-                <a:t>查找取消计数</a:t>
-              </a:r>
-              <a:endParaRPr lang="en-US" altLang="zh-CN" sz="1400" dirty="0"/>
-            </a:p>
-          </p:txBody>
-        </p:sp>
-        <p:sp>
-          <p:nvSpPr>
-            <p:cNvPr id="92" name="文本框 91">
-              <a:extLst>
-                <a:ext uri="{FF2B5EF4-FFF2-40B4-BE49-F238E27FC236}">
-                  <a16:creationId xmlns:a16="http://schemas.microsoft.com/office/drawing/2014/main" id="{7D50396A-7A4A-4A64-935E-B440C6243CC6}"/>
-                </a:ext>
-              </a:extLst>
-            </p:cNvPr>
-            <p:cNvSpPr txBox="1"/>
-            <p:nvPr/>
-          </p:nvSpPr>
-          <p:spPr>
-            <a:xfrm>
-              <a:off x="10679377" y="4868676"/>
-              <a:ext cx="364202" cy="307777"/>
-            </a:xfrm>
-            <a:prstGeom prst="rect">
-              <a:avLst/>
-            </a:prstGeom>
-            <a:noFill/>
-          </p:spPr>
-          <p:txBody>
-            <a:bodyPr wrap="none" rtlCol="0">
-              <a:spAutoFit/>
-            </a:bodyPr>
-            <a:lstStyle/>
-            <a:p>
-              <a:r>
-                <a:rPr lang="zh-CN" altLang="en-US" sz="1400" dirty="0"/>
-                <a:t>是</a:t>
-              </a:r>
-            </a:p>
-          </p:txBody>
-        </p:sp>
-        <p:sp>
-          <p:nvSpPr>
-            <p:cNvPr id="93" name="文本框 92">
-              <a:extLst>
-                <a:ext uri="{FF2B5EF4-FFF2-40B4-BE49-F238E27FC236}">
-                  <a16:creationId xmlns:a16="http://schemas.microsoft.com/office/drawing/2014/main" id="{DC4D7E59-065D-42DB-A839-401C0EAAA115}"/>
-                </a:ext>
-              </a:extLst>
-            </p:cNvPr>
-            <p:cNvSpPr txBox="1"/>
-            <p:nvPr/>
-          </p:nvSpPr>
-          <p:spPr>
-            <a:xfrm>
-              <a:off x="9663323" y="4519140"/>
-              <a:ext cx="364202" cy="307777"/>
-            </a:xfrm>
-            <a:prstGeom prst="rect">
-              <a:avLst/>
-            </a:prstGeom>
-            <a:noFill/>
-          </p:spPr>
-          <p:txBody>
-            <a:bodyPr wrap="none" rtlCol="0">
-              <a:spAutoFit/>
-            </a:bodyPr>
-            <a:lstStyle/>
-            <a:p>
-              <a:r>
-                <a:rPr lang="zh-CN" altLang="en-US" sz="1400" dirty="0"/>
-                <a:t>否</a:t>
-              </a:r>
-            </a:p>
-          </p:txBody>
-        </p:sp>
-        <p:grpSp>
-          <p:nvGrpSpPr>
-            <p:cNvPr id="98" name="组合 97">
-              <a:extLst>
-                <a:ext uri="{FF2B5EF4-FFF2-40B4-BE49-F238E27FC236}">
-                  <a16:creationId xmlns:a16="http://schemas.microsoft.com/office/drawing/2014/main" id="{C964CD4F-65BB-474C-AD39-CDE500A1D8DF}"/>
-                </a:ext>
-              </a:extLst>
-            </p:cNvPr>
-            <p:cNvGrpSpPr/>
-            <p:nvPr/>
-          </p:nvGrpSpPr>
-          <p:grpSpPr>
-            <a:xfrm>
-              <a:off x="8359511" y="2239881"/>
-              <a:ext cx="3832489" cy="3628339"/>
-              <a:chOff x="8359511" y="2742943"/>
-              <a:chExt cx="3832489" cy="3628339"/>
-            </a:xfrm>
-          </p:grpSpPr>
-          <p:sp>
-            <p:nvSpPr>
-              <p:cNvPr id="53" name="流程图: 顺序访问存储器 52">
-                <a:extLst>
-                  <a:ext uri="{FF2B5EF4-FFF2-40B4-BE49-F238E27FC236}">
-                    <a16:creationId xmlns:a16="http://schemas.microsoft.com/office/drawing/2014/main" id="{B2F1B7D5-E828-4DAE-AA85-4415509EBAE0}"/>
-                  </a:ext>
-                </a:extLst>
-              </p:cNvPr>
-              <p:cNvSpPr/>
-              <p:nvPr/>
-            </p:nvSpPr>
-            <p:spPr>
-              <a:xfrm>
-                <a:off x="8952000" y="2742943"/>
-                <a:ext cx="3240000" cy="3240000"/>
-              </a:xfrm>
-              <a:prstGeom prst="flowChartMagneticTape">
-                <a:avLst/>
-              </a:prstGeom>
-            </p:spPr>
-            <p:style>
-              <a:lnRef idx="2">
-                <a:schemeClr val="dk1"/>
-              </a:lnRef>
-              <a:fillRef idx="1">
-                <a:schemeClr val="lt1"/>
-              </a:fillRef>
-              <a:effectRef idx="0">
-                <a:schemeClr val="dk1"/>
-              </a:effectRef>
-              <a:fontRef idx="minor">
-                <a:schemeClr val="dk1"/>
-              </a:fontRef>
-            </p:style>
-            <p:txBody>
-              <a:bodyPr rtlCol="0" anchor="ctr"/>
-              <a:lstStyle/>
-              <a:p>
-                <a:pPr algn="ctr"/>
-                <a:endParaRPr lang="zh-CN" altLang="en-US" dirty="0"/>
-              </a:p>
-            </p:txBody>
-          </p:sp>
-          <p:grpSp>
-            <p:nvGrpSpPr>
-              <p:cNvPr id="66" name="组合 65">
-                <a:extLst>
-                  <a:ext uri="{FF2B5EF4-FFF2-40B4-BE49-F238E27FC236}">
-                    <a16:creationId xmlns:a16="http://schemas.microsoft.com/office/drawing/2014/main" id="{080F9AD3-6A37-49AA-9221-445EA8F7345C}"/>
-                  </a:ext>
-                </a:extLst>
-              </p:cNvPr>
-              <p:cNvGrpSpPr/>
-              <p:nvPr/>
-            </p:nvGrpSpPr>
-            <p:grpSpPr>
-              <a:xfrm>
-                <a:off x="8359511" y="2976380"/>
-                <a:ext cx="2883872" cy="2548273"/>
-                <a:chOff x="8414282" y="2377477"/>
-                <a:chExt cx="2883872" cy="2548273"/>
-              </a:xfrm>
-            </p:grpSpPr>
-            <p:sp>
-              <p:nvSpPr>
-                <p:cNvPr id="33" name="矩形 32">
-                  <a:extLst>
-                    <a:ext uri="{FF2B5EF4-FFF2-40B4-BE49-F238E27FC236}">
-                      <a16:creationId xmlns:a16="http://schemas.microsoft.com/office/drawing/2014/main" id="{97DC926F-8121-4BB4-AF76-162ABCBD5D45}"/>
-                    </a:ext>
-                  </a:extLst>
-                </p:cNvPr>
-                <p:cNvSpPr/>
-                <p:nvPr/>
-              </p:nvSpPr>
-              <p:spPr>
-                <a:xfrm>
-                  <a:off x="9975824" y="2914463"/>
-                  <a:ext cx="1322330" cy="369967"/>
-                </a:xfrm>
-                <a:prstGeom prst="rect">
-                  <a:avLst/>
-                </a:prstGeom>
-              </p:spPr>
-              <p:style>
-                <a:lnRef idx="2">
-                  <a:schemeClr val="dk1"/>
-                </a:lnRef>
-                <a:fillRef idx="1">
-                  <a:schemeClr val="lt1"/>
-                </a:fillRef>
-                <a:effectRef idx="0">
-                  <a:schemeClr val="dk1"/>
-                </a:effectRef>
-                <a:fontRef idx="minor">
-                  <a:schemeClr val="dk1"/>
-                </a:fontRef>
-              </p:style>
-              <p:txBody>
-                <a:bodyPr rtlCol="0" anchor="ctr"/>
-                <a:lstStyle/>
-                <a:p>
-                  <a:pPr algn="ctr"/>
-                  <a:r>
-                    <a:rPr lang="zh-CN" altLang="en-US" sz="1200" dirty="0"/>
-                    <a:t>取锁</a:t>
-                  </a:r>
-                  <a:r>
-                    <a:rPr lang="en-US" altLang="zh-CN" sz="1200" dirty="0"/>
-                    <a:t>→N--</a:t>
-                  </a:r>
-                </a:p>
-              </p:txBody>
-            </p:sp>
-            <p:sp>
-              <p:nvSpPr>
-                <p:cNvPr id="27" name="矩形 26">
-                  <a:extLst>
-                    <a:ext uri="{FF2B5EF4-FFF2-40B4-BE49-F238E27FC236}">
-                      <a16:creationId xmlns:a16="http://schemas.microsoft.com/office/drawing/2014/main" id="{F0D0FA68-E39C-428D-B17E-30A68667D9D4}"/>
-                    </a:ext>
-                  </a:extLst>
-                </p:cNvPr>
-                <p:cNvSpPr/>
-                <p:nvPr/>
-              </p:nvSpPr>
-              <p:spPr>
-                <a:xfrm>
-                  <a:off x="9975824" y="3449686"/>
-                  <a:ext cx="1322330" cy="369967"/>
-                </a:xfrm>
-                <a:prstGeom prst="rect">
-                  <a:avLst/>
-                </a:prstGeom>
-              </p:spPr>
-              <p:style>
-                <a:lnRef idx="2">
-                  <a:schemeClr val="dk1"/>
-                </a:lnRef>
-                <a:fillRef idx="1">
-                  <a:schemeClr val="lt1"/>
-                </a:fillRef>
-                <a:effectRef idx="0">
-                  <a:schemeClr val="dk1"/>
-                </a:effectRef>
-                <a:fontRef idx="minor">
-                  <a:schemeClr val="dk1"/>
-                </a:fontRef>
-              </p:style>
-              <p:txBody>
-                <a:bodyPr rtlCol="0" anchor="ctr"/>
-                <a:lstStyle/>
-                <a:p>
-                  <a:pPr algn="ctr"/>
-                  <a:r>
-                    <a:rPr lang="zh-CN" altLang="en-US" sz="1200" dirty="0"/>
-                    <a:t>查找取消次数</a:t>
-                  </a:r>
-                  <a:endParaRPr lang="en-US" altLang="zh-CN" sz="1200" dirty="0"/>
-                </a:p>
-              </p:txBody>
-            </p:sp>
-            <p:sp>
-              <p:nvSpPr>
-                <p:cNvPr id="28" name="矩形 27">
-                  <a:extLst>
-                    <a:ext uri="{FF2B5EF4-FFF2-40B4-BE49-F238E27FC236}">
-                      <a16:creationId xmlns:a16="http://schemas.microsoft.com/office/drawing/2014/main" id="{96334DB8-382D-4172-B852-C8D8A2DEE496}"/>
-                    </a:ext>
-                  </a:extLst>
-                </p:cNvPr>
-                <p:cNvSpPr/>
-                <p:nvPr/>
-              </p:nvSpPr>
-              <p:spPr>
-                <a:xfrm>
-                  <a:off x="8414282" y="4555782"/>
-                  <a:ext cx="1487497" cy="369967"/>
-                </a:xfrm>
-                <a:prstGeom prst="rect">
-                  <a:avLst/>
-                </a:prstGeom>
-              </p:spPr>
-              <p:style>
-                <a:lnRef idx="2">
-                  <a:schemeClr val="dk1"/>
-                </a:lnRef>
-                <a:fillRef idx="1">
-                  <a:schemeClr val="lt1"/>
-                </a:fillRef>
-                <a:effectRef idx="0">
-                  <a:schemeClr val="dk1"/>
-                </a:effectRef>
-                <a:fontRef idx="minor">
-                  <a:schemeClr val="dk1"/>
-                </a:fontRef>
-              </p:style>
-              <p:txBody>
-                <a:bodyPr rtlCol="0" anchor="ctr"/>
-                <a:lstStyle/>
-                <a:p>
-                  <a:pPr algn="ctr"/>
-                  <a:r>
-                    <a:rPr lang="zh-CN" altLang="en-US" sz="1200" dirty="0"/>
-                    <a:t>取锁</a:t>
-                  </a:r>
-                  <a:r>
-                    <a:rPr lang="en-US" altLang="zh-CN" sz="1200" dirty="0"/>
-                    <a:t>→</a:t>
-                  </a:r>
-                  <a:r>
-                    <a:rPr lang="zh-CN" altLang="en-US" sz="1200" dirty="0"/>
-                    <a:t>取消次数</a:t>
-                  </a:r>
-                  <a:r>
-                    <a:rPr lang="en-US" altLang="zh-CN" sz="1200" dirty="0"/>
-                    <a:t>--</a:t>
-                  </a:r>
-                </a:p>
-              </p:txBody>
-            </p:sp>
-            <p:sp>
-              <p:nvSpPr>
-                <p:cNvPr id="5" name="流程图: 决策 4">
-                  <a:extLst>
-                    <a:ext uri="{FF2B5EF4-FFF2-40B4-BE49-F238E27FC236}">
-                      <a16:creationId xmlns:a16="http://schemas.microsoft.com/office/drawing/2014/main" id="{1E398CB9-0259-40A2-A3CA-51F258FBAAEF}"/>
-                    </a:ext>
-                  </a:extLst>
-                </p:cNvPr>
-                <p:cNvSpPr/>
-                <p:nvPr/>
-              </p:nvSpPr>
-              <p:spPr>
-                <a:xfrm>
-                  <a:off x="9975824" y="3986672"/>
-                  <a:ext cx="1322330" cy="405895"/>
-                </a:xfrm>
-                <a:prstGeom prst="flowChartDecision">
-                  <a:avLst/>
-                </a:prstGeom>
-              </p:spPr>
-              <p:style>
-                <a:lnRef idx="2">
-                  <a:schemeClr val="dk1"/>
-                </a:lnRef>
-                <a:fillRef idx="1">
-                  <a:schemeClr val="lt1"/>
-                </a:fillRef>
-                <a:effectRef idx="0">
-                  <a:schemeClr val="dk1"/>
-                </a:effectRef>
-                <a:fontRef idx="minor">
-                  <a:schemeClr val="dk1"/>
-                </a:fontRef>
-              </p:style>
-              <p:txBody>
-                <a:bodyPr rtlCol="0" anchor="ctr"/>
-                <a:lstStyle/>
-                <a:p>
-                  <a:pPr algn="ctr"/>
-                  <a:r>
-                    <a:rPr lang="zh-CN" altLang="en-US" sz="1200" dirty="0"/>
-                    <a:t>取消次数</a:t>
-                  </a:r>
-                  <a:r>
-                    <a:rPr lang="en-US" altLang="zh-CN" sz="1200" dirty="0"/>
-                    <a:t>=0</a:t>
-                  </a:r>
-                  <a:r>
-                    <a:rPr lang="zh-CN" altLang="en-US" sz="1200" dirty="0"/>
-                    <a:t>？</a:t>
-                  </a:r>
-                </a:p>
-              </p:txBody>
-            </p:sp>
-            <p:cxnSp>
-              <p:nvCxnSpPr>
-                <p:cNvPr id="18" name="直接箭头连接符 17">
-                  <a:extLst>
-                    <a:ext uri="{FF2B5EF4-FFF2-40B4-BE49-F238E27FC236}">
-                      <a16:creationId xmlns:a16="http://schemas.microsoft.com/office/drawing/2014/main" id="{C7041407-C83A-47A3-A6BD-69462A41A4F7}"/>
-                    </a:ext>
-                  </a:extLst>
-                </p:cNvPr>
-                <p:cNvCxnSpPr>
-                  <a:cxnSpLocks/>
-                  <a:stCxn id="27" idx="2"/>
-                  <a:endCxn id="5" idx="0"/>
-                </p:cNvCxnSpPr>
-                <p:nvPr/>
-              </p:nvCxnSpPr>
-              <p:spPr>
-                <a:xfrm>
-                  <a:off x="10636989" y="3819653"/>
-                  <a:ext cx="0" cy="167019"/>
-                </a:xfrm>
-                <a:prstGeom prst="straightConnector1">
-                  <a:avLst/>
-                </a:prstGeom>
-                <a:ln>
-                  <a:tailEnd type="triangle"/>
-                </a:ln>
-              </p:spPr>
-              <p:style>
-                <a:lnRef idx="1">
-                  <a:schemeClr val="dk1"/>
-                </a:lnRef>
-                <a:fillRef idx="0">
-                  <a:schemeClr val="dk1"/>
-                </a:fillRef>
-                <a:effectRef idx="0">
-                  <a:schemeClr val="dk1"/>
-                </a:effectRef>
-                <a:fontRef idx="minor">
-                  <a:schemeClr val="tx1"/>
-                </a:fontRef>
-              </p:style>
-            </p:cxnSp>
-            <p:sp>
-              <p:nvSpPr>
-                <p:cNvPr id="35" name="矩形 34">
-                  <a:extLst>
-                    <a:ext uri="{FF2B5EF4-FFF2-40B4-BE49-F238E27FC236}">
-                      <a16:creationId xmlns:a16="http://schemas.microsoft.com/office/drawing/2014/main" id="{7B38BFC0-6044-4E57-AD9C-C4C6F7501FD7}"/>
-                    </a:ext>
-                  </a:extLst>
-                </p:cNvPr>
-                <p:cNvSpPr/>
-                <p:nvPr/>
-              </p:nvSpPr>
-              <p:spPr>
-                <a:xfrm>
-                  <a:off x="9975824" y="4555783"/>
-                  <a:ext cx="1322330" cy="369967"/>
-                </a:xfrm>
-                <a:prstGeom prst="rect">
-                  <a:avLst/>
-                </a:prstGeom>
-              </p:spPr>
-              <p:style>
-                <a:lnRef idx="2">
-                  <a:schemeClr val="dk1"/>
-                </a:lnRef>
-                <a:fillRef idx="1">
-                  <a:schemeClr val="lt1"/>
-                </a:fillRef>
-                <a:effectRef idx="0">
-                  <a:schemeClr val="dk1"/>
-                </a:effectRef>
-                <a:fontRef idx="minor">
-                  <a:schemeClr val="dk1"/>
-                </a:fontRef>
-              </p:style>
-              <p:txBody>
-                <a:bodyPr rtlCol="0" anchor="ctr"/>
-                <a:lstStyle/>
-                <a:p>
-                  <a:pPr algn="ctr"/>
-                  <a:r>
-                    <a:rPr lang="zh-CN" altLang="en-US" sz="1200" dirty="0"/>
-                    <a:t>启动任务</a:t>
-                  </a:r>
-                </a:p>
-                <a:p>
-                  <a:pPr algn="ctr"/>
-                  <a:r>
-                    <a:rPr lang="zh-CN" altLang="en-US" sz="1200" dirty="0"/>
-                    <a:t>等待完成</a:t>
-                  </a:r>
-                  <a:endParaRPr lang="en-US" altLang="zh-CN" sz="1200" dirty="0"/>
-                </a:p>
-              </p:txBody>
-            </p:sp>
-            <p:cxnSp>
-              <p:nvCxnSpPr>
-                <p:cNvPr id="37" name="直接箭头连接符 36">
-                  <a:extLst>
-                    <a:ext uri="{FF2B5EF4-FFF2-40B4-BE49-F238E27FC236}">
-                      <a16:creationId xmlns:a16="http://schemas.microsoft.com/office/drawing/2014/main" id="{4CF4801B-451E-4832-AF2E-61CEF42FB3CA}"/>
-                    </a:ext>
-                  </a:extLst>
-                </p:cNvPr>
-                <p:cNvCxnSpPr>
-                  <a:cxnSpLocks/>
-                  <a:stCxn id="5" idx="2"/>
-                  <a:endCxn id="35" idx="0"/>
-                </p:cNvCxnSpPr>
-                <p:nvPr/>
-              </p:nvCxnSpPr>
-              <p:spPr>
-                <a:xfrm>
-                  <a:off x="10636989" y="4392567"/>
-                  <a:ext cx="0" cy="163216"/>
-                </a:xfrm>
-                <a:prstGeom prst="straightConnector1">
-                  <a:avLst/>
-                </a:prstGeom>
-                <a:ln>
-                  <a:tailEnd type="triangle"/>
-                </a:ln>
-              </p:spPr>
-              <p:style>
-                <a:lnRef idx="1">
-                  <a:schemeClr val="dk1"/>
-                </a:lnRef>
-                <a:fillRef idx="0">
-                  <a:schemeClr val="dk1"/>
-                </a:fillRef>
-                <a:effectRef idx="0">
-                  <a:schemeClr val="dk1"/>
-                </a:effectRef>
-                <a:fontRef idx="minor">
-                  <a:schemeClr val="tx1"/>
-                </a:fontRef>
-              </p:style>
-            </p:cxnSp>
-            <p:sp>
-              <p:nvSpPr>
-                <p:cNvPr id="45" name="矩形 44">
-                  <a:extLst>
-                    <a:ext uri="{FF2B5EF4-FFF2-40B4-BE49-F238E27FC236}">
-                      <a16:creationId xmlns:a16="http://schemas.microsoft.com/office/drawing/2014/main" id="{C76D8927-B02F-47BF-9712-A667F995498A}"/>
-                    </a:ext>
-                  </a:extLst>
-                </p:cNvPr>
-                <p:cNvSpPr/>
-                <p:nvPr/>
-              </p:nvSpPr>
-              <p:spPr>
-                <a:xfrm>
-                  <a:off x="9975824" y="2377477"/>
-                  <a:ext cx="1322330" cy="369967"/>
-                </a:xfrm>
-                <a:prstGeom prst="rect">
-                  <a:avLst/>
-                </a:prstGeom>
-              </p:spPr>
-              <p:style>
-                <a:lnRef idx="2">
-                  <a:schemeClr val="dk1"/>
-                </a:lnRef>
-                <a:fillRef idx="1">
-                  <a:schemeClr val="lt1"/>
-                </a:fillRef>
-                <a:effectRef idx="0">
-                  <a:schemeClr val="dk1"/>
-                </a:effectRef>
-                <a:fontRef idx="minor">
-                  <a:schemeClr val="dk1"/>
-                </a:fontRef>
-              </p:style>
-              <p:txBody>
-                <a:bodyPr rtlCol="0" anchor="ctr"/>
-                <a:lstStyle/>
-                <a:p>
-                  <a:pPr algn="ctr"/>
-                  <a:r>
-                    <a:rPr lang="zh-CN" altLang="en-US" sz="1200" dirty="0"/>
-                    <a:t>获取任务</a:t>
-                  </a:r>
-                  <a:endParaRPr lang="en-US" altLang="zh-CN" sz="1200" dirty="0"/>
-                </a:p>
-              </p:txBody>
-            </p:sp>
-            <p:cxnSp>
-              <p:nvCxnSpPr>
-                <p:cNvPr id="47" name="直接箭头连接符 46">
-                  <a:extLst>
-                    <a:ext uri="{FF2B5EF4-FFF2-40B4-BE49-F238E27FC236}">
-                      <a16:creationId xmlns:a16="http://schemas.microsoft.com/office/drawing/2014/main" id="{254A4982-32DF-4212-93CF-5EA2C832D3D5}"/>
-                    </a:ext>
-                  </a:extLst>
-                </p:cNvPr>
-                <p:cNvCxnSpPr>
-                  <a:cxnSpLocks/>
-                  <a:stCxn id="33" idx="2"/>
-                  <a:endCxn id="27" idx="0"/>
-                </p:cNvCxnSpPr>
-                <p:nvPr/>
-              </p:nvCxnSpPr>
-              <p:spPr>
-                <a:xfrm>
-                  <a:off x="10636989" y="3284430"/>
-                  <a:ext cx="0" cy="165256"/>
-                </a:xfrm>
-                <a:prstGeom prst="straightConnector1">
-                  <a:avLst/>
-                </a:prstGeom>
-                <a:ln>
-                  <a:tailEnd type="triangle"/>
-                </a:ln>
-              </p:spPr>
-              <p:style>
-                <a:lnRef idx="1">
-                  <a:schemeClr val="dk1"/>
-                </a:lnRef>
-                <a:fillRef idx="0">
-                  <a:schemeClr val="dk1"/>
-                </a:fillRef>
-                <a:effectRef idx="0">
-                  <a:schemeClr val="dk1"/>
-                </a:effectRef>
-                <a:fontRef idx="minor">
-                  <a:schemeClr val="tx1"/>
-                </a:fontRef>
-              </p:style>
-            </p:cxnSp>
-            <p:cxnSp>
-              <p:nvCxnSpPr>
-                <p:cNvPr id="50" name="直接箭头连接符 49">
-                  <a:extLst>
-                    <a:ext uri="{FF2B5EF4-FFF2-40B4-BE49-F238E27FC236}">
-                      <a16:creationId xmlns:a16="http://schemas.microsoft.com/office/drawing/2014/main" id="{2E9B26C4-4C65-49B9-9609-2DE5EE96E846}"/>
-                    </a:ext>
-                  </a:extLst>
-                </p:cNvPr>
-                <p:cNvCxnSpPr>
-                  <a:cxnSpLocks/>
-                  <a:stCxn id="45" idx="2"/>
-                  <a:endCxn id="33" idx="0"/>
-                </p:cNvCxnSpPr>
-                <p:nvPr/>
-              </p:nvCxnSpPr>
-              <p:spPr>
-                <a:xfrm>
-                  <a:off x="10636989" y="2747444"/>
-                  <a:ext cx="0" cy="167019"/>
-                </a:xfrm>
-                <a:prstGeom prst="straightConnector1">
-                  <a:avLst/>
-                </a:prstGeom>
-                <a:ln>
-                  <a:tailEnd type="triangle"/>
-                </a:ln>
-              </p:spPr>
-              <p:style>
-                <a:lnRef idx="1">
-                  <a:schemeClr val="dk1"/>
-                </a:lnRef>
-                <a:fillRef idx="0">
-                  <a:schemeClr val="dk1"/>
-                </a:fillRef>
-                <a:effectRef idx="0">
-                  <a:schemeClr val="dk1"/>
-                </a:effectRef>
-                <a:fontRef idx="minor">
-                  <a:schemeClr val="tx1"/>
-                </a:fontRef>
-              </p:style>
-            </p:cxnSp>
-            <p:cxnSp>
-              <p:nvCxnSpPr>
-                <p:cNvPr id="54" name="连接符: 肘形 53">
-                  <a:extLst>
-                    <a:ext uri="{FF2B5EF4-FFF2-40B4-BE49-F238E27FC236}">
-                      <a16:creationId xmlns:a16="http://schemas.microsoft.com/office/drawing/2014/main" id="{5A06D8EF-5879-4B2A-A9DC-3CFAC6144B45}"/>
-                    </a:ext>
-                  </a:extLst>
-                </p:cNvPr>
-                <p:cNvCxnSpPr>
-                  <a:cxnSpLocks/>
-                  <a:stCxn id="5" idx="1"/>
-                  <a:endCxn id="28" idx="0"/>
-                </p:cNvCxnSpPr>
-                <p:nvPr/>
-              </p:nvCxnSpPr>
-              <p:spPr>
-                <a:xfrm rot="10800000" flipV="1">
-                  <a:off x="9158032" y="4189620"/>
-                  <a:ext cx="817793" cy="366162"/>
-                </a:xfrm>
-                <a:prstGeom prst="bentConnector2">
-                  <a:avLst/>
-                </a:prstGeom>
-                <a:ln>
-                  <a:tailEnd type="triangle"/>
-                </a:ln>
-              </p:spPr>
-              <p:style>
-                <a:lnRef idx="1">
-                  <a:schemeClr val="dk1"/>
-                </a:lnRef>
-                <a:fillRef idx="0">
-                  <a:schemeClr val="dk1"/>
-                </a:fillRef>
-                <a:effectRef idx="0">
-                  <a:schemeClr val="dk1"/>
-                </a:effectRef>
-                <a:fontRef idx="minor">
-                  <a:schemeClr val="tx1"/>
-                </a:fontRef>
-              </p:style>
-            </p:cxnSp>
-            <p:cxnSp>
-              <p:nvCxnSpPr>
-                <p:cNvPr id="59" name="连接符: 肘形 58">
-                  <a:extLst>
-                    <a:ext uri="{FF2B5EF4-FFF2-40B4-BE49-F238E27FC236}">
-                      <a16:creationId xmlns:a16="http://schemas.microsoft.com/office/drawing/2014/main" id="{53FEE0CB-A20B-4831-8B3A-F014BDCDD647}"/>
-                    </a:ext>
-                  </a:extLst>
-                </p:cNvPr>
-                <p:cNvCxnSpPr>
-                  <a:cxnSpLocks/>
-                  <a:stCxn id="35" idx="2"/>
-                  <a:endCxn id="45" idx="3"/>
-                </p:cNvCxnSpPr>
-                <p:nvPr/>
-              </p:nvCxnSpPr>
-              <p:spPr>
-                <a:xfrm rot="5400000" flipH="1" flipV="1">
-                  <a:off x="9785926" y="3413523"/>
-                  <a:ext cx="2363289" cy="661165"/>
-                </a:xfrm>
-                <a:prstGeom prst="bentConnector4">
-                  <a:avLst>
-                    <a:gd name="adj1" fmla="val -9673"/>
-                    <a:gd name="adj2" fmla="val 134575"/>
-                  </a:avLst>
-                </a:prstGeom>
-                <a:ln>
-                  <a:tailEnd type="triangle"/>
-                </a:ln>
-              </p:spPr>
-              <p:style>
-                <a:lnRef idx="1">
-                  <a:schemeClr val="dk1"/>
-                </a:lnRef>
-                <a:fillRef idx="0">
-                  <a:schemeClr val="dk1"/>
-                </a:fillRef>
-                <a:effectRef idx="0">
-                  <a:schemeClr val="dk1"/>
-                </a:effectRef>
-                <a:fontRef idx="minor">
-                  <a:schemeClr val="tx1"/>
-                </a:fontRef>
-              </p:style>
-            </p:cxnSp>
-            <p:cxnSp>
-              <p:nvCxnSpPr>
-                <p:cNvPr id="63" name="连接符: 肘形 62">
-                  <a:extLst>
-                    <a:ext uri="{FF2B5EF4-FFF2-40B4-BE49-F238E27FC236}">
-                      <a16:creationId xmlns:a16="http://schemas.microsoft.com/office/drawing/2014/main" id="{A8CCADE6-8C15-4F01-B6B0-CD44D398F04E}"/>
-                    </a:ext>
-                  </a:extLst>
-                </p:cNvPr>
-                <p:cNvCxnSpPr>
-                  <a:cxnSpLocks/>
-                  <a:stCxn id="28" idx="2"/>
-                  <a:endCxn id="45" idx="3"/>
-                </p:cNvCxnSpPr>
-                <p:nvPr/>
-              </p:nvCxnSpPr>
-              <p:spPr>
-                <a:xfrm rot="5400000" flipH="1" flipV="1">
-                  <a:off x="9046448" y="2674043"/>
-                  <a:ext cx="2363288" cy="2140123"/>
-                </a:xfrm>
-                <a:prstGeom prst="bentConnector4">
-                  <a:avLst>
-                    <a:gd name="adj1" fmla="val -9673"/>
-                    <a:gd name="adj2" fmla="val 110682"/>
-                  </a:avLst>
-                </a:prstGeom>
-                <a:ln>
-                  <a:headEnd type="none" w="med" len="med"/>
-                  <a:tailEnd type="none" w="med" len="med"/>
-                </a:ln>
-              </p:spPr>
-              <p:style>
-                <a:lnRef idx="1">
-                  <a:schemeClr val="dk1"/>
-                </a:lnRef>
-                <a:fillRef idx="0">
-                  <a:schemeClr val="dk1"/>
-                </a:fillRef>
-                <a:effectRef idx="0">
-                  <a:schemeClr val="dk1"/>
-                </a:effectRef>
-                <a:fontRef idx="minor">
-                  <a:schemeClr val="tx1"/>
-                </a:fontRef>
-              </p:style>
-            </p:cxnSp>
-          </p:grpSp>
-          <p:sp>
-            <p:nvSpPr>
-              <p:cNvPr id="97" name="文本框 96">
-                <a:extLst>
-                  <a:ext uri="{FF2B5EF4-FFF2-40B4-BE49-F238E27FC236}">
-                    <a16:creationId xmlns:a16="http://schemas.microsoft.com/office/drawing/2014/main" id="{2AB1D945-9011-4C00-A036-3310E4ECE6E9}"/>
-                  </a:ext>
-                </a:extLst>
-              </p:cNvPr>
-              <p:cNvSpPr txBox="1"/>
-              <p:nvPr/>
-            </p:nvSpPr>
-            <p:spPr>
-              <a:xfrm>
-                <a:off x="9489011" y="5909617"/>
-                <a:ext cx="2165978" cy="461665"/>
-              </a:xfrm>
-              <a:prstGeom prst="rect">
-                <a:avLst/>
-              </a:prstGeom>
-              <a:noFill/>
-            </p:spPr>
-            <p:txBody>
-              <a:bodyPr wrap="none" rtlCol="0">
-                <a:spAutoFit/>
-              </a:bodyPr>
-              <a:lstStyle/>
-              <a:p>
-                <a:r>
-                  <a:rPr lang="zh-CN" altLang="en-US" sz="2400" dirty="0"/>
-                  <a:t>后台</a:t>
-                </a:r>
-                <a:r>
-                  <a:rPr lang="en-US" altLang="zh-CN" sz="2400" dirty="0"/>
-                  <a:t>goroutine</a:t>
-                </a:r>
-                <a:endParaRPr lang="zh-CN" altLang="en-US" sz="2400" dirty="0"/>
-              </a:p>
-            </p:txBody>
-          </p:sp>
-        </p:grpSp>
-        <p:cxnSp>
-          <p:nvCxnSpPr>
-            <p:cNvPr id="99" name="直接箭头连接符 98">
-              <a:extLst>
-                <a:ext uri="{FF2B5EF4-FFF2-40B4-BE49-F238E27FC236}">
-                  <a16:creationId xmlns:a16="http://schemas.microsoft.com/office/drawing/2014/main" id="{1F8A144D-B229-4DE3-A53D-F88E9515377F}"/>
-                </a:ext>
-              </a:extLst>
-            </p:cNvPr>
-            <p:cNvCxnSpPr>
-              <a:cxnSpLocks/>
-              <a:stCxn id="4" idx="3"/>
-              <a:endCxn id="45" idx="1"/>
-            </p:cNvCxnSpPr>
-            <p:nvPr/>
-          </p:nvCxnSpPr>
-          <p:spPr>
-            <a:xfrm>
-              <a:off x="7481582" y="2654085"/>
-              <a:ext cx="2439471" cy="4217"/>
-            </a:xfrm>
-            <a:prstGeom prst="straightConnector1">
-              <a:avLst/>
-            </a:prstGeom>
-            <a:ln>
-              <a:tailEnd type="triangle"/>
-            </a:ln>
-          </p:spPr>
-          <p:style>
-            <a:lnRef idx="1">
-              <a:schemeClr val="dk1"/>
-            </a:lnRef>
-            <a:fillRef idx="0">
-              <a:schemeClr val="dk1"/>
-            </a:fillRef>
-            <a:effectRef idx="0">
-              <a:schemeClr val="dk1"/>
-            </a:effectRef>
-            <a:fontRef idx="minor">
-              <a:schemeClr val="tx1"/>
-            </a:fontRef>
-          </p:style>
-        </p:cxnSp>
-        <p:cxnSp>
-          <p:nvCxnSpPr>
-            <p:cNvPr id="102" name="直接箭头连接符 101">
-              <a:extLst>
-                <a:ext uri="{FF2B5EF4-FFF2-40B4-BE49-F238E27FC236}">
-                  <a16:creationId xmlns:a16="http://schemas.microsoft.com/office/drawing/2014/main" id="{1A1FEADF-B93F-4A2E-A73F-87B0340A3764}"/>
-                </a:ext>
-              </a:extLst>
-            </p:cNvPr>
-            <p:cNvCxnSpPr>
-              <a:cxnSpLocks/>
-              <a:stCxn id="14" idx="3"/>
-              <a:endCxn id="28" idx="1"/>
-            </p:cNvCxnSpPr>
-            <p:nvPr/>
-          </p:nvCxnSpPr>
-          <p:spPr>
-            <a:xfrm flipV="1">
-              <a:off x="7481581" y="4836607"/>
-              <a:ext cx="877930" cy="3260"/>
-            </a:xfrm>
-            <a:prstGeom prst="straightConnector1">
-              <a:avLst/>
-            </a:prstGeom>
-            <a:ln>
-              <a:tailEnd type="triangle"/>
-            </a:ln>
-          </p:spPr>
-          <p:style>
-            <a:lnRef idx="1">
-              <a:schemeClr val="dk1"/>
-            </a:lnRef>
-            <a:fillRef idx="0">
-              <a:schemeClr val="dk1"/>
-            </a:fillRef>
-            <a:effectRef idx="0">
-              <a:schemeClr val="dk1"/>
-            </a:effectRef>
-            <a:fontRef idx="minor">
-              <a:schemeClr val="tx1"/>
-            </a:fontRef>
-          </p:style>
-        </p:cxnSp>
-        <p:cxnSp>
-          <p:nvCxnSpPr>
-            <p:cNvPr id="107" name="连接符: 肘形 106">
-              <a:extLst>
-                <a:ext uri="{FF2B5EF4-FFF2-40B4-BE49-F238E27FC236}">
-                  <a16:creationId xmlns:a16="http://schemas.microsoft.com/office/drawing/2014/main" id="{192E23BF-83D5-47DB-8FD9-3120F2E83461}"/>
-                </a:ext>
-              </a:extLst>
-            </p:cNvPr>
-            <p:cNvCxnSpPr>
-              <a:cxnSpLocks/>
-              <a:stCxn id="16" idx="3"/>
-              <a:endCxn id="33" idx="1"/>
-            </p:cNvCxnSpPr>
-            <p:nvPr/>
-          </p:nvCxnSpPr>
-          <p:spPr>
-            <a:xfrm flipV="1">
-              <a:off x="6185540" y="3195288"/>
-              <a:ext cx="3735513" cy="325706"/>
-            </a:xfrm>
-            <a:prstGeom prst="bentConnector3">
-              <a:avLst>
-                <a:gd name="adj1" fmla="val 50000"/>
-              </a:avLst>
-            </a:prstGeom>
-            <a:ln>
-              <a:tailEnd type="triangle"/>
-            </a:ln>
-          </p:spPr>
-          <p:style>
-            <a:lnRef idx="1">
-              <a:schemeClr val="dk1"/>
-            </a:lnRef>
-            <a:fillRef idx="0">
-              <a:schemeClr val="dk1"/>
-            </a:fillRef>
-            <a:effectRef idx="0">
-              <a:schemeClr val="dk1"/>
-            </a:effectRef>
-            <a:fontRef idx="minor">
-              <a:schemeClr val="tx1"/>
-            </a:fontRef>
-          </p:style>
-        </p:cxnSp>
-        <p:cxnSp>
-          <p:nvCxnSpPr>
-            <p:cNvPr id="110" name="连接符: 肘形 109">
-              <a:extLst>
-                <a:ext uri="{FF2B5EF4-FFF2-40B4-BE49-F238E27FC236}">
-                  <a16:creationId xmlns:a16="http://schemas.microsoft.com/office/drawing/2014/main" id="{09AFA959-B9DF-4C3D-9748-2700DD92A045}"/>
-                </a:ext>
-              </a:extLst>
-            </p:cNvPr>
-            <p:cNvCxnSpPr>
-              <a:cxnSpLocks/>
-              <a:stCxn id="6" idx="3"/>
-              <a:endCxn id="27" idx="1"/>
-            </p:cNvCxnSpPr>
-            <p:nvPr/>
-          </p:nvCxnSpPr>
-          <p:spPr>
-            <a:xfrm flipV="1">
-              <a:off x="7481581" y="3730511"/>
-              <a:ext cx="2439472" cy="442654"/>
-            </a:xfrm>
-            <a:prstGeom prst="bentConnector3">
-              <a:avLst>
-                <a:gd name="adj1" fmla="val 50000"/>
-              </a:avLst>
-            </a:prstGeom>
-            <a:ln>
-              <a:tailEnd type="triangle"/>
-            </a:ln>
-          </p:spPr>
-          <p:style>
-            <a:lnRef idx="1">
-              <a:schemeClr val="dk1"/>
-            </a:lnRef>
-            <a:fillRef idx="0">
-              <a:schemeClr val="dk1"/>
-            </a:fillRef>
-            <a:effectRef idx="0">
-              <a:schemeClr val="dk1"/>
-            </a:effectRef>
-            <a:fontRef idx="minor">
-              <a:schemeClr val="tx1"/>
-            </a:fontRef>
-          </p:style>
-        </p:cxnSp>
-        <p:sp>
-          <p:nvSpPr>
-            <p:cNvPr id="124" name="文本框 123">
-              <a:extLst>
-                <a:ext uri="{FF2B5EF4-FFF2-40B4-BE49-F238E27FC236}">
-                  <a16:creationId xmlns:a16="http://schemas.microsoft.com/office/drawing/2014/main" id="{9FEE72BF-BF5F-43CE-A52A-82F5BFDF4219}"/>
-                </a:ext>
-              </a:extLst>
-            </p:cNvPr>
-            <p:cNvSpPr txBox="1"/>
-            <p:nvPr/>
-          </p:nvSpPr>
-          <p:spPr>
-            <a:xfrm>
-              <a:off x="7564047" y="2287020"/>
-              <a:ext cx="723275" cy="307777"/>
-            </a:xfrm>
-            <a:prstGeom prst="rect">
-              <a:avLst/>
-            </a:prstGeom>
-            <a:noFill/>
-          </p:spPr>
-          <p:txBody>
-            <a:bodyPr wrap="none" rtlCol="0">
-              <a:spAutoFit/>
-            </a:bodyPr>
-            <a:lstStyle/>
-            <a:p>
-              <a:r>
-                <a:rPr lang="zh-CN" altLang="en-US" sz="1400" dirty="0"/>
-                <a:t>出队列</a:t>
-              </a:r>
+              <a:endParaRPr lang="zh-CN" altLang="en-US" dirty="0"/>
             </a:p>
           </p:txBody>
         </p:sp>
@@ -18925,7 +16399,7 @@
           </p:nvSpPr>
           <p:spPr>
             <a:xfrm>
-              <a:off x="6328490" y="2504425"/>
+              <a:off x="6319405" y="2504425"/>
               <a:ext cx="579964" cy="297447"/>
             </a:xfrm>
             <a:prstGeom prst="rect">
@@ -18973,7 +16447,7 @@
           </p:nvSpPr>
           <p:spPr>
             <a:xfrm>
-              <a:off x="6908454" y="2504425"/>
+              <a:off x="6899369" y="2504425"/>
               <a:ext cx="579964" cy="297447"/>
             </a:xfrm>
             <a:prstGeom prst="rect">
@@ -19008,12 +16482,817 @@
           </p:txBody>
         </p:sp>
       </p:grpSp>
+      <p:grpSp>
+        <p:nvGrpSpPr>
+          <p:cNvPr id="76" name="组合 75">
+            <a:extLst>
+              <a:ext uri="{FF2B5EF4-FFF2-40B4-BE49-F238E27FC236}">
+                <a16:creationId xmlns:a16="http://schemas.microsoft.com/office/drawing/2014/main" id="{E77C3653-9C0E-4B2A-BC32-F3733968FDAA}"/>
+              </a:ext>
+            </a:extLst>
+          </p:cNvPr>
+          <p:cNvGrpSpPr/>
+          <p:nvPr/>
+        </p:nvGrpSpPr>
+        <p:grpSpPr>
+          <a:xfrm>
+            <a:off x="5302056" y="3291467"/>
+            <a:ext cx="4640847" cy="2382116"/>
+            <a:chOff x="5302056" y="3291467"/>
+            <a:chExt cx="4640847" cy="2382116"/>
+          </a:xfrm>
+        </p:grpSpPr>
+        <p:sp>
+          <p:nvSpPr>
+            <p:cNvPr id="35" name="矩形 34">
+              <a:extLst>
+                <a:ext uri="{FF2B5EF4-FFF2-40B4-BE49-F238E27FC236}">
+                  <a16:creationId xmlns:a16="http://schemas.microsoft.com/office/drawing/2014/main" id="{7B38BFC0-6044-4E57-AD9C-C4C6F7501FD7}"/>
+                </a:ext>
+              </a:extLst>
+            </p:cNvPr>
+            <p:cNvSpPr/>
+            <p:nvPr/>
+          </p:nvSpPr>
+          <p:spPr>
+            <a:xfrm>
+              <a:off x="8620573" y="5303616"/>
+              <a:ext cx="1322330" cy="369967"/>
+            </a:xfrm>
+            <a:prstGeom prst="rect">
+              <a:avLst/>
+            </a:prstGeom>
+          </p:spPr>
+          <p:style>
+            <a:lnRef idx="2">
+              <a:schemeClr val="dk1"/>
+            </a:lnRef>
+            <a:fillRef idx="1">
+              <a:schemeClr val="lt1"/>
+            </a:fillRef>
+            <a:effectRef idx="0">
+              <a:schemeClr val="dk1"/>
+            </a:effectRef>
+            <a:fontRef idx="minor">
+              <a:schemeClr val="dk1"/>
+            </a:fontRef>
+          </p:style>
+          <p:txBody>
+            <a:bodyPr rtlCol="0" anchor="ctr"/>
+            <a:lstStyle/>
+            <a:p>
+              <a:pPr algn="ctr"/>
+              <a:r>
+                <a:rPr lang="zh-CN" altLang="en-US" sz="1200" dirty="0"/>
+                <a:t>启动任务</a:t>
+              </a:r>
+            </a:p>
+            <a:p>
+              <a:pPr algn="ctr"/>
+              <a:r>
+                <a:rPr lang="zh-CN" altLang="en-US" sz="1200" dirty="0"/>
+                <a:t>等待完成</a:t>
+              </a:r>
+              <a:endParaRPr lang="en-US" altLang="zh-CN" sz="1200" dirty="0"/>
+            </a:p>
+          </p:txBody>
+        </p:sp>
+        <p:cxnSp>
+          <p:nvCxnSpPr>
+            <p:cNvPr id="37" name="直接箭头连接符 36">
+              <a:extLst>
+                <a:ext uri="{FF2B5EF4-FFF2-40B4-BE49-F238E27FC236}">
+                  <a16:creationId xmlns:a16="http://schemas.microsoft.com/office/drawing/2014/main" id="{4CF4801B-451E-4832-AF2E-61CEF42FB3CA}"/>
+                </a:ext>
+              </a:extLst>
+            </p:cNvPr>
+            <p:cNvCxnSpPr>
+              <a:cxnSpLocks/>
+              <a:stCxn id="71" idx="2"/>
+              <a:endCxn id="35" idx="0"/>
+            </p:cNvCxnSpPr>
+            <p:nvPr/>
+          </p:nvCxnSpPr>
+          <p:spPr>
+            <a:xfrm>
+              <a:off x="9281736" y="5049310"/>
+              <a:ext cx="2" cy="254306"/>
+            </a:xfrm>
+            <a:prstGeom prst="straightConnector1">
+              <a:avLst/>
+            </a:prstGeom>
+            <a:ln>
+              <a:tailEnd type="triangle"/>
+            </a:ln>
+          </p:spPr>
+          <p:style>
+            <a:lnRef idx="1">
+              <a:schemeClr val="dk1"/>
+            </a:lnRef>
+            <a:fillRef idx="0">
+              <a:schemeClr val="dk1"/>
+            </a:fillRef>
+            <a:effectRef idx="0">
+              <a:schemeClr val="dk1"/>
+            </a:effectRef>
+            <a:fontRef idx="minor">
+              <a:schemeClr val="tx1"/>
+            </a:fontRef>
+          </p:style>
+        </p:cxnSp>
+        <p:sp>
+          <p:nvSpPr>
+            <p:cNvPr id="45" name="矩形 44">
+              <a:extLst>
+                <a:ext uri="{FF2B5EF4-FFF2-40B4-BE49-F238E27FC236}">
+                  <a16:creationId xmlns:a16="http://schemas.microsoft.com/office/drawing/2014/main" id="{C76D8927-B02F-47BF-9712-A667F995498A}"/>
+                </a:ext>
+              </a:extLst>
+            </p:cNvPr>
+            <p:cNvSpPr/>
+            <p:nvPr/>
+          </p:nvSpPr>
+          <p:spPr>
+            <a:xfrm>
+              <a:off x="8620573" y="3291467"/>
+              <a:ext cx="1322330" cy="369967"/>
+            </a:xfrm>
+            <a:prstGeom prst="rect">
+              <a:avLst/>
+            </a:prstGeom>
+          </p:spPr>
+          <p:style>
+            <a:lnRef idx="2">
+              <a:schemeClr val="dk1"/>
+            </a:lnRef>
+            <a:fillRef idx="1">
+              <a:schemeClr val="lt1"/>
+            </a:fillRef>
+            <a:effectRef idx="0">
+              <a:schemeClr val="dk1"/>
+            </a:effectRef>
+            <a:fontRef idx="minor">
+              <a:schemeClr val="dk1"/>
+            </a:fontRef>
+          </p:style>
+          <p:txBody>
+            <a:bodyPr rtlCol="0" anchor="ctr"/>
+            <a:lstStyle/>
+            <a:p>
+              <a:pPr algn="ctr"/>
+              <a:r>
+                <a:rPr lang="zh-CN" altLang="en-US" sz="1200" dirty="0"/>
+                <a:t>获取任务</a:t>
+              </a:r>
+              <a:endParaRPr lang="en-US" altLang="zh-CN" sz="1200" dirty="0"/>
+            </a:p>
+          </p:txBody>
+        </p:sp>
+        <p:cxnSp>
+          <p:nvCxnSpPr>
+            <p:cNvPr id="50" name="直接箭头连接符 49">
+              <a:extLst>
+                <a:ext uri="{FF2B5EF4-FFF2-40B4-BE49-F238E27FC236}">
+                  <a16:creationId xmlns:a16="http://schemas.microsoft.com/office/drawing/2014/main" id="{2E9B26C4-4C65-49B9-9609-2DE5EE96E846}"/>
+                </a:ext>
+              </a:extLst>
+            </p:cNvPr>
+            <p:cNvCxnSpPr>
+              <a:cxnSpLocks/>
+              <a:stCxn id="45" idx="2"/>
+            </p:cNvCxnSpPr>
+            <p:nvPr/>
+          </p:nvCxnSpPr>
+          <p:spPr>
+            <a:xfrm flipH="1">
+              <a:off x="9281737" y="3661434"/>
+              <a:ext cx="1" cy="384664"/>
+            </a:xfrm>
+            <a:prstGeom prst="straightConnector1">
+              <a:avLst/>
+            </a:prstGeom>
+            <a:ln>
+              <a:tailEnd type="triangle"/>
+            </a:ln>
+          </p:spPr>
+          <p:style>
+            <a:lnRef idx="1">
+              <a:schemeClr val="dk1"/>
+            </a:lnRef>
+            <a:fillRef idx="0">
+              <a:schemeClr val="dk1"/>
+            </a:fillRef>
+            <a:effectRef idx="0">
+              <a:schemeClr val="dk1"/>
+            </a:effectRef>
+            <a:fontRef idx="minor">
+              <a:schemeClr val="tx1"/>
+            </a:fontRef>
+          </p:style>
+        </p:cxnSp>
+        <p:cxnSp>
+          <p:nvCxnSpPr>
+            <p:cNvPr id="59" name="连接符: 肘形 58">
+              <a:extLst>
+                <a:ext uri="{FF2B5EF4-FFF2-40B4-BE49-F238E27FC236}">
+                  <a16:creationId xmlns:a16="http://schemas.microsoft.com/office/drawing/2014/main" id="{53FEE0CB-A20B-4831-8B3A-F014BDCDD647}"/>
+                </a:ext>
+              </a:extLst>
+            </p:cNvPr>
+            <p:cNvCxnSpPr>
+              <a:cxnSpLocks/>
+              <a:stCxn id="35" idx="2"/>
+              <a:endCxn id="45" idx="3"/>
+            </p:cNvCxnSpPr>
+            <p:nvPr/>
+          </p:nvCxnSpPr>
+          <p:spPr>
+            <a:xfrm rot="5400000" flipH="1" flipV="1">
+              <a:off x="8513754" y="4244434"/>
+              <a:ext cx="2197132" cy="661165"/>
+            </a:xfrm>
+            <a:prstGeom prst="bentConnector4">
+              <a:avLst>
+                <a:gd name="adj1" fmla="val -10404"/>
+                <a:gd name="adj2" fmla="val 134575"/>
+              </a:avLst>
+            </a:prstGeom>
+            <a:ln>
+              <a:tailEnd type="triangle"/>
+            </a:ln>
+          </p:spPr>
+          <p:style>
+            <a:lnRef idx="1">
+              <a:schemeClr val="dk1"/>
+            </a:lnRef>
+            <a:fillRef idx="0">
+              <a:schemeClr val="dk1"/>
+            </a:fillRef>
+            <a:effectRef idx="0">
+              <a:schemeClr val="dk1"/>
+            </a:effectRef>
+            <a:fontRef idx="minor">
+              <a:schemeClr val="tx1"/>
+            </a:fontRef>
+          </p:style>
+        </p:cxnSp>
+        <p:grpSp>
+          <p:nvGrpSpPr>
+            <p:cNvPr id="3" name="组合 2">
+              <a:extLst>
+                <a:ext uri="{FF2B5EF4-FFF2-40B4-BE49-F238E27FC236}">
+                  <a16:creationId xmlns:a16="http://schemas.microsoft.com/office/drawing/2014/main" id="{875C4146-DCD9-4293-8399-EE42F2BF70A7}"/>
+                </a:ext>
+              </a:extLst>
+            </p:cNvPr>
+            <p:cNvGrpSpPr/>
+            <p:nvPr/>
+          </p:nvGrpSpPr>
+          <p:grpSpPr>
+            <a:xfrm>
+              <a:off x="5302056" y="4046098"/>
+              <a:ext cx="4640846" cy="369967"/>
+              <a:chOff x="5228336" y="3536201"/>
+              <a:chExt cx="4640846" cy="369967"/>
+            </a:xfrm>
+          </p:grpSpPr>
+          <p:sp>
+            <p:nvSpPr>
+              <p:cNvPr id="64" name="矩形 63">
+                <a:extLst>
+                  <a:ext uri="{FF2B5EF4-FFF2-40B4-BE49-F238E27FC236}">
+                    <a16:creationId xmlns:a16="http://schemas.microsoft.com/office/drawing/2014/main" id="{FB51C134-F51E-4C71-A066-4C51B785B403}"/>
+                  </a:ext>
+                </a:extLst>
+              </p:cNvPr>
+              <p:cNvSpPr/>
+              <p:nvPr/>
+            </p:nvSpPr>
+            <p:spPr>
+              <a:xfrm>
+                <a:off x="5229450" y="3536201"/>
+                <a:ext cx="4639732" cy="369967"/>
+              </a:xfrm>
+              <a:prstGeom prst="rect">
+                <a:avLst/>
+              </a:prstGeom>
+            </p:spPr>
+            <p:style>
+              <a:lnRef idx="2">
+                <a:schemeClr val="dk1"/>
+              </a:lnRef>
+              <a:fillRef idx="1">
+                <a:schemeClr val="lt1"/>
+              </a:fillRef>
+              <a:effectRef idx="0">
+                <a:schemeClr val="dk1"/>
+              </a:effectRef>
+              <a:fontRef idx="minor">
+                <a:schemeClr val="dk1"/>
+              </a:fontRef>
+            </p:style>
+            <p:txBody>
+              <a:bodyPr rtlCol="0" anchor="ctr"/>
+              <a:lstStyle/>
+              <a:p>
+                <a:pPr algn="ctr"/>
+                <a:r>
+                  <a:rPr lang="en-US" altLang="zh-CN" dirty="0"/>
+                  <a:t>······</a:t>
+                </a:r>
+                <a:r>
+                  <a:rPr lang="zh-CN" altLang="en-US" dirty="0"/>
+                  <a:t>当前运行任务</a:t>
+                </a:r>
+                <a:r>
+                  <a:rPr lang="en-US" altLang="zh-CN" dirty="0"/>
+                  <a:t>······</a:t>
+                </a:r>
+                <a:endParaRPr lang="zh-CN" altLang="en-US" dirty="0"/>
+              </a:p>
+            </p:txBody>
+          </p:sp>
+          <p:sp>
+            <p:nvSpPr>
+              <p:cNvPr id="65" name="矩形 64">
+                <a:extLst>
+                  <a:ext uri="{FF2B5EF4-FFF2-40B4-BE49-F238E27FC236}">
+                    <a16:creationId xmlns:a16="http://schemas.microsoft.com/office/drawing/2014/main" id="{DD1FDA9A-162C-4E3B-A3CB-DC0830E558F4}"/>
+                  </a:ext>
+                </a:extLst>
+              </p:cNvPr>
+              <p:cNvSpPr/>
+              <p:nvPr/>
+            </p:nvSpPr>
+            <p:spPr>
+              <a:xfrm>
+                <a:off x="5228336" y="3571525"/>
+                <a:ext cx="579964" cy="297447"/>
+              </a:xfrm>
+              <a:prstGeom prst="rect">
+                <a:avLst/>
+              </a:prstGeom>
+            </p:spPr>
+            <p:style>
+              <a:lnRef idx="2">
+                <a:schemeClr val="dk1"/>
+              </a:lnRef>
+              <a:fillRef idx="1">
+                <a:schemeClr val="lt1"/>
+              </a:fillRef>
+              <a:effectRef idx="0">
+                <a:schemeClr val="dk1"/>
+              </a:effectRef>
+              <a:fontRef idx="minor">
+                <a:schemeClr val="dk1"/>
+              </a:fontRef>
+            </p:style>
+            <p:txBody>
+              <a:bodyPr rtlCol="0" anchor="ctr"/>
+              <a:lstStyle/>
+              <a:p>
+                <a:pPr algn="ctr"/>
+                <a:r>
+                  <a:rPr lang="en-US" altLang="zh-CN" sz="1400" dirty="0"/>
+                  <a:t>Task</a:t>
+                </a:r>
+                <a:endParaRPr lang="zh-CN" altLang="en-US" sz="1400" dirty="0"/>
+              </a:p>
+            </p:txBody>
+          </p:sp>
+          <p:sp>
+            <p:nvSpPr>
+              <p:cNvPr id="67" name="矩形 66">
+                <a:extLst>
+                  <a:ext uri="{FF2B5EF4-FFF2-40B4-BE49-F238E27FC236}">
+                    <a16:creationId xmlns:a16="http://schemas.microsoft.com/office/drawing/2014/main" id="{10E5E514-F9B5-47CE-A215-CE094CF4F872}"/>
+                  </a:ext>
+                </a:extLst>
+              </p:cNvPr>
+              <p:cNvSpPr/>
+              <p:nvPr/>
+            </p:nvSpPr>
+            <p:spPr>
+              <a:xfrm>
+                <a:off x="5808300" y="3571525"/>
+                <a:ext cx="579964" cy="297447"/>
+              </a:xfrm>
+              <a:prstGeom prst="rect">
+                <a:avLst/>
+              </a:prstGeom>
+            </p:spPr>
+            <p:style>
+              <a:lnRef idx="2">
+                <a:schemeClr val="dk1"/>
+              </a:lnRef>
+              <a:fillRef idx="1">
+                <a:schemeClr val="lt1"/>
+              </a:fillRef>
+              <a:effectRef idx="0">
+                <a:schemeClr val="dk1"/>
+              </a:effectRef>
+              <a:fontRef idx="minor">
+                <a:schemeClr val="dk1"/>
+              </a:fontRef>
+            </p:style>
+            <p:txBody>
+              <a:bodyPr rtlCol="0" anchor="ctr"/>
+              <a:lstStyle/>
+              <a:p>
+                <a:pPr algn="ctr"/>
+                <a:r>
+                  <a:rPr lang="en-US" altLang="zh-CN" sz="1400" dirty="0"/>
+                  <a:t>Task</a:t>
+                </a:r>
+                <a:endParaRPr lang="zh-CN" altLang="en-US" sz="1400" dirty="0"/>
+              </a:p>
+            </p:txBody>
+          </p:sp>
+          <p:sp>
+            <p:nvSpPr>
+              <p:cNvPr id="68" name="矩形 67">
+                <a:extLst>
+                  <a:ext uri="{FF2B5EF4-FFF2-40B4-BE49-F238E27FC236}">
+                    <a16:creationId xmlns:a16="http://schemas.microsoft.com/office/drawing/2014/main" id="{4B28B11C-8808-42D1-8A9D-786A36B9DB6F}"/>
+                  </a:ext>
+                </a:extLst>
+              </p:cNvPr>
+              <p:cNvSpPr/>
+              <p:nvPr/>
+            </p:nvSpPr>
+            <p:spPr>
+              <a:xfrm>
+                <a:off x="8707005" y="3571525"/>
+                <a:ext cx="579964" cy="297447"/>
+              </a:xfrm>
+              <a:prstGeom prst="rect">
+                <a:avLst/>
+              </a:prstGeom>
+            </p:spPr>
+            <p:style>
+              <a:lnRef idx="2">
+                <a:schemeClr val="dk1"/>
+              </a:lnRef>
+              <a:fillRef idx="1">
+                <a:schemeClr val="lt1"/>
+              </a:fillRef>
+              <a:effectRef idx="0">
+                <a:schemeClr val="dk1"/>
+              </a:effectRef>
+              <a:fontRef idx="minor">
+                <a:schemeClr val="dk1"/>
+              </a:fontRef>
+            </p:style>
+            <p:txBody>
+              <a:bodyPr rtlCol="0" anchor="ctr"/>
+              <a:lstStyle/>
+              <a:p>
+                <a:pPr algn="ctr"/>
+                <a:r>
+                  <a:rPr lang="en-US" altLang="zh-CN" sz="1400" dirty="0"/>
+                  <a:t>Task</a:t>
+                </a:r>
+                <a:endParaRPr lang="zh-CN" altLang="en-US" sz="1400" dirty="0"/>
+              </a:p>
+            </p:txBody>
+          </p:sp>
+          <p:sp>
+            <p:nvSpPr>
+              <p:cNvPr id="69" name="矩形 68">
+                <a:extLst>
+                  <a:ext uri="{FF2B5EF4-FFF2-40B4-BE49-F238E27FC236}">
+                    <a16:creationId xmlns:a16="http://schemas.microsoft.com/office/drawing/2014/main" id="{5AE72514-E9B3-4C08-A9AC-2CC94B4B6843}"/>
+                  </a:ext>
+                </a:extLst>
+              </p:cNvPr>
+              <p:cNvSpPr/>
+              <p:nvPr/>
+            </p:nvSpPr>
+            <p:spPr>
+              <a:xfrm>
+                <a:off x="9286969" y="3571525"/>
+                <a:ext cx="579964" cy="297447"/>
+              </a:xfrm>
+              <a:prstGeom prst="rect">
+                <a:avLst/>
+              </a:prstGeom>
+            </p:spPr>
+            <p:style>
+              <a:lnRef idx="2">
+                <a:schemeClr val="dk1"/>
+              </a:lnRef>
+              <a:fillRef idx="1">
+                <a:schemeClr val="lt1"/>
+              </a:fillRef>
+              <a:effectRef idx="0">
+                <a:schemeClr val="dk1"/>
+              </a:effectRef>
+              <a:fontRef idx="minor">
+                <a:schemeClr val="dk1"/>
+              </a:fontRef>
+            </p:style>
+            <p:txBody>
+              <a:bodyPr rtlCol="0" anchor="ctr"/>
+              <a:lstStyle/>
+              <a:p>
+                <a:pPr algn="ctr"/>
+                <a:r>
+                  <a:rPr lang="en-US" altLang="zh-CN" sz="1400" dirty="0"/>
+                  <a:t>Task</a:t>
+                </a:r>
+                <a:endParaRPr lang="zh-CN" altLang="en-US" sz="1400" dirty="0"/>
+              </a:p>
+            </p:txBody>
+          </p:sp>
+        </p:grpSp>
+        <p:sp>
+          <p:nvSpPr>
+            <p:cNvPr id="70" name="文本框 69">
+              <a:extLst>
+                <a:ext uri="{FF2B5EF4-FFF2-40B4-BE49-F238E27FC236}">
+                  <a16:creationId xmlns:a16="http://schemas.microsoft.com/office/drawing/2014/main" id="{5A5603D0-6EB1-4E21-A442-2AF06DC08ED7}"/>
+                </a:ext>
+              </a:extLst>
+            </p:cNvPr>
+            <p:cNvSpPr txBox="1"/>
+            <p:nvPr/>
+          </p:nvSpPr>
+          <p:spPr>
+            <a:xfrm>
+              <a:off x="9274758" y="3702318"/>
+              <a:ext cx="543739" cy="307777"/>
+            </a:xfrm>
+            <a:prstGeom prst="rect">
+              <a:avLst/>
+            </a:prstGeom>
+            <a:noFill/>
+          </p:spPr>
+          <p:txBody>
+            <a:bodyPr wrap="none" rtlCol="0">
+              <a:spAutoFit/>
+            </a:bodyPr>
+            <a:lstStyle/>
+            <a:p>
+              <a:r>
+                <a:rPr lang="zh-CN" altLang="en-US" sz="1400" dirty="0"/>
+                <a:t>放入</a:t>
+              </a:r>
+            </a:p>
+          </p:txBody>
+        </p:sp>
+        <p:sp>
+          <p:nvSpPr>
+            <p:cNvPr id="71" name="矩形 70">
+              <a:extLst>
+                <a:ext uri="{FF2B5EF4-FFF2-40B4-BE49-F238E27FC236}">
+                  <a16:creationId xmlns:a16="http://schemas.microsoft.com/office/drawing/2014/main" id="{D3FA8007-3FC6-4BEC-808D-CEBE5306FA96}"/>
+                </a:ext>
+              </a:extLst>
+            </p:cNvPr>
+            <p:cNvSpPr/>
+            <p:nvPr/>
+          </p:nvSpPr>
+          <p:spPr>
+            <a:xfrm>
+              <a:off x="8991754" y="4751863"/>
+              <a:ext cx="579964" cy="297447"/>
+            </a:xfrm>
+            <a:prstGeom prst="rect">
+              <a:avLst/>
+            </a:prstGeom>
+          </p:spPr>
+          <p:style>
+            <a:lnRef idx="2">
+              <a:schemeClr val="dk1"/>
+            </a:lnRef>
+            <a:fillRef idx="1">
+              <a:schemeClr val="lt1"/>
+            </a:fillRef>
+            <a:effectRef idx="0">
+              <a:schemeClr val="dk1"/>
+            </a:effectRef>
+            <a:fontRef idx="minor">
+              <a:schemeClr val="dk1"/>
+            </a:fontRef>
+          </p:style>
+          <p:txBody>
+            <a:bodyPr rtlCol="0" anchor="ctr"/>
+            <a:lstStyle/>
+            <a:p>
+              <a:pPr algn="ctr"/>
+              <a:r>
+                <a:rPr lang="en-US" altLang="zh-CN" sz="1400" dirty="0"/>
+                <a:t>Task</a:t>
+              </a:r>
+              <a:endParaRPr lang="zh-CN" altLang="en-US" sz="1400" dirty="0"/>
+            </a:p>
+          </p:txBody>
+        </p:sp>
+        <p:cxnSp>
+          <p:nvCxnSpPr>
+            <p:cNvPr id="72" name="直接箭头连接符 71">
+              <a:extLst>
+                <a:ext uri="{FF2B5EF4-FFF2-40B4-BE49-F238E27FC236}">
+                  <a16:creationId xmlns:a16="http://schemas.microsoft.com/office/drawing/2014/main" id="{1222B2EF-3727-489A-9808-60BAD1096435}"/>
+                </a:ext>
+              </a:extLst>
+            </p:cNvPr>
+            <p:cNvCxnSpPr>
+              <a:cxnSpLocks/>
+              <a:endCxn id="71" idx="0"/>
+            </p:cNvCxnSpPr>
+            <p:nvPr/>
+          </p:nvCxnSpPr>
+          <p:spPr>
+            <a:xfrm>
+              <a:off x="9281736" y="4416065"/>
+              <a:ext cx="0" cy="335798"/>
+            </a:xfrm>
+            <a:prstGeom prst="straightConnector1">
+              <a:avLst/>
+            </a:prstGeom>
+            <a:ln>
+              <a:tailEnd type="triangle"/>
+            </a:ln>
+          </p:spPr>
+          <p:style>
+            <a:lnRef idx="1">
+              <a:schemeClr val="dk1"/>
+            </a:lnRef>
+            <a:fillRef idx="0">
+              <a:schemeClr val="dk1"/>
+            </a:fillRef>
+            <a:effectRef idx="0">
+              <a:schemeClr val="dk1"/>
+            </a:effectRef>
+            <a:fontRef idx="minor">
+              <a:schemeClr val="tx1"/>
+            </a:fontRef>
+          </p:style>
+        </p:cxnSp>
+      </p:grpSp>
+      <p:cxnSp>
+        <p:nvCxnSpPr>
+          <p:cNvPr id="82" name="连接符: 肘形 81">
+            <a:extLst>
+              <a:ext uri="{FF2B5EF4-FFF2-40B4-BE49-F238E27FC236}">
+                <a16:creationId xmlns:a16="http://schemas.microsoft.com/office/drawing/2014/main" id="{DBFE5673-DF55-4533-8690-5201F4D424AF}"/>
+              </a:ext>
+            </a:extLst>
+          </p:cNvPr>
+          <p:cNvCxnSpPr>
+            <a:cxnSpLocks/>
+            <a:stCxn id="10" idx="3"/>
+            <a:endCxn id="127" idx="2"/>
+          </p:cNvCxnSpPr>
+          <p:nvPr/>
+        </p:nvCxnSpPr>
+        <p:spPr>
+          <a:xfrm flipV="1">
+            <a:off x="2024817" y="3620021"/>
+            <a:ext cx="1685865" cy="1283259"/>
+          </a:xfrm>
+          <a:prstGeom prst="bentConnector2">
+            <a:avLst/>
+          </a:prstGeom>
+          <a:ln>
+            <a:tailEnd type="triangle"/>
+          </a:ln>
+        </p:spPr>
+        <p:style>
+          <a:lnRef idx="1">
+            <a:schemeClr val="dk1"/>
+          </a:lnRef>
+          <a:fillRef idx="0">
+            <a:schemeClr val="dk1"/>
+          </a:fillRef>
+          <a:effectRef idx="0">
+            <a:schemeClr val="dk1"/>
+          </a:effectRef>
+          <a:fontRef idx="minor">
+            <a:schemeClr val="tx1"/>
+          </a:fontRef>
+        </p:style>
+      </p:cxnSp>
       <p:sp>
         <p:nvSpPr>
-          <p:cNvPr id="57" name="矩形 56">
-            <a:extLst>
-              <a:ext uri="{FF2B5EF4-FFF2-40B4-BE49-F238E27FC236}">
-                <a16:creationId xmlns:a16="http://schemas.microsoft.com/office/drawing/2014/main" id="{FB06D6F9-4169-42F6-851A-01F9183292AA}"/>
+          <p:cNvPr id="91" name="文本框 90">
+            <a:extLst>
+              <a:ext uri="{FF2B5EF4-FFF2-40B4-BE49-F238E27FC236}">
+                <a16:creationId xmlns:a16="http://schemas.microsoft.com/office/drawing/2014/main" id="{F303CEAE-820C-4462-B866-143EBFCA0F41}"/>
+              </a:ext>
+            </a:extLst>
+          </p:cNvPr>
+          <p:cNvSpPr txBox="1"/>
+          <p:nvPr/>
+        </p:nvSpPr>
+        <p:spPr>
+          <a:xfrm>
+            <a:off x="2045330" y="4597974"/>
+            <a:ext cx="1620957" cy="307777"/>
+          </a:xfrm>
+          <a:prstGeom prst="rect">
+            <a:avLst/>
+          </a:prstGeom>
+          <a:noFill/>
+        </p:spPr>
+        <p:txBody>
+          <a:bodyPr wrap="none" rtlCol="0">
+            <a:spAutoFit/>
+          </a:bodyPr>
+          <a:lstStyle/>
+          <a:p>
+            <a:r>
+              <a:rPr lang="zh-CN" altLang="en-US" sz="1400" dirty="0"/>
+              <a:t>在任务队列中取消</a:t>
+            </a:r>
+          </a:p>
+        </p:txBody>
+      </p:sp>
+      <p:sp>
+        <p:nvSpPr>
+          <p:cNvPr id="94" name="文本框 93">
+            <a:extLst>
+              <a:ext uri="{FF2B5EF4-FFF2-40B4-BE49-F238E27FC236}">
+                <a16:creationId xmlns:a16="http://schemas.microsoft.com/office/drawing/2014/main" id="{4CD9A986-7620-4625-9F50-B56399D11382}"/>
+              </a:ext>
+            </a:extLst>
+          </p:cNvPr>
+          <p:cNvSpPr txBox="1"/>
+          <p:nvPr/>
+        </p:nvSpPr>
+        <p:spPr>
+          <a:xfrm>
+            <a:off x="4217206" y="4585445"/>
+            <a:ext cx="2039341" cy="307777"/>
+          </a:xfrm>
+          <a:prstGeom prst="rect">
+            <a:avLst/>
+          </a:prstGeom>
+          <a:noFill/>
+        </p:spPr>
+        <p:txBody>
+          <a:bodyPr wrap="none" rtlCol="0">
+            <a:spAutoFit/>
+          </a:bodyPr>
+          <a:lstStyle/>
+          <a:p>
+            <a:r>
+              <a:rPr lang="zh-CN" altLang="en-US" sz="1400" dirty="0"/>
+              <a:t>在当前运行任务中取消</a:t>
+            </a:r>
+          </a:p>
+        </p:txBody>
+      </p:sp>
+      <p:cxnSp>
+        <p:nvCxnSpPr>
+          <p:cNvPr id="100" name="连接符: 肘形 99">
+            <a:extLst>
+              <a:ext uri="{FF2B5EF4-FFF2-40B4-BE49-F238E27FC236}">
+                <a16:creationId xmlns:a16="http://schemas.microsoft.com/office/drawing/2014/main" id="{1F33A635-F935-4D00-8C7E-75690C96F13A}"/>
+              </a:ext>
+            </a:extLst>
+          </p:cNvPr>
+          <p:cNvCxnSpPr>
+            <a:cxnSpLocks/>
+            <a:stCxn id="10" idx="3"/>
+            <a:endCxn id="67" idx="2"/>
+          </p:cNvCxnSpPr>
+          <p:nvPr/>
+        </p:nvCxnSpPr>
+        <p:spPr>
+          <a:xfrm flipV="1">
+            <a:off x="2024817" y="4378869"/>
+            <a:ext cx="4147185" cy="524411"/>
+          </a:xfrm>
+          <a:prstGeom prst="bentConnector2">
+            <a:avLst/>
+          </a:prstGeom>
+          <a:ln>
+            <a:tailEnd type="triangle"/>
+          </a:ln>
+        </p:spPr>
+        <p:style>
+          <a:lnRef idx="1">
+            <a:schemeClr val="dk1"/>
+          </a:lnRef>
+          <a:fillRef idx="0">
+            <a:schemeClr val="dk1"/>
+          </a:fillRef>
+          <a:effectRef idx="0">
+            <a:schemeClr val="dk1"/>
+          </a:effectRef>
+          <a:fontRef idx="minor">
+            <a:schemeClr val="tx1"/>
+          </a:fontRef>
+        </p:style>
+      </p:cxnSp>
+      <p:sp>
+        <p:nvSpPr>
+          <p:cNvPr id="101" name="箭头: 五边形 100">
+            <a:extLst>
+              <a:ext uri="{FF2B5EF4-FFF2-40B4-BE49-F238E27FC236}">
+                <a16:creationId xmlns:a16="http://schemas.microsoft.com/office/drawing/2014/main" id="{A1F402F2-96ED-4839-9E87-7D592B8FF9FC}"/>
               </a:ext>
             </a:extLst>
           </p:cNvPr>
@@ -19021,68 +17300,9 @@
           <p:nvPr/>
         </p:nvSpPr>
         <p:spPr>
-          <a:xfrm>
-            <a:off x="9560561" y="6042496"/>
-            <a:ext cx="1640177" cy="540868"/>
-          </a:xfrm>
-          <a:prstGeom prst="rect">
-            <a:avLst/>
-          </a:prstGeom>
-        </p:spPr>
-        <p:style>
-          <a:lnRef idx="2">
-            <a:schemeClr val="dk1"/>
-          </a:lnRef>
-          <a:fillRef idx="1">
-            <a:schemeClr val="lt1"/>
-          </a:fillRef>
-          <a:effectRef idx="0">
-            <a:schemeClr val="dk1"/>
-          </a:effectRef>
-          <a:fontRef idx="minor">
-            <a:schemeClr val="dk1"/>
-          </a:fontRef>
-        </p:style>
-        <p:txBody>
-          <a:bodyPr rtlCol="0" anchor="ctr"/>
-          <a:lstStyle/>
-          <a:p>
-            <a:pPr algn="ctr"/>
-            <a:r>
-              <a:rPr lang="en-US" altLang="zh-CN" sz="1400" dirty="0" err="1"/>
-              <a:t>Jmeter</a:t>
-            </a:r>
-            <a:r>
-              <a:rPr lang="zh-CN" altLang="en-US" sz="1400" dirty="0"/>
-              <a:t>服务</a:t>
-            </a:r>
-            <a:r>
-              <a:rPr lang="en-US" altLang="zh-CN" sz="1400" dirty="0"/>
-              <a:t>IP</a:t>
-            </a:r>
-            <a:r>
-              <a:rPr lang="zh-CN" altLang="en-US" sz="1400" dirty="0"/>
-              <a:t>列表</a:t>
-            </a:r>
-          </a:p>
-        </p:txBody>
-      </p:sp>
-      <p:sp>
-        <p:nvSpPr>
-          <p:cNvPr id="58" name="箭头: 五边形 57">
-            <a:extLst>
-              <a:ext uri="{FF2B5EF4-FFF2-40B4-BE49-F238E27FC236}">
-                <a16:creationId xmlns:a16="http://schemas.microsoft.com/office/drawing/2014/main" id="{C50DABFF-0F3A-414D-A63A-F4B8CC1CD5FF}"/>
-              </a:ext>
-            </a:extLst>
-          </p:cNvPr>
-          <p:cNvSpPr/>
-          <p:nvPr/>
-        </p:nvSpPr>
-        <p:spPr>
-          <a:xfrm>
-            <a:off x="7281335" y="6069905"/>
-            <a:ext cx="2279226" cy="484632"/>
+          <a:xfrm flipH="1">
+            <a:off x="-11168" y="1798872"/>
+            <a:ext cx="2024817" cy="484632"/>
           </a:xfrm>
           <a:prstGeom prst="homePlate">
             <a:avLst/>
@@ -19109,44 +17329,34 @@
             <a:pPr algn="ctr"/>
             <a:r>
               <a:rPr lang="zh-CN" altLang="en-US" dirty="0"/>
-              <a:t>接口：修改</a:t>
-            </a:r>
-            <a:r>
-              <a:rPr lang="en-US" altLang="zh-CN" dirty="0"/>
-              <a:t>IP</a:t>
-            </a:r>
-            <a:r>
-              <a:rPr lang="zh-CN" altLang="en-US" dirty="0"/>
-              <a:t>列表</a:t>
+              <a:t>接口：获取状态</a:t>
             </a:r>
           </a:p>
         </p:txBody>
       </p:sp>
       <p:cxnSp>
         <p:nvCxnSpPr>
-          <p:cNvPr id="62" name="连接符: 肘形 61">
-            <a:extLst>
-              <a:ext uri="{FF2B5EF4-FFF2-40B4-BE49-F238E27FC236}">
-                <a16:creationId xmlns:a16="http://schemas.microsoft.com/office/drawing/2014/main" id="{F77D4DBA-1950-468F-804A-3C2DD8131B81}"/>
+          <p:cNvPr id="104" name="连接符: 肘形 103">
+            <a:extLst>
+              <a:ext uri="{FF2B5EF4-FFF2-40B4-BE49-F238E27FC236}">
+                <a16:creationId xmlns:a16="http://schemas.microsoft.com/office/drawing/2014/main" id="{403BEA8D-727B-4721-991C-CA989FEC7A87}"/>
               </a:ext>
             </a:extLst>
           </p:cNvPr>
           <p:cNvCxnSpPr>
             <a:cxnSpLocks/>
-            <a:stCxn id="57" idx="3"/>
-            <a:endCxn id="35" idx="3"/>
+            <a:stCxn id="101" idx="1"/>
+            <a:endCxn id="4" idx="0"/>
           </p:cNvCxnSpPr>
           <p:nvPr/>
         </p:nvCxnSpPr>
         <p:spPr>
-          <a:xfrm flipV="1">
-            <a:off x="11200738" y="4836608"/>
-            <a:ext cx="42645" cy="1476322"/>
+          <a:xfrm>
+            <a:off x="2013649" y="2041188"/>
+            <a:ext cx="3148067" cy="1246062"/>
           </a:xfrm>
-          <a:prstGeom prst="bentConnector3">
-            <a:avLst>
-              <a:gd name="adj1" fmla="val 993422"/>
-            </a:avLst>
+          <a:prstGeom prst="bentConnector2">
+            <a:avLst/>
           </a:prstGeom>
           <a:ln>
             <a:tailEnd type="triangle"/>
@@ -19167,6 +17377,137 @@
           </a:fontRef>
         </p:style>
       </p:cxnSp>
+      <p:cxnSp>
+        <p:nvCxnSpPr>
+          <p:cNvPr id="105" name="连接符: 肘形 104">
+            <a:extLst>
+              <a:ext uri="{FF2B5EF4-FFF2-40B4-BE49-F238E27FC236}">
+                <a16:creationId xmlns:a16="http://schemas.microsoft.com/office/drawing/2014/main" id="{5EEDCAA2-549C-493A-B330-D4D2F5605FA4}"/>
+              </a:ext>
+            </a:extLst>
+          </p:cNvPr>
+          <p:cNvCxnSpPr>
+            <a:cxnSpLocks/>
+            <a:stCxn id="101" idx="1"/>
+            <a:endCxn id="64" idx="0"/>
+          </p:cNvCxnSpPr>
+          <p:nvPr/>
+        </p:nvCxnSpPr>
+        <p:spPr>
+          <a:xfrm>
+            <a:off x="2013649" y="2041188"/>
+            <a:ext cx="5609387" cy="2004910"/>
+          </a:xfrm>
+          <a:prstGeom prst="bentConnector2">
+            <a:avLst/>
+          </a:prstGeom>
+          <a:ln>
+            <a:tailEnd type="triangle"/>
+          </a:ln>
+        </p:spPr>
+        <p:style>
+          <a:lnRef idx="1">
+            <a:schemeClr val="dk1"/>
+          </a:lnRef>
+          <a:fillRef idx="0">
+            <a:schemeClr val="dk1"/>
+          </a:fillRef>
+          <a:effectRef idx="0">
+            <a:schemeClr val="dk1"/>
+          </a:effectRef>
+          <a:fontRef idx="minor">
+            <a:schemeClr val="tx1"/>
+          </a:fontRef>
+        </p:style>
+      </p:cxnSp>
+      <p:sp>
+        <p:nvSpPr>
+          <p:cNvPr id="77" name="矩形 76">
+            <a:extLst>
+              <a:ext uri="{FF2B5EF4-FFF2-40B4-BE49-F238E27FC236}">
+                <a16:creationId xmlns:a16="http://schemas.microsoft.com/office/drawing/2014/main" id="{264F357F-7D27-460B-8772-EB57C4CB012A}"/>
+              </a:ext>
+            </a:extLst>
+          </p:cNvPr>
+          <p:cNvSpPr/>
+          <p:nvPr/>
+        </p:nvSpPr>
+        <p:spPr>
+          <a:xfrm>
+            <a:off x="8453057" y="6167863"/>
+            <a:ext cx="1643399" cy="369332"/>
+          </a:xfrm>
+          <a:prstGeom prst="rect">
+            <a:avLst/>
+          </a:prstGeom>
+        </p:spPr>
+        <p:txBody>
+          <a:bodyPr wrap="none">
+            <a:spAutoFit/>
+          </a:bodyPr>
+          <a:lstStyle/>
+          <a:p>
+            <a:r>
+              <a:rPr lang="zh-CN" altLang="en-US" dirty="0"/>
+              <a:t>后台</a:t>
+            </a:r>
+            <a:r>
+              <a:rPr lang="en-US" altLang="zh-CN" dirty="0"/>
+              <a:t>Goroutine</a:t>
+            </a:r>
+            <a:endParaRPr lang="zh-CN" altLang="en-US" dirty="0"/>
+          </a:p>
+        </p:txBody>
+      </p:sp>
+      <p:sp>
+        <p:nvSpPr>
+          <p:cNvPr id="108" name="文本框 107">
+            <a:extLst>
+              <a:ext uri="{FF2B5EF4-FFF2-40B4-BE49-F238E27FC236}">
+                <a16:creationId xmlns:a16="http://schemas.microsoft.com/office/drawing/2014/main" id="{1AEF199D-6DEA-4B13-93DD-DFBCB6511579}"/>
+              </a:ext>
+            </a:extLst>
+          </p:cNvPr>
+          <p:cNvSpPr txBox="1"/>
+          <p:nvPr/>
+        </p:nvSpPr>
+        <p:spPr>
+          <a:xfrm>
+            <a:off x="1951773" y="1770822"/>
+            <a:ext cx="3057247" cy="738664"/>
+          </a:xfrm>
+          <a:prstGeom prst="rect">
+            <a:avLst/>
+          </a:prstGeom>
+          <a:noFill/>
+        </p:spPr>
+        <p:txBody>
+          <a:bodyPr wrap="none" rtlCol="0">
+            <a:spAutoFit/>
+          </a:bodyPr>
+          <a:lstStyle/>
+          <a:p>
+            <a:r>
+              <a:rPr lang="zh-CN" altLang="en-US" sz="1400" dirty="0"/>
+              <a:t>查找任务</a:t>
+            </a:r>
+            <a:endParaRPr lang="en-US" altLang="zh-CN" sz="1400" dirty="0"/>
+          </a:p>
+          <a:p>
+            <a:r>
+              <a:rPr lang="zh-CN" altLang="en-US" sz="1400" dirty="0"/>
+              <a:t>存在于当前运行任务表中：正在运行</a:t>
+            </a:r>
+            <a:endParaRPr lang="en-US" altLang="zh-CN" sz="1400" dirty="0"/>
+          </a:p>
+          <a:p>
+            <a:r>
+              <a:rPr lang="zh-CN" altLang="en-US" sz="1400" dirty="0"/>
+              <a:t>存在于任务队列中：正在排队</a:t>
+            </a:r>
+          </a:p>
+        </p:txBody>
+      </p:sp>
     </p:spTree>
     <p:extLst>
       <p:ext uri="{BB962C8B-B14F-4D97-AF65-F5344CB8AC3E}">

--- a/设计图.pptx
+++ b/设计图.pptx
@@ -279,7 +279,7 @@
           <a:p>
             <a:fld id="{DCF5B490-EC53-4970-A7CC-6E0AB35949B8}" type="datetimeFigureOut">
               <a:rPr lang="zh-CN" altLang="en-US" smtClean="0"/>
-              <a:t>2020/4/6</a:t>
+              <a:t>2020/4/28</a:t>
             </a:fld>
             <a:endParaRPr lang="zh-CN" altLang="en-US"/>
           </a:p>
@@ -477,7 +477,7 @@
           <a:p>
             <a:fld id="{DCF5B490-EC53-4970-A7CC-6E0AB35949B8}" type="datetimeFigureOut">
               <a:rPr lang="zh-CN" altLang="en-US" smtClean="0"/>
-              <a:t>2020/4/6</a:t>
+              <a:t>2020/4/28</a:t>
             </a:fld>
             <a:endParaRPr lang="zh-CN" altLang="en-US"/>
           </a:p>
@@ -685,7 +685,7 @@
           <a:p>
             <a:fld id="{DCF5B490-EC53-4970-A7CC-6E0AB35949B8}" type="datetimeFigureOut">
               <a:rPr lang="zh-CN" altLang="en-US" smtClean="0"/>
-              <a:t>2020/4/6</a:t>
+              <a:t>2020/4/28</a:t>
             </a:fld>
             <a:endParaRPr lang="zh-CN" altLang="en-US"/>
           </a:p>
@@ -883,7 +883,7 @@
           <a:p>
             <a:fld id="{DCF5B490-EC53-4970-A7CC-6E0AB35949B8}" type="datetimeFigureOut">
               <a:rPr lang="zh-CN" altLang="en-US" smtClean="0"/>
-              <a:t>2020/4/6</a:t>
+              <a:t>2020/4/28</a:t>
             </a:fld>
             <a:endParaRPr lang="zh-CN" altLang="en-US"/>
           </a:p>
@@ -1158,7 +1158,7 @@
           <a:p>
             <a:fld id="{DCF5B490-EC53-4970-A7CC-6E0AB35949B8}" type="datetimeFigureOut">
               <a:rPr lang="zh-CN" altLang="en-US" smtClean="0"/>
-              <a:t>2020/4/6</a:t>
+              <a:t>2020/4/28</a:t>
             </a:fld>
             <a:endParaRPr lang="zh-CN" altLang="en-US"/>
           </a:p>
@@ -1423,7 +1423,7 @@
           <a:p>
             <a:fld id="{DCF5B490-EC53-4970-A7CC-6E0AB35949B8}" type="datetimeFigureOut">
               <a:rPr lang="zh-CN" altLang="en-US" smtClean="0"/>
-              <a:t>2020/4/6</a:t>
+              <a:t>2020/4/28</a:t>
             </a:fld>
             <a:endParaRPr lang="zh-CN" altLang="en-US"/>
           </a:p>
@@ -1835,7 +1835,7 @@
           <a:p>
             <a:fld id="{DCF5B490-EC53-4970-A7CC-6E0AB35949B8}" type="datetimeFigureOut">
               <a:rPr lang="zh-CN" altLang="en-US" smtClean="0"/>
-              <a:t>2020/4/6</a:t>
+              <a:t>2020/4/28</a:t>
             </a:fld>
             <a:endParaRPr lang="zh-CN" altLang="en-US"/>
           </a:p>
@@ -1976,7 +1976,7 @@
           <a:p>
             <a:fld id="{DCF5B490-EC53-4970-A7CC-6E0AB35949B8}" type="datetimeFigureOut">
               <a:rPr lang="zh-CN" altLang="en-US" smtClean="0"/>
-              <a:t>2020/4/6</a:t>
+              <a:t>2020/4/28</a:t>
             </a:fld>
             <a:endParaRPr lang="zh-CN" altLang="en-US"/>
           </a:p>
@@ -2089,7 +2089,7 @@
           <a:p>
             <a:fld id="{DCF5B490-EC53-4970-A7CC-6E0AB35949B8}" type="datetimeFigureOut">
               <a:rPr lang="zh-CN" altLang="en-US" smtClean="0"/>
-              <a:t>2020/4/6</a:t>
+              <a:t>2020/4/28</a:t>
             </a:fld>
             <a:endParaRPr lang="zh-CN" altLang="en-US"/>
           </a:p>
@@ -2400,7 +2400,7 @@
           <a:p>
             <a:fld id="{DCF5B490-EC53-4970-A7CC-6E0AB35949B8}" type="datetimeFigureOut">
               <a:rPr lang="zh-CN" altLang="en-US" smtClean="0"/>
-              <a:t>2020/4/6</a:t>
+              <a:t>2020/4/28</a:t>
             </a:fld>
             <a:endParaRPr lang="zh-CN" altLang="en-US"/>
           </a:p>
@@ -2688,7 +2688,7 @@
           <a:p>
             <a:fld id="{DCF5B490-EC53-4970-A7CC-6E0AB35949B8}" type="datetimeFigureOut">
               <a:rPr lang="zh-CN" altLang="en-US" smtClean="0"/>
-              <a:t>2020/4/6</a:t>
+              <a:t>2020/4/28</a:t>
             </a:fld>
             <a:endParaRPr lang="zh-CN" altLang="en-US"/>
           </a:p>
@@ -2929,7 +2929,7 @@
           <a:p>
             <a:fld id="{DCF5B490-EC53-4970-A7CC-6E0AB35949B8}" type="datetimeFigureOut">
               <a:rPr lang="zh-CN" altLang="en-US" smtClean="0"/>
-              <a:t>2020/4/6</a:t>
+              <a:t>2020/4/28</a:t>
             </a:fld>
             <a:endParaRPr lang="zh-CN" altLang="en-US"/>
           </a:p>
@@ -3470,263 +3470,6 @@
           </a:p>
         </p:txBody>
       </p:sp>
-      <p:grpSp>
-        <p:nvGrpSpPr>
-          <p:cNvPr id="10" name="组合 9">
-            <a:extLst>
-              <a:ext uri="{FF2B5EF4-FFF2-40B4-BE49-F238E27FC236}">
-                <a16:creationId xmlns:a16="http://schemas.microsoft.com/office/drawing/2014/main" id="{2F558DA4-74A6-421E-AA66-D0771F2975C5}"/>
-              </a:ext>
-            </a:extLst>
-          </p:cNvPr>
-          <p:cNvGrpSpPr/>
-          <p:nvPr/>
-        </p:nvGrpSpPr>
-        <p:grpSpPr>
-          <a:xfrm>
-            <a:off x="7281334" y="308012"/>
-            <a:ext cx="4072466" cy="1382676"/>
-            <a:chOff x="7425267" y="724676"/>
-            <a:chExt cx="4072466" cy="1929102"/>
-          </a:xfrm>
-        </p:grpSpPr>
-        <p:sp>
-          <p:nvSpPr>
-            <p:cNvPr id="5" name="箭头: 五边形 4">
-              <a:extLst>
-                <a:ext uri="{FF2B5EF4-FFF2-40B4-BE49-F238E27FC236}">
-                  <a16:creationId xmlns:a16="http://schemas.microsoft.com/office/drawing/2014/main" id="{CB18CD27-C653-4AEB-ADD7-6D77CC37A4BA}"/>
-                </a:ext>
-              </a:extLst>
-            </p:cNvPr>
-            <p:cNvSpPr/>
-            <p:nvPr/>
-          </p:nvSpPr>
-          <p:spPr>
-            <a:xfrm>
-              <a:off x="7425267" y="1679831"/>
-              <a:ext cx="2024817" cy="484632"/>
-            </a:xfrm>
-            <a:prstGeom prst="homePlate">
-              <a:avLst/>
-            </a:prstGeom>
-          </p:spPr>
-          <p:style>
-            <a:lnRef idx="2">
-              <a:schemeClr val="dk1"/>
-            </a:lnRef>
-            <a:fillRef idx="1">
-              <a:schemeClr val="lt1"/>
-            </a:fillRef>
-            <a:effectRef idx="0">
-              <a:schemeClr val="dk1"/>
-            </a:effectRef>
-            <a:fontRef idx="minor">
-              <a:schemeClr val="dk1"/>
-            </a:fontRef>
-          </p:style>
-          <p:txBody>
-            <a:bodyPr rtlCol="0" anchor="ctr"/>
-            <a:lstStyle/>
-            <a:p>
-              <a:pPr algn="ctr"/>
-              <a:r>
-                <a:rPr lang="zh-CN" altLang="en-US" dirty="0"/>
-                <a:t>接口：任务运行</a:t>
-              </a:r>
-            </a:p>
-          </p:txBody>
-        </p:sp>
-        <p:sp>
-          <p:nvSpPr>
-            <p:cNvPr id="6" name="箭头: 五边形 5">
-              <a:extLst>
-                <a:ext uri="{FF2B5EF4-FFF2-40B4-BE49-F238E27FC236}">
-                  <a16:creationId xmlns:a16="http://schemas.microsoft.com/office/drawing/2014/main" id="{0FD6A560-4BB5-4283-8B85-52BCCC18C5BF}"/>
-                </a:ext>
-              </a:extLst>
-            </p:cNvPr>
-            <p:cNvSpPr/>
-            <p:nvPr/>
-          </p:nvSpPr>
-          <p:spPr>
-            <a:xfrm>
-              <a:off x="7425267" y="2169146"/>
-              <a:ext cx="2024817" cy="484632"/>
-            </a:xfrm>
-            <a:prstGeom prst="homePlate">
-              <a:avLst/>
-            </a:prstGeom>
-          </p:spPr>
-          <p:style>
-            <a:lnRef idx="2">
-              <a:schemeClr val="dk1"/>
-            </a:lnRef>
-            <a:fillRef idx="1">
-              <a:schemeClr val="lt1"/>
-            </a:fillRef>
-            <a:effectRef idx="0">
-              <a:schemeClr val="dk1"/>
-            </a:effectRef>
-            <a:fontRef idx="minor">
-              <a:schemeClr val="dk1"/>
-            </a:fontRef>
-          </p:style>
-          <p:txBody>
-            <a:bodyPr rtlCol="0" anchor="ctr"/>
-            <a:lstStyle/>
-            <a:p>
-              <a:pPr algn="ctr"/>
-              <a:r>
-                <a:rPr lang="zh-CN" altLang="en-US" dirty="0"/>
-                <a:t>接口：任务停止</a:t>
-              </a:r>
-            </a:p>
-          </p:txBody>
-        </p:sp>
-        <p:sp>
-          <p:nvSpPr>
-            <p:cNvPr id="7" name="矩形 6">
-              <a:extLst>
-                <a:ext uri="{FF2B5EF4-FFF2-40B4-BE49-F238E27FC236}">
-                  <a16:creationId xmlns:a16="http://schemas.microsoft.com/office/drawing/2014/main" id="{6EEA8A98-EB89-4454-A7A1-0ED0AD81AA61}"/>
-                </a:ext>
-              </a:extLst>
-            </p:cNvPr>
-            <p:cNvSpPr/>
-            <p:nvPr/>
-          </p:nvSpPr>
-          <p:spPr>
-            <a:xfrm>
-              <a:off x="9450084" y="724676"/>
-              <a:ext cx="2047649" cy="1929102"/>
-            </a:xfrm>
-            <a:prstGeom prst="rect">
-              <a:avLst/>
-            </a:prstGeom>
-          </p:spPr>
-          <p:style>
-            <a:lnRef idx="2">
-              <a:schemeClr val="dk1"/>
-            </a:lnRef>
-            <a:fillRef idx="1">
-              <a:schemeClr val="lt1"/>
-            </a:fillRef>
-            <a:effectRef idx="0">
-              <a:schemeClr val="dk1"/>
-            </a:effectRef>
-            <a:fontRef idx="minor">
-              <a:schemeClr val="dk1"/>
-            </a:fontRef>
-          </p:style>
-          <p:txBody>
-            <a:bodyPr rtlCol="0" anchor="ctr"/>
-            <a:lstStyle/>
-            <a:p>
-              <a:pPr algn="ctr"/>
-              <a:r>
-                <a:rPr lang="en-US" altLang="zh-CN" dirty="0" err="1"/>
-                <a:t>TaskList</a:t>
-              </a:r>
-              <a:endParaRPr lang="zh-CN" altLang="en-US" dirty="0"/>
-            </a:p>
-          </p:txBody>
-        </p:sp>
-        <p:sp>
-          <p:nvSpPr>
-            <p:cNvPr id="8" name="箭头: 五边形 7">
-              <a:extLst>
-                <a:ext uri="{FF2B5EF4-FFF2-40B4-BE49-F238E27FC236}">
-                  <a16:creationId xmlns:a16="http://schemas.microsoft.com/office/drawing/2014/main" id="{73C37886-52DA-4EB2-9FEC-987CED9340B0}"/>
-                </a:ext>
-              </a:extLst>
-            </p:cNvPr>
-            <p:cNvSpPr/>
-            <p:nvPr/>
-          </p:nvSpPr>
-          <p:spPr>
-            <a:xfrm>
-              <a:off x="7425267" y="724676"/>
-              <a:ext cx="2024817" cy="484632"/>
-            </a:xfrm>
-            <a:prstGeom prst="homePlate">
-              <a:avLst/>
-            </a:prstGeom>
-          </p:spPr>
-          <p:style>
-            <a:lnRef idx="2">
-              <a:schemeClr val="dk1"/>
-            </a:lnRef>
-            <a:fillRef idx="1">
-              <a:schemeClr val="lt1"/>
-            </a:fillRef>
-            <a:effectRef idx="0">
-              <a:schemeClr val="dk1"/>
-            </a:effectRef>
-            <a:fontRef idx="minor">
-              <a:schemeClr val="dk1"/>
-            </a:fontRef>
-          </p:style>
-          <p:txBody>
-            <a:bodyPr rtlCol="0" anchor="ctr"/>
-            <a:lstStyle/>
-            <a:p>
-              <a:pPr algn="ctr"/>
-              <a:r>
-                <a:rPr lang="zh-CN" altLang="en-US" dirty="0"/>
-                <a:t>接口：任务添加</a:t>
-              </a:r>
-            </a:p>
-          </p:txBody>
-        </p:sp>
-        <p:sp>
-          <p:nvSpPr>
-            <p:cNvPr id="9" name="箭头: 五边形 8">
-              <a:extLst>
-                <a:ext uri="{FF2B5EF4-FFF2-40B4-BE49-F238E27FC236}">
-                  <a16:creationId xmlns:a16="http://schemas.microsoft.com/office/drawing/2014/main" id="{5DF9B56F-3466-4E25-9CA5-171FA39A3239}"/>
-                </a:ext>
-              </a:extLst>
-            </p:cNvPr>
-            <p:cNvSpPr/>
-            <p:nvPr/>
-          </p:nvSpPr>
-          <p:spPr>
-            <a:xfrm>
-              <a:off x="7425267" y="1200628"/>
-              <a:ext cx="2024817" cy="484632"/>
-            </a:xfrm>
-            <a:prstGeom prst="homePlate">
-              <a:avLst/>
-            </a:prstGeom>
-          </p:spPr>
-          <p:style>
-            <a:lnRef idx="2">
-              <a:schemeClr val="dk1"/>
-            </a:lnRef>
-            <a:fillRef idx="1">
-              <a:schemeClr val="lt1"/>
-            </a:fillRef>
-            <a:effectRef idx="0">
-              <a:schemeClr val="dk1"/>
-            </a:effectRef>
-            <a:fontRef idx="minor">
-              <a:schemeClr val="dk1"/>
-            </a:fontRef>
-          </p:style>
-          <p:txBody>
-            <a:bodyPr rtlCol="0" anchor="ctr"/>
-            <a:lstStyle/>
-            <a:p>
-              <a:pPr algn="ctr"/>
-              <a:r>
-                <a:rPr lang="zh-CN" altLang="en-US" dirty="0"/>
-                <a:t>接口：任务删除</a:t>
-              </a:r>
-            </a:p>
-          </p:txBody>
-        </p:sp>
-      </p:grpSp>
       <p:sp>
         <p:nvSpPr>
           <p:cNvPr id="75" name="内容占位符 2">
@@ -5430,6 +5173,400 @@
           </p:style>
         </p:cxnSp>
       </p:grpSp>
+      <p:sp>
+        <p:nvSpPr>
+          <p:cNvPr id="48" name="箭头: 五边形 47">
+            <a:extLst>
+              <a:ext uri="{FF2B5EF4-FFF2-40B4-BE49-F238E27FC236}">
+                <a16:creationId xmlns:a16="http://schemas.microsoft.com/office/drawing/2014/main" id="{88B89542-B10D-4439-8F2C-60822A234BF7}"/>
+              </a:ext>
+            </a:extLst>
+          </p:cNvPr>
+          <p:cNvSpPr/>
+          <p:nvPr/>
+        </p:nvSpPr>
+        <p:spPr>
+          <a:xfrm flipH="1">
+            <a:off x="-2" y="1445181"/>
+            <a:ext cx="2401703" cy="484632"/>
+          </a:xfrm>
+          <a:prstGeom prst="homePlate">
+            <a:avLst/>
+          </a:prstGeom>
+        </p:spPr>
+        <p:style>
+          <a:lnRef idx="2">
+            <a:schemeClr val="dk1"/>
+          </a:lnRef>
+          <a:fillRef idx="1">
+            <a:schemeClr val="lt1"/>
+          </a:fillRef>
+          <a:effectRef idx="0">
+            <a:schemeClr val="dk1"/>
+          </a:effectRef>
+          <a:fontRef idx="minor">
+            <a:schemeClr val="dk1"/>
+          </a:fontRef>
+        </p:style>
+        <p:txBody>
+          <a:bodyPr rtlCol="0" anchor="ctr"/>
+          <a:lstStyle/>
+          <a:p>
+            <a:pPr algn="ctr"/>
+            <a:r>
+              <a:rPr lang="zh-CN" altLang="en-US" dirty="0"/>
+              <a:t>接口：获取任务列表</a:t>
+            </a:r>
+          </a:p>
+        </p:txBody>
+      </p:sp>
+      <p:cxnSp>
+        <p:nvCxnSpPr>
+          <p:cNvPr id="50" name="连接符: 肘形 49">
+            <a:extLst>
+              <a:ext uri="{FF2B5EF4-FFF2-40B4-BE49-F238E27FC236}">
+                <a16:creationId xmlns:a16="http://schemas.microsoft.com/office/drawing/2014/main" id="{D96255BE-86F5-4977-89A6-B7B531FA5EBC}"/>
+              </a:ext>
+            </a:extLst>
+          </p:cNvPr>
+          <p:cNvCxnSpPr>
+            <a:cxnSpLocks/>
+            <a:stCxn id="18" idx="0"/>
+            <a:endCxn id="48" idx="1"/>
+          </p:cNvCxnSpPr>
+          <p:nvPr/>
+        </p:nvCxnSpPr>
+        <p:spPr>
+          <a:xfrm rot="16200000" flipV="1">
+            <a:off x="3420663" y="668535"/>
+            <a:ext cx="722092" cy="2760015"/>
+          </a:xfrm>
+          <a:prstGeom prst="bentConnector2">
+            <a:avLst/>
+          </a:prstGeom>
+          <a:ln>
+            <a:tailEnd type="triangle"/>
+          </a:ln>
+        </p:spPr>
+        <p:style>
+          <a:lnRef idx="1">
+            <a:schemeClr val="dk1"/>
+          </a:lnRef>
+          <a:fillRef idx="0">
+            <a:schemeClr val="dk1"/>
+          </a:fillRef>
+          <a:effectRef idx="0">
+            <a:schemeClr val="dk1"/>
+          </a:effectRef>
+          <a:fontRef idx="minor">
+            <a:schemeClr val="tx1"/>
+          </a:fontRef>
+        </p:style>
+      </p:cxnSp>
+      <p:grpSp>
+        <p:nvGrpSpPr>
+          <p:cNvPr id="12" name="组合 11">
+            <a:extLst>
+              <a:ext uri="{FF2B5EF4-FFF2-40B4-BE49-F238E27FC236}">
+                <a16:creationId xmlns:a16="http://schemas.microsoft.com/office/drawing/2014/main" id="{5D6A8094-6F46-473B-A529-9A8756C66312}"/>
+              </a:ext>
+            </a:extLst>
+          </p:cNvPr>
+          <p:cNvGrpSpPr/>
+          <p:nvPr/>
+        </p:nvGrpSpPr>
+        <p:grpSpPr>
+          <a:xfrm>
+            <a:off x="6901614" y="162458"/>
+            <a:ext cx="4452186" cy="1730895"/>
+            <a:chOff x="6901614" y="-11014"/>
+            <a:chExt cx="4452186" cy="1730895"/>
+          </a:xfrm>
+        </p:grpSpPr>
+        <p:sp>
+          <p:nvSpPr>
+            <p:cNvPr id="5" name="箭头: 五边形 4">
+              <a:extLst>
+                <a:ext uri="{FF2B5EF4-FFF2-40B4-BE49-F238E27FC236}">
+                  <a16:creationId xmlns:a16="http://schemas.microsoft.com/office/drawing/2014/main" id="{CB18CD27-C653-4AEB-ADD7-6D77CC37A4BA}"/>
+                </a:ext>
+              </a:extLst>
+            </p:cNvPr>
+            <p:cNvSpPr/>
+            <p:nvPr/>
+          </p:nvSpPr>
+          <p:spPr>
+            <a:xfrm>
+              <a:off x="7281334" y="1021808"/>
+              <a:ext cx="2024817" cy="347358"/>
+            </a:xfrm>
+            <a:prstGeom prst="homePlate">
+              <a:avLst/>
+            </a:prstGeom>
+          </p:spPr>
+          <p:style>
+            <a:lnRef idx="2">
+              <a:schemeClr val="dk1"/>
+            </a:lnRef>
+            <a:fillRef idx="1">
+              <a:schemeClr val="lt1"/>
+            </a:fillRef>
+            <a:effectRef idx="0">
+              <a:schemeClr val="dk1"/>
+            </a:effectRef>
+            <a:fontRef idx="minor">
+              <a:schemeClr val="dk1"/>
+            </a:fontRef>
+          </p:style>
+          <p:txBody>
+            <a:bodyPr rtlCol="0" anchor="ctr"/>
+            <a:lstStyle/>
+            <a:p>
+              <a:pPr algn="ctr"/>
+              <a:r>
+                <a:rPr lang="zh-CN" altLang="en-US" dirty="0"/>
+                <a:t>接口：任务运行</a:t>
+              </a:r>
+            </a:p>
+          </p:txBody>
+        </p:sp>
+        <p:sp>
+          <p:nvSpPr>
+            <p:cNvPr id="6" name="箭头: 五边形 5">
+              <a:extLst>
+                <a:ext uri="{FF2B5EF4-FFF2-40B4-BE49-F238E27FC236}">
+                  <a16:creationId xmlns:a16="http://schemas.microsoft.com/office/drawing/2014/main" id="{0FD6A560-4BB5-4283-8B85-52BCCC18C5BF}"/>
+                </a:ext>
+              </a:extLst>
+            </p:cNvPr>
+            <p:cNvSpPr/>
+            <p:nvPr/>
+          </p:nvSpPr>
+          <p:spPr>
+            <a:xfrm>
+              <a:off x="7281334" y="1372523"/>
+              <a:ext cx="2024817" cy="347358"/>
+            </a:xfrm>
+            <a:prstGeom prst="homePlate">
+              <a:avLst/>
+            </a:prstGeom>
+          </p:spPr>
+          <p:style>
+            <a:lnRef idx="2">
+              <a:schemeClr val="dk1"/>
+            </a:lnRef>
+            <a:fillRef idx="1">
+              <a:schemeClr val="lt1"/>
+            </a:fillRef>
+            <a:effectRef idx="0">
+              <a:schemeClr val="dk1"/>
+            </a:effectRef>
+            <a:fontRef idx="minor">
+              <a:schemeClr val="dk1"/>
+            </a:fontRef>
+          </p:style>
+          <p:txBody>
+            <a:bodyPr rtlCol="0" anchor="ctr"/>
+            <a:lstStyle/>
+            <a:p>
+              <a:pPr algn="ctr"/>
+              <a:r>
+                <a:rPr lang="zh-CN" altLang="en-US" dirty="0"/>
+                <a:t>接口：任务停止</a:t>
+              </a:r>
+            </a:p>
+          </p:txBody>
+        </p:sp>
+        <p:sp>
+          <p:nvSpPr>
+            <p:cNvPr id="7" name="矩形 6">
+              <a:extLst>
+                <a:ext uri="{FF2B5EF4-FFF2-40B4-BE49-F238E27FC236}">
+                  <a16:creationId xmlns:a16="http://schemas.microsoft.com/office/drawing/2014/main" id="{6EEA8A98-EB89-4454-A7A1-0ED0AD81AA61}"/>
+                </a:ext>
+              </a:extLst>
+            </p:cNvPr>
+            <p:cNvSpPr/>
+            <p:nvPr/>
+          </p:nvSpPr>
+          <p:spPr>
+            <a:xfrm>
+              <a:off x="9306151" y="-6961"/>
+              <a:ext cx="2047649" cy="1726842"/>
+            </a:xfrm>
+            <a:prstGeom prst="rect">
+              <a:avLst/>
+            </a:prstGeom>
+          </p:spPr>
+          <p:style>
+            <a:lnRef idx="2">
+              <a:schemeClr val="dk1"/>
+            </a:lnRef>
+            <a:fillRef idx="1">
+              <a:schemeClr val="lt1"/>
+            </a:fillRef>
+            <a:effectRef idx="0">
+              <a:schemeClr val="dk1"/>
+            </a:effectRef>
+            <a:fontRef idx="minor">
+              <a:schemeClr val="dk1"/>
+            </a:fontRef>
+          </p:style>
+          <p:txBody>
+            <a:bodyPr rtlCol="0" anchor="ctr"/>
+            <a:lstStyle/>
+            <a:p>
+              <a:pPr algn="ctr"/>
+              <a:r>
+                <a:rPr lang="en-US" altLang="zh-CN" dirty="0" err="1"/>
+                <a:t>TaskList</a:t>
+              </a:r>
+              <a:endParaRPr lang="zh-CN" altLang="en-US" dirty="0"/>
+            </a:p>
+          </p:txBody>
+        </p:sp>
+        <p:sp>
+          <p:nvSpPr>
+            <p:cNvPr id="8" name="箭头: 五边形 7">
+              <a:extLst>
+                <a:ext uri="{FF2B5EF4-FFF2-40B4-BE49-F238E27FC236}">
+                  <a16:creationId xmlns:a16="http://schemas.microsoft.com/office/drawing/2014/main" id="{73C37886-52DA-4EB2-9FEC-987CED9340B0}"/>
+                </a:ext>
+              </a:extLst>
+            </p:cNvPr>
+            <p:cNvSpPr/>
+            <p:nvPr/>
+          </p:nvSpPr>
+          <p:spPr>
+            <a:xfrm>
+              <a:off x="7281334" y="337205"/>
+              <a:ext cx="2024817" cy="347358"/>
+            </a:xfrm>
+            <a:prstGeom prst="homePlate">
+              <a:avLst/>
+            </a:prstGeom>
+          </p:spPr>
+          <p:style>
+            <a:lnRef idx="2">
+              <a:schemeClr val="dk1"/>
+            </a:lnRef>
+            <a:fillRef idx="1">
+              <a:schemeClr val="lt1"/>
+            </a:fillRef>
+            <a:effectRef idx="0">
+              <a:schemeClr val="dk1"/>
+            </a:effectRef>
+            <a:fontRef idx="minor">
+              <a:schemeClr val="dk1"/>
+            </a:fontRef>
+          </p:style>
+          <p:txBody>
+            <a:bodyPr rtlCol="0" anchor="ctr"/>
+            <a:lstStyle/>
+            <a:p>
+              <a:pPr algn="ctr"/>
+              <a:r>
+                <a:rPr lang="zh-CN" altLang="en-US" dirty="0"/>
+                <a:t>接口：任务添加</a:t>
+              </a:r>
+            </a:p>
+          </p:txBody>
+        </p:sp>
+        <p:sp>
+          <p:nvSpPr>
+            <p:cNvPr id="9" name="箭头: 五边形 8">
+              <a:extLst>
+                <a:ext uri="{FF2B5EF4-FFF2-40B4-BE49-F238E27FC236}">
+                  <a16:creationId xmlns:a16="http://schemas.microsoft.com/office/drawing/2014/main" id="{5DF9B56F-3466-4E25-9CA5-171FA39A3239}"/>
+                </a:ext>
+              </a:extLst>
+            </p:cNvPr>
+            <p:cNvSpPr/>
+            <p:nvPr/>
+          </p:nvSpPr>
+          <p:spPr>
+            <a:xfrm>
+              <a:off x="7281334" y="678342"/>
+              <a:ext cx="2024817" cy="347358"/>
+            </a:xfrm>
+            <a:prstGeom prst="homePlate">
+              <a:avLst/>
+            </a:prstGeom>
+          </p:spPr>
+          <p:style>
+            <a:lnRef idx="2">
+              <a:schemeClr val="dk1"/>
+            </a:lnRef>
+            <a:fillRef idx="1">
+              <a:schemeClr val="lt1"/>
+            </a:fillRef>
+            <a:effectRef idx="0">
+              <a:schemeClr val="dk1"/>
+            </a:effectRef>
+            <a:fontRef idx="minor">
+              <a:schemeClr val="dk1"/>
+            </a:fontRef>
+          </p:style>
+          <p:txBody>
+            <a:bodyPr rtlCol="0" anchor="ctr"/>
+            <a:lstStyle/>
+            <a:p>
+              <a:pPr algn="ctr"/>
+              <a:r>
+                <a:rPr lang="zh-CN" altLang="en-US" dirty="0"/>
+                <a:t>接口：任务删除</a:t>
+              </a:r>
+            </a:p>
+          </p:txBody>
+        </p:sp>
+        <p:sp>
+          <p:nvSpPr>
+            <p:cNvPr id="53" name="箭头: 五边形 52">
+              <a:extLst>
+                <a:ext uri="{FF2B5EF4-FFF2-40B4-BE49-F238E27FC236}">
+                  <a16:creationId xmlns:a16="http://schemas.microsoft.com/office/drawing/2014/main" id="{9EA32DEB-EFE7-4007-BB1A-31923A140AC1}"/>
+                </a:ext>
+              </a:extLst>
+            </p:cNvPr>
+            <p:cNvSpPr/>
+            <p:nvPr/>
+          </p:nvSpPr>
+          <p:spPr>
+            <a:xfrm flipH="1">
+              <a:off x="6901614" y="-11014"/>
+              <a:ext cx="2401703" cy="347358"/>
+            </a:xfrm>
+            <a:prstGeom prst="homePlate">
+              <a:avLst/>
+            </a:prstGeom>
+          </p:spPr>
+          <p:style>
+            <a:lnRef idx="2">
+              <a:schemeClr val="dk1"/>
+            </a:lnRef>
+            <a:fillRef idx="1">
+              <a:schemeClr val="lt1"/>
+            </a:fillRef>
+            <a:effectRef idx="0">
+              <a:schemeClr val="dk1"/>
+            </a:effectRef>
+            <a:fontRef idx="minor">
+              <a:schemeClr val="dk1"/>
+            </a:fontRef>
+          </p:style>
+          <p:txBody>
+            <a:bodyPr rtlCol="0" anchor="ctr"/>
+            <a:lstStyle/>
+            <a:p>
+              <a:pPr algn="ctr"/>
+              <a:r>
+                <a:rPr lang="zh-CN" altLang="en-US" dirty="0"/>
+                <a:t>接口：获取任务列表</a:t>
+              </a:r>
+            </a:p>
+          </p:txBody>
+        </p:sp>
+      </p:grpSp>
     </p:spTree>
     <p:extLst>
       <p:ext uri="{BB962C8B-B14F-4D97-AF65-F5344CB8AC3E}">
@@ -7220,7 +7357,7 @@
             <a:pPr algn="ctr"/>
             <a:r>
               <a:rPr lang="zh-CN" altLang="en-US" dirty="0"/>
-              <a:t>接口：获取结果</a:t>
+              <a:t>接口：获取配置</a:t>
             </a:r>
           </a:p>
         </p:txBody>
@@ -7280,15 +7417,15 @@
           </p:cNvPr>
           <p:cNvCxnSpPr>
             <a:cxnSpLocks/>
-            <a:stCxn id="34" idx="1"/>
+            <a:stCxn id="43" idx="1"/>
             <a:endCxn id="37" idx="1"/>
           </p:cNvCxnSpPr>
           <p:nvPr/>
         </p:nvCxnSpPr>
         <p:spPr>
           <a:xfrm flipV="1">
-            <a:off x="2024817" y="5450057"/>
-            <a:ext cx="1375409" cy="151473"/>
+            <a:off x="2024681" y="5450057"/>
+            <a:ext cx="1375545" cy="640915"/>
           </a:xfrm>
           <a:prstGeom prst="straightConnector1">
             <a:avLst/>
@@ -8387,6 +8524,97 @@
           </a:p>
         </p:txBody>
       </p:sp>
+      <p:sp>
+        <p:nvSpPr>
+          <p:cNvPr id="43" name="箭头: 五边形 42">
+            <a:extLst>
+              <a:ext uri="{FF2B5EF4-FFF2-40B4-BE49-F238E27FC236}">
+                <a16:creationId xmlns:a16="http://schemas.microsoft.com/office/drawing/2014/main" id="{F5D09D02-0BAF-47A9-BC36-9D9E04BAEAA6}"/>
+              </a:ext>
+            </a:extLst>
+          </p:cNvPr>
+          <p:cNvSpPr/>
+          <p:nvPr/>
+        </p:nvSpPr>
+        <p:spPr>
+          <a:xfrm flipH="1">
+            <a:off x="-136" y="5848656"/>
+            <a:ext cx="2024817" cy="484632"/>
+          </a:xfrm>
+          <a:prstGeom prst="homePlate">
+            <a:avLst/>
+          </a:prstGeom>
+        </p:spPr>
+        <p:style>
+          <a:lnRef idx="2">
+            <a:schemeClr val="dk1"/>
+          </a:lnRef>
+          <a:fillRef idx="1">
+            <a:schemeClr val="lt1"/>
+          </a:fillRef>
+          <a:effectRef idx="0">
+            <a:schemeClr val="dk1"/>
+          </a:effectRef>
+          <a:fontRef idx="minor">
+            <a:schemeClr val="dk1"/>
+          </a:fontRef>
+        </p:style>
+        <p:txBody>
+          <a:bodyPr rtlCol="0" anchor="ctr"/>
+          <a:lstStyle/>
+          <a:p>
+            <a:pPr algn="ctr"/>
+            <a:r>
+              <a:rPr lang="zh-CN" altLang="en-US" dirty="0"/>
+              <a:t>接口：获取结果</a:t>
+            </a:r>
+          </a:p>
+        </p:txBody>
+      </p:sp>
+      <p:cxnSp>
+        <p:nvCxnSpPr>
+          <p:cNvPr id="44" name="直接箭头连接符 43">
+            <a:extLst>
+              <a:ext uri="{FF2B5EF4-FFF2-40B4-BE49-F238E27FC236}">
+                <a16:creationId xmlns:a16="http://schemas.microsoft.com/office/drawing/2014/main" id="{C17C10DA-EDBB-4F75-994B-F080843B35DB}"/>
+              </a:ext>
+            </a:extLst>
+          </p:cNvPr>
+          <p:cNvCxnSpPr>
+            <a:cxnSpLocks/>
+            <a:stCxn id="34" idx="1"/>
+            <a:endCxn id="36" idx="1"/>
+          </p:cNvCxnSpPr>
+          <p:nvPr/>
+        </p:nvCxnSpPr>
+        <p:spPr>
+          <a:xfrm flipV="1">
+            <a:off x="2024817" y="4968648"/>
+            <a:ext cx="1375409" cy="632882"/>
+          </a:xfrm>
+          <a:prstGeom prst="straightConnector1">
+            <a:avLst/>
+          </a:prstGeom>
+          <a:ln w="6350">
+            <a:headEnd type="triangle" w="med" len="med"/>
+            <a:tailEnd type="none" w="med" len="med"/>
+          </a:ln>
+        </p:spPr>
+        <p:style>
+          <a:lnRef idx="1">
+            <a:schemeClr val="dk1"/>
+          </a:lnRef>
+          <a:fillRef idx="0">
+            <a:schemeClr val="dk1"/>
+          </a:fillRef>
+          <a:effectRef idx="0">
+            <a:schemeClr val="dk1"/>
+          </a:effectRef>
+          <a:fontRef idx="minor">
+            <a:schemeClr val="tx1"/>
+          </a:fontRef>
+        </p:style>
+      </p:cxnSp>
     </p:spTree>
     <p:extLst>
       <p:ext uri="{BB962C8B-B14F-4D97-AF65-F5344CB8AC3E}">
@@ -15752,169 +15980,6 @@
           </a:p>
         </p:txBody>
       </p:sp>
-      <p:grpSp>
-        <p:nvGrpSpPr>
-          <p:cNvPr id="114" name="组合 113">
-            <a:extLst>
-              <a:ext uri="{FF2B5EF4-FFF2-40B4-BE49-F238E27FC236}">
-                <a16:creationId xmlns:a16="http://schemas.microsoft.com/office/drawing/2014/main" id="{C714AD56-8E8D-4935-921F-3DAC1D0AB421}"/>
-              </a:ext>
-            </a:extLst>
-          </p:cNvPr>
-          <p:cNvGrpSpPr/>
-          <p:nvPr/>
-        </p:nvGrpSpPr>
-        <p:grpSpPr>
-          <a:xfrm>
-            <a:off x="7281334" y="540932"/>
-            <a:ext cx="4072466" cy="973947"/>
-            <a:chOff x="6185540" y="363796"/>
-            <a:chExt cx="4072466" cy="973947"/>
-          </a:xfrm>
-        </p:grpSpPr>
-        <p:sp>
-          <p:nvSpPr>
-            <p:cNvPr id="95" name="箭头: 五边形 94">
-              <a:extLst>
-                <a:ext uri="{FF2B5EF4-FFF2-40B4-BE49-F238E27FC236}">
-                  <a16:creationId xmlns:a16="http://schemas.microsoft.com/office/drawing/2014/main" id="{5AFF35F1-3041-4D8C-A781-4D32100B68BD}"/>
-                </a:ext>
-              </a:extLst>
-            </p:cNvPr>
-            <p:cNvSpPr/>
-            <p:nvPr/>
-          </p:nvSpPr>
-          <p:spPr>
-            <a:xfrm>
-              <a:off x="6185540" y="363796"/>
-              <a:ext cx="2024817" cy="484632"/>
-            </a:xfrm>
-            <a:prstGeom prst="homePlate">
-              <a:avLst/>
-            </a:prstGeom>
-          </p:spPr>
-          <p:style>
-            <a:lnRef idx="2">
-              <a:schemeClr val="dk1"/>
-            </a:lnRef>
-            <a:fillRef idx="1">
-              <a:schemeClr val="lt1"/>
-            </a:fillRef>
-            <a:effectRef idx="0">
-              <a:schemeClr val="dk1"/>
-            </a:effectRef>
-            <a:fontRef idx="minor">
-              <a:schemeClr val="dk1"/>
-            </a:fontRef>
-          </p:style>
-          <p:txBody>
-            <a:bodyPr rtlCol="0" anchor="ctr"/>
-            <a:lstStyle/>
-            <a:p>
-              <a:pPr algn="ctr"/>
-              <a:r>
-                <a:rPr lang="zh-CN" altLang="en-US" dirty="0"/>
-                <a:t>接口：任务运行</a:t>
-              </a:r>
-            </a:p>
-          </p:txBody>
-        </p:sp>
-        <p:sp>
-          <p:nvSpPr>
-            <p:cNvPr id="96" name="箭头: 五边形 95">
-              <a:extLst>
-                <a:ext uri="{FF2B5EF4-FFF2-40B4-BE49-F238E27FC236}">
-                  <a16:creationId xmlns:a16="http://schemas.microsoft.com/office/drawing/2014/main" id="{35AB1B88-C597-4466-A3F5-AB156942F92E}"/>
-                </a:ext>
-              </a:extLst>
-            </p:cNvPr>
-            <p:cNvSpPr/>
-            <p:nvPr/>
-          </p:nvSpPr>
-          <p:spPr>
-            <a:xfrm>
-              <a:off x="6185540" y="853111"/>
-              <a:ext cx="2024817" cy="484632"/>
-            </a:xfrm>
-            <a:prstGeom prst="homePlate">
-              <a:avLst/>
-            </a:prstGeom>
-          </p:spPr>
-          <p:style>
-            <a:lnRef idx="2">
-              <a:schemeClr val="dk1"/>
-            </a:lnRef>
-            <a:fillRef idx="1">
-              <a:schemeClr val="lt1"/>
-            </a:fillRef>
-            <a:effectRef idx="0">
-              <a:schemeClr val="dk1"/>
-            </a:effectRef>
-            <a:fontRef idx="minor">
-              <a:schemeClr val="dk1"/>
-            </a:fontRef>
-          </p:style>
-          <p:txBody>
-            <a:bodyPr rtlCol="0" anchor="ctr"/>
-            <a:lstStyle/>
-            <a:p>
-              <a:pPr algn="ctr"/>
-              <a:r>
-                <a:rPr lang="zh-CN" altLang="en-US" dirty="0"/>
-                <a:t>接口：任务取消</a:t>
-              </a:r>
-            </a:p>
-          </p:txBody>
-        </p:sp>
-        <p:sp>
-          <p:nvSpPr>
-            <p:cNvPr id="113" name="矩形 112">
-              <a:extLst>
-                <a:ext uri="{FF2B5EF4-FFF2-40B4-BE49-F238E27FC236}">
-                  <a16:creationId xmlns:a16="http://schemas.microsoft.com/office/drawing/2014/main" id="{419A5198-81A4-44C6-997D-6C042584EEB2}"/>
-                </a:ext>
-              </a:extLst>
-            </p:cNvPr>
-            <p:cNvSpPr/>
-            <p:nvPr/>
-          </p:nvSpPr>
-          <p:spPr>
-            <a:xfrm>
-              <a:off x="8210357" y="374653"/>
-              <a:ext cx="2047649" cy="963090"/>
-            </a:xfrm>
-            <a:prstGeom prst="rect">
-              <a:avLst/>
-            </a:prstGeom>
-          </p:spPr>
-          <p:style>
-            <a:lnRef idx="2">
-              <a:schemeClr val="dk1"/>
-            </a:lnRef>
-            <a:fillRef idx="1">
-              <a:schemeClr val="lt1"/>
-            </a:fillRef>
-            <a:effectRef idx="0">
-              <a:schemeClr val="dk1"/>
-            </a:effectRef>
-            <a:fontRef idx="minor">
-              <a:schemeClr val="dk1"/>
-            </a:fontRef>
-          </p:style>
-          <p:txBody>
-            <a:bodyPr rtlCol="0" anchor="ctr"/>
-            <a:lstStyle/>
-            <a:p>
-              <a:pPr algn="ctr"/>
-              <a:r>
-                <a:rPr lang="en-US" altLang="zh-CN" dirty="0"/>
-                <a:t>Daemon</a:t>
-              </a:r>
-              <a:endParaRPr lang="zh-CN" altLang="en-US" dirty="0"/>
-            </a:p>
-          </p:txBody>
-        </p:sp>
-      </p:grpSp>
       <p:sp>
         <p:nvSpPr>
           <p:cNvPr id="130" name="矩形 129">
@@ -17508,6 +17573,216 @@
           </a:p>
         </p:txBody>
       </p:sp>
+      <p:grpSp>
+        <p:nvGrpSpPr>
+          <p:cNvPr id="7" name="组合 6">
+            <a:extLst>
+              <a:ext uri="{FF2B5EF4-FFF2-40B4-BE49-F238E27FC236}">
+                <a16:creationId xmlns:a16="http://schemas.microsoft.com/office/drawing/2014/main" id="{69A504DB-7EFF-48EA-AD3B-8F1E6ED07F60}"/>
+              </a:ext>
+            </a:extLst>
+          </p:cNvPr>
+          <p:cNvGrpSpPr/>
+          <p:nvPr/>
+        </p:nvGrpSpPr>
+        <p:grpSpPr>
+          <a:xfrm>
+            <a:off x="7281333" y="288993"/>
+            <a:ext cx="4072467" cy="1467371"/>
+            <a:chOff x="7281333" y="-195483"/>
+            <a:chExt cx="4072467" cy="1467371"/>
+          </a:xfrm>
+        </p:grpSpPr>
+        <p:sp>
+          <p:nvSpPr>
+            <p:cNvPr id="95" name="箭头: 五边形 94">
+              <a:extLst>
+                <a:ext uri="{FF2B5EF4-FFF2-40B4-BE49-F238E27FC236}">
+                  <a16:creationId xmlns:a16="http://schemas.microsoft.com/office/drawing/2014/main" id="{5AFF35F1-3041-4D8C-A781-4D32100B68BD}"/>
+                </a:ext>
+              </a:extLst>
+            </p:cNvPr>
+            <p:cNvSpPr/>
+            <p:nvPr/>
+          </p:nvSpPr>
+          <p:spPr>
+            <a:xfrm>
+              <a:off x="7281334" y="297941"/>
+              <a:ext cx="2024817" cy="484632"/>
+            </a:xfrm>
+            <a:prstGeom prst="homePlate">
+              <a:avLst/>
+            </a:prstGeom>
+          </p:spPr>
+          <p:style>
+            <a:lnRef idx="2">
+              <a:schemeClr val="dk1"/>
+            </a:lnRef>
+            <a:fillRef idx="1">
+              <a:schemeClr val="lt1"/>
+            </a:fillRef>
+            <a:effectRef idx="0">
+              <a:schemeClr val="dk1"/>
+            </a:effectRef>
+            <a:fontRef idx="minor">
+              <a:schemeClr val="dk1"/>
+            </a:fontRef>
+          </p:style>
+          <p:txBody>
+            <a:bodyPr rtlCol="0" anchor="ctr"/>
+            <a:lstStyle/>
+            <a:p>
+              <a:pPr algn="ctr"/>
+              <a:r>
+                <a:rPr lang="zh-CN" altLang="en-US" dirty="0"/>
+                <a:t>接口：任务运行</a:t>
+              </a:r>
+            </a:p>
+          </p:txBody>
+        </p:sp>
+        <p:sp>
+          <p:nvSpPr>
+            <p:cNvPr id="96" name="箭头: 五边形 95">
+              <a:extLst>
+                <a:ext uri="{FF2B5EF4-FFF2-40B4-BE49-F238E27FC236}">
+                  <a16:creationId xmlns:a16="http://schemas.microsoft.com/office/drawing/2014/main" id="{35AB1B88-C597-4466-A3F5-AB156942F92E}"/>
+                </a:ext>
+              </a:extLst>
+            </p:cNvPr>
+            <p:cNvSpPr/>
+            <p:nvPr/>
+          </p:nvSpPr>
+          <p:spPr>
+            <a:xfrm>
+              <a:off x="7281334" y="787256"/>
+              <a:ext cx="2024817" cy="484632"/>
+            </a:xfrm>
+            <a:prstGeom prst="homePlate">
+              <a:avLst/>
+            </a:prstGeom>
+          </p:spPr>
+          <p:style>
+            <a:lnRef idx="2">
+              <a:schemeClr val="dk1"/>
+            </a:lnRef>
+            <a:fillRef idx="1">
+              <a:schemeClr val="lt1"/>
+            </a:fillRef>
+            <a:effectRef idx="0">
+              <a:schemeClr val="dk1"/>
+            </a:effectRef>
+            <a:fontRef idx="minor">
+              <a:schemeClr val="dk1"/>
+            </a:fontRef>
+          </p:style>
+          <p:txBody>
+            <a:bodyPr rtlCol="0" anchor="ctr"/>
+            <a:lstStyle/>
+            <a:p>
+              <a:pPr algn="ctr"/>
+              <a:r>
+                <a:rPr lang="zh-CN" altLang="en-US" dirty="0"/>
+                <a:t>接口：任务取消</a:t>
+              </a:r>
+            </a:p>
+          </p:txBody>
+        </p:sp>
+        <p:sp>
+          <p:nvSpPr>
+            <p:cNvPr id="113" name="矩形 112">
+              <a:extLst>
+                <a:ext uri="{FF2B5EF4-FFF2-40B4-BE49-F238E27FC236}">
+                  <a16:creationId xmlns:a16="http://schemas.microsoft.com/office/drawing/2014/main" id="{419A5198-81A4-44C6-997D-6C042584EEB2}"/>
+                </a:ext>
+              </a:extLst>
+            </p:cNvPr>
+            <p:cNvSpPr/>
+            <p:nvPr/>
+          </p:nvSpPr>
+          <p:spPr>
+            <a:xfrm>
+              <a:off x="9306151" y="-195483"/>
+              <a:ext cx="2047649" cy="1467371"/>
+            </a:xfrm>
+            <a:prstGeom prst="rect">
+              <a:avLst/>
+            </a:prstGeom>
+          </p:spPr>
+          <p:style>
+            <a:lnRef idx="2">
+              <a:schemeClr val="dk1"/>
+            </a:lnRef>
+            <a:fillRef idx="1">
+              <a:schemeClr val="lt1"/>
+            </a:fillRef>
+            <a:effectRef idx="0">
+              <a:schemeClr val="dk1"/>
+            </a:effectRef>
+            <a:fontRef idx="minor">
+              <a:schemeClr val="dk1"/>
+            </a:fontRef>
+          </p:style>
+          <p:txBody>
+            <a:bodyPr rtlCol="0" anchor="ctr"/>
+            <a:lstStyle/>
+            <a:p>
+              <a:pPr algn="ctr"/>
+              <a:r>
+                <a:rPr lang="en-US" altLang="zh-CN" dirty="0"/>
+                <a:t>Daemon</a:t>
+              </a:r>
+              <a:endParaRPr lang="zh-CN" altLang="en-US" dirty="0"/>
+            </a:p>
+          </p:txBody>
+        </p:sp>
+        <p:sp>
+          <p:nvSpPr>
+            <p:cNvPr id="46" name="箭头: 五边形 45">
+              <a:extLst>
+                <a:ext uri="{FF2B5EF4-FFF2-40B4-BE49-F238E27FC236}">
+                  <a16:creationId xmlns:a16="http://schemas.microsoft.com/office/drawing/2014/main" id="{9CA321EB-C321-4537-B27B-A71C6DF112F8}"/>
+                </a:ext>
+              </a:extLst>
+            </p:cNvPr>
+            <p:cNvSpPr/>
+            <p:nvPr/>
+          </p:nvSpPr>
+          <p:spPr>
+            <a:xfrm flipH="1">
+              <a:off x="7281333" y="-191087"/>
+              <a:ext cx="2024817" cy="484632"/>
+            </a:xfrm>
+            <a:prstGeom prst="homePlate">
+              <a:avLst/>
+            </a:prstGeom>
+          </p:spPr>
+          <p:style>
+            <a:lnRef idx="2">
+              <a:schemeClr val="dk1"/>
+            </a:lnRef>
+            <a:fillRef idx="1">
+              <a:schemeClr val="lt1"/>
+            </a:fillRef>
+            <a:effectRef idx="0">
+              <a:schemeClr val="dk1"/>
+            </a:effectRef>
+            <a:fontRef idx="minor">
+              <a:schemeClr val="dk1"/>
+            </a:fontRef>
+          </p:style>
+          <p:txBody>
+            <a:bodyPr rtlCol="0" anchor="ctr"/>
+            <a:lstStyle/>
+            <a:p>
+              <a:pPr algn="ctr"/>
+              <a:r>
+                <a:rPr lang="zh-CN" altLang="en-US" dirty="0"/>
+                <a:t>接口：获取状态</a:t>
+              </a:r>
+            </a:p>
+          </p:txBody>
+        </p:sp>
+      </p:grpSp>
     </p:spTree>
     <p:extLst>
       <p:ext uri="{BB962C8B-B14F-4D97-AF65-F5344CB8AC3E}">
